--- a/docs/presentation.pptx
+++ b/docs/presentation.pptx
@@ -5,18 +5,19 @@
     <p:sldMasterId id="2147483696" r:id="rId1"/>
   </p:sldMasterIdLst>
   <p:notesMasterIdLst>
-    <p:notesMasterId r:id="rId8"/>
+    <p:notesMasterId r:id="rId9"/>
   </p:notesMasterIdLst>
   <p:handoutMasterIdLst>
-    <p:handoutMasterId r:id="rId9"/>
+    <p:handoutMasterId r:id="rId10"/>
   </p:handoutMasterIdLst>
   <p:sldIdLst>
     <p:sldId id="256" r:id="rId2"/>
     <p:sldId id="257" r:id="rId3"/>
     <p:sldId id="291" r:id="rId4"/>
     <p:sldId id="292" r:id="rId5"/>
-    <p:sldId id="293" r:id="rId6"/>
-    <p:sldId id="284" r:id="rId7"/>
+    <p:sldId id="297" r:id="rId6"/>
+    <p:sldId id="296" r:id="rId7"/>
+    <p:sldId id="298" r:id="rId8"/>
   </p:sldIdLst>
   <p:sldSz cx="9144000" cy="6858000" type="screen4x3"/>
   <p:notesSz cx="6858000" cy="9144000"/>
@@ -117,21 +118,22 @@
   </p:defaultTextStyle>
   <p:extLst>
     <p:ext uri="{521415D9-36F7-43E2-AB2F-B90AF26B5E84}">
-      <p14:sectionLst xmlns:p14="http://schemas.microsoft.com/office/powerpoint/2010/main">
+      <p14:sectionLst xmlns:p14="http://schemas.microsoft.com/office/powerpoint/2010/main" xmlns="">
         <p14:section name="Раздел по умолчанию" id="{E04143A8-4EB5-4A67-A8C3-A6B7757A722C}">
           <p14:sldIdLst>
             <p14:sldId id="256"/>
             <p14:sldId id="257"/>
             <p14:sldId id="291"/>
             <p14:sldId id="292"/>
-            <p14:sldId id="293"/>
-            <p14:sldId id="284"/>
+            <p14:sldId id="297"/>
+            <p14:sldId id="296"/>
+            <p14:sldId id="298"/>
           </p14:sldIdLst>
         </p14:section>
       </p14:sectionLst>
     </p:ext>
     <p:ext uri="{EFAFB233-063F-42B5-8137-9DF3F51BA10A}">
-      <p15:sldGuideLst xmlns:p15="http://schemas.microsoft.com/office/powerpoint/2012/main">
+      <p15:sldGuideLst xmlns:p15="http://schemas.microsoft.com/office/powerpoint/2012/main" xmlns="">
         <p15:guide id="1" orient="horz" pos="2160" userDrawn="1">
           <p15:clr>
             <a:srgbClr val="A4A3A4"/>
@@ -230,7 +232,8 @@
           <a:p>
             <a:fld id="{44B5C488-63D3-4764-8352-CF301584D11C}" type="datetimeFigureOut">
               <a:rPr lang="ru-RU" smtClean="0"/>
-              <a:t>22.11.2022</a:t>
+              <a:pPr/>
+              <a:t>13.12.2022</a:t>
             </a:fld>
             <a:endParaRPr lang="ru-RU"/>
           </a:p>
@@ -296,6 +299,7 @@
           <a:p>
             <a:fld id="{BC6E2F22-E015-4490-BBD3-23738B5CB9E9}" type="slidenum">
               <a:rPr lang="ru-RU" smtClean="0"/>
+              <a:pPr/>
               <a:t>‹#›</a:t>
             </a:fld>
             <a:endParaRPr lang="ru-RU"/>
@@ -305,7 +309,7 @@
     </p:spTree>
     <p:extLst>
       <p:ext uri="{BB962C8B-B14F-4D97-AF65-F5344CB8AC3E}">
-        <p14:creationId xmlns:p14="http://schemas.microsoft.com/office/powerpoint/2010/main" val="3442751897"/>
+        <p14:creationId xmlns:p14="http://schemas.microsoft.com/office/powerpoint/2010/main" xmlns="" val="3442751897"/>
       </p:ext>
     </p:extLst>
   </p:cSld>
@@ -397,7 +401,7 @@
             <a:fld id="{1A835A0B-8D32-41B0-A61A-1EF2F9BC048D}" type="datetimeFigureOut">
               <a:rPr lang="ru-RU" smtClean="0"/>
               <a:pPr/>
-              <a:t>22.11.2022</a:t>
+              <a:t>13.12.2022</a:t>
             </a:fld>
             <a:endParaRPr lang="ru-RU"/>
           </a:p>
@@ -565,7 +569,7 @@
     </p:spTree>
     <p:extLst>
       <p:ext uri="{BB962C8B-B14F-4D97-AF65-F5344CB8AC3E}">
-        <p14:creationId xmlns:p14="http://schemas.microsoft.com/office/powerpoint/2010/main" val="493274081"/>
+        <p14:creationId xmlns:p14="http://schemas.microsoft.com/office/powerpoint/2010/main" xmlns="" val="493274081"/>
       </p:ext>
     </p:extLst>
   </p:cSld>
@@ -797,7 +801,8 @@
           <a:p>
             <a:fld id="{EEA59173-593A-4C3C-B303-E4EEE2211D7C}" type="datetime1">
               <a:rPr lang="ru-RU" smtClean="0"/>
-              <a:t>22.11.2022</a:t>
+              <a:pPr/>
+              <a:t>13.12.2022</a:t>
             </a:fld>
             <a:endParaRPr lang="ru-RU"/>
           </a:p>
@@ -858,7 +863,7 @@
           <a:blip r:embed="rId2" cstate="print">
             <a:extLst>
               <a:ext uri="{28A0092B-C50C-407E-A947-70E740481C1C}">
-                <a14:useLocalDpi xmlns:a14="http://schemas.microsoft.com/office/drawing/2010/main" val="0"/>
+                <a14:useLocalDpi xmlns:a14="http://schemas.microsoft.com/office/drawing/2010/main" xmlns="" val="0"/>
               </a:ext>
             </a:extLst>
           </a:blip>
@@ -879,7 +884,7 @@
     </p:spTree>
     <p:extLst>
       <p:ext uri="{BB962C8B-B14F-4D97-AF65-F5344CB8AC3E}">
-        <p14:creationId xmlns:p14="http://schemas.microsoft.com/office/powerpoint/2010/main" val="3739325090"/>
+        <p14:creationId xmlns:p14="http://schemas.microsoft.com/office/powerpoint/2010/main" xmlns="" val="3739325090"/>
       </p:ext>
     </p:extLst>
   </p:cSld>
@@ -998,7 +1003,8 @@
           <a:p>
             <a:fld id="{9315525D-A537-434D-8ECF-F985A02C2ACA}" type="datetime1">
               <a:rPr lang="ru-RU" smtClean="0"/>
-              <a:t>22.11.2022</a:t>
+              <a:pPr/>
+              <a:t>13.12.2022</a:t>
             </a:fld>
             <a:endParaRPr lang="ru-RU"/>
           </a:p>
@@ -1050,7 +1056,7 @@
     </p:spTree>
     <p:extLst>
       <p:ext uri="{BB962C8B-B14F-4D97-AF65-F5344CB8AC3E}">
-        <p14:creationId xmlns:p14="http://schemas.microsoft.com/office/powerpoint/2010/main" val="3574394975"/>
+        <p14:creationId xmlns:p14="http://schemas.microsoft.com/office/powerpoint/2010/main" xmlns="" val="3574394975"/>
       </p:ext>
     </p:extLst>
   </p:cSld>
@@ -1179,7 +1185,8 @@
           <a:p>
             <a:fld id="{132DD733-C814-439B-8E02-890D3FFEF13E}" type="datetime1">
               <a:rPr lang="ru-RU" smtClean="0"/>
-              <a:t>22.11.2022</a:t>
+              <a:pPr/>
+              <a:t>13.12.2022</a:t>
             </a:fld>
             <a:endParaRPr lang="ru-RU"/>
           </a:p>
@@ -1231,7 +1238,7 @@
     </p:spTree>
     <p:extLst>
       <p:ext uri="{BB962C8B-B14F-4D97-AF65-F5344CB8AC3E}">
-        <p14:creationId xmlns:p14="http://schemas.microsoft.com/office/powerpoint/2010/main" val="1692832995"/>
+        <p14:creationId xmlns:p14="http://schemas.microsoft.com/office/powerpoint/2010/main" xmlns="" val="1692832995"/>
       </p:ext>
     </p:extLst>
   </p:cSld>
@@ -1350,7 +1357,8 @@
           <a:p>
             <a:fld id="{B38B597E-3358-4497-8B1D-CD8DBEB0F70C}" type="datetime1">
               <a:rPr lang="ru-RU" smtClean="0"/>
-              <a:t>22.11.2022</a:t>
+              <a:pPr/>
+              <a:t>13.12.2022</a:t>
             </a:fld>
             <a:endParaRPr lang="ru-RU"/>
           </a:p>
@@ -1411,7 +1419,7 @@
           <a:blip r:embed="rId2" cstate="print">
             <a:extLst>
               <a:ext uri="{28A0092B-C50C-407E-A947-70E740481C1C}">
-                <a14:useLocalDpi xmlns:a14="http://schemas.microsoft.com/office/drawing/2010/main" val="0"/>
+                <a14:useLocalDpi xmlns:a14="http://schemas.microsoft.com/office/drawing/2010/main" xmlns="" val="0"/>
               </a:ext>
             </a:extLst>
           </a:blip>
@@ -1432,7 +1440,7 @@
     </p:spTree>
     <p:extLst>
       <p:ext uri="{BB962C8B-B14F-4D97-AF65-F5344CB8AC3E}">
-        <p14:creationId xmlns:p14="http://schemas.microsoft.com/office/powerpoint/2010/main" val="2627739251"/>
+        <p14:creationId xmlns:p14="http://schemas.microsoft.com/office/powerpoint/2010/main" xmlns="" val="2627739251"/>
       </p:ext>
     </p:extLst>
   </p:cSld>
@@ -1625,7 +1633,8 @@
           <a:p>
             <a:fld id="{C2F3329A-ED6E-4464-88AD-B32EC16DF484}" type="datetime1">
               <a:rPr lang="ru-RU" smtClean="0"/>
-              <a:t>22.11.2022</a:t>
+              <a:pPr/>
+              <a:t>13.12.2022</a:t>
             </a:fld>
             <a:endParaRPr lang="ru-RU"/>
           </a:p>
@@ -1686,7 +1695,7 @@
           <a:blip r:embed="rId2" cstate="print">
             <a:extLst>
               <a:ext uri="{28A0092B-C50C-407E-A947-70E740481C1C}">
-                <a14:useLocalDpi xmlns:a14="http://schemas.microsoft.com/office/drawing/2010/main" val="0"/>
+                <a14:useLocalDpi xmlns:a14="http://schemas.microsoft.com/office/drawing/2010/main" xmlns="" val="0"/>
               </a:ext>
             </a:extLst>
           </a:blip>
@@ -1707,7 +1716,7 @@
     </p:spTree>
     <p:extLst>
       <p:ext uri="{BB962C8B-B14F-4D97-AF65-F5344CB8AC3E}">
-        <p14:creationId xmlns:p14="http://schemas.microsoft.com/office/powerpoint/2010/main" val="3998408541"/>
+        <p14:creationId xmlns:p14="http://schemas.microsoft.com/office/powerpoint/2010/main" xmlns="" val="3998408541"/>
       </p:ext>
     </p:extLst>
   </p:cSld>
@@ -1888,7 +1897,8 @@
           <a:p>
             <a:fld id="{A30A5F06-488E-4F49-8F9D-11A987DD4BFF}" type="datetime1">
               <a:rPr lang="ru-RU" smtClean="0"/>
-              <a:t>22.11.2022</a:t>
+              <a:pPr/>
+              <a:t>13.12.2022</a:t>
             </a:fld>
             <a:endParaRPr lang="ru-RU"/>
           </a:p>
@@ -1949,7 +1959,7 @@
           <a:blip r:embed="rId2" cstate="print">
             <a:extLst>
               <a:ext uri="{28A0092B-C50C-407E-A947-70E740481C1C}">
-                <a14:useLocalDpi xmlns:a14="http://schemas.microsoft.com/office/drawing/2010/main" val="0"/>
+                <a14:useLocalDpi xmlns:a14="http://schemas.microsoft.com/office/drawing/2010/main" xmlns="" val="0"/>
               </a:ext>
             </a:extLst>
           </a:blip>
@@ -1970,7 +1980,7 @@
     </p:spTree>
     <p:extLst>
       <p:ext uri="{BB962C8B-B14F-4D97-AF65-F5344CB8AC3E}">
-        <p14:creationId xmlns:p14="http://schemas.microsoft.com/office/powerpoint/2010/main" val="17510399"/>
+        <p14:creationId xmlns:p14="http://schemas.microsoft.com/office/powerpoint/2010/main" xmlns="" val="17510399"/>
       </p:ext>
     </p:extLst>
   </p:cSld>
@@ -2286,7 +2296,8 @@
           <a:p>
             <a:fld id="{E5481919-59AB-4829-8722-B45304DD1A12}" type="datetime1">
               <a:rPr lang="ru-RU" smtClean="0"/>
-              <a:t>22.11.2022</a:t>
+              <a:pPr/>
+              <a:t>13.12.2022</a:t>
             </a:fld>
             <a:endParaRPr lang="ru-RU"/>
           </a:p>
@@ -2347,7 +2358,7 @@
           <a:blip r:embed="rId2" cstate="print">
             <a:extLst>
               <a:ext uri="{28A0092B-C50C-407E-A947-70E740481C1C}">
-                <a14:useLocalDpi xmlns:a14="http://schemas.microsoft.com/office/drawing/2010/main" val="0"/>
+                <a14:useLocalDpi xmlns:a14="http://schemas.microsoft.com/office/drawing/2010/main" xmlns="" val="0"/>
               </a:ext>
             </a:extLst>
           </a:blip>
@@ -2368,7 +2379,7 @@
     </p:spTree>
     <p:extLst>
       <p:ext uri="{BB962C8B-B14F-4D97-AF65-F5344CB8AC3E}">
-        <p14:creationId xmlns:p14="http://schemas.microsoft.com/office/powerpoint/2010/main" val="1960569521"/>
+        <p14:creationId xmlns:p14="http://schemas.microsoft.com/office/powerpoint/2010/main" xmlns="" val="1960569521"/>
       </p:ext>
     </p:extLst>
   </p:cSld>
@@ -2435,7 +2446,8 @@
           <a:p>
             <a:fld id="{12A539FA-8085-489F-92BF-872329FA4B63}" type="datetime1">
               <a:rPr lang="ru-RU" smtClean="0"/>
-              <a:t>22.11.2022</a:t>
+              <a:pPr/>
+              <a:t>13.12.2022</a:t>
             </a:fld>
             <a:endParaRPr lang="ru-RU"/>
           </a:p>
@@ -2496,7 +2508,7 @@
           <a:blip r:embed="rId2" cstate="print">
             <a:extLst>
               <a:ext uri="{28A0092B-C50C-407E-A947-70E740481C1C}">
-                <a14:useLocalDpi xmlns:a14="http://schemas.microsoft.com/office/drawing/2010/main" val="0"/>
+                <a14:useLocalDpi xmlns:a14="http://schemas.microsoft.com/office/drawing/2010/main" xmlns="" val="0"/>
               </a:ext>
             </a:extLst>
           </a:blip>
@@ -2517,7 +2529,7 @@
     </p:spTree>
     <p:extLst>
       <p:ext uri="{BB962C8B-B14F-4D97-AF65-F5344CB8AC3E}">
-        <p14:creationId xmlns:p14="http://schemas.microsoft.com/office/powerpoint/2010/main" val="2470899256"/>
+        <p14:creationId xmlns:p14="http://schemas.microsoft.com/office/powerpoint/2010/main" xmlns="" val="2470899256"/>
       </p:ext>
     </p:extLst>
   </p:cSld>
@@ -2561,7 +2573,8 @@
           <a:p>
             <a:fld id="{FEC74F4F-1BC8-4547-871F-84C52324B268}" type="datetime1">
               <a:rPr lang="ru-RU" smtClean="0"/>
-              <a:t>22.11.2022</a:t>
+              <a:pPr/>
+              <a:t>13.12.2022</a:t>
             </a:fld>
             <a:endParaRPr lang="ru-RU"/>
           </a:p>
@@ -2613,7 +2626,7 @@
     </p:spTree>
     <p:extLst>
       <p:ext uri="{BB962C8B-B14F-4D97-AF65-F5344CB8AC3E}">
-        <p14:creationId xmlns:p14="http://schemas.microsoft.com/office/powerpoint/2010/main" val="1514904604"/>
+        <p14:creationId xmlns:p14="http://schemas.microsoft.com/office/powerpoint/2010/main" xmlns="" val="1514904604"/>
       </p:ext>
     </p:extLst>
   </p:cSld>
@@ -2839,7 +2852,8 @@
           <a:p>
             <a:fld id="{AFBC911A-946A-4B8D-A499-A34E8653DA80}" type="datetime1">
               <a:rPr lang="ru-RU" smtClean="0"/>
-              <a:t>22.11.2022</a:t>
+              <a:pPr/>
+              <a:t>13.12.2022</a:t>
             </a:fld>
             <a:endParaRPr lang="ru-RU"/>
           </a:p>
@@ -2891,7 +2905,7 @@
     </p:spTree>
     <p:extLst>
       <p:ext uri="{BB962C8B-B14F-4D97-AF65-F5344CB8AC3E}">
-        <p14:creationId xmlns:p14="http://schemas.microsoft.com/office/powerpoint/2010/main" val="4010147337"/>
+        <p14:creationId xmlns:p14="http://schemas.microsoft.com/office/powerpoint/2010/main" xmlns="" val="4010147337"/>
       </p:ext>
     </p:extLst>
   </p:cSld>
@@ -3097,7 +3111,8 @@
           <a:p>
             <a:fld id="{17C85FD4-ADA4-4ABE-8DAB-F7AE92914B09}" type="datetime1">
               <a:rPr lang="ru-RU" smtClean="0"/>
-              <a:t>22.11.2022</a:t>
+              <a:pPr/>
+              <a:t>13.12.2022</a:t>
             </a:fld>
             <a:endParaRPr lang="ru-RU"/>
           </a:p>
@@ -3149,7 +3164,7 @@
     </p:spTree>
     <p:extLst>
       <p:ext uri="{BB962C8B-B14F-4D97-AF65-F5344CB8AC3E}">
-        <p14:creationId xmlns:p14="http://schemas.microsoft.com/office/powerpoint/2010/main" val="720775324"/>
+        <p14:creationId xmlns:p14="http://schemas.microsoft.com/office/powerpoint/2010/main" xmlns="" val="720775324"/>
       </p:ext>
     </p:extLst>
   </p:cSld>
@@ -3311,7 +3326,8 @@
           <a:p>
             <a:fld id="{15C4CC34-43B6-4C65-A00E-DB2D3504CD2F}" type="datetime1">
               <a:rPr lang="ru-RU" smtClean="0"/>
-              <a:t>22.11.2022</a:t>
+              <a:pPr/>
+              <a:t>13.12.2022</a:t>
             </a:fld>
             <a:endParaRPr lang="ru-RU"/>
           </a:p>
@@ -3408,7 +3424,7 @@
           <a:blip r:embed="rId13" cstate="print">
             <a:extLst>
               <a:ext uri="{28A0092B-C50C-407E-A947-70E740481C1C}">
-                <a14:useLocalDpi xmlns:a14="http://schemas.microsoft.com/office/drawing/2010/main" val="0"/>
+                <a14:useLocalDpi xmlns:a14="http://schemas.microsoft.com/office/drawing/2010/main" xmlns="" val="0"/>
               </a:ext>
             </a:extLst>
           </a:blip>
@@ -3429,7 +3445,7 @@
     </p:spTree>
     <p:extLst>
       <p:ext uri="{BB962C8B-B14F-4D97-AF65-F5344CB8AC3E}">
-        <p14:creationId xmlns:p14="http://schemas.microsoft.com/office/powerpoint/2010/main" val="2094360905"/>
+        <p14:creationId xmlns:p14="http://schemas.microsoft.com/office/powerpoint/2010/main" xmlns="" val="2094360905"/>
       </p:ext>
     </p:extLst>
   </p:cSld>
@@ -3775,7 +3791,7 @@
                 <a:latin typeface="Arial" panose="020B0604020202020204" pitchFamily="34" charset="0"/>
                 <a:cs typeface="Arial" panose="020B0604020202020204" pitchFamily="34" charset="0"/>
               </a:rPr>
-              <a:t>Способ и программные средства структурно-параметрической настройки нечетких когнитивных моделей основе генетических алгоритмов </a:t>
+              <a:t>Способ и программные средства структурно-параметрической настройки нечетких когнитивных моделей на основе генетических алгоритмов </a:t>
             </a:r>
           </a:p>
         </p:txBody>
@@ -3828,7 +3844,7 @@
           <p:cNvPr id="5" name="TextBox 4">
             <a:extLst>
               <a:ext uri="{FF2B5EF4-FFF2-40B4-BE49-F238E27FC236}">
-                <a16:creationId xmlns:a16="http://schemas.microsoft.com/office/drawing/2014/main" id="{472D8801-D75F-4E43-ACA6-D298CED8146F}"/>
+                <a16:creationId xmlns:a16="http://schemas.microsoft.com/office/drawing/2014/main" xmlns="" id="{472D8801-D75F-4E43-ACA6-D298CED8146F}"/>
               </a:ext>
             </a:extLst>
           </p:cNvPr>
@@ -3898,7 +3914,7 @@
           <p:cNvPr id="7" name="TextBox 6">
             <a:extLst>
               <a:ext uri="{FF2B5EF4-FFF2-40B4-BE49-F238E27FC236}">
-                <a16:creationId xmlns:a16="http://schemas.microsoft.com/office/drawing/2014/main" id="{6FFA616B-E2E0-461A-B92C-A57FC60D7BAE}"/>
+                <a16:creationId xmlns:a16="http://schemas.microsoft.com/office/drawing/2014/main" xmlns="" id="{6FFA616B-E2E0-461A-B92C-A57FC60D7BAE}"/>
               </a:ext>
             </a:extLst>
           </p:cNvPr>
@@ -4025,7 +4041,7 @@
           <p:cNvPr id="10" name="Подзаголовок 2">
             <a:extLst>
               <a:ext uri="{FF2B5EF4-FFF2-40B4-BE49-F238E27FC236}">
-                <a16:creationId xmlns:a16="http://schemas.microsoft.com/office/drawing/2014/main" id="{CDBFCFAD-5ADB-4573-A51E-58BC39516BC5}"/>
+                <a16:creationId xmlns:a16="http://schemas.microsoft.com/office/drawing/2014/main" xmlns="" id="{CDBFCFAD-5ADB-4573-A51E-58BC39516BC5}"/>
               </a:ext>
             </a:extLst>
           </p:cNvPr>
@@ -4216,13 +4232,20 @@
     </p:spTree>
     <p:extLst>
       <p:ext uri="{BB962C8B-B14F-4D97-AF65-F5344CB8AC3E}">
-        <p14:creationId xmlns:p14="http://schemas.microsoft.com/office/powerpoint/2010/main" val="1662104777"/>
+        <p14:creationId xmlns:p14="http://schemas.microsoft.com/office/powerpoint/2010/main" xmlns="" val="1662104777"/>
       </p:ext>
     </p:extLst>
   </p:cSld>
   <p:clrMapOvr>
     <a:masterClrMapping/>
   </p:clrMapOvr>
+  <p:timing>
+    <p:tnLst>
+      <p:par>
+        <p:cTn id="1" dur="indefinite" restart="never" nodeType="tmRoot"/>
+      </p:par>
+    </p:tnLst>
+  </p:timing>
 </p:sld>
 </file>
 
@@ -4302,33 +4325,92 @@
         </p:nvSpPr>
         <p:spPr>
           <a:xfrm>
-            <a:off x="628650" y="1825625"/>
-            <a:ext cx="8020050" cy="4091081"/>
+            <a:off x="561975" y="1223741"/>
+            <a:ext cx="8153762" cy="4812456"/>
           </a:xfrm>
         </p:spPr>
         <p:txBody>
           <a:bodyPr>
-            <a:normAutofit/>
+            <a:noAutofit/>
           </a:bodyPr>
           <a:lstStyle/>
           <a:p>
             <a:pPr algn="just"/>
             <a:r>
-              <a:rPr lang="ru-RU" dirty="0">
-                <a:latin typeface="Arial" panose="020B0604020202020204" pitchFamily="34" charset="0"/>
-                <a:cs typeface="Arial" panose="020B0604020202020204" pitchFamily="34" charset="0"/>
-              </a:rPr>
-              <a:t>Возрастание потребностей анализа  сложных и слабоструктурированных систем и процессов при помощи когнитивных моделей.</a:t>
+              <a:rPr lang="ru-RU" sz="2350" dirty="0">
+                <a:latin typeface="Arial" panose="020B0604020202020204" pitchFamily="34" charset="0"/>
+                <a:cs typeface="Arial" panose="020B0604020202020204" pitchFamily="34" charset="0"/>
+              </a:rPr>
+              <a:t>Возрастание потребностей анализа  сложных и слабоструктурированных</a:t>
+            </a:r>
+            <a:r>
+              <a:rPr lang="en-US" sz="2350" dirty="0">
+                <a:latin typeface="Arial" panose="020B0604020202020204" pitchFamily="34" charset="0"/>
+                <a:cs typeface="Arial" panose="020B0604020202020204" pitchFamily="34" charset="0"/>
+              </a:rPr>
+              <a:t> </a:t>
+            </a:r>
+            <a:r>
+              <a:rPr lang="ru-RU" sz="2350" dirty="0">
+                <a:latin typeface="Arial" panose="020B0604020202020204" pitchFamily="34" charset="0"/>
+                <a:cs typeface="Arial" panose="020B0604020202020204" pitchFamily="34" charset="0"/>
+              </a:rPr>
+              <a:t>систем</a:t>
+            </a:r>
+            <a:r>
+              <a:rPr lang="en-US" sz="2350" dirty="0">
+                <a:latin typeface="Arial" panose="020B0604020202020204" pitchFamily="34" charset="0"/>
+                <a:cs typeface="Arial" panose="020B0604020202020204" pitchFamily="34" charset="0"/>
+              </a:rPr>
+              <a:t> </a:t>
+            </a:r>
+            <a:r>
+              <a:rPr lang="ru-RU" sz="2350" dirty="0">
+                <a:latin typeface="Arial" panose="020B0604020202020204" pitchFamily="34" charset="0"/>
+                <a:cs typeface="Arial" panose="020B0604020202020204" pitchFamily="34" charset="0"/>
+              </a:rPr>
+              <a:t>и ситуаций.</a:t>
             </a:r>
           </a:p>
           <a:p>
             <a:pPr algn="just"/>
             <a:r>
-              <a:rPr lang="ru-RU" dirty="0">
-                <a:latin typeface="Arial" panose="020B0604020202020204" pitchFamily="34" charset="0"/>
-                <a:cs typeface="Arial" panose="020B0604020202020204" pitchFamily="34" charset="0"/>
-              </a:rPr>
-              <a:t>Необходимость структурно-параметрической настройки нечетких когнитивных моделей для задач прогнозирования и принятия решений.</a:t>
+              <a:rPr lang="ru-RU" sz="2350" dirty="0">
+                <a:latin typeface="Arial" panose="020B0604020202020204" pitchFamily="34" charset="0"/>
+                <a:cs typeface="Arial" panose="020B0604020202020204" pitchFamily="34" charset="0"/>
+              </a:rPr>
+              <a:t>Возможность использования когнитивного подхода к моделированию и управлению слабоструктурированными системами благодаря учету в когнитивных моделях возможностей восприятия, </a:t>
+            </a:r>
+            <a:r>
+              <a:rPr lang="ru-RU" sz="2350" dirty="0" smtClean="0">
+                <a:latin typeface="Arial" panose="020B0604020202020204" pitchFamily="34" charset="0"/>
+                <a:cs typeface="Arial" panose="020B0604020202020204" pitchFamily="34" charset="0"/>
+              </a:rPr>
+              <a:t>представления и объяснения … и чего .</a:t>
+            </a:r>
+            <a:endParaRPr lang="ru-RU" sz="2350" dirty="0">
+              <a:latin typeface="Arial" panose="020B0604020202020204" pitchFamily="34" charset="0"/>
+              <a:cs typeface="Arial" panose="020B0604020202020204" pitchFamily="34" charset="0"/>
+            </a:endParaRPr>
+          </a:p>
+          <a:p>
+            <a:pPr algn="just"/>
+            <a:r>
+              <a:rPr lang="ru-RU" sz="2350" dirty="0">
+                <a:latin typeface="Arial" panose="020B0604020202020204" pitchFamily="34" charset="0"/>
+                <a:cs typeface="Arial" panose="020B0604020202020204" pitchFamily="34" charset="0"/>
+              </a:rPr>
+              <a:t>Сложность структурно-параметрической настройки нечетких когнитивных моделей для задач прогнозирования, сценарного моделирования, принятия решений, диагностики  и управления.</a:t>
+            </a:r>
+          </a:p>
+          <a:p>
+            <a:pPr algn="just"/>
+            <a:r>
+              <a:rPr lang="ru-RU" sz="2350" dirty="0">
+                <a:latin typeface="Arial" panose="020B0604020202020204" pitchFamily="34" charset="0"/>
+                <a:cs typeface="Arial" panose="020B0604020202020204" pitchFamily="34" charset="0"/>
+              </a:rPr>
+              <a:t>Недостаточная оперативность структурно-параметрической настройки нечетких когнитивных моделей с использованием существующих методов.</a:t>
             </a:r>
           </a:p>
         </p:txBody>
@@ -4372,13 +4454,20 @@
     </p:spTree>
     <p:extLst>
       <p:ext uri="{BB962C8B-B14F-4D97-AF65-F5344CB8AC3E}">
-        <p14:creationId xmlns:p14="http://schemas.microsoft.com/office/powerpoint/2010/main" val="313945751"/>
+        <p14:creationId xmlns:p14="http://schemas.microsoft.com/office/powerpoint/2010/main" xmlns="" val="313945751"/>
       </p:ext>
     </p:extLst>
   </p:cSld>
   <p:clrMapOvr>
     <a:masterClrMapping/>
   </p:clrMapOvr>
+  <p:timing>
+    <p:tnLst>
+      <p:par>
+        <p:cTn id="1" dur="indefinite" restart="never" nodeType="tmRoot"/>
+      </p:par>
+    </p:tnLst>
+  </p:timing>
 </p:sld>
 </file>
 
@@ -4455,8 +4544,8 @@
         </p:nvSpPr>
         <p:spPr>
           <a:xfrm>
-            <a:off x="628650" y="1559859"/>
-            <a:ext cx="7886700" cy="4867835"/>
+            <a:off x="628650" y="1397623"/>
+            <a:ext cx="7886700" cy="4671607"/>
           </a:xfrm>
         </p:spPr>
         <p:txBody>
@@ -4469,39 +4558,39 @@
               <a:buNone/>
             </a:pPr>
             <a:r>
-              <a:rPr lang="ru-RU" sz="2300" b="1" dirty="0">
+              <a:rPr lang="ru-RU" sz="2200" b="1" dirty="0">
                 <a:latin typeface="Arial" panose="020B0604020202020204" pitchFamily="34" charset="0"/>
                 <a:cs typeface="Arial" panose="020B0604020202020204" pitchFamily="34" charset="0"/>
               </a:rPr>
               <a:t>Цель исследования</a:t>
             </a:r>
             <a:r>
-              <a:rPr lang="en-US" sz="2300" b="1" dirty="0">
+              <a:rPr lang="en-US" sz="2200" b="1" dirty="0">
                 <a:latin typeface="Arial" panose="020B0604020202020204" pitchFamily="34" charset="0"/>
                 <a:cs typeface="Arial" panose="020B0604020202020204" pitchFamily="34" charset="0"/>
               </a:rPr>
               <a:t>:</a:t>
             </a:r>
             <a:r>
-              <a:rPr lang="ru-RU" sz="2300" dirty="0">
+              <a:rPr lang="ru-RU" sz="2200" dirty="0">
                 <a:latin typeface="Arial" panose="020B0604020202020204" pitchFamily="34" charset="0"/>
                 <a:cs typeface="Arial" panose="020B0604020202020204" pitchFamily="34" charset="0"/>
               </a:rPr>
               <a:t> повышение оперативности структурно-параметрической</a:t>
             </a:r>
             <a:r>
-              <a:rPr lang="en-US" sz="2300" dirty="0">
+              <a:rPr lang="en-US" sz="2200" dirty="0">
                 <a:latin typeface="Arial" panose="020B0604020202020204" pitchFamily="34" charset="0"/>
                 <a:cs typeface="Arial" panose="020B0604020202020204" pitchFamily="34" charset="0"/>
               </a:rPr>
               <a:t> </a:t>
             </a:r>
             <a:r>
-              <a:rPr lang="ru-RU" sz="2300" dirty="0">
-                <a:latin typeface="Arial" panose="020B0604020202020204" pitchFamily="34" charset="0"/>
-                <a:cs typeface="Arial" panose="020B0604020202020204" pitchFamily="34" charset="0"/>
-              </a:rPr>
-              <a:t>настройки нечетких когнитивных моделей за счет использования генетических алгоритмов.</a:t>
+              <a:rPr lang="ru-RU" sz="2200" dirty="0">
+                <a:latin typeface="Arial" panose="020B0604020202020204" pitchFamily="34" charset="0"/>
+                <a:cs typeface="Arial" panose="020B0604020202020204" pitchFamily="34" charset="0"/>
+              </a:rPr>
+              <a:t>настройки нечетких когнитивных моделей на основе использования генетических алгоритмов.</a:t>
             </a:r>
           </a:p>
           <a:p>
@@ -4509,25 +4598,25 @@
               <a:buNone/>
             </a:pPr>
             <a:r>
-              <a:rPr lang="ru-RU" sz="2300" b="1" dirty="0">
+              <a:rPr lang="ru-RU" sz="2200" b="1" dirty="0">
                 <a:latin typeface="Arial" panose="020B0604020202020204" pitchFamily="34" charset="0"/>
                 <a:cs typeface="Arial" panose="020B0604020202020204" pitchFamily="34" charset="0"/>
               </a:rPr>
               <a:t>Объект исследования</a:t>
             </a:r>
             <a:r>
-              <a:rPr lang="en-US" sz="2300" b="1" dirty="0">
+              <a:rPr lang="en-US" sz="2200" b="1" dirty="0">
                 <a:latin typeface="Arial" panose="020B0604020202020204" pitchFamily="34" charset="0"/>
                 <a:cs typeface="Arial" panose="020B0604020202020204" pitchFamily="34" charset="0"/>
               </a:rPr>
               <a:t>: </a:t>
             </a:r>
             <a:r>
-              <a:rPr lang="ru-RU" sz="2300" dirty="0">
-                <a:latin typeface="Arial" panose="020B0604020202020204" pitchFamily="34" charset="0"/>
-                <a:cs typeface="Arial" panose="020B0604020202020204" pitchFamily="34" charset="0"/>
-              </a:rPr>
-              <a:t>нечеткий когнитивный анализ и моделирование сложных систем и процессов.</a:t>
+              <a:rPr lang="ru-RU" sz="2200" dirty="0">
+                <a:latin typeface="Arial" panose="020B0604020202020204" pitchFamily="34" charset="0"/>
+                <a:cs typeface="Arial" panose="020B0604020202020204" pitchFamily="34" charset="0"/>
+              </a:rPr>
+              <a:t>процессы настройки нечетких когнитивный моделей в ходе анализа сложных систем и процессов.</a:t>
             </a:r>
           </a:p>
           <a:p>
@@ -4535,21 +4624,21 @@
               <a:buNone/>
             </a:pPr>
             <a:r>
-              <a:rPr lang="ru-RU" sz="2300" b="1" dirty="0">
+              <a:rPr lang="ru-RU" sz="2200" b="1" dirty="0">
                 <a:latin typeface="Arial" panose="020B0604020202020204" pitchFamily="34" charset="0"/>
                 <a:cs typeface="Arial" panose="020B0604020202020204" pitchFamily="34" charset="0"/>
               </a:rPr>
               <a:t>Предмет исследования</a:t>
             </a:r>
             <a:r>
-              <a:rPr lang="en-US" sz="2300" b="1" dirty="0">
+              <a:rPr lang="en-US" sz="2200" b="1" dirty="0">
                 <a:latin typeface="Arial" panose="020B0604020202020204" pitchFamily="34" charset="0"/>
                 <a:cs typeface="Arial" panose="020B0604020202020204" pitchFamily="34" charset="0"/>
               </a:rPr>
               <a:t>:</a:t>
             </a:r>
             <a:r>
-              <a:rPr lang="ru-RU" sz="2300" dirty="0">
+              <a:rPr lang="ru-RU" sz="2200" dirty="0">
                 <a:latin typeface="Arial" panose="020B0604020202020204" pitchFamily="34" charset="0"/>
                 <a:cs typeface="Arial" panose="020B0604020202020204" pitchFamily="34" charset="0"/>
               </a:rPr>
@@ -4561,25 +4650,25 @@
               <a:buNone/>
             </a:pPr>
             <a:r>
-              <a:rPr lang="ru-RU" sz="2300" b="1" dirty="0">
+              <a:rPr lang="ru-RU" sz="2200" b="1" dirty="0">
                 <a:latin typeface="Arial" panose="020B0604020202020204" pitchFamily="34" charset="0"/>
                 <a:cs typeface="Arial" panose="020B0604020202020204" pitchFamily="34" charset="0"/>
               </a:rPr>
               <a:t>Научная задача</a:t>
             </a:r>
             <a:r>
-              <a:rPr lang="en-US" sz="2300" b="1" dirty="0">
+              <a:rPr lang="en-US" sz="2200" b="1" dirty="0">
                 <a:latin typeface="Arial" panose="020B0604020202020204" pitchFamily="34" charset="0"/>
                 <a:cs typeface="Arial" panose="020B0604020202020204" pitchFamily="34" charset="0"/>
               </a:rPr>
               <a:t>:</a:t>
             </a:r>
             <a:r>
-              <a:rPr lang="ru-RU" sz="2300" dirty="0">
-                <a:latin typeface="Arial" panose="020B0604020202020204" pitchFamily="34" charset="0"/>
-                <a:cs typeface="Arial" panose="020B0604020202020204" pitchFamily="34" charset="0"/>
-              </a:rPr>
-              <a:t> разработки и исследование способа и программных средств структурно-параметрической настройки нечетких когнитивных моделей на основе генетических алгоритмов.</a:t>
+              <a:rPr lang="ru-RU" sz="2200" dirty="0">
+                <a:latin typeface="Arial" panose="020B0604020202020204" pitchFamily="34" charset="0"/>
+                <a:cs typeface="Arial" panose="020B0604020202020204" pitchFamily="34" charset="0"/>
+              </a:rPr>
+              <a:t> разработка и исследование способа и программных средств структурно-параметрической настройки нечетких когнитивных моделей на основе генетических алгоритмов.</a:t>
             </a:r>
           </a:p>
         </p:txBody>
@@ -4623,13 +4712,20 @@
     </p:spTree>
     <p:extLst>
       <p:ext uri="{BB962C8B-B14F-4D97-AF65-F5344CB8AC3E}">
-        <p14:creationId xmlns:p14="http://schemas.microsoft.com/office/powerpoint/2010/main" val="310331927"/>
+        <p14:creationId xmlns:p14="http://schemas.microsoft.com/office/powerpoint/2010/main" xmlns="" val="310331927"/>
       </p:ext>
     </p:extLst>
   </p:cSld>
   <p:clrMapOvr>
     <a:masterClrMapping/>
   </p:clrMapOvr>
+  <p:timing>
+    <p:tnLst>
+      <p:par>
+        <p:cTn id="1" dur="indefinite" restart="never" nodeType="tmRoot"/>
+      </p:par>
+    </p:tnLst>
+  </p:timing>
 </p:sld>
 </file>
 
@@ -4706,7 +4802,7 @@
         </p:nvSpPr>
         <p:spPr>
           <a:xfrm>
-            <a:off x="628650" y="1440515"/>
+            <a:off x="628650" y="1370171"/>
             <a:ext cx="7886700" cy="4987179"/>
           </a:xfrm>
         </p:spPr>
@@ -4718,56 +4814,60 @@
           <a:p>
             <a:pPr lvl="0" algn="just"/>
             <a:r>
-              <a:rPr lang="ru-RU" sz="2400" dirty="0">
-                <a:latin typeface="Arial" panose="020B0604020202020204" pitchFamily="34" charset="0"/>
-                <a:cs typeface="Arial" panose="020B0604020202020204" pitchFamily="34" charset="0"/>
-              </a:rPr>
-              <a:t>Анализ задачи структурно-параметрической настройки нечетких когнитивных моделей.</a:t>
+              <a:rPr lang="ru-RU" sz="2300" dirty="0">
+                <a:latin typeface="Arial" panose="020B0604020202020204" pitchFamily="34" charset="0"/>
+                <a:cs typeface="Arial" panose="020B0604020202020204" pitchFamily="34" charset="0"/>
+              </a:rPr>
+              <a:t>Анализ нечетких когнитивных моделей, а также методов и подходов к их структурно-параметрической настройке.</a:t>
             </a:r>
           </a:p>
           <a:p>
             <a:pPr lvl="0" algn="just"/>
             <a:r>
-              <a:rPr lang="ru-RU" sz="2400" dirty="0">
-                <a:latin typeface="Arial" panose="020B0604020202020204" pitchFamily="34" charset="0"/>
-                <a:cs typeface="Arial" panose="020B0604020202020204" pitchFamily="34" charset="0"/>
-              </a:rPr>
-              <a:t>Анализ существующих способов и алгоритмов структурно-параметрической настройки нечетких когнитивных моделей.</a:t>
+              <a:rPr lang="ru-RU" sz="2300" dirty="0">
+                <a:latin typeface="Arial" panose="020B0604020202020204" pitchFamily="34" charset="0"/>
+                <a:cs typeface="Arial" panose="020B0604020202020204" pitchFamily="34" charset="0"/>
+              </a:rPr>
+              <a:t>Создание способа структурно-параметрической настройки нечетких когнитивных моделей на основе генетических алгоритмов.</a:t>
             </a:r>
           </a:p>
           <a:p>
             <a:pPr lvl="0" algn="just"/>
             <a:r>
-              <a:rPr lang="ru-RU" sz="2400" dirty="0">
-                <a:latin typeface="Arial" panose="020B0604020202020204" pitchFamily="34" charset="0"/>
-                <a:cs typeface="Arial" panose="020B0604020202020204" pitchFamily="34" charset="0"/>
-              </a:rPr>
-              <a:t>Создание способа структурно-параметрической настройки нечетких когнитивных моделей на основе генетических алгоритмов.</a:t>
+              <a:rPr lang="ru-RU" sz="2300" dirty="0">
+                <a:latin typeface="Arial" panose="020B0604020202020204" pitchFamily="34" charset="0"/>
+                <a:cs typeface="Arial" panose="020B0604020202020204" pitchFamily="34" charset="0"/>
+              </a:rPr>
+              <a:t>Разработка алгоритмов и программных средств структурно-параметрической настройки нечетких когнитивных моделей на основе генетических алгоритмов.</a:t>
             </a:r>
           </a:p>
           <a:p>
             <a:pPr lvl="0" algn="just"/>
             <a:r>
-              <a:rPr lang="ru-RU" sz="2400" dirty="0">
-                <a:latin typeface="Arial" panose="020B0604020202020204" pitchFamily="34" charset="0"/>
-                <a:cs typeface="Arial" panose="020B0604020202020204" pitchFamily="34" charset="0"/>
-              </a:rPr>
-              <a:t>Разработка алгоритма и программных средств структурно-параметрической настройки нечетких когнитивных моделей на основе генетических алгоритмов.</a:t>
+              <a:rPr lang="ru-RU" sz="2300" dirty="0">
+                <a:latin typeface="Arial" panose="020B0604020202020204" pitchFamily="34" charset="0"/>
+                <a:cs typeface="Arial" panose="020B0604020202020204" pitchFamily="34" charset="0"/>
+              </a:rPr>
+              <a:t>Оценка оперативности структурно-параметрической</a:t>
+            </a:r>
+            <a:r>
+              <a:rPr lang="en-US" sz="2300" dirty="0">
+                <a:latin typeface="Arial" panose="020B0604020202020204" pitchFamily="34" charset="0"/>
+                <a:cs typeface="Arial" panose="020B0604020202020204" pitchFamily="34" charset="0"/>
+              </a:rPr>
+              <a:t> </a:t>
+            </a:r>
+            <a:r>
+              <a:rPr lang="ru-RU" sz="2300" dirty="0">
+                <a:latin typeface="Arial" panose="020B0604020202020204" pitchFamily="34" charset="0"/>
+                <a:cs typeface="Arial" panose="020B0604020202020204" pitchFamily="34" charset="0"/>
+              </a:rPr>
+              <a:t>настройки нечетких когнитивных моделей на основе предлагаемого способа и программных средств.</a:t>
             </a:r>
           </a:p>
           <a:p>
             <a:pPr lvl="0" algn="just"/>
-            <a:r>
-              <a:rPr lang="ru-RU" sz="2400" dirty="0">
-                <a:latin typeface="Arial" panose="020B0604020202020204" pitchFamily="34" charset="0"/>
-                <a:cs typeface="Arial" panose="020B0604020202020204" pitchFamily="34" charset="0"/>
-              </a:rPr>
-              <a:t>Оценка оперативности разработанного алгоритма.</a:t>
-            </a:r>
-          </a:p>
-          <a:p>
-            <a:pPr lvl="0" algn="just"/>
-            <a:endParaRPr lang="ru-RU" sz="2400" dirty="0">
+            <a:endParaRPr lang="ru-RU" sz="2300" dirty="0">
               <a:latin typeface="Arial" panose="020B0604020202020204" pitchFamily="34" charset="0"/>
               <a:cs typeface="Arial" panose="020B0604020202020204" pitchFamily="34" charset="0"/>
             </a:endParaRPr>
@@ -4776,7 +4876,7 @@
             <a:pPr marL="0" lvl="0" indent="0" algn="just">
               <a:buNone/>
             </a:pPr>
-            <a:endParaRPr lang="ru-RU" sz="2400" dirty="0">
+            <a:endParaRPr lang="ru-RU" sz="2300" dirty="0">
               <a:latin typeface="Arial" panose="020B0604020202020204" pitchFamily="34" charset="0"/>
               <a:cs typeface="Arial" panose="020B0604020202020204" pitchFamily="34" charset="0"/>
             </a:endParaRPr>
@@ -4818,7 +4918,7 @@
     </p:spTree>
     <p:extLst>
       <p:ext uri="{BB962C8B-B14F-4D97-AF65-F5344CB8AC3E}">
-        <p14:creationId xmlns:p14="http://schemas.microsoft.com/office/powerpoint/2010/main" val="2032368021"/>
+        <p14:creationId xmlns:p14="http://schemas.microsoft.com/office/powerpoint/2010/main" xmlns="" val="2032368021"/>
       </p:ext>
     </p:extLst>
   </p:cSld>
@@ -4863,7 +4963,7 @@
         </p:spPr>
         <p:txBody>
           <a:bodyPr>
-            <a:normAutofit fontScale="90000"/>
+            <a:normAutofit/>
           </a:bodyPr>
           <a:lstStyle/>
           <a:p>
@@ -4883,9 +4983,61 @@
                 <a:latin typeface="Arial" panose="020B0604020202020204" pitchFamily="34" charset="0"/>
                 <a:cs typeface="Arial" panose="020B0604020202020204" pitchFamily="34" charset="0"/>
               </a:rPr>
-              <a:t>Схема разработанного способа</a:t>
+              <a:t>На защиту выносятся</a:t>
             </a:r>
             <a:endParaRPr lang="ru-RU" dirty="0"/>
+          </a:p>
+        </p:txBody>
+      </p:sp>
+      <p:sp>
+        <p:nvSpPr>
+          <p:cNvPr id="3" name="Объект 2"/>
+          <p:cNvSpPr>
+            <a:spLocks noGrp="1"/>
+          </p:cNvSpPr>
+          <p:nvPr>
+            <p:ph idx="1"/>
+          </p:nvPr>
+        </p:nvSpPr>
+        <p:spPr>
+          <a:xfrm>
+            <a:off x="628650" y="1370171"/>
+            <a:ext cx="7886700" cy="4987179"/>
+          </a:xfrm>
+        </p:spPr>
+        <p:txBody>
+          <a:bodyPr>
+            <a:noAutofit/>
+          </a:bodyPr>
+          <a:lstStyle/>
+          <a:p>
+            <a:pPr lvl="0" algn="just"/>
+            <a:r>
+              <a:rPr lang="ru-RU" sz="2300" dirty="0">
+                <a:latin typeface="Arial" panose="020B0604020202020204" pitchFamily="34" charset="0"/>
+                <a:cs typeface="Arial" panose="020B0604020202020204" pitchFamily="34" charset="0"/>
+              </a:rPr>
+              <a:t>Способ структурно-параметрической настройки нечетких когнитивных моделей на основе генетических алгоритмов.</a:t>
+            </a:r>
+          </a:p>
+          <a:p>
+            <a:pPr lvl="0" algn="just"/>
+            <a:r>
+              <a:rPr lang="ru-RU" sz="2300" dirty="0">
+                <a:latin typeface="Arial" panose="020B0604020202020204" pitchFamily="34" charset="0"/>
+                <a:cs typeface="Arial" panose="020B0604020202020204" pitchFamily="34" charset="0"/>
+              </a:rPr>
+              <a:t>Алгоритмы и программные средства, реализующие структурно-параметрическую настройку нечетких когнитивных моделей с помощью предложенного способа.</a:t>
+            </a:r>
+          </a:p>
+          <a:p>
+            <a:pPr marL="0" lvl="0" indent="0" algn="just">
+              <a:buNone/>
+            </a:pPr>
+            <a:endParaRPr lang="ru-RU" sz="2300" dirty="0">
+              <a:latin typeface="Arial" panose="020B0604020202020204" pitchFamily="34" charset="0"/>
+              <a:cs typeface="Arial" panose="020B0604020202020204" pitchFamily="34" charset="0"/>
+            </a:endParaRPr>
           </a:p>
         </p:txBody>
       </p:sp>
@@ -4913,7 +5065,7 @@
               <a:pPr/>
               <a:t>5</a:t>
             </a:fld>
-            <a:endParaRPr lang="ru-RU" dirty="0">
+            <a:endParaRPr lang="ru-RU">
               <a:solidFill>
                 <a:schemeClr val="tx1"/>
               </a:solidFill>
@@ -4921,1043 +5073,10 @@
           </a:p>
         </p:txBody>
       </p:sp>
-      <p:sp>
-        <p:nvSpPr>
-          <p:cNvPr id="7" name="Прямоугольник 6">
-            <a:extLst>
-              <a:ext uri="{FF2B5EF4-FFF2-40B4-BE49-F238E27FC236}">
-                <a16:creationId xmlns:a16="http://schemas.microsoft.com/office/drawing/2014/main" id="{87361D62-43C1-43AE-A695-2187C688B292}"/>
-              </a:ext>
-            </a:extLst>
-          </p:cNvPr>
-          <p:cNvSpPr/>
-          <p:nvPr/>
-        </p:nvSpPr>
-        <p:spPr>
-          <a:xfrm>
-            <a:off x="1802287" y="1789554"/>
-            <a:ext cx="2252662" cy="1140339"/>
-          </a:xfrm>
-          <a:prstGeom prst="rect">
-            <a:avLst/>
-          </a:prstGeom>
-          <a:solidFill>
-            <a:schemeClr val="bg1"/>
-          </a:solidFill>
-          <a:ln>
-            <a:solidFill>
-              <a:schemeClr val="tx1"/>
-            </a:solidFill>
-          </a:ln>
-        </p:spPr>
-        <p:style>
-          <a:lnRef idx="2">
-            <a:schemeClr val="accent1">
-              <a:shade val="50000"/>
-            </a:schemeClr>
-          </a:lnRef>
-          <a:fillRef idx="1">
-            <a:schemeClr val="accent1"/>
-          </a:fillRef>
-          <a:effectRef idx="0">
-            <a:schemeClr val="accent1"/>
-          </a:effectRef>
-          <a:fontRef idx="minor">
-            <a:schemeClr val="lt1"/>
-          </a:fontRef>
-        </p:style>
-        <p:txBody>
-          <a:bodyPr rtlCol="0" anchor="ctr"/>
-          <a:lstStyle/>
-          <a:p>
-            <a:pPr algn="ctr"/>
-            <a:r>
-              <a:rPr lang="ru-RU" sz="1600" dirty="0">
-                <a:solidFill>
-                  <a:schemeClr val="tx1"/>
-                </a:solidFill>
-                <a:latin typeface="Arial" panose="020B0604020202020204" pitchFamily="34" charset="0"/>
-                <a:cs typeface="Arial" panose="020B0604020202020204" pitchFamily="34" charset="0"/>
-              </a:rPr>
-              <a:t>Формализация предметной области при помощи когнитивной карты</a:t>
-            </a:r>
-          </a:p>
-        </p:txBody>
-      </p:sp>
-      <p:sp>
-        <p:nvSpPr>
-          <p:cNvPr id="8" name="Прямоугольник 7">
-            <a:extLst>
-              <a:ext uri="{FF2B5EF4-FFF2-40B4-BE49-F238E27FC236}">
-                <a16:creationId xmlns:a16="http://schemas.microsoft.com/office/drawing/2014/main" id="{A25C4515-7E53-45DB-A483-9D8843EF0751}"/>
-              </a:ext>
-            </a:extLst>
-          </p:cNvPr>
-          <p:cNvSpPr/>
-          <p:nvPr/>
-        </p:nvSpPr>
-        <p:spPr>
-          <a:xfrm>
-            <a:off x="1908251" y="3231703"/>
-            <a:ext cx="2040731" cy="845424"/>
-          </a:xfrm>
-          <a:prstGeom prst="rect">
-            <a:avLst/>
-          </a:prstGeom>
-          <a:solidFill>
-            <a:schemeClr val="bg1"/>
-          </a:solidFill>
-          <a:ln>
-            <a:solidFill>
-              <a:schemeClr val="tx1"/>
-            </a:solidFill>
-          </a:ln>
-        </p:spPr>
-        <p:style>
-          <a:lnRef idx="2">
-            <a:schemeClr val="accent1">
-              <a:shade val="50000"/>
-            </a:schemeClr>
-          </a:lnRef>
-          <a:fillRef idx="1">
-            <a:schemeClr val="accent1"/>
-          </a:fillRef>
-          <a:effectRef idx="0">
-            <a:schemeClr val="accent1"/>
-          </a:effectRef>
-          <a:fontRef idx="minor">
-            <a:schemeClr val="lt1"/>
-          </a:fontRef>
-        </p:style>
-        <p:txBody>
-          <a:bodyPr rtlCol="0" anchor="ctr"/>
-          <a:lstStyle/>
-          <a:p>
-            <a:pPr algn="ctr"/>
-            <a:r>
-              <a:rPr lang="ru-RU" sz="1600" dirty="0">
-                <a:solidFill>
-                  <a:schemeClr val="tx1"/>
-                </a:solidFill>
-                <a:latin typeface="Arial" panose="020B0604020202020204" pitchFamily="34" charset="0"/>
-                <a:cs typeface="Arial" panose="020B0604020202020204" pitchFamily="34" charset="0"/>
-              </a:rPr>
-              <a:t>Выбор параметров для настройки и ограничений</a:t>
-            </a:r>
-          </a:p>
-        </p:txBody>
-      </p:sp>
-      <p:sp>
-        <p:nvSpPr>
-          <p:cNvPr id="9" name="Прямоугольник 8">
-            <a:extLst>
-              <a:ext uri="{FF2B5EF4-FFF2-40B4-BE49-F238E27FC236}">
-                <a16:creationId xmlns:a16="http://schemas.microsoft.com/office/drawing/2014/main" id="{BEA15471-683E-4CC9-9A7F-E9FFFB7A0A7B}"/>
-              </a:ext>
-            </a:extLst>
-          </p:cNvPr>
-          <p:cNvSpPr/>
-          <p:nvPr/>
-        </p:nvSpPr>
-        <p:spPr>
-          <a:xfrm>
-            <a:off x="1637384" y="4372042"/>
-            <a:ext cx="2582466" cy="635026"/>
-          </a:xfrm>
-          <a:prstGeom prst="rect">
-            <a:avLst/>
-          </a:prstGeom>
-          <a:solidFill>
-            <a:schemeClr val="bg1"/>
-          </a:solidFill>
-          <a:ln>
-            <a:solidFill>
-              <a:schemeClr val="tx1"/>
-            </a:solidFill>
-          </a:ln>
-        </p:spPr>
-        <p:style>
-          <a:lnRef idx="2">
-            <a:schemeClr val="accent1">
-              <a:shade val="50000"/>
-            </a:schemeClr>
-          </a:lnRef>
-          <a:fillRef idx="1">
-            <a:schemeClr val="accent1"/>
-          </a:fillRef>
-          <a:effectRef idx="0">
-            <a:schemeClr val="accent1"/>
-          </a:effectRef>
-          <a:fontRef idx="minor">
-            <a:schemeClr val="lt1"/>
-          </a:fontRef>
-        </p:style>
-        <p:txBody>
-          <a:bodyPr rtlCol="0" anchor="ctr"/>
-          <a:lstStyle/>
-          <a:p>
-            <a:pPr algn="ctr"/>
-            <a:r>
-              <a:rPr lang="ru-RU" sz="1600" dirty="0">
-                <a:solidFill>
-                  <a:schemeClr val="tx1"/>
-                </a:solidFill>
-                <a:latin typeface="Arial" panose="020B0604020202020204" pitchFamily="34" charset="0"/>
-                <a:cs typeface="Arial" panose="020B0604020202020204" pitchFamily="34" charset="0"/>
-              </a:rPr>
-              <a:t>Формирование функции приспособленности</a:t>
-            </a:r>
-          </a:p>
-        </p:txBody>
-      </p:sp>
-      <p:cxnSp>
-        <p:nvCxnSpPr>
-          <p:cNvPr id="11" name="Прямая со стрелкой 10">
-            <a:extLst>
-              <a:ext uri="{FF2B5EF4-FFF2-40B4-BE49-F238E27FC236}">
-                <a16:creationId xmlns:a16="http://schemas.microsoft.com/office/drawing/2014/main" id="{7BB9566C-C809-4049-AA23-C262B7AF045B}"/>
-              </a:ext>
-            </a:extLst>
-          </p:cNvPr>
-          <p:cNvCxnSpPr>
-            <a:stCxn id="7" idx="2"/>
-            <a:endCxn id="8" idx="0"/>
-          </p:cNvCxnSpPr>
-          <p:nvPr/>
-        </p:nvCxnSpPr>
-        <p:spPr>
-          <a:xfrm flipH="1">
-            <a:off x="2928617" y="2929893"/>
-            <a:ext cx="1" cy="301810"/>
-          </a:xfrm>
-          <a:prstGeom prst="straightConnector1">
-            <a:avLst/>
-          </a:prstGeom>
-          <a:ln w="12700">
-            <a:tailEnd type="triangle"/>
-          </a:ln>
-        </p:spPr>
-        <p:style>
-          <a:lnRef idx="1">
-            <a:schemeClr val="dk1"/>
-          </a:lnRef>
-          <a:fillRef idx="0">
-            <a:schemeClr val="dk1"/>
-          </a:fillRef>
-          <a:effectRef idx="0">
-            <a:schemeClr val="dk1"/>
-          </a:effectRef>
-          <a:fontRef idx="minor">
-            <a:schemeClr val="tx1"/>
-          </a:fontRef>
-        </p:style>
-      </p:cxnSp>
-      <p:cxnSp>
-        <p:nvCxnSpPr>
-          <p:cNvPr id="13" name="Прямая со стрелкой 12">
-            <a:extLst>
-              <a:ext uri="{FF2B5EF4-FFF2-40B4-BE49-F238E27FC236}">
-                <a16:creationId xmlns:a16="http://schemas.microsoft.com/office/drawing/2014/main" id="{81F8B410-AE47-4201-80D5-E849C6F4C6BA}"/>
-              </a:ext>
-            </a:extLst>
-          </p:cNvPr>
-          <p:cNvCxnSpPr>
-            <a:cxnSpLocks/>
-            <a:stCxn id="8" idx="2"/>
-            <a:endCxn id="9" idx="0"/>
-          </p:cNvCxnSpPr>
-          <p:nvPr/>
-        </p:nvCxnSpPr>
-        <p:spPr>
-          <a:xfrm>
-            <a:off x="2928617" y="4077127"/>
-            <a:ext cx="0" cy="294915"/>
-          </a:xfrm>
-          <a:prstGeom prst="straightConnector1">
-            <a:avLst/>
-          </a:prstGeom>
-          <a:ln w="12700">
-            <a:tailEnd type="triangle"/>
-          </a:ln>
-        </p:spPr>
-        <p:style>
-          <a:lnRef idx="1">
-            <a:schemeClr val="dk1"/>
-          </a:lnRef>
-          <a:fillRef idx="0">
-            <a:schemeClr val="dk1"/>
-          </a:fillRef>
-          <a:effectRef idx="0">
-            <a:schemeClr val="dk1"/>
-          </a:effectRef>
-          <a:fontRef idx="minor">
-            <a:schemeClr val="tx1"/>
-          </a:fontRef>
-        </p:style>
-      </p:cxnSp>
-      <p:sp>
-        <p:nvSpPr>
-          <p:cNvPr id="18" name="Прямоугольник 17">
-            <a:extLst>
-              <a:ext uri="{FF2B5EF4-FFF2-40B4-BE49-F238E27FC236}">
-                <a16:creationId xmlns:a16="http://schemas.microsoft.com/office/drawing/2014/main" id="{410F9AC3-38B0-4BA0-8361-6E35938472E3}"/>
-              </a:ext>
-            </a:extLst>
-          </p:cNvPr>
-          <p:cNvSpPr/>
-          <p:nvPr/>
-        </p:nvSpPr>
-        <p:spPr>
-          <a:xfrm>
-            <a:off x="1637384" y="5305106"/>
-            <a:ext cx="2582466" cy="635026"/>
-          </a:xfrm>
-          <a:prstGeom prst="rect">
-            <a:avLst/>
-          </a:prstGeom>
-          <a:solidFill>
-            <a:schemeClr val="bg1"/>
-          </a:solidFill>
-          <a:ln>
-            <a:solidFill>
-              <a:schemeClr val="tx1"/>
-            </a:solidFill>
-          </a:ln>
-        </p:spPr>
-        <p:style>
-          <a:lnRef idx="2">
-            <a:schemeClr val="accent1">
-              <a:shade val="50000"/>
-            </a:schemeClr>
-          </a:lnRef>
-          <a:fillRef idx="1">
-            <a:schemeClr val="accent1"/>
-          </a:fillRef>
-          <a:effectRef idx="0">
-            <a:schemeClr val="accent1"/>
-          </a:effectRef>
-          <a:fontRef idx="minor">
-            <a:schemeClr val="lt1"/>
-          </a:fontRef>
-        </p:style>
-        <p:txBody>
-          <a:bodyPr rtlCol="0" anchor="ctr"/>
-          <a:lstStyle/>
-          <a:p>
-            <a:pPr algn="ctr"/>
-            <a:r>
-              <a:rPr lang="ru-RU" sz="1600" dirty="0">
-                <a:solidFill>
-                  <a:schemeClr val="tx1"/>
-                </a:solidFill>
-                <a:latin typeface="Arial" panose="020B0604020202020204" pitchFamily="34" charset="0"/>
-                <a:cs typeface="Arial" panose="020B0604020202020204" pitchFamily="34" charset="0"/>
-              </a:rPr>
-              <a:t>Формирование поколения</a:t>
-            </a:r>
-          </a:p>
-        </p:txBody>
-      </p:sp>
-      <p:cxnSp>
-        <p:nvCxnSpPr>
-          <p:cNvPr id="19" name="Прямая со стрелкой 18">
-            <a:extLst>
-              <a:ext uri="{FF2B5EF4-FFF2-40B4-BE49-F238E27FC236}">
-                <a16:creationId xmlns:a16="http://schemas.microsoft.com/office/drawing/2014/main" id="{008DC1F9-C62C-459C-806B-5A3152BD86CA}"/>
-              </a:ext>
-            </a:extLst>
-          </p:cNvPr>
-          <p:cNvCxnSpPr>
-            <a:cxnSpLocks/>
-            <a:stCxn id="9" idx="2"/>
-            <a:endCxn id="18" idx="0"/>
-          </p:cNvCxnSpPr>
-          <p:nvPr/>
-        </p:nvCxnSpPr>
-        <p:spPr>
-          <a:xfrm>
-            <a:off x="2928617" y="5007068"/>
-            <a:ext cx="0" cy="298038"/>
-          </a:xfrm>
-          <a:prstGeom prst="straightConnector1">
-            <a:avLst/>
-          </a:prstGeom>
-          <a:ln w="12700">
-            <a:tailEnd type="triangle"/>
-          </a:ln>
-        </p:spPr>
-        <p:style>
-          <a:lnRef idx="1">
-            <a:schemeClr val="dk1"/>
-          </a:lnRef>
-          <a:fillRef idx="0">
-            <a:schemeClr val="dk1"/>
-          </a:fillRef>
-          <a:effectRef idx="0">
-            <a:schemeClr val="dk1"/>
-          </a:effectRef>
-          <a:fontRef idx="minor">
-            <a:schemeClr val="tx1"/>
-          </a:fontRef>
-        </p:style>
-      </p:cxnSp>
-      <p:sp>
-        <p:nvSpPr>
-          <p:cNvPr id="24" name="Прямоугольник 23">
-            <a:extLst>
-              <a:ext uri="{FF2B5EF4-FFF2-40B4-BE49-F238E27FC236}">
-                <a16:creationId xmlns:a16="http://schemas.microsoft.com/office/drawing/2014/main" id="{623A24BB-0C4D-438B-98CD-BC3B24AC6033}"/>
-              </a:ext>
-            </a:extLst>
-          </p:cNvPr>
-          <p:cNvSpPr/>
-          <p:nvPr/>
-        </p:nvSpPr>
-        <p:spPr>
-          <a:xfrm>
-            <a:off x="5081624" y="2042210"/>
-            <a:ext cx="2716174" cy="635026"/>
-          </a:xfrm>
-          <a:prstGeom prst="rect">
-            <a:avLst/>
-          </a:prstGeom>
-          <a:solidFill>
-            <a:schemeClr val="bg1"/>
-          </a:solidFill>
-          <a:ln>
-            <a:solidFill>
-              <a:schemeClr val="tx1"/>
-            </a:solidFill>
-          </a:ln>
-        </p:spPr>
-        <p:style>
-          <a:lnRef idx="2">
-            <a:schemeClr val="accent1">
-              <a:shade val="50000"/>
-            </a:schemeClr>
-          </a:lnRef>
-          <a:fillRef idx="1">
-            <a:schemeClr val="accent1"/>
-          </a:fillRef>
-          <a:effectRef idx="0">
-            <a:schemeClr val="accent1"/>
-          </a:effectRef>
-          <a:fontRef idx="minor">
-            <a:schemeClr val="lt1"/>
-          </a:fontRef>
-        </p:style>
-        <p:txBody>
-          <a:bodyPr rtlCol="0" anchor="ctr"/>
-          <a:lstStyle/>
-          <a:p>
-            <a:pPr algn="ctr"/>
-            <a:r>
-              <a:rPr lang="ru-RU" sz="1600" dirty="0">
-                <a:solidFill>
-                  <a:schemeClr val="tx1"/>
-                </a:solidFill>
-                <a:latin typeface="Arial" panose="020B0604020202020204" pitchFamily="34" charset="0"/>
-                <a:cs typeface="Arial" panose="020B0604020202020204" pitchFamily="34" charset="0"/>
-              </a:rPr>
-              <a:t>Выбор наиболее приспособленных особей</a:t>
-            </a:r>
-          </a:p>
-        </p:txBody>
-      </p:sp>
-      <p:cxnSp>
-        <p:nvCxnSpPr>
-          <p:cNvPr id="26" name="Соединитель: уступ 25">
-            <a:extLst>
-              <a:ext uri="{FF2B5EF4-FFF2-40B4-BE49-F238E27FC236}">
-                <a16:creationId xmlns:a16="http://schemas.microsoft.com/office/drawing/2014/main" id="{A67469AE-ACDF-41A5-9CB3-A34CC1FC1567}"/>
-              </a:ext>
-            </a:extLst>
-          </p:cNvPr>
-          <p:cNvCxnSpPr>
-            <a:stCxn id="18" idx="2"/>
-            <a:endCxn id="24" idx="0"/>
-          </p:cNvCxnSpPr>
-          <p:nvPr/>
-        </p:nvCxnSpPr>
-        <p:spPr>
-          <a:xfrm rot="5400000" flipH="1" flipV="1">
-            <a:off x="2735203" y="2235624"/>
-            <a:ext cx="3897922" cy="3511094"/>
-          </a:xfrm>
-          <a:prstGeom prst="bentConnector5">
-            <a:avLst>
-              <a:gd name="adj1" fmla="val -5865"/>
-              <a:gd name="adj2" fmla="val 49048"/>
-              <a:gd name="adj3" fmla="val 105865"/>
-            </a:avLst>
-          </a:prstGeom>
-          <a:ln w="12700">
-            <a:solidFill>
-              <a:schemeClr val="tx1"/>
-            </a:solidFill>
-            <a:tailEnd type="triangle"/>
-          </a:ln>
-        </p:spPr>
-        <p:style>
-          <a:lnRef idx="1">
-            <a:schemeClr val="accent1"/>
-          </a:lnRef>
-          <a:fillRef idx="0">
-            <a:schemeClr val="accent1"/>
-          </a:fillRef>
-          <a:effectRef idx="0">
-            <a:schemeClr val="accent1"/>
-          </a:effectRef>
-          <a:fontRef idx="minor">
-            <a:schemeClr val="tx1"/>
-          </a:fontRef>
-        </p:style>
-      </p:cxnSp>
-      <p:sp>
-        <p:nvSpPr>
-          <p:cNvPr id="27" name="Прямоугольник 26">
-            <a:extLst>
-              <a:ext uri="{FF2B5EF4-FFF2-40B4-BE49-F238E27FC236}">
-                <a16:creationId xmlns:a16="http://schemas.microsoft.com/office/drawing/2014/main" id="{690E75FE-8B7C-418A-A983-1352B9C0F938}"/>
-              </a:ext>
-            </a:extLst>
-          </p:cNvPr>
-          <p:cNvSpPr/>
-          <p:nvPr/>
-        </p:nvSpPr>
-        <p:spPr>
-          <a:xfrm>
-            <a:off x="5081624" y="3019389"/>
-            <a:ext cx="2716174" cy="635026"/>
-          </a:xfrm>
-          <a:prstGeom prst="rect">
-            <a:avLst/>
-          </a:prstGeom>
-          <a:solidFill>
-            <a:schemeClr val="bg1"/>
-          </a:solidFill>
-          <a:ln>
-            <a:solidFill>
-              <a:schemeClr val="tx1"/>
-            </a:solidFill>
-          </a:ln>
-        </p:spPr>
-        <p:style>
-          <a:lnRef idx="2">
-            <a:schemeClr val="accent1">
-              <a:shade val="50000"/>
-            </a:schemeClr>
-          </a:lnRef>
-          <a:fillRef idx="1">
-            <a:schemeClr val="accent1"/>
-          </a:fillRef>
-          <a:effectRef idx="0">
-            <a:schemeClr val="accent1"/>
-          </a:effectRef>
-          <a:fontRef idx="minor">
-            <a:schemeClr val="lt1"/>
-          </a:fontRef>
-        </p:style>
-        <p:txBody>
-          <a:bodyPr rtlCol="0" anchor="ctr"/>
-          <a:lstStyle/>
-          <a:p>
-            <a:pPr algn="ctr"/>
-            <a:r>
-              <a:rPr lang="ru-RU" sz="1600" dirty="0">
-                <a:solidFill>
-                  <a:schemeClr val="tx1"/>
-                </a:solidFill>
-                <a:latin typeface="Arial" panose="020B0604020202020204" pitchFamily="34" charset="0"/>
-                <a:cs typeface="Arial" panose="020B0604020202020204" pitchFamily="34" charset="0"/>
-              </a:rPr>
-              <a:t>Выполнение скрещивания и мутаций</a:t>
-            </a:r>
-          </a:p>
-        </p:txBody>
-      </p:sp>
-      <p:cxnSp>
-        <p:nvCxnSpPr>
-          <p:cNvPr id="28" name="Прямая со стрелкой 27">
-            <a:extLst>
-              <a:ext uri="{FF2B5EF4-FFF2-40B4-BE49-F238E27FC236}">
-                <a16:creationId xmlns:a16="http://schemas.microsoft.com/office/drawing/2014/main" id="{36A1CAFD-749F-4435-9D9B-6AD8421C2FCB}"/>
-              </a:ext>
-            </a:extLst>
-          </p:cNvPr>
-          <p:cNvCxnSpPr>
-            <a:cxnSpLocks/>
-            <a:stCxn id="24" idx="2"/>
-            <a:endCxn id="27" idx="0"/>
-          </p:cNvCxnSpPr>
-          <p:nvPr/>
-        </p:nvCxnSpPr>
-        <p:spPr>
-          <a:xfrm>
-            <a:off x="6439711" y="2677236"/>
-            <a:ext cx="0" cy="342153"/>
-          </a:xfrm>
-          <a:prstGeom prst="straightConnector1">
-            <a:avLst/>
-          </a:prstGeom>
-          <a:ln w="12700">
-            <a:tailEnd type="triangle"/>
-          </a:ln>
-        </p:spPr>
-        <p:style>
-          <a:lnRef idx="1">
-            <a:schemeClr val="dk1"/>
-          </a:lnRef>
-          <a:fillRef idx="0">
-            <a:schemeClr val="dk1"/>
-          </a:fillRef>
-          <a:effectRef idx="0">
-            <a:schemeClr val="dk1"/>
-          </a:effectRef>
-          <a:fontRef idx="minor">
-            <a:schemeClr val="tx1"/>
-          </a:fontRef>
-        </p:style>
-      </p:cxnSp>
-      <p:sp>
-        <p:nvSpPr>
-          <p:cNvPr id="32" name="Блок-схема: решение 31">
-            <a:extLst>
-              <a:ext uri="{FF2B5EF4-FFF2-40B4-BE49-F238E27FC236}">
-                <a16:creationId xmlns:a16="http://schemas.microsoft.com/office/drawing/2014/main" id="{3532E1DC-7E79-455E-9D29-93705D8FBBC5}"/>
-              </a:ext>
-            </a:extLst>
-          </p:cNvPr>
-          <p:cNvSpPr/>
-          <p:nvPr/>
-        </p:nvSpPr>
-        <p:spPr>
-          <a:xfrm>
-            <a:off x="5194346" y="3991171"/>
-            <a:ext cx="2490729" cy="635026"/>
-          </a:xfrm>
-          <a:prstGeom prst="flowChartDecision">
-            <a:avLst/>
-          </a:prstGeom>
-          <a:solidFill>
-            <a:schemeClr val="bg1"/>
-          </a:solidFill>
-          <a:ln>
-            <a:solidFill>
-              <a:schemeClr val="tx1"/>
-            </a:solidFill>
-          </a:ln>
-        </p:spPr>
-        <p:style>
-          <a:lnRef idx="2">
-            <a:schemeClr val="accent1">
-              <a:shade val="50000"/>
-            </a:schemeClr>
-          </a:lnRef>
-          <a:fillRef idx="1">
-            <a:schemeClr val="accent1"/>
-          </a:fillRef>
-          <a:effectRef idx="0">
-            <a:schemeClr val="accent1"/>
-          </a:effectRef>
-          <a:fontRef idx="minor">
-            <a:schemeClr val="lt1"/>
-          </a:fontRef>
-        </p:style>
-        <p:txBody>
-          <a:bodyPr rtlCol="0" anchor="ctr"/>
-          <a:lstStyle/>
-          <a:p>
-            <a:pPr algn="ctr"/>
-            <a:r>
-              <a:rPr lang="ru-RU" dirty="0">
-                <a:solidFill>
-                  <a:schemeClr val="tx1"/>
-                </a:solidFill>
-              </a:rPr>
-              <a:t>Условие остановки</a:t>
-            </a:r>
-          </a:p>
-        </p:txBody>
-      </p:sp>
-      <p:cxnSp>
-        <p:nvCxnSpPr>
-          <p:cNvPr id="33" name="Прямая со стрелкой 32">
-            <a:extLst>
-              <a:ext uri="{FF2B5EF4-FFF2-40B4-BE49-F238E27FC236}">
-                <a16:creationId xmlns:a16="http://schemas.microsoft.com/office/drawing/2014/main" id="{57D33D5B-1085-4EB6-A22E-A592875525D2}"/>
-              </a:ext>
-            </a:extLst>
-          </p:cNvPr>
-          <p:cNvCxnSpPr>
-            <a:cxnSpLocks/>
-            <a:stCxn id="27" idx="2"/>
-            <a:endCxn id="32" idx="0"/>
-          </p:cNvCxnSpPr>
-          <p:nvPr/>
-        </p:nvCxnSpPr>
-        <p:spPr>
-          <a:xfrm>
-            <a:off x="6439711" y="3654415"/>
-            <a:ext cx="0" cy="336756"/>
-          </a:xfrm>
-          <a:prstGeom prst="straightConnector1">
-            <a:avLst/>
-          </a:prstGeom>
-          <a:ln w="12700">
-            <a:tailEnd type="triangle"/>
-          </a:ln>
-        </p:spPr>
-        <p:style>
-          <a:lnRef idx="1">
-            <a:schemeClr val="dk1"/>
-          </a:lnRef>
-          <a:fillRef idx="0">
-            <a:schemeClr val="dk1"/>
-          </a:fillRef>
-          <a:effectRef idx="0">
-            <a:schemeClr val="dk1"/>
-          </a:effectRef>
-          <a:fontRef idx="minor">
-            <a:schemeClr val="tx1"/>
-          </a:fontRef>
-        </p:style>
-      </p:cxnSp>
-      <p:cxnSp>
-        <p:nvCxnSpPr>
-          <p:cNvPr id="37" name="Прямая со стрелкой 36">
-            <a:extLst>
-              <a:ext uri="{FF2B5EF4-FFF2-40B4-BE49-F238E27FC236}">
-                <a16:creationId xmlns:a16="http://schemas.microsoft.com/office/drawing/2014/main" id="{F1B55035-28B6-40DA-BCE4-EC4B4603DB89}"/>
-              </a:ext>
-            </a:extLst>
-          </p:cNvPr>
-          <p:cNvCxnSpPr>
-            <a:cxnSpLocks/>
-            <a:stCxn id="32" idx="2"/>
-          </p:cNvCxnSpPr>
-          <p:nvPr/>
-        </p:nvCxnSpPr>
-        <p:spPr>
-          <a:xfrm>
-            <a:off x="6439711" y="4626197"/>
-            <a:ext cx="0" cy="336756"/>
-          </a:xfrm>
-          <a:prstGeom prst="straightConnector1">
-            <a:avLst/>
-          </a:prstGeom>
-          <a:ln w="12700">
-            <a:tailEnd type="triangle"/>
-          </a:ln>
-        </p:spPr>
-        <p:style>
-          <a:lnRef idx="1">
-            <a:schemeClr val="dk1"/>
-          </a:lnRef>
-          <a:fillRef idx="0">
-            <a:schemeClr val="dk1"/>
-          </a:fillRef>
-          <a:effectRef idx="0">
-            <a:schemeClr val="dk1"/>
-          </a:effectRef>
-          <a:fontRef idx="minor">
-            <a:schemeClr val="tx1"/>
-          </a:fontRef>
-        </p:style>
-      </p:cxnSp>
-      <p:sp>
-        <p:nvSpPr>
-          <p:cNvPr id="39" name="Прямоугольник: скругленные углы 38">
-            <a:extLst>
-              <a:ext uri="{FF2B5EF4-FFF2-40B4-BE49-F238E27FC236}">
-                <a16:creationId xmlns:a16="http://schemas.microsoft.com/office/drawing/2014/main" id="{FC46F833-23E4-4B70-A62D-634D1EBBDB0D}"/>
-              </a:ext>
-            </a:extLst>
-          </p:cNvPr>
-          <p:cNvSpPr/>
-          <p:nvPr/>
-        </p:nvSpPr>
-        <p:spPr>
-          <a:xfrm>
-            <a:off x="5979854" y="4962953"/>
-            <a:ext cx="914400" cy="392421"/>
-          </a:xfrm>
-          <a:prstGeom prst="roundRect">
-            <a:avLst/>
-          </a:prstGeom>
-          <a:solidFill>
-            <a:schemeClr val="bg1"/>
-          </a:solidFill>
-          <a:ln>
-            <a:solidFill>
-              <a:schemeClr val="tx1"/>
-            </a:solidFill>
-          </a:ln>
-        </p:spPr>
-        <p:style>
-          <a:lnRef idx="2">
-            <a:schemeClr val="accent1">
-              <a:shade val="50000"/>
-            </a:schemeClr>
-          </a:lnRef>
-          <a:fillRef idx="1">
-            <a:schemeClr val="accent1"/>
-          </a:fillRef>
-          <a:effectRef idx="0">
-            <a:schemeClr val="accent1"/>
-          </a:effectRef>
-          <a:fontRef idx="minor">
-            <a:schemeClr val="lt1"/>
-          </a:fontRef>
-        </p:style>
-        <p:txBody>
-          <a:bodyPr rtlCol="0" anchor="ctr"/>
-          <a:lstStyle/>
-          <a:p>
-            <a:pPr algn="ctr"/>
-            <a:r>
-              <a:rPr lang="ru-RU" sz="1600" dirty="0">
-                <a:solidFill>
-                  <a:schemeClr val="tx1"/>
-                </a:solidFill>
-                <a:latin typeface="Arial" panose="020B0604020202020204" pitchFamily="34" charset="0"/>
-                <a:cs typeface="Arial" panose="020B0604020202020204" pitchFamily="34" charset="0"/>
-              </a:rPr>
-              <a:t>Конец</a:t>
-            </a:r>
-          </a:p>
-        </p:txBody>
-      </p:sp>
-      <p:cxnSp>
-        <p:nvCxnSpPr>
-          <p:cNvPr id="43" name="Соединитель: уступ 42">
-            <a:extLst>
-              <a:ext uri="{FF2B5EF4-FFF2-40B4-BE49-F238E27FC236}">
-                <a16:creationId xmlns:a16="http://schemas.microsoft.com/office/drawing/2014/main" id="{F701E077-36B3-429F-82AD-D8758674BD3A}"/>
-              </a:ext>
-            </a:extLst>
-          </p:cNvPr>
-          <p:cNvCxnSpPr>
-            <a:cxnSpLocks/>
-            <a:stCxn id="32" idx="3"/>
-            <a:endCxn id="18" idx="1"/>
-          </p:cNvCxnSpPr>
-          <p:nvPr/>
-        </p:nvCxnSpPr>
-        <p:spPr>
-          <a:xfrm flipH="1">
-            <a:off x="1637384" y="4308684"/>
-            <a:ext cx="6047691" cy="1313935"/>
-          </a:xfrm>
-          <a:prstGeom prst="bentConnector5">
-            <a:avLst>
-              <a:gd name="adj1" fmla="val -3780"/>
-              <a:gd name="adj2" fmla="val 162121"/>
-              <a:gd name="adj3" fmla="val 103780"/>
-            </a:avLst>
-          </a:prstGeom>
-          <a:ln w="12700">
-            <a:solidFill>
-              <a:schemeClr val="tx1"/>
-            </a:solidFill>
-            <a:tailEnd type="triangle"/>
-          </a:ln>
-        </p:spPr>
-        <p:style>
-          <a:lnRef idx="1">
-            <a:schemeClr val="accent1"/>
-          </a:lnRef>
-          <a:fillRef idx="0">
-            <a:schemeClr val="accent1"/>
-          </a:fillRef>
-          <a:effectRef idx="0">
-            <a:schemeClr val="accent1"/>
-          </a:effectRef>
-          <a:fontRef idx="minor">
-            <a:schemeClr val="tx1"/>
-          </a:fontRef>
-        </p:style>
-      </p:cxnSp>
-      <p:sp>
-        <p:nvSpPr>
-          <p:cNvPr id="46" name="Прямоугольник: скругленные углы 45">
-            <a:extLst>
-              <a:ext uri="{FF2B5EF4-FFF2-40B4-BE49-F238E27FC236}">
-                <a16:creationId xmlns:a16="http://schemas.microsoft.com/office/drawing/2014/main" id="{A8CF789F-FD3D-47EC-A89F-A1B2C5BBAAAD}"/>
-              </a:ext>
-            </a:extLst>
-          </p:cNvPr>
-          <p:cNvSpPr/>
-          <p:nvPr/>
-        </p:nvSpPr>
-        <p:spPr>
-          <a:xfrm>
-            <a:off x="2392176" y="1095323"/>
-            <a:ext cx="1072879" cy="392421"/>
-          </a:xfrm>
-          <a:prstGeom prst="roundRect">
-            <a:avLst/>
-          </a:prstGeom>
-          <a:solidFill>
-            <a:schemeClr val="bg1"/>
-          </a:solidFill>
-          <a:ln>
-            <a:solidFill>
-              <a:schemeClr val="tx1"/>
-            </a:solidFill>
-          </a:ln>
-        </p:spPr>
-        <p:style>
-          <a:lnRef idx="2">
-            <a:schemeClr val="accent1">
-              <a:shade val="50000"/>
-            </a:schemeClr>
-          </a:lnRef>
-          <a:fillRef idx="1">
-            <a:schemeClr val="accent1"/>
-          </a:fillRef>
-          <a:effectRef idx="0">
-            <a:schemeClr val="accent1"/>
-          </a:effectRef>
-          <a:fontRef idx="minor">
-            <a:schemeClr val="lt1"/>
-          </a:fontRef>
-        </p:style>
-        <p:txBody>
-          <a:bodyPr rtlCol="0" anchor="ctr"/>
-          <a:lstStyle/>
-          <a:p>
-            <a:pPr algn="ctr"/>
-            <a:r>
-              <a:rPr lang="ru-RU" sz="1600" dirty="0">
-                <a:solidFill>
-                  <a:schemeClr val="tx1"/>
-                </a:solidFill>
-                <a:latin typeface="Arial" panose="020B0604020202020204" pitchFamily="34" charset="0"/>
-                <a:cs typeface="Arial" panose="020B0604020202020204" pitchFamily="34" charset="0"/>
-              </a:rPr>
-              <a:t>Начало</a:t>
-            </a:r>
-          </a:p>
-        </p:txBody>
-      </p:sp>
-      <p:cxnSp>
-        <p:nvCxnSpPr>
-          <p:cNvPr id="47" name="Прямая со стрелкой 46">
-            <a:extLst>
-              <a:ext uri="{FF2B5EF4-FFF2-40B4-BE49-F238E27FC236}">
-                <a16:creationId xmlns:a16="http://schemas.microsoft.com/office/drawing/2014/main" id="{4ECA9516-2573-4CE0-92CD-B4E68B3A8092}"/>
-              </a:ext>
-            </a:extLst>
-          </p:cNvPr>
-          <p:cNvCxnSpPr>
-            <a:cxnSpLocks/>
-            <a:stCxn id="46" idx="2"/>
-            <a:endCxn id="7" idx="0"/>
-          </p:cNvCxnSpPr>
-          <p:nvPr/>
-        </p:nvCxnSpPr>
-        <p:spPr>
-          <a:xfrm>
-            <a:off x="2928616" y="1487744"/>
-            <a:ext cx="2" cy="301810"/>
-          </a:xfrm>
-          <a:prstGeom prst="straightConnector1">
-            <a:avLst/>
-          </a:prstGeom>
-          <a:ln w="12700">
-            <a:tailEnd type="triangle"/>
-          </a:ln>
-        </p:spPr>
-        <p:style>
-          <a:lnRef idx="1">
-            <a:schemeClr val="dk1"/>
-          </a:lnRef>
-          <a:fillRef idx="0">
-            <a:schemeClr val="dk1"/>
-          </a:fillRef>
-          <a:effectRef idx="0">
-            <a:schemeClr val="dk1"/>
-          </a:effectRef>
-          <a:fontRef idx="minor">
-            <a:schemeClr val="tx1"/>
-          </a:fontRef>
-        </p:style>
-      </p:cxnSp>
-      <p:sp>
-        <p:nvSpPr>
-          <p:cNvPr id="50" name="TextBox 49">
-            <a:extLst>
-              <a:ext uri="{FF2B5EF4-FFF2-40B4-BE49-F238E27FC236}">
-                <a16:creationId xmlns:a16="http://schemas.microsoft.com/office/drawing/2014/main" id="{74DBE6A2-5CCB-4990-A618-739DEBA15E29}"/>
-              </a:ext>
-            </a:extLst>
-          </p:cNvPr>
-          <p:cNvSpPr txBox="1"/>
-          <p:nvPr/>
-        </p:nvSpPr>
-        <p:spPr>
-          <a:xfrm>
-            <a:off x="6485578" y="4570410"/>
-            <a:ext cx="444352" cy="369332"/>
-          </a:xfrm>
-          <a:prstGeom prst="rect">
-            <a:avLst/>
-          </a:prstGeom>
-          <a:noFill/>
-        </p:spPr>
-        <p:txBody>
-          <a:bodyPr wrap="none" rtlCol="0">
-            <a:spAutoFit/>
-          </a:bodyPr>
-          <a:lstStyle/>
-          <a:p>
-            <a:r>
-              <a:rPr lang="ru-RU" dirty="0"/>
-              <a:t>Да</a:t>
-            </a:r>
-          </a:p>
-        </p:txBody>
-      </p:sp>
-      <p:sp>
-        <p:nvSpPr>
-          <p:cNvPr id="51" name="TextBox 50">
-            <a:extLst>
-              <a:ext uri="{FF2B5EF4-FFF2-40B4-BE49-F238E27FC236}">
-                <a16:creationId xmlns:a16="http://schemas.microsoft.com/office/drawing/2014/main" id="{BAEFF420-1E37-4AC8-8B80-98DB5C570BEE}"/>
-              </a:ext>
-            </a:extLst>
-          </p:cNvPr>
-          <p:cNvSpPr txBox="1"/>
-          <p:nvPr/>
-        </p:nvSpPr>
-        <p:spPr>
-          <a:xfrm>
-            <a:off x="7933103" y="4593621"/>
-            <a:ext cx="533223" cy="369332"/>
-          </a:xfrm>
-          <a:prstGeom prst="rect">
-            <a:avLst/>
-          </a:prstGeom>
-          <a:noFill/>
-        </p:spPr>
-        <p:txBody>
-          <a:bodyPr wrap="none" rtlCol="0">
-            <a:spAutoFit/>
-          </a:bodyPr>
-          <a:lstStyle/>
-          <a:p>
-            <a:r>
-              <a:rPr lang="ru-RU" dirty="0"/>
-              <a:t>Нет</a:t>
-            </a:r>
-          </a:p>
-        </p:txBody>
-      </p:sp>
     </p:spTree>
     <p:extLst>
       <p:ext uri="{BB962C8B-B14F-4D97-AF65-F5344CB8AC3E}">
-        <p14:creationId xmlns:p14="http://schemas.microsoft.com/office/powerpoint/2010/main" val="1361486983"/>
+        <p14:creationId xmlns:p14="http://schemas.microsoft.com/office/powerpoint/2010/main" xmlns="" val="1053800212"/>
       </p:ext>
     </p:extLst>
   </p:cSld>
@@ -5996,28 +5115,41 @@
         </p:nvSpPr>
         <p:spPr>
           <a:xfrm>
-            <a:off x="758190" y="2624614"/>
-            <a:ext cx="7886700" cy="994172"/>
-          </a:xfrm>
-        </p:spPr>
-        <p:txBody>
-          <a:bodyPr/>
+            <a:off x="628650" y="437375"/>
+            <a:ext cx="7886700" cy="721238"/>
+          </a:xfrm>
+        </p:spPr>
+        <p:txBody>
+          <a:bodyPr>
+            <a:noAutofit/>
+          </a:bodyPr>
           <a:lstStyle/>
           <a:p>
-            <a:pPr algn="ctr"/>
-            <a:r>
-              <a:rPr lang="ru-RU" dirty="0">
-                <a:latin typeface="Arial" panose="020B0604020202020204" pitchFamily="34" charset="0"/>
-                <a:cs typeface="Arial" panose="020B0604020202020204" pitchFamily="34" charset="0"/>
-              </a:rPr>
-              <a:t>Спасибо за внимание!</a:t>
-            </a:r>
-          </a:p>
-        </p:txBody>
-      </p:sp>
-      <p:sp>
-        <p:nvSpPr>
-          <p:cNvPr id="3" name="Номер слайда 2"/>
+            <a:r>
+              <a:rPr lang="ru-RU" sz="3600" dirty="0">
+                <a:ln w="0"/>
+                <a:solidFill>
+                  <a:schemeClr val="accent1"/>
+                </a:solidFill>
+                <a:effectLst>
+                  <a:outerShdw blurRad="38100" dist="25400" dir="5400000" algn="ctr" rotWithShape="0">
+                    <a:srgbClr val="6E747A">
+                      <a:alpha val="43000"/>
+                    </a:srgbClr>
+                  </a:outerShdw>
+                </a:effectLst>
+                <a:latin typeface="Arial" panose="020B0604020202020204" pitchFamily="34" charset="0"/>
+                <a:cs typeface="Arial" panose="020B0604020202020204" pitchFamily="34" charset="0"/>
+              </a:rPr>
+              <a:t>Входные данные для разработанного способа</a:t>
+            </a:r>
+            <a:endParaRPr lang="ru-RU" sz="3600" dirty="0"/>
+          </a:p>
+        </p:txBody>
+      </p:sp>
+      <p:sp>
+        <p:nvSpPr>
+          <p:cNvPr id="4" name="Номер слайда 3"/>
           <p:cNvSpPr>
             <a:spLocks noGrp="1"/>
           </p:cNvSpPr>
@@ -6032,23 +5164,3208 @@
           <a:p>
             <a:fld id="{AFB88E7B-7A0C-4907-9308-8A5BB7783A69}" type="slidenum">
               <a:rPr lang="ru-RU" smtClean="0">
-                <a:latin typeface="Arial" panose="020B0604020202020204" pitchFamily="34" charset="0"/>
-                <a:cs typeface="Arial" panose="020B0604020202020204" pitchFamily="34" charset="0"/>
+                <a:solidFill>
+                  <a:schemeClr val="tx1"/>
+                </a:solidFill>
               </a:rPr>
               <a:pPr/>
               <a:t>6</a:t>
             </a:fld>
-            <a:endParaRPr lang="ru-RU">
+            <a:endParaRPr lang="ru-RU" dirty="0">
+              <a:solidFill>
+                <a:schemeClr val="tx1"/>
+              </a:solidFill>
+            </a:endParaRPr>
+          </a:p>
+        </p:txBody>
+      </p:sp>
+      <p:sp>
+        <p:nvSpPr>
+          <p:cNvPr id="9" name="Объект 2">
+            <a:extLst>
+              <a:ext uri="{FF2B5EF4-FFF2-40B4-BE49-F238E27FC236}">
+                <a16:creationId xmlns:a16="http://schemas.microsoft.com/office/drawing/2014/main" xmlns="" id="{75DF44C0-E81B-4958-B0C9-02E4A720FB6F}"/>
+              </a:ext>
+            </a:extLst>
+          </p:cNvPr>
+          <p:cNvSpPr>
+            <a:spLocks noGrp="1"/>
+          </p:cNvSpPr>
+          <p:nvPr>
+            <p:ph idx="1"/>
+          </p:nvPr>
+        </p:nvSpPr>
+        <p:spPr>
+          <a:xfrm>
+            <a:off x="628650" y="1370170"/>
+            <a:ext cx="7886700" cy="4870831"/>
+          </a:xfrm>
+        </p:spPr>
+        <p:txBody>
+          <a:bodyPr>
+            <a:noAutofit/>
+          </a:bodyPr>
+          <a:lstStyle/>
+          <a:p>
+            <a:pPr lvl="0" algn="just"/>
+            <a:r>
+              <a:rPr lang="en-US" sz="1900" dirty="0">
+                <a:latin typeface="Arial" panose="020B0604020202020204" pitchFamily="34" charset="0"/>
+                <a:cs typeface="Arial" panose="020B0604020202020204" pitchFamily="34" charset="0"/>
+              </a:rPr>
+              <a:t>A </a:t>
+            </a:r>
+            <a:r>
+              <a:rPr lang="ru-RU" sz="1900" dirty="0">
+                <a:effectLst/>
+                <a:latin typeface="Arial" panose="020B0604020202020204" pitchFamily="34" charset="0"/>
+                <a:ea typeface="Calibri" panose="020F0502020204030204" pitchFamily="34" charset="0"/>
+                <a:cs typeface="Arial" panose="020B0604020202020204" pitchFamily="34" charset="0"/>
+              </a:rPr>
+              <a:t>–</a:t>
+            </a:r>
+            <a:r>
+              <a:rPr lang="en-US" sz="1900" dirty="0">
+                <a:latin typeface="Arial" panose="020B0604020202020204" pitchFamily="34" charset="0"/>
+                <a:cs typeface="Arial" panose="020B0604020202020204" pitchFamily="34" charset="0"/>
+              </a:rPr>
+              <a:t> </a:t>
+            </a:r>
+            <a:r>
+              <a:rPr lang="ru-RU" sz="1900" dirty="0">
+                <a:latin typeface="Arial" panose="020B0604020202020204" pitchFamily="34" charset="0"/>
+                <a:cs typeface="Arial" panose="020B0604020202020204" pitchFamily="34" charset="0"/>
+              </a:rPr>
+              <a:t>матрица смежности когнитивной карты для предметной области</a:t>
+            </a:r>
+            <a:r>
+              <a:rPr lang="en-US" sz="1900" dirty="0">
+                <a:latin typeface="Arial" panose="020B0604020202020204" pitchFamily="34" charset="0"/>
+                <a:cs typeface="Arial" panose="020B0604020202020204" pitchFamily="34" charset="0"/>
+              </a:rPr>
+              <a:t>;</a:t>
+            </a:r>
+            <a:endParaRPr lang="ru-RU" sz="1900" dirty="0">
               <a:latin typeface="Arial" panose="020B0604020202020204" pitchFamily="34" charset="0"/>
               <a:cs typeface="Arial" panose="020B0604020202020204" pitchFamily="34" charset="0"/>
             </a:endParaRPr>
           </a:p>
+          <a:p>
+            <a:pPr lvl="0" algn="just"/>
+            <a:r>
+              <a:rPr lang="en-US" sz="1900" dirty="0">
+                <a:latin typeface="Arial" panose="020B0604020202020204" pitchFamily="34" charset="0"/>
+                <a:cs typeface="Arial" panose="020B0604020202020204" pitchFamily="34" charset="0"/>
+              </a:rPr>
+              <a:t>U </a:t>
+            </a:r>
+            <a:r>
+              <a:rPr lang="ru-RU" sz="1900" dirty="0">
+                <a:effectLst/>
+                <a:latin typeface="Arial" panose="020B0604020202020204" pitchFamily="34" charset="0"/>
+                <a:ea typeface="Calibri" panose="020F0502020204030204" pitchFamily="34" charset="0"/>
+                <a:cs typeface="Arial" panose="020B0604020202020204" pitchFamily="34" charset="0"/>
+              </a:rPr>
+              <a:t>–</a:t>
+            </a:r>
+            <a:r>
+              <a:rPr lang="en-US" sz="1900" dirty="0">
+                <a:effectLst/>
+                <a:latin typeface="Arial" panose="020B0604020202020204" pitchFamily="34" charset="0"/>
+                <a:ea typeface="Calibri" panose="020F0502020204030204" pitchFamily="34" charset="0"/>
+                <a:cs typeface="Arial" panose="020B0604020202020204" pitchFamily="34" charset="0"/>
+              </a:rPr>
+              <a:t> </a:t>
+            </a:r>
+            <a:r>
+              <a:rPr lang="ru-RU" sz="1900" dirty="0">
+                <a:latin typeface="Arial" panose="020B0604020202020204" pitchFamily="34" charset="0"/>
+                <a:ea typeface="Calibri" panose="020F0502020204030204" pitchFamily="34" charset="0"/>
+                <a:cs typeface="Arial" panose="020B0604020202020204" pitchFamily="34" charset="0"/>
+              </a:rPr>
+              <a:t>вектор управляющих концептов</a:t>
+            </a:r>
+            <a:r>
+              <a:rPr lang="en-US" sz="1900" dirty="0">
+                <a:latin typeface="Arial" panose="020B0604020202020204" pitchFamily="34" charset="0"/>
+                <a:ea typeface="Calibri" panose="020F0502020204030204" pitchFamily="34" charset="0"/>
+                <a:cs typeface="Arial" panose="020B0604020202020204" pitchFamily="34" charset="0"/>
+              </a:rPr>
+              <a:t>;</a:t>
+            </a:r>
+            <a:endParaRPr lang="ru-RU" sz="1900" dirty="0">
+              <a:latin typeface="Arial" panose="020B0604020202020204" pitchFamily="34" charset="0"/>
+              <a:cs typeface="Arial" panose="020B0604020202020204" pitchFamily="34" charset="0"/>
+            </a:endParaRPr>
+          </a:p>
+          <a:p>
+            <a:pPr lvl="0" algn="just"/>
+            <a:r>
+              <a:rPr lang="en-US" sz="1900" dirty="0">
+                <a:latin typeface="Arial" panose="020B0604020202020204" pitchFamily="34" charset="0"/>
+                <a:cs typeface="Arial" panose="020B0604020202020204" pitchFamily="34" charset="0"/>
+              </a:rPr>
+              <a:t>R </a:t>
+            </a:r>
+            <a:r>
+              <a:rPr lang="ru-RU" sz="1900" dirty="0">
+                <a:effectLst/>
+                <a:latin typeface="Arial" panose="020B0604020202020204" pitchFamily="34" charset="0"/>
+                <a:ea typeface="Calibri" panose="020F0502020204030204" pitchFamily="34" charset="0"/>
+                <a:cs typeface="Arial" panose="020B0604020202020204" pitchFamily="34" charset="0"/>
+              </a:rPr>
+              <a:t>–</a:t>
+            </a:r>
+            <a:r>
+              <a:rPr lang="en-US" sz="1900" dirty="0">
+                <a:effectLst/>
+                <a:latin typeface="Arial" panose="020B0604020202020204" pitchFamily="34" charset="0"/>
+                <a:ea typeface="Calibri" panose="020F0502020204030204" pitchFamily="34" charset="0"/>
+                <a:cs typeface="Arial" panose="020B0604020202020204" pitchFamily="34" charset="0"/>
+              </a:rPr>
+              <a:t> </a:t>
+            </a:r>
+            <a:r>
+              <a:rPr lang="ru-RU" sz="1900" dirty="0">
+                <a:effectLst/>
+                <a:latin typeface="Arial" panose="020B0604020202020204" pitchFamily="34" charset="0"/>
+                <a:ea typeface="Calibri" panose="020F0502020204030204" pitchFamily="34" charset="0"/>
+                <a:cs typeface="Arial" panose="020B0604020202020204" pitchFamily="34" charset="0"/>
+              </a:rPr>
+              <a:t>ограничения, накладываемые на управляющие концепты</a:t>
+            </a:r>
+            <a:r>
+              <a:rPr lang="en-US" sz="1900" dirty="0">
+                <a:effectLst/>
+                <a:latin typeface="Arial" panose="020B0604020202020204" pitchFamily="34" charset="0"/>
+                <a:ea typeface="Calibri" panose="020F0502020204030204" pitchFamily="34" charset="0"/>
+                <a:cs typeface="Arial" panose="020B0604020202020204" pitchFamily="34" charset="0"/>
+              </a:rPr>
+              <a:t>;</a:t>
+            </a:r>
+            <a:endParaRPr lang="ru-RU" sz="1900" dirty="0">
+              <a:effectLst/>
+              <a:latin typeface="Arial" panose="020B0604020202020204" pitchFamily="34" charset="0"/>
+              <a:ea typeface="Calibri" panose="020F0502020204030204" pitchFamily="34" charset="0"/>
+              <a:cs typeface="Arial" panose="020B0604020202020204" pitchFamily="34" charset="0"/>
+            </a:endParaRPr>
+          </a:p>
+          <a:p>
+            <a:pPr lvl="0" algn="just"/>
+            <a:r>
+              <a:rPr lang="en-US" sz="1900" dirty="0">
+                <a:latin typeface="Arial" panose="020B0604020202020204" pitchFamily="34" charset="0"/>
+                <a:cs typeface="Arial" panose="020B0604020202020204" pitchFamily="34" charset="0"/>
+              </a:rPr>
+              <a:t>X(0)</a:t>
+            </a:r>
+            <a:r>
+              <a:rPr lang="ru-RU" sz="1900" dirty="0">
+                <a:latin typeface="Arial" panose="020B0604020202020204" pitchFamily="34" charset="0"/>
+                <a:cs typeface="Arial" panose="020B0604020202020204" pitchFamily="34" charset="0"/>
+              </a:rPr>
+              <a:t> </a:t>
+            </a:r>
+            <a:r>
+              <a:rPr lang="ru-RU" sz="1900" dirty="0">
+                <a:effectLst/>
+                <a:latin typeface="Arial" panose="020B0604020202020204" pitchFamily="34" charset="0"/>
+                <a:ea typeface="Calibri" panose="020F0502020204030204" pitchFamily="34" charset="0"/>
+                <a:cs typeface="Arial" panose="020B0604020202020204" pitchFamily="34" charset="0"/>
+              </a:rPr>
+              <a:t>– вектор начального состояни</a:t>
+            </a:r>
+            <a:r>
+              <a:rPr lang="ru-RU" sz="1900" dirty="0">
+                <a:latin typeface="Arial" panose="020B0604020202020204" pitchFamily="34" charset="0"/>
+                <a:ea typeface="Calibri" panose="020F0502020204030204" pitchFamily="34" charset="0"/>
+                <a:cs typeface="Arial" panose="020B0604020202020204" pitchFamily="34" charset="0"/>
+              </a:rPr>
+              <a:t>я</a:t>
+            </a:r>
+            <a:r>
+              <a:rPr lang="en-US" sz="1900" dirty="0">
+                <a:latin typeface="Arial" panose="020B0604020202020204" pitchFamily="34" charset="0"/>
+                <a:ea typeface="Calibri" panose="020F0502020204030204" pitchFamily="34" charset="0"/>
+                <a:cs typeface="Arial" panose="020B0604020202020204" pitchFamily="34" charset="0"/>
+              </a:rPr>
+              <a:t>;</a:t>
+            </a:r>
+            <a:endParaRPr lang="ru-RU" sz="1900" dirty="0">
+              <a:latin typeface="Arial" panose="020B0604020202020204" pitchFamily="34" charset="0"/>
+              <a:ea typeface="Calibri" panose="020F0502020204030204" pitchFamily="34" charset="0"/>
+              <a:cs typeface="Arial" panose="020B0604020202020204" pitchFamily="34" charset="0"/>
+            </a:endParaRPr>
+          </a:p>
+          <a:p>
+            <a:pPr lvl="0" algn="just"/>
+            <a:r>
+              <a:rPr lang="en-US" sz="1900" dirty="0">
+                <a:latin typeface="Arial" panose="020B0604020202020204" pitchFamily="34" charset="0"/>
+                <a:ea typeface="Calibri" panose="020F0502020204030204" pitchFamily="34" charset="0"/>
+                <a:cs typeface="Arial" panose="020B0604020202020204" pitchFamily="34" charset="0"/>
+              </a:rPr>
+              <a:t>G </a:t>
+            </a:r>
+            <a:r>
+              <a:rPr lang="ru-RU" sz="1900" dirty="0">
+                <a:effectLst/>
+                <a:latin typeface="Arial" panose="020B0604020202020204" pitchFamily="34" charset="0"/>
+                <a:ea typeface="Calibri" panose="020F0502020204030204" pitchFamily="34" charset="0"/>
+                <a:cs typeface="Arial" panose="020B0604020202020204" pitchFamily="34" charset="0"/>
+              </a:rPr>
+              <a:t>–</a:t>
+            </a:r>
+            <a:r>
+              <a:rPr lang="en-US" sz="1900" dirty="0">
+                <a:effectLst/>
+                <a:latin typeface="Arial" panose="020B0604020202020204" pitchFamily="34" charset="0"/>
+                <a:ea typeface="Calibri" panose="020F0502020204030204" pitchFamily="34" charset="0"/>
+                <a:cs typeface="Arial" panose="020B0604020202020204" pitchFamily="34" charset="0"/>
+              </a:rPr>
+              <a:t> </a:t>
+            </a:r>
+            <a:r>
+              <a:rPr lang="ru-RU" sz="1900" dirty="0">
+                <a:effectLst/>
+                <a:latin typeface="Arial" panose="020B0604020202020204" pitchFamily="34" charset="0"/>
+                <a:ea typeface="Calibri" panose="020F0502020204030204" pitchFamily="34" charset="0"/>
+                <a:cs typeface="Arial" panose="020B0604020202020204" pitchFamily="34" charset="0"/>
+              </a:rPr>
+              <a:t>вектор </a:t>
+            </a:r>
+            <a:r>
+              <a:rPr lang="ru-RU" sz="1900" dirty="0">
+                <a:latin typeface="Arial" panose="020B0604020202020204" pitchFamily="34" charset="0"/>
+                <a:ea typeface="Calibri" panose="020F0502020204030204" pitchFamily="34" charset="0"/>
+                <a:cs typeface="Arial" panose="020B0604020202020204" pitchFamily="34" charset="0"/>
+              </a:rPr>
+              <a:t>целевых</a:t>
+            </a:r>
+            <a:r>
+              <a:rPr lang="ru-RU" sz="1900" dirty="0">
+                <a:effectLst/>
+                <a:latin typeface="Arial" panose="020B0604020202020204" pitchFamily="34" charset="0"/>
+                <a:ea typeface="Calibri" panose="020F0502020204030204" pitchFamily="34" charset="0"/>
+                <a:cs typeface="Arial" panose="020B0604020202020204" pitchFamily="34" charset="0"/>
+              </a:rPr>
+              <a:t> концептов</a:t>
+            </a:r>
+            <a:r>
+              <a:rPr lang="en-US" sz="1900" dirty="0">
+                <a:effectLst/>
+                <a:latin typeface="Arial" panose="020B0604020202020204" pitchFamily="34" charset="0"/>
+                <a:ea typeface="Calibri" panose="020F0502020204030204" pitchFamily="34" charset="0"/>
+                <a:cs typeface="Arial" panose="020B0604020202020204" pitchFamily="34" charset="0"/>
+              </a:rPr>
+              <a:t>;</a:t>
+            </a:r>
+            <a:endParaRPr lang="en-US" sz="1900" dirty="0">
+              <a:latin typeface="Arial" panose="020B0604020202020204" pitchFamily="34" charset="0"/>
+              <a:ea typeface="Calibri" panose="020F0502020204030204" pitchFamily="34" charset="0"/>
+              <a:cs typeface="Arial" panose="020B0604020202020204" pitchFamily="34" charset="0"/>
+            </a:endParaRPr>
+          </a:p>
+          <a:p>
+            <a:pPr lvl="0" algn="just"/>
+            <a:r>
+              <a:rPr lang="en-US" sz="1900" dirty="0">
+                <a:latin typeface="Arial" panose="020B0604020202020204" pitchFamily="34" charset="0"/>
+                <a:ea typeface="Calibri" panose="020F0502020204030204" pitchFamily="34" charset="0"/>
+                <a:cs typeface="Arial" panose="020B0604020202020204" pitchFamily="34" charset="0"/>
+              </a:rPr>
+              <a:t>Y </a:t>
+            </a:r>
+            <a:r>
+              <a:rPr lang="ru-RU" sz="1900" dirty="0">
+                <a:effectLst/>
+                <a:latin typeface="Arial" panose="020B0604020202020204" pitchFamily="34" charset="0"/>
+                <a:ea typeface="Calibri" panose="020F0502020204030204" pitchFamily="34" charset="0"/>
+                <a:cs typeface="Arial" panose="020B0604020202020204" pitchFamily="34" charset="0"/>
+              </a:rPr>
+              <a:t>–</a:t>
+            </a:r>
+            <a:r>
+              <a:rPr lang="en-US" sz="1900" dirty="0">
+                <a:effectLst/>
+                <a:latin typeface="Arial" panose="020B0604020202020204" pitchFamily="34" charset="0"/>
+                <a:ea typeface="Calibri" panose="020F0502020204030204" pitchFamily="34" charset="0"/>
+                <a:cs typeface="Arial" panose="020B0604020202020204" pitchFamily="34" charset="0"/>
+              </a:rPr>
+              <a:t> </a:t>
+            </a:r>
+            <a:r>
+              <a:rPr lang="ru-RU" sz="1900" dirty="0">
+                <a:effectLst/>
+                <a:latin typeface="Arial" panose="020B0604020202020204" pitchFamily="34" charset="0"/>
+                <a:ea typeface="Calibri" panose="020F0502020204030204" pitchFamily="34" charset="0"/>
+                <a:cs typeface="Arial" panose="020B0604020202020204" pitchFamily="34" charset="0"/>
+              </a:rPr>
+              <a:t>вектор желаемого состояния целевых концептов</a:t>
+            </a:r>
+            <a:r>
+              <a:rPr lang="en-US" sz="1900" dirty="0">
+                <a:effectLst/>
+                <a:latin typeface="Arial" panose="020B0604020202020204" pitchFamily="34" charset="0"/>
+                <a:ea typeface="Calibri" panose="020F0502020204030204" pitchFamily="34" charset="0"/>
+                <a:cs typeface="Arial" panose="020B0604020202020204" pitchFamily="34" charset="0"/>
+              </a:rPr>
+              <a:t>;</a:t>
+            </a:r>
+            <a:endParaRPr lang="ru-RU" sz="1900" dirty="0">
+              <a:effectLst/>
+              <a:latin typeface="Arial" panose="020B0604020202020204" pitchFamily="34" charset="0"/>
+              <a:ea typeface="Calibri" panose="020F0502020204030204" pitchFamily="34" charset="0"/>
+              <a:cs typeface="Arial" panose="020B0604020202020204" pitchFamily="34" charset="0"/>
+            </a:endParaRPr>
+          </a:p>
+          <a:p>
+            <a:pPr lvl="0" algn="just"/>
+            <a:r>
+              <a:rPr lang="en-US" sz="1900" dirty="0">
+                <a:effectLst/>
+                <a:latin typeface="Arial" panose="020B0604020202020204" pitchFamily="34" charset="0"/>
+                <a:ea typeface="Calibri" panose="020F0502020204030204" pitchFamily="34" charset="0"/>
+                <a:cs typeface="Arial" panose="020B0604020202020204" pitchFamily="34" charset="0"/>
+              </a:rPr>
+              <a:t>D </a:t>
+            </a:r>
+            <a:r>
+              <a:rPr lang="ru-RU" sz="1900" dirty="0">
+                <a:effectLst/>
+                <a:latin typeface="Arial" panose="020B0604020202020204" pitchFamily="34" charset="0"/>
+                <a:ea typeface="Calibri" panose="020F0502020204030204" pitchFamily="34" charset="0"/>
+                <a:cs typeface="Arial" panose="020B0604020202020204" pitchFamily="34" charset="0"/>
+              </a:rPr>
+              <a:t>–</a:t>
+            </a:r>
+            <a:r>
+              <a:rPr lang="en-US" sz="1900" dirty="0">
+                <a:effectLst/>
+                <a:latin typeface="Arial" panose="020B0604020202020204" pitchFamily="34" charset="0"/>
+                <a:ea typeface="Calibri" panose="020F0502020204030204" pitchFamily="34" charset="0"/>
+                <a:cs typeface="Arial" panose="020B0604020202020204" pitchFamily="34" charset="0"/>
+              </a:rPr>
+              <a:t> </a:t>
+            </a:r>
+            <a:r>
+              <a:rPr lang="ru-RU" sz="1900" dirty="0">
+                <a:effectLst/>
+                <a:latin typeface="Arial" panose="020B0604020202020204" pitchFamily="34" charset="0"/>
+                <a:ea typeface="Calibri" panose="020F0502020204030204" pitchFamily="34" charset="0"/>
+                <a:cs typeface="Arial" panose="020B0604020202020204" pitchFamily="34" charset="0"/>
+              </a:rPr>
+              <a:t>модель динамики для когнитивной карты</a:t>
+            </a:r>
+            <a:r>
+              <a:rPr lang="en-US" sz="1900" dirty="0">
+                <a:effectLst/>
+                <a:latin typeface="Arial" panose="020B0604020202020204" pitchFamily="34" charset="0"/>
+                <a:ea typeface="Calibri" panose="020F0502020204030204" pitchFamily="34" charset="0"/>
+                <a:cs typeface="Arial" panose="020B0604020202020204" pitchFamily="34" charset="0"/>
+              </a:rPr>
+              <a:t>;</a:t>
+            </a:r>
+          </a:p>
+          <a:p>
+            <a:pPr lvl="0" algn="just"/>
+            <a:r>
+              <a:rPr lang="en-US" sz="1900" dirty="0">
+                <a:latin typeface="Arial" panose="020B0604020202020204" pitchFamily="34" charset="0"/>
+                <a:ea typeface="Calibri" panose="020F0502020204030204" pitchFamily="34" charset="0"/>
+                <a:cs typeface="Arial" panose="020B0604020202020204" pitchFamily="34" charset="0"/>
+              </a:rPr>
+              <a:t>T </a:t>
+            </a:r>
+            <a:r>
+              <a:rPr lang="ru-RU" sz="1900" dirty="0">
+                <a:effectLst/>
+                <a:latin typeface="Arial" panose="020B0604020202020204" pitchFamily="34" charset="0"/>
+                <a:ea typeface="Calibri" panose="020F0502020204030204" pitchFamily="34" charset="0"/>
+                <a:cs typeface="Arial" panose="020B0604020202020204" pitchFamily="34" charset="0"/>
+              </a:rPr>
+              <a:t>–</a:t>
+            </a:r>
+            <a:r>
+              <a:rPr lang="en-US" sz="1900" dirty="0">
+                <a:effectLst/>
+                <a:latin typeface="Arial" panose="020B0604020202020204" pitchFamily="34" charset="0"/>
+                <a:ea typeface="Calibri" panose="020F0502020204030204" pitchFamily="34" charset="0"/>
+                <a:cs typeface="Arial" panose="020B0604020202020204" pitchFamily="34" charset="0"/>
+              </a:rPr>
+              <a:t> </a:t>
+            </a:r>
+            <a:r>
+              <a:rPr lang="ru-RU" sz="1900" dirty="0">
+                <a:effectLst/>
+                <a:latin typeface="Arial" panose="020B0604020202020204" pitchFamily="34" charset="0"/>
+                <a:ea typeface="Calibri" panose="020F0502020204030204" pitchFamily="34" charset="0"/>
+                <a:cs typeface="Arial" panose="020B0604020202020204" pitchFamily="34" charset="0"/>
+              </a:rPr>
+              <a:t>максимальное модельное время</a:t>
+            </a:r>
+            <a:r>
+              <a:rPr lang="en-US" sz="1900" dirty="0">
+                <a:effectLst/>
+                <a:latin typeface="Arial" panose="020B0604020202020204" pitchFamily="34" charset="0"/>
+                <a:ea typeface="Calibri" panose="020F0502020204030204" pitchFamily="34" charset="0"/>
+                <a:cs typeface="Arial" panose="020B0604020202020204" pitchFamily="34" charset="0"/>
+              </a:rPr>
+              <a:t>;</a:t>
+            </a:r>
+          </a:p>
+          <a:p>
+            <a:pPr lvl="0" algn="just"/>
+            <a:r>
+              <a:rPr lang="en-US" sz="1900" dirty="0">
+                <a:latin typeface="Arial" panose="020B0604020202020204" pitchFamily="34" charset="0"/>
+                <a:ea typeface="Calibri" panose="020F0502020204030204" pitchFamily="34" charset="0"/>
+                <a:cs typeface="Arial" panose="020B0604020202020204" pitchFamily="34" charset="0"/>
+              </a:rPr>
+              <a:t>N </a:t>
+            </a:r>
+            <a:r>
+              <a:rPr lang="ru-RU" sz="1900" dirty="0">
+                <a:effectLst/>
+                <a:latin typeface="Arial" panose="020B0604020202020204" pitchFamily="34" charset="0"/>
+                <a:ea typeface="Calibri" panose="020F0502020204030204" pitchFamily="34" charset="0"/>
+                <a:cs typeface="Arial" panose="020B0604020202020204" pitchFamily="34" charset="0"/>
+              </a:rPr>
+              <a:t>–</a:t>
+            </a:r>
+            <a:r>
+              <a:rPr lang="en-US" sz="1900" dirty="0">
+                <a:effectLst/>
+                <a:latin typeface="Arial" panose="020B0604020202020204" pitchFamily="34" charset="0"/>
+                <a:ea typeface="Calibri" panose="020F0502020204030204" pitchFamily="34" charset="0"/>
+                <a:cs typeface="Arial" panose="020B0604020202020204" pitchFamily="34" charset="0"/>
+              </a:rPr>
+              <a:t> </a:t>
+            </a:r>
+            <a:r>
+              <a:rPr lang="ru-RU" sz="1900" dirty="0">
+                <a:effectLst/>
+                <a:latin typeface="Arial" panose="020B0604020202020204" pitchFamily="34" charset="0"/>
+                <a:ea typeface="Calibri" panose="020F0502020204030204" pitchFamily="34" charset="0"/>
+                <a:cs typeface="Arial" panose="020B0604020202020204" pitchFamily="34" charset="0"/>
+              </a:rPr>
+              <a:t>размер поколения</a:t>
+            </a:r>
+            <a:r>
+              <a:rPr lang="en-US" sz="1900" dirty="0">
+                <a:effectLst/>
+                <a:latin typeface="Arial" panose="020B0604020202020204" pitchFamily="34" charset="0"/>
+                <a:ea typeface="Calibri" panose="020F0502020204030204" pitchFamily="34" charset="0"/>
+                <a:cs typeface="Arial" panose="020B0604020202020204" pitchFamily="34" charset="0"/>
+              </a:rPr>
+              <a:t>;</a:t>
+            </a:r>
+          </a:p>
+          <a:p>
+            <a:pPr lvl="0" algn="just"/>
+            <a:r>
+              <a:rPr lang="en-US" sz="1900" dirty="0">
+                <a:latin typeface="Arial" panose="020B0604020202020204" pitchFamily="34" charset="0"/>
+                <a:ea typeface="Calibri" panose="020F0502020204030204" pitchFamily="34" charset="0"/>
+                <a:cs typeface="Arial" panose="020B0604020202020204" pitchFamily="34" charset="0"/>
+              </a:rPr>
+              <a:t>M </a:t>
+            </a:r>
+            <a:r>
+              <a:rPr lang="ru-RU" sz="1900" dirty="0">
+                <a:effectLst/>
+                <a:latin typeface="Arial" panose="020B0604020202020204" pitchFamily="34" charset="0"/>
+                <a:ea typeface="Calibri" panose="020F0502020204030204" pitchFamily="34" charset="0"/>
+                <a:cs typeface="Arial" panose="020B0604020202020204" pitchFamily="34" charset="0"/>
+              </a:rPr>
+              <a:t>–</a:t>
+            </a:r>
+            <a:r>
+              <a:rPr lang="en-US" sz="1900" dirty="0">
+                <a:effectLst/>
+                <a:latin typeface="Arial" panose="020B0604020202020204" pitchFamily="34" charset="0"/>
+                <a:ea typeface="Calibri" panose="020F0502020204030204" pitchFamily="34" charset="0"/>
+                <a:cs typeface="Arial" panose="020B0604020202020204" pitchFamily="34" charset="0"/>
+              </a:rPr>
+              <a:t> </a:t>
+            </a:r>
+            <a:r>
+              <a:rPr lang="ru-RU" sz="1900" dirty="0">
+                <a:effectLst/>
+                <a:latin typeface="Arial" panose="020B0604020202020204" pitchFamily="34" charset="0"/>
+                <a:ea typeface="Calibri" panose="020F0502020204030204" pitchFamily="34" charset="0"/>
+                <a:cs typeface="Arial" panose="020B0604020202020204" pitchFamily="34" charset="0"/>
+              </a:rPr>
+              <a:t>число наиболее приспособленных особей</a:t>
+            </a:r>
+            <a:r>
+              <a:rPr lang="en-US" sz="1900" dirty="0">
+                <a:effectLst/>
+                <a:latin typeface="Arial" panose="020B0604020202020204" pitchFamily="34" charset="0"/>
+                <a:ea typeface="Calibri" panose="020F0502020204030204" pitchFamily="34" charset="0"/>
+                <a:cs typeface="Arial" panose="020B0604020202020204" pitchFamily="34" charset="0"/>
+              </a:rPr>
+              <a:t>;</a:t>
+            </a:r>
+          </a:p>
+          <a:p>
+            <a:pPr lvl="0" algn="just"/>
+            <a:r>
+              <a:rPr lang="en-US" sz="1900" dirty="0">
+                <a:latin typeface="Arial" panose="020B0604020202020204" pitchFamily="34" charset="0"/>
+                <a:ea typeface="Calibri" panose="020F0502020204030204" pitchFamily="34" charset="0"/>
+                <a:cs typeface="Arial" panose="020B0604020202020204" pitchFamily="34" charset="0"/>
+              </a:rPr>
+              <a:t>S </a:t>
+            </a:r>
+            <a:r>
+              <a:rPr lang="ru-RU" sz="1900" dirty="0">
+                <a:effectLst/>
+                <a:latin typeface="Arial" panose="020B0604020202020204" pitchFamily="34" charset="0"/>
+                <a:ea typeface="Calibri" panose="020F0502020204030204" pitchFamily="34" charset="0"/>
+                <a:cs typeface="Arial" panose="020B0604020202020204" pitchFamily="34" charset="0"/>
+              </a:rPr>
+              <a:t>–</a:t>
+            </a:r>
+            <a:r>
+              <a:rPr lang="en-US" sz="1900" dirty="0">
+                <a:effectLst/>
+                <a:latin typeface="Arial" panose="020B0604020202020204" pitchFamily="34" charset="0"/>
+                <a:ea typeface="Calibri" panose="020F0502020204030204" pitchFamily="34" charset="0"/>
+                <a:cs typeface="Arial" panose="020B0604020202020204" pitchFamily="34" charset="0"/>
+              </a:rPr>
+              <a:t> </a:t>
+            </a:r>
+            <a:r>
+              <a:rPr lang="ru-RU" sz="1900" dirty="0">
+                <a:effectLst/>
+                <a:latin typeface="Arial" panose="020B0604020202020204" pitchFamily="34" charset="0"/>
+                <a:ea typeface="Calibri" panose="020F0502020204030204" pitchFamily="34" charset="0"/>
+                <a:cs typeface="Arial" panose="020B0604020202020204" pitchFamily="34" charset="0"/>
+              </a:rPr>
+              <a:t>условие остановки (абсолютная погрешность, максимальное число поколений и максимальное число поколений без улучшений).</a:t>
+            </a:r>
+            <a:endParaRPr lang="ru-RU" sz="1900" dirty="0">
+              <a:latin typeface="Arial" panose="020B0604020202020204" pitchFamily="34" charset="0"/>
+              <a:ea typeface="Calibri" panose="020F0502020204030204" pitchFamily="34" charset="0"/>
+              <a:cs typeface="Arial" panose="020B0604020202020204" pitchFamily="34" charset="0"/>
+            </a:endParaRPr>
+          </a:p>
+          <a:p>
+            <a:pPr lvl="0" algn="just"/>
+            <a:endParaRPr lang="ru-RU" sz="2100" dirty="0">
+              <a:latin typeface="Arial" panose="020B0604020202020204" pitchFamily="34" charset="0"/>
+              <a:cs typeface="Arial" panose="020B0604020202020204" pitchFamily="34" charset="0"/>
+            </a:endParaRPr>
+          </a:p>
+          <a:p>
+            <a:pPr marL="0" lvl="0" indent="0" algn="just">
+              <a:buNone/>
+            </a:pPr>
+            <a:endParaRPr lang="ru-RU" sz="2100" dirty="0">
+              <a:latin typeface="Arial" panose="020B0604020202020204" pitchFamily="34" charset="0"/>
+              <a:cs typeface="Arial" panose="020B0604020202020204" pitchFamily="34" charset="0"/>
+            </a:endParaRPr>
+          </a:p>
         </p:txBody>
       </p:sp>
     </p:spTree>
     <p:extLst>
       <p:ext uri="{BB962C8B-B14F-4D97-AF65-F5344CB8AC3E}">
-        <p14:creationId xmlns:p14="http://schemas.microsoft.com/office/powerpoint/2010/main" val="2061893518"/>
+        <p14:creationId xmlns:p14="http://schemas.microsoft.com/office/powerpoint/2010/main" xmlns="" val="2076816732"/>
+      </p:ext>
+    </p:extLst>
+  </p:cSld>
+  <p:clrMapOvr>
+    <a:masterClrMapping/>
+  </p:clrMapOvr>
+</p:sld>
+</file>
+
+<file path=ppt/slides/slide7.xml><?xml version="1.0" encoding="utf-8"?>
+<p:sld xmlns:a="http://schemas.openxmlformats.org/drawingml/2006/main" xmlns:r="http://schemas.openxmlformats.org/officeDocument/2006/relationships" xmlns:p="http://schemas.openxmlformats.org/presentationml/2006/main">
+  <p:cSld>
+    <p:spTree>
+      <p:nvGrpSpPr>
+        <p:cNvPr id="1" name=""/>
+        <p:cNvGrpSpPr/>
+        <p:nvPr/>
+      </p:nvGrpSpPr>
+      <p:grpSpPr>
+        <a:xfrm>
+          <a:off x="0" y="0"/>
+          <a:ext cx="0" cy="0"/>
+          <a:chOff x="0" y="0"/>
+          <a:chExt cx="0" cy="0"/>
+        </a:xfrm>
+      </p:grpSpPr>
+      <p:sp>
+        <p:nvSpPr>
+          <p:cNvPr id="2" name="Заголовок 1"/>
+          <p:cNvSpPr>
+            <a:spLocks noGrp="1"/>
+          </p:cNvSpPr>
+          <p:nvPr>
+            <p:ph type="title"/>
+          </p:nvPr>
+        </p:nvSpPr>
+        <p:spPr>
+          <a:xfrm>
+            <a:off x="628650" y="371335"/>
+            <a:ext cx="7886700" cy="721238"/>
+          </a:xfrm>
+        </p:spPr>
+        <p:txBody>
+          <a:bodyPr>
+            <a:normAutofit fontScale="90000"/>
+          </a:bodyPr>
+          <a:lstStyle/>
+          <a:p>
+            <a:r>
+              <a:rPr lang="ru-RU" dirty="0">
+                <a:ln w="0"/>
+                <a:solidFill>
+                  <a:schemeClr val="accent1"/>
+                </a:solidFill>
+                <a:effectLst>
+                  <a:outerShdw blurRad="38100" dist="25400" dir="5400000" algn="ctr" rotWithShape="0">
+                    <a:srgbClr val="6E747A">
+                      <a:alpha val="43000"/>
+                    </a:srgbClr>
+                  </a:outerShdw>
+                </a:effectLst>
+                <a:latin typeface="Arial" panose="020B0604020202020204" pitchFamily="34" charset="0"/>
+                <a:cs typeface="Arial" panose="020B0604020202020204" pitchFamily="34" charset="0"/>
+              </a:rPr>
+              <a:t>Схема разработанного способа</a:t>
+            </a:r>
+            <a:endParaRPr lang="ru-RU" dirty="0"/>
+          </a:p>
+        </p:txBody>
+      </p:sp>
+      <p:sp>
+        <p:nvSpPr>
+          <p:cNvPr id="4" name="Номер слайда 3"/>
+          <p:cNvSpPr>
+            <a:spLocks noGrp="1"/>
+          </p:cNvSpPr>
+          <p:nvPr>
+            <p:ph type="sldNum" sz="quarter" idx="12"/>
+          </p:nvPr>
+        </p:nvSpPr>
+        <p:spPr>
+          <a:xfrm>
+            <a:off x="7066117" y="6389864"/>
+            <a:ext cx="2057400" cy="365125"/>
+          </a:xfrm>
+        </p:spPr>
+        <p:txBody>
+          <a:bodyPr/>
+          <a:lstStyle/>
+          <a:p>
+            <a:fld id="{AFB88E7B-7A0C-4907-9308-8A5BB7783A69}" type="slidenum">
+              <a:rPr lang="ru-RU" smtClean="0">
+                <a:solidFill>
+                  <a:schemeClr val="tx1"/>
+                </a:solidFill>
+              </a:rPr>
+              <a:pPr/>
+              <a:t>7</a:t>
+            </a:fld>
+            <a:endParaRPr lang="ru-RU" dirty="0">
+              <a:solidFill>
+                <a:schemeClr val="tx1"/>
+              </a:solidFill>
+            </a:endParaRPr>
+          </a:p>
+        </p:txBody>
+      </p:sp>
+      <p:sp>
+        <p:nvSpPr>
+          <p:cNvPr id="199" name="Прямоугольник 198">
+            <a:extLst>
+              <a:ext uri="{FF2B5EF4-FFF2-40B4-BE49-F238E27FC236}">
+                <a16:creationId xmlns:a16="http://schemas.microsoft.com/office/drawing/2014/main" xmlns="" id="{EF97C2D7-ABF6-4DC5-ACE4-971314E0AE30}"/>
+              </a:ext>
+            </a:extLst>
+          </p:cNvPr>
+          <p:cNvSpPr/>
+          <p:nvPr/>
+        </p:nvSpPr>
+        <p:spPr>
+          <a:xfrm>
+            <a:off x="3051798" y="1181473"/>
+            <a:ext cx="2324977" cy="473760"/>
+          </a:xfrm>
+          <a:prstGeom prst="rect">
+            <a:avLst/>
+          </a:prstGeom>
+          <a:solidFill>
+            <a:schemeClr val="bg1"/>
+          </a:solidFill>
+          <a:ln>
+            <a:solidFill>
+              <a:schemeClr val="tx1"/>
+            </a:solidFill>
+          </a:ln>
+        </p:spPr>
+        <p:style>
+          <a:lnRef idx="2">
+            <a:schemeClr val="accent1">
+              <a:shade val="50000"/>
+            </a:schemeClr>
+          </a:lnRef>
+          <a:fillRef idx="1">
+            <a:schemeClr val="accent1"/>
+          </a:fillRef>
+          <a:effectRef idx="0">
+            <a:schemeClr val="accent1"/>
+          </a:effectRef>
+          <a:fontRef idx="minor">
+            <a:schemeClr val="lt1"/>
+          </a:fontRef>
+        </p:style>
+        <p:txBody>
+          <a:bodyPr rtlCol="0" anchor="ctr"/>
+          <a:lstStyle/>
+          <a:p>
+            <a:pPr algn="ctr"/>
+            <a:r>
+              <a:rPr lang="ru-RU" sz="1300" dirty="0">
+                <a:solidFill>
+                  <a:schemeClr val="tx1"/>
+                </a:solidFill>
+                <a:latin typeface="Arial" panose="020B0604020202020204" pitchFamily="34" charset="0"/>
+                <a:cs typeface="Arial" panose="020B0604020202020204" pitchFamily="34" charset="0"/>
+              </a:rPr>
+              <a:t>Формирование начального поколения из </a:t>
+            </a:r>
+            <a:r>
+              <a:rPr lang="en-US" sz="1300" dirty="0">
+                <a:solidFill>
+                  <a:schemeClr val="tx1"/>
+                </a:solidFill>
+                <a:latin typeface="Arial" panose="020B0604020202020204" pitchFamily="34" charset="0"/>
+                <a:cs typeface="Arial" panose="020B0604020202020204" pitchFamily="34" charset="0"/>
+              </a:rPr>
+              <a:t>N </a:t>
+            </a:r>
+            <a:r>
+              <a:rPr lang="ru-RU" sz="1300" dirty="0">
+                <a:solidFill>
+                  <a:schemeClr val="tx1"/>
+                </a:solidFill>
+                <a:latin typeface="Arial" panose="020B0604020202020204" pitchFamily="34" charset="0"/>
+                <a:cs typeface="Arial" panose="020B0604020202020204" pitchFamily="34" charset="0"/>
+              </a:rPr>
+              <a:t>особей</a:t>
+            </a:r>
+          </a:p>
+        </p:txBody>
+      </p:sp>
+      <p:sp>
+        <p:nvSpPr>
+          <p:cNvPr id="200" name="Прямоугольник 199">
+            <a:extLst>
+              <a:ext uri="{FF2B5EF4-FFF2-40B4-BE49-F238E27FC236}">
+                <a16:creationId xmlns:a16="http://schemas.microsoft.com/office/drawing/2014/main" xmlns="" id="{733104D4-2BD4-45CE-94CE-BD9C9157D5E0}"/>
+              </a:ext>
+            </a:extLst>
+          </p:cNvPr>
+          <p:cNvSpPr/>
+          <p:nvPr/>
+        </p:nvSpPr>
+        <p:spPr>
+          <a:xfrm>
+            <a:off x="1663699" y="1252169"/>
+            <a:ext cx="933455" cy="332367"/>
+          </a:xfrm>
+          <a:prstGeom prst="rect">
+            <a:avLst/>
+          </a:prstGeom>
+          <a:solidFill>
+            <a:schemeClr val="bg1"/>
+          </a:solidFill>
+          <a:ln>
+            <a:solidFill>
+              <a:schemeClr val="tx1"/>
+            </a:solidFill>
+          </a:ln>
+        </p:spPr>
+        <p:style>
+          <a:lnRef idx="2">
+            <a:schemeClr val="accent1">
+              <a:shade val="50000"/>
+            </a:schemeClr>
+          </a:lnRef>
+          <a:fillRef idx="1">
+            <a:schemeClr val="accent1"/>
+          </a:fillRef>
+          <a:effectRef idx="0">
+            <a:schemeClr val="accent1"/>
+          </a:effectRef>
+          <a:fontRef idx="minor">
+            <a:schemeClr val="lt1"/>
+          </a:fontRef>
+        </p:style>
+        <p:txBody>
+          <a:bodyPr rtlCol="0" anchor="ctr"/>
+          <a:lstStyle/>
+          <a:p>
+            <a:pPr algn="ctr"/>
+            <a:r>
+              <a:rPr lang="en-US" sz="1300" dirty="0">
+                <a:solidFill>
+                  <a:schemeClr val="tx1"/>
+                </a:solidFill>
+                <a:latin typeface="Arial" panose="020B0604020202020204" pitchFamily="34" charset="0"/>
+                <a:cs typeface="Arial" panose="020B0604020202020204" pitchFamily="34" charset="0"/>
+              </a:rPr>
+              <a:t>&lt;A, U, R&gt;</a:t>
+            </a:r>
+            <a:endParaRPr lang="ru-RU" sz="1300" dirty="0">
+              <a:solidFill>
+                <a:schemeClr val="tx1"/>
+              </a:solidFill>
+              <a:latin typeface="Arial" panose="020B0604020202020204" pitchFamily="34" charset="0"/>
+              <a:cs typeface="Arial" panose="020B0604020202020204" pitchFamily="34" charset="0"/>
+            </a:endParaRPr>
+          </a:p>
+        </p:txBody>
+      </p:sp>
+      <p:cxnSp>
+        <p:nvCxnSpPr>
+          <p:cNvPr id="201" name="Прямая соединительная линия 200">
+            <a:extLst>
+              <a:ext uri="{FF2B5EF4-FFF2-40B4-BE49-F238E27FC236}">
+                <a16:creationId xmlns:a16="http://schemas.microsoft.com/office/drawing/2014/main" xmlns="" id="{9EA20E14-A250-4AF0-BEB1-8B6FA00352FD}"/>
+              </a:ext>
+            </a:extLst>
+          </p:cNvPr>
+          <p:cNvCxnSpPr>
+            <a:cxnSpLocks/>
+            <a:stCxn id="200" idx="3"/>
+            <a:endCxn id="199" idx="1"/>
+          </p:cNvCxnSpPr>
+          <p:nvPr/>
+        </p:nvCxnSpPr>
+        <p:spPr>
+          <a:xfrm>
+            <a:off x="2597154" y="1418353"/>
+            <a:ext cx="454644" cy="0"/>
+          </a:xfrm>
+          <a:prstGeom prst="line">
+            <a:avLst/>
+          </a:prstGeom>
+          <a:ln w="12700">
+            <a:solidFill>
+              <a:schemeClr val="tx1"/>
+            </a:solidFill>
+            <a:prstDash val="solid"/>
+            <a:headEnd type="none" w="med" len="med"/>
+            <a:tailEnd type="triangle" w="med" len="med"/>
+          </a:ln>
+        </p:spPr>
+        <p:style>
+          <a:lnRef idx="1">
+            <a:schemeClr val="accent1"/>
+          </a:lnRef>
+          <a:fillRef idx="0">
+            <a:schemeClr val="accent1"/>
+          </a:fillRef>
+          <a:effectRef idx="0">
+            <a:schemeClr val="accent1"/>
+          </a:effectRef>
+          <a:fontRef idx="minor">
+            <a:schemeClr val="tx1"/>
+          </a:fontRef>
+        </p:style>
+      </p:cxnSp>
+      <p:sp>
+        <p:nvSpPr>
+          <p:cNvPr id="204" name="Прямоугольник 203">
+            <a:extLst>
+              <a:ext uri="{FF2B5EF4-FFF2-40B4-BE49-F238E27FC236}">
+                <a16:creationId xmlns:a16="http://schemas.microsoft.com/office/drawing/2014/main" xmlns="" id="{739148EF-1F3E-4149-8E41-7C2E38D056B4}"/>
+              </a:ext>
+            </a:extLst>
+          </p:cNvPr>
+          <p:cNvSpPr/>
+          <p:nvPr/>
+        </p:nvSpPr>
+        <p:spPr>
+          <a:xfrm>
+            <a:off x="5831418" y="1181473"/>
+            <a:ext cx="2448619" cy="472135"/>
+          </a:xfrm>
+          <a:prstGeom prst="rect">
+            <a:avLst/>
+          </a:prstGeom>
+          <a:solidFill>
+            <a:schemeClr val="bg1"/>
+          </a:solidFill>
+          <a:ln>
+            <a:solidFill>
+              <a:schemeClr val="tx1"/>
+            </a:solidFill>
+          </a:ln>
+        </p:spPr>
+        <p:style>
+          <a:lnRef idx="2">
+            <a:schemeClr val="accent1">
+              <a:shade val="50000"/>
+            </a:schemeClr>
+          </a:lnRef>
+          <a:fillRef idx="1">
+            <a:schemeClr val="accent1"/>
+          </a:fillRef>
+          <a:effectRef idx="0">
+            <a:schemeClr val="accent1"/>
+          </a:effectRef>
+          <a:fontRef idx="minor">
+            <a:schemeClr val="lt1"/>
+          </a:fontRef>
+        </p:style>
+        <p:txBody>
+          <a:bodyPr rtlCol="0" anchor="ctr"/>
+          <a:lstStyle/>
+          <a:p>
+            <a:pPr algn="ctr"/>
+            <a:r>
+              <a:rPr lang="ru-RU" sz="1300" dirty="0">
+                <a:solidFill>
+                  <a:schemeClr val="tx1"/>
+                </a:solidFill>
+                <a:latin typeface="Arial" panose="020B0604020202020204" pitchFamily="34" charset="0"/>
+                <a:cs typeface="Arial" panose="020B0604020202020204" pitchFamily="34" charset="0"/>
+              </a:rPr>
+              <a:t>Алгоритм генерации особи</a:t>
+            </a:r>
+          </a:p>
+        </p:txBody>
+      </p:sp>
+      <p:cxnSp>
+        <p:nvCxnSpPr>
+          <p:cNvPr id="207" name="Прямая соединительная линия 206">
+            <a:extLst>
+              <a:ext uri="{FF2B5EF4-FFF2-40B4-BE49-F238E27FC236}">
+                <a16:creationId xmlns:a16="http://schemas.microsoft.com/office/drawing/2014/main" xmlns="" id="{5CF9A5DA-9823-4AD9-933A-C4ABD5523820}"/>
+              </a:ext>
+            </a:extLst>
+          </p:cNvPr>
+          <p:cNvCxnSpPr>
+            <a:cxnSpLocks/>
+            <a:stCxn id="204" idx="1"/>
+            <a:endCxn id="199" idx="3"/>
+          </p:cNvCxnSpPr>
+          <p:nvPr/>
+        </p:nvCxnSpPr>
+        <p:spPr>
+          <a:xfrm flipH="1">
+            <a:off x="5376775" y="1417541"/>
+            <a:ext cx="454643" cy="812"/>
+          </a:xfrm>
+          <a:prstGeom prst="line">
+            <a:avLst/>
+          </a:prstGeom>
+          <a:ln w="12700">
+            <a:solidFill>
+              <a:schemeClr val="tx1"/>
+            </a:solidFill>
+            <a:prstDash val="solid"/>
+            <a:headEnd type="none" w="med" len="med"/>
+            <a:tailEnd type="triangle" w="med" len="med"/>
+          </a:ln>
+        </p:spPr>
+        <p:style>
+          <a:lnRef idx="1">
+            <a:schemeClr val="accent1"/>
+          </a:lnRef>
+          <a:fillRef idx="0">
+            <a:schemeClr val="accent1"/>
+          </a:fillRef>
+          <a:effectRef idx="0">
+            <a:schemeClr val="accent1"/>
+          </a:effectRef>
+          <a:fontRef idx="minor">
+            <a:schemeClr val="tx1"/>
+          </a:fontRef>
+        </p:style>
+      </p:cxnSp>
+      <p:sp>
+        <p:nvSpPr>
+          <p:cNvPr id="210" name="Прямоугольник 209">
+            <a:extLst>
+              <a:ext uri="{FF2B5EF4-FFF2-40B4-BE49-F238E27FC236}">
+                <a16:creationId xmlns:a16="http://schemas.microsoft.com/office/drawing/2014/main" xmlns="" id="{4F04234E-BF92-4A55-BC4D-8F42FEFBD93B}"/>
+              </a:ext>
+            </a:extLst>
+          </p:cNvPr>
+          <p:cNvSpPr/>
+          <p:nvPr/>
+        </p:nvSpPr>
+        <p:spPr>
+          <a:xfrm>
+            <a:off x="3051795" y="1892113"/>
+            <a:ext cx="2324977" cy="473759"/>
+          </a:xfrm>
+          <a:prstGeom prst="rect">
+            <a:avLst/>
+          </a:prstGeom>
+          <a:solidFill>
+            <a:schemeClr val="bg1"/>
+          </a:solidFill>
+          <a:ln>
+            <a:solidFill>
+              <a:schemeClr val="tx1"/>
+            </a:solidFill>
+          </a:ln>
+        </p:spPr>
+        <p:style>
+          <a:lnRef idx="2">
+            <a:schemeClr val="accent1">
+              <a:shade val="50000"/>
+            </a:schemeClr>
+          </a:lnRef>
+          <a:fillRef idx="1">
+            <a:schemeClr val="accent1"/>
+          </a:fillRef>
+          <a:effectRef idx="0">
+            <a:schemeClr val="accent1"/>
+          </a:effectRef>
+          <a:fontRef idx="minor">
+            <a:schemeClr val="lt1"/>
+          </a:fontRef>
+        </p:style>
+        <p:txBody>
+          <a:bodyPr rtlCol="0" anchor="ctr"/>
+          <a:lstStyle/>
+          <a:p>
+            <a:pPr algn="ctr"/>
+            <a:r>
+              <a:rPr lang="ru-RU" sz="1300" dirty="0">
+                <a:solidFill>
+                  <a:schemeClr val="tx1"/>
+                </a:solidFill>
+                <a:latin typeface="Arial" panose="020B0604020202020204" pitchFamily="34" charset="0"/>
+                <a:cs typeface="Arial" panose="020B0604020202020204" pitchFamily="34" charset="0"/>
+              </a:rPr>
+              <a:t>Расчет приспособленности особей</a:t>
+            </a:r>
+          </a:p>
+        </p:txBody>
+      </p:sp>
+      <p:sp>
+        <p:nvSpPr>
+          <p:cNvPr id="211" name="Прямоугольник 210">
+            <a:extLst>
+              <a:ext uri="{FF2B5EF4-FFF2-40B4-BE49-F238E27FC236}">
+                <a16:creationId xmlns:a16="http://schemas.microsoft.com/office/drawing/2014/main" xmlns="" id="{23412F9A-560F-4188-900D-1F76F4378074}"/>
+              </a:ext>
+            </a:extLst>
+          </p:cNvPr>
+          <p:cNvSpPr/>
+          <p:nvPr/>
+        </p:nvSpPr>
+        <p:spPr>
+          <a:xfrm>
+            <a:off x="3051795" y="2604377"/>
+            <a:ext cx="2324977" cy="473755"/>
+          </a:xfrm>
+          <a:prstGeom prst="rect">
+            <a:avLst/>
+          </a:prstGeom>
+          <a:solidFill>
+            <a:schemeClr val="bg1"/>
+          </a:solidFill>
+          <a:ln>
+            <a:solidFill>
+              <a:schemeClr val="tx1"/>
+            </a:solidFill>
+          </a:ln>
+        </p:spPr>
+        <p:style>
+          <a:lnRef idx="2">
+            <a:schemeClr val="accent1">
+              <a:shade val="50000"/>
+            </a:schemeClr>
+          </a:lnRef>
+          <a:fillRef idx="1">
+            <a:schemeClr val="accent1"/>
+          </a:fillRef>
+          <a:effectRef idx="0">
+            <a:schemeClr val="accent1"/>
+          </a:effectRef>
+          <a:fontRef idx="minor">
+            <a:schemeClr val="lt1"/>
+          </a:fontRef>
+        </p:style>
+        <p:txBody>
+          <a:bodyPr rtlCol="0" anchor="ctr"/>
+          <a:lstStyle/>
+          <a:p>
+            <a:pPr algn="ctr"/>
+            <a:r>
+              <a:rPr lang="ru-RU" sz="1300" dirty="0">
+                <a:solidFill>
+                  <a:schemeClr val="tx1"/>
+                </a:solidFill>
+                <a:latin typeface="Arial" panose="020B0604020202020204" pitchFamily="34" charset="0"/>
+                <a:cs typeface="Arial" panose="020B0604020202020204" pitchFamily="34" charset="0"/>
+              </a:rPr>
+              <a:t>Выбор </a:t>
+            </a:r>
+            <a:r>
+              <a:rPr lang="en-US" sz="1300" dirty="0">
+                <a:solidFill>
+                  <a:schemeClr val="tx1"/>
+                </a:solidFill>
+                <a:latin typeface="Arial" panose="020B0604020202020204" pitchFamily="34" charset="0"/>
+                <a:cs typeface="Arial" panose="020B0604020202020204" pitchFamily="34" charset="0"/>
+              </a:rPr>
+              <a:t>M</a:t>
+            </a:r>
+            <a:r>
+              <a:rPr lang="ru-RU" sz="1300" dirty="0">
+                <a:solidFill>
+                  <a:schemeClr val="tx1"/>
+                </a:solidFill>
+                <a:latin typeface="Arial" panose="020B0604020202020204" pitchFamily="34" charset="0"/>
+                <a:cs typeface="Arial" panose="020B0604020202020204" pitchFamily="34" charset="0"/>
+              </a:rPr>
+              <a:t> наиболее приспособленных особей</a:t>
+            </a:r>
+          </a:p>
+        </p:txBody>
+      </p:sp>
+      <p:sp>
+        <p:nvSpPr>
+          <p:cNvPr id="212" name="Прямоугольник 211">
+            <a:extLst>
+              <a:ext uri="{FF2B5EF4-FFF2-40B4-BE49-F238E27FC236}">
+                <a16:creationId xmlns:a16="http://schemas.microsoft.com/office/drawing/2014/main" xmlns="" id="{D588DCD8-E774-43B4-80F7-5EFDE89306FC}"/>
+              </a:ext>
+            </a:extLst>
+          </p:cNvPr>
+          <p:cNvSpPr/>
+          <p:nvPr/>
+        </p:nvSpPr>
+        <p:spPr>
+          <a:xfrm>
+            <a:off x="3051794" y="3316637"/>
+            <a:ext cx="2324977" cy="547010"/>
+          </a:xfrm>
+          <a:prstGeom prst="rect">
+            <a:avLst/>
+          </a:prstGeom>
+          <a:solidFill>
+            <a:schemeClr val="bg1"/>
+          </a:solidFill>
+          <a:ln>
+            <a:solidFill>
+              <a:schemeClr val="tx1"/>
+            </a:solidFill>
+          </a:ln>
+        </p:spPr>
+        <p:style>
+          <a:lnRef idx="2">
+            <a:schemeClr val="accent1">
+              <a:shade val="50000"/>
+            </a:schemeClr>
+          </a:lnRef>
+          <a:fillRef idx="1">
+            <a:schemeClr val="accent1"/>
+          </a:fillRef>
+          <a:effectRef idx="0">
+            <a:schemeClr val="accent1"/>
+          </a:effectRef>
+          <a:fontRef idx="minor">
+            <a:schemeClr val="lt1"/>
+          </a:fontRef>
+        </p:style>
+        <p:txBody>
+          <a:bodyPr rtlCol="0" anchor="ctr"/>
+          <a:lstStyle/>
+          <a:p>
+            <a:pPr algn="ctr"/>
+            <a:r>
+              <a:rPr lang="ru-RU" sz="1300" dirty="0">
+                <a:solidFill>
+                  <a:schemeClr val="tx1"/>
+                </a:solidFill>
+                <a:latin typeface="Arial" panose="020B0604020202020204" pitchFamily="34" charset="0"/>
+                <a:cs typeface="Arial" panose="020B0604020202020204" pitchFamily="34" charset="0"/>
+              </a:rPr>
+              <a:t>Формирование </a:t>
+            </a:r>
+            <a:r>
+              <a:rPr lang="en-US" sz="1300" dirty="0">
+                <a:solidFill>
+                  <a:schemeClr val="tx1"/>
+                </a:solidFill>
+                <a:latin typeface="Arial" panose="020B0604020202020204" pitchFamily="34" charset="0"/>
+                <a:cs typeface="Arial" panose="020B0604020202020204" pitchFamily="34" charset="0"/>
+              </a:rPr>
+              <a:t>M </a:t>
+            </a:r>
+            <a:r>
+              <a:rPr lang="ru-RU" sz="1300" dirty="0">
+                <a:solidFill>
+                  <a:schemeClr val="tx1"/>
+                </a:solidFill>
+                <a:latin typeface="Arial" panose="020B0604020202020204" pitchFamily="34" charset="0"/>
+                <a:cs typeface="Arial" panose="020B0604020202020204" pitchFamily="34" charset="0"/>
+              </a:rPr>
+              <a:t>новых особей</a:t>
+            </a:r>
+          </a:p>
+        </p:txBody>
+      </p:sp>
+      <p:sp>
+        <p:nvSpPr>
+          <p:cNvPr id="213" name="Прямоугольник 212">
+            <a:extLst>
+              <a:ext uri="{FF2B5EF4-FFF2-40B4-BE49-F238E27FC236}">
+                <a16:creationId xmlns:a16="http://schemas.microsoft.com/office/drawing/2014/main" xmlns="" id="{AFF47F3F-DDF3-4B30-89CF-5C21EEA2370B}"/>
+              </a:ext>
+            </a:extLst>
+          </p:cNvPr>
+          <p:cNvSpPr/>
+          <p:nvPr/>
+        </p:nvSpPr>
+        <p:spPr>
+          <a:xfrm>
+            <a:off x="3051793" y="4106875"/>
+            <a:ext cx="2324977" cy="545084"/>
+          </a:xfrm>
+          <a:prstGeom prst="rect">
+            <a:avLst/>
+          </a:prstGeom>
+          <a:solidFill>
+            <a:schemeClr val="bg1"/>
+          </a:solidFill>
+          <a:ln>
+            <a:solidFill>
+              <a:schemeClr val="tx1"/>
+            </a:solidFill>
+          </a:ln>
+        </p:spPr>
+        <p:style>
+          <a:lnRef idx="2">
+            <a:schemeClr val="accent1">
+              <a:shade val="50000"/>
+            </a:schemeClr>
+          </a:lnRef>
+          <a:fillRef idx="1">
+            <a:schemeClr val="accent1"/>
+          </a:fillRef>
+          <a:effectRef idx="0">
+            <a:schemeClr val="accent1"/>
+          </a:effectRef>
+          <a:fontRef idx="minor">
+            <a:schemeClr val="lt1"/>
+          </a:fontRef>
+        </p:style>
+        <p:txBody>
+          <a:bodyPr rtlCol="0" anchor="ctr"/>
+          <a:lstStyle/>
+          <a:p>
+            <a:pPr algn="ctr"/>
+            <a:r>
+              <a:rPr lang="ru-RU" sz="1300" dirty="0">
+                <a:solidFill>
+                  <a:schemeClr val="tx1"/>
+                </a:solidFill>
+                <a:latin typeface="Arial" panose="020B0604020202020204" pitchFamily="34" charset="0"/>
+                <a:cs typeface="Arial" panose="020B0604020202020204" pitchFamily="34" charset="0"/>
+              </a:rPr>
+              <a:t>Формирование нового поколения</a:t>
+            </a:r>
+          </a:p>
+        </p:txBody>
+      </p:sp>
+      <p:sp>
+        <p:nvSpPr>
+          <p:cNvPr id="214" name="Блок-схема: решение 213">
+            <a:extLst>
+              <a:ext uri="{FF2B5EF4-FFF2-40B4-BE49-F238E27FC236}">
+                <a16:creationId xmlns:a16="http://schemas.microsoft.com/office/drawing/2014/main" xmlns="" id="{13C8D596-A5A0-445D-BCAD-F3A56272252F}"/>
+              </a:ext>
+            </a:extLst>
+          </p:cNvPr>
+          <p:cNvSpPr/>
+          <p:nvPr/>
+        </p:nvSpPr>
+        <p:spPr>
+          <a:xfrm>
+            <a:off x="3368463" y="4892390"/>
+            <a:ext cx="1691635" cy="498978"/>
+          </a:xfrm>
+          <a:prstGeom prst="flowChartDecision">
+            <a:avLst/>
+          </a:prstGeom>
+          <a:solidFill>
+            <a:schemeClr val="bg1"/>
+          </a:solidFill>
+          <a:ln>
+            <a:solidFill>
+              <a:schemeClr val="tx1"/>
+            </a:solidFill>
+          </a:ln>
+        </p:spPr>
+        <p:style>
+          <a:lnRef idx="2">
+            <a:schemeClr val="accent1">
+              <a:shade val="50000"/>
+            </a:schemeClr>
+          </a:lnRef>
+          <a:fillRef idx="1">
+            <a:schemeClr val="accent1"/>
+          </a:fillRef>
+          <a:effectRef idx="0">
+            <a:schemeClr val="accent1"/>
+          </a:effectRef>
+          <a:fontRef idx="minor">
+            <a:schemeClr val="lt1"/>
+          </a:fontRef>
+        </p:style>
+        <p:txBody>
+          <a:bodyPr rtlCol="0" anchor="ctr"/>
+          <a:lstStyle/>
+          <a:p>
+            <a:pPr algn="ctr"/>
+            <a:r>
+              <a:rPr lang="en-US" sz="1300" dirty="0">
+                <a:solidFill>
+                  <a:schemeClr val="tx1"/>
+                </a:solidFill>
+              </a:rPr>
+              <a:t>S</a:t>
+            </a:r>
+            <a:endParaRPr lang="ru-RU" sz="1300" dirty="0">
+              <a:solidFill>
+                <a:schemeClr val="tx1"/>
+              </a:solidFill>
+            </a:endParaRPr>
+          </a:p>
+        </p:txBody>
+      </p:sp>
+      <p:sp>
+        <p:nvSpPr>
+          <p:cNvPr id="215" name="Прямоугольник 214">
+            <a:extLst>
+              <a:ext uri="{FF2B5EF4-FFF2-40B4-BE49-F238E27FC236}">
+                <a16:creationId xmlns:a16="http://schemas.microsoft.com/office/drawing/2014/main" xmlns="" id="{51975B9B-4B62-41A2-B14D-5A079A5147D6}"/>
+              </a:ext>
+            </a:extLst>
+          </p:cNvPr>
+          <p:cNvSpPr/>
+          <p:nvPr/>
+        </p:nvSpPr>
+        <p:spPr>
+          <a:xfrm>
+            <a:off x="2756734" y="5626829"/>
+            <a:ext cx="2915092" cy="494813"/>
+          </a:xfrm>
+          <a:prstGeom prst="rect">
+            <a:avLst/>
+          </a:prstGeom>
+          <a:solidFill>
+            <a:schemeClr val="bg1"/>
+          </a:solidFill>
+          <a:ln>
+            <a:solidFill>
+              <a:schemeClr val="tx1"/>
+            </a:solidFill>
+          </a:ln>
+        </p:spPr>
+        <p:style>
+          <a:lnRef idx="2">
+            <a:schemeClr val="accent1">
+              <a:shade val="50000"/>
+            </a:schemeClr>
+          </a:lnRef>
+          <a:fillRef idx="1">
+            <a:schemeClr val="accent1"/>
+          </a:fillRef>
+          <a:effectRef idx="0">
+            <a:schemeClr val="accent1"/>
+          </a:effectRef>
+          <a:fontRef idx="minor">
+            <a:schemeClr val="lt1"/>
+          </a:fontRef>
+        </p:style>
+        <p:txBody>
+          <a:bodyPr rtlCol="0" anchor="ctr"/>
+          <a:lstStyle/>
+          <a:p>
+            <a:pPr algn="ctr"/>
+            <a:r>
+              <a:rPr lang="ru-RU" sz="1300" dirty="0">
+                <a:solidFill>
+                  <a:schemeClr val="tx1"/>
+                </a:solidFill>
+                <a:latin typeface="Arial" panose="020B0604020202020204" pitchFamily="34" charset="0"/>
+                <a:cs typeface="Arial" panose="020B0604020202020204" pitchFamily="34" charset="0"/>
+              </a:rPr>
+              <a:t>Выбор наиболее приспособленной особи из последнего поколения</a:t>
+            </a:r>
+          </a:p>
+        </p:txBody>
+      </p:sp>
+      <p:cxnSp>
+        <p:nvCxnSpPr>
+          <p:cNvPr id="216" name="Прямая соединительная линия 215">
+            <a:extLst>
+              <a:ext uri="{FF2B5EF4-FFF2-40B4-BE49-F238E27FC236}">
+                <a16:creationId xmlns:a16="http://schemas.microsoft.com/office/drawing/2014/main" xmlns="" id="{29AC7676-0A80-4BCC-A6DE-0D6386C3C698}"/>
+              </a:ext>
+            </a:extLst>
+          </p:cNvPr>
+          <p:cNvCxnSpPr>
+            <a:cxnSpLocks/>
+            <a:stCxn id="199" idx="2"/>
+            <a:endCxn id="210" idx="0"/>
+          </p:cNvCxnSpPr>
+          <p:nvPr/>
+        </p:nvCxnSpPr>
+        <p:spPr>
+          <a:xfrm flipH="1">
+            <a:off x="4214284" y="1655233"/>
+            <a:ext cx="3" cy="236880"/>
+          </a:xfrm>
+          <a:prstGeom prst="line">
+            <a:avLst/>
+          </a:prstGeom>
+          <a:ln w="12700">
+            <a:solidFill>
+              <a:schemeClr val="tx1"/>
+            </a:solidFill>
+            <a:prstDash val="solid"/>
+            <a:headEnd type="none" w="med" len="med"/>
+            <a:tailEnd type="triangle" w="med" len="med"/>
+          </a:ln>
+        </p:spPr>
+        <p:style>
+          <a:lnRef idx="1">
+            <a:schemeClr val="accent1"/>
+          </a:lnRef>
+          <a:fillRef idx="0">
+            <a:schemeClr val="accent1"/>
+          </a:fillRef>
+          <a:effectRef idx="0">
+            <a:schemeClr val="accent1"/>
+          </a:effectRef>
+          <a:fontRef idx="minor">
+            <a:schemeClr val="tx1"/>
+          </a:fontRef>
+        </p:style>
+      </p:cxnSp>
+      <p:cxnSp>
+        <p:nvCxnSpPr>
+          <p:cNvPr id="219" name="Прямая соединительная линия 218">
+            <a:extLst>
+              <a:ext uri="{FF2B5EF4-FFF2-40B4-BE49-F238E27FC236}">
+                <a16:creationId xmlns:a16="http://schemas.microsoft.com/office/drawing/2014/main" xmlns="" id="{6A44A0DB-14D7-48A2-BB86-6806126B2DD3}"/>
+              </a:ext>
+            </a:extLst>
+          </p:cNvPr>
+          <p:cNvCxnSpPr>
+            <a:cxnSpLocks/>
+            <a:stCxn id="210" idx="2"/>
+            <a:endCxn id="211" idx="0"/>
+          </p:cNvCxnSpPr>
+          <p:nvPr/>
+        </p:nvCxnSpPr>
+        <p:spPr>
+          <a:xfrm>
+            <a:off x="4214284" y="2365872"/>
+            <a:ext cx="0" cy="238505"/>
+          </a:xfrm>
+          <a:prstGeom prst="line">
+            <a:avLst/>
+          </a:prstGeom>
+          <a:ln w="12700">
+            <a:solidFill>
+              <a:schemeClr val="tx1"/>
+            </a:solidFill>
+            <a:prstDash val="solid"/>
+            <a:headEnd type="none" w="med" len="med"/>
+            <a:tailEnd type="triangle" w="med" len="med"/>
+          </a:ln>
+        </p:spPr>
+        <p:style>
+          <a:lnRef idx="1">
+            <a:schemeClr val="accent1"/>
+          </a:lnRef>
+          <a:fillRef idx="0">
+            <a:schemeClr val="accent1"/>
+          </a:fillRef>
+          <a:effectRef idx="0">
+            <a:schemeClr val="accent1"/>
+          </a:effectRef>
+          <a:fontRef idx="minor">
+            <a:schemeClr val="tx1"/>
+          </a:fontRef>
+        </p:style>
+      </p:cxnSp>
+      <p:cxnSp>
+        <p:nvCxnSpPr>
+          <p:cNvPr id="223" name="Прямая соединительная линия 222">
+            <a:extLst>
+              <a:ext uri="{FF2B5EF4-FFF2-40B4-BE49-F238E27FC236}">
+                <a16:creationId xmlns:a16="http://schemas.microsoft.com/office/drawing/2014/main" xmlns="" id="{A75D06BA-88A1-4BD8-8989-10C16156FF88}"/>
+              </a:ext>
+            </a:extLst>
+          </p:cNvPr>
+          <p:cNvCxnSpPr>
+            <a:cxnSpLocks/>
+            <a:stCxn id="211" idx="2"/>
+            <a:endCxn id="212" idx="0"/>
+          </p:cNvCxnSpPr>
+          <p:nvPr/>
+        </p:nvCxnSpPr>
+        <p:spPr>
+          <a:xfrm flipH="1">
+            <a:off x="4214283" y="3078132"/>
+            <a:ext cx="1" cy="238505"/>
+          </a:xfrm>
+          <a:prstGeom prst="line">
+            <a:avLst/>
+          </a:prstGeom>
+          <a:ln w="12700">
+            <a:solidFill>
+              <a:schemeClr val="tx1"/>
+            </a:solidFill>
+            <a:prstDash val="solid"/>
+            <a:headEnd type="none" w="med" len="med"/>
+            <a:tailEnd type="triangle" w="med" len="med"/>
+          </a:ln>
+        </p:spPr>
+        <p:style>
+          <a:lnRef idx="1">
+            <a:schemeClr val="accent1"/>
+          </a:lnRef>
+          <a:fillRef idx="0">
+            <a:schemeClr val="accent1"/>
+          </a:fillRef>
+          <a:effectRef idx="0">
+            <a:schemeClr val="accent1"/>
+          </a:effectRef>
+          <a:fontRef idx="minor">
+            <a:schemeClr val="tx1"/>
+          </a:fontRef>
+        </p:style>
+      </p:cxnSp>
+      <p:cxnSp>
+        <p:nvCxnSpPr>
+          <p:cNvPr id="226" name="Прямая соединительная линия 225">
+            <a:extLst>
+              <a:ext uri="{FF2B5EF4-FFF2-40B4-BE49-F238E27FC236}">
+                <a16:creationId xmlns:a16="http://schemas.microsoft.com/office/drawing/2014/main" xmlns="" id="{CB54FF43-ADFE-4AF8-B717-962228CEC479}"/>
+              </a:ext>
+            </a:extLst>
+          </p:cNvPr>
+          <p:cNvCxnSpPr>
+            <a:cxnSpLocks/>
+            <a:stCxn id="212" idx="2"/>
+            <a:endCxn id="213" idx="0"/>
+          </p:cNvCxnSpPr>
+          <p:nvPr/>
+        </p:nvCxnSpPr>
+        <p:spPr>
+          <a:xfrm flipH="1">
+            <a:off x="4214282" y="3863647"/>
+            <a:ext cx="1" cy="243228"/>
+          </a:xfrm>
+          <a:prstGeom prst="line">
+            <a:avLst/>
+          </a:prstGeom>
+          <a:ln w="12700">
+            <a:solidFill>
+              <a:schemeClr val="tx1"/>
+            </a:solidFill>
+            <a:prstDash val="solid"/>
+            <a:headEnd type="none" w="med" len="med"/>
+            <a:tailEnd type="triangle" w="med" len="med"/>
+          </a:ln>
+        </p:spPr>
+        <p:style>
+          <a:lnRef idx="1">
+            <a:schemeClr val="accent1"/>
+          </a:lnRef>
+          <a:fillRef idx="0">
+            <a:schemeClr val="accent1"/>
+          </a:fillRef>
+          <a:effectRef idx="0">
+            <a:schemeClr val="accent1"/>
+          </a:effectRef>
+          <a:fontRef idx="minor">
+            <a:schemeClr val="tx1"/>
+          </a:fontRef>
+        </p:style>
+      </p:cxnSp>
+      <p:cxnSp>
+        <p:nvCxnSpPr>
+          <p:cNvPr id="229" name="Прямая соединительная линия 228">
+            <a:extLst>
+              <a:ext uri="{FF2B5EF4-FFF2-40B4-BE49-F238E27FC236}">
+                <a16:creationId xmlns:a16="http://schemas.microsoft.com/office/drawing/2014/main" xmlns="" id="{BE5A1258-67E2-496B-BE6E-8099A33162AF}"/>
+              </a:ext>
+            </a:extLst>
+          </p:cNvPr>
+          <p:cNvCxnSpPr>
+            <a:cxnSpLocks/>
+            <a:stCxn id="213" idx="2"/>
+            <a:endCxn id="214" idx="0"/>
+          </p:cNvCxnSpPr>
+          <p:nvPr/>
+        </p:nvCxnSpPr>
+        <p:spPr>
+          <a:xfrm flipH="1">
+            <a:off x="4214281" y="4651959"/>
+            <a:ext cx="1" cy="240431"/>
+          </a:xfrm>
+          <a:prstGeom prst="line">
+            <a:avLst/>
+          </a:prstGeom>
+          <a:ln w="12700">
+            <a:solidFill>
+              <a:schemeClr val="tx1"/>
+            </a:solidFill>
+            <a:prstDash val="solid"/>
+            <a:headEnd type="none" w="med" len="med"/>
+            <a:tailEnd type="triangle" w="med" len="med"/>
+          </a:ln>
+        </p:spPr>
+        <p:style>
+          <a:lnRef idx="1">
+            <a:schemeClr val="accent1"/>
+          </a:lnRef>
+          <a:fillRef idx="0">
+            <a:schemeClr val="accent1"/>
+          </a:fillRef>
+          <a:effectRef idx="0">
+            <a:schemeClr val="accent1"/>
+          </a:effectRef>
+          <a:fontRef idx="minor">
+            <a:schemeClr val="tx1"/>
+          </a:fontRef>
+        </p:style>
+      </p:cxnSp>
+      <p:sp>
+        <p:nvSpPr>
+          <p:cNvPr id="232" name="Прямоугольник 231">
+            <a:extLst>
+              <a:ext uri="{FF2B5EF4-FFF2-40B4-BE49-F238E27FC236}">
+                <a16:creationId xmlns:a16="http://schemas.microsoft.com/office/drawing/2014/main" xmlns="" id="{027E2C74-91F4-4DE4-8D03-65E3B54C18FC}"/>
+              </a:ext>
+            </a:extLst>
+          </p:cNvPr>
+          <p:cNvSpPr/>
+          <p:nvPr/>
+        </p:nvSpPr>
+        <p:spPr>
+          <a:xfrm>
+            <a:off x="1078136" y="1962808"/>
+            <a:ext cx="1519019" cy="332367"/>
+          </a:xfrm>
+          <a:prstGeom prst="rect">
+            <a:avLst/>
+          </a:prstGeom>
+          <a:solidFill>
+            <a:schemeClr val="bg1"/>
+          </a:solidFill>
+          <a:ln>
+            <a:solidFill>
+              <a:schemeClr val="tx1"/>
+            </a:solidFill>
+          </a:ln>
+        </p:spPr>
+        <p:style>
+          <a:lnRef idx="2">
+            <a:schemeClr val="accent1">
+              <a:shade val="50000"/>
+            </a:schemeClr>
+          </a:lnRef>
+          <a:fillRef idx="1">
+            <a:schemeClr val="accent1"/>
+          </a:fillRef>
+          <a:effectRef idx="0">
+            <a:schemeClr val="accent1"/>
+          </a:effectRef>
+          <a:fontRef idx="minor">
+            <a:schemeClr val="lt1"/>
+          </a:fontRef>
+        </p:style>
+        <p:txBody>
+          <a:bodyPr rtlCol="0" anchor="ctr"/>
+          <a:lstStyle/>
+          <a:p>
+            <a:pPr algn="ctr"/>
+            <a:r>
+              <a:rPr lang="en-US" sz="1300" dirty="0">
+                <a:solidFill>
+                  <a:schemeClr val="tx1"/>
+                </a:solidFill>
+                <a:latin typeface="Arial" panose="020B0604020202020204" pitchFamily="34" charset="0"/>
+                <a:cs typeface="Arial" panose="020B0604020202020204" pitchFamily="34" charset="0"/>
+              </a:rPr>
+              <a:t>&lt;X(0), G, Y, D, T&gt;</a:t>
+            </a:r>
+            <a:endParaRPr lang="ru-RU" sz="1300" dirty="0">
+              <a:solidFill>
+                <a:schemeClr val="tx1"/>
+              </a:solidFill>
+              <a:latin typeface="Arial" panose="020B0604020202020204" pitchFamily="34" charset="0"/>
+              <a:cs typeface="Arial" panose="020B0604020202020204" pitchFamily="34" charset="0"/>
+            </a:endParaRPr>
+          </a:p>
+        </p:txBody>
+      </p:sp>
+      <p:cxnSp>
+        <p:nvCxnSpPr>
+          <p:cNvPr id="236" name="Прямая соединительная линия 235">
+            <a:extLst>
+              <a:ext uri="{FF2B5EF4-FFF2-40B4-BE49-F238E27FC236}">
+                <a16:creationId xmlns:a16="http://schemas.microsoft.com/office/drawing/2014/main" xmlns="" id="{72921B6B-4204-4E5E-A016-1836EB1E6975}"/>
+              </a:ext>
+            </a:extLst>
+          </p:cNvPr>
+          <p:cNvCxnSpPr>
+            <a:cxnSpLocks/>
+            <a:stCxn id="232" idx="3"/>
+            <a:endCxn id="210" idx="1"/>
+          </p:cNvCxnSpPr>
+          <p:nvPr/>
+        </p:nvCxnSpPr>
+        <p:spPr>
+          <a:xfrm>
+            <a:off x="2597155" y="2128992"/>
+            <a:ext cx="454640" cy="1"/>
+          </a:xfrm>
+          <a:prstGeom prst="line">
+            <a:avLst/>
+          </a:prstGeom>
+          <a:ln w="12700">
+            <a:solidFill>
+              <a:schemeClr val="tx1"/>
+            </a:solidFill>
+            <a:prstDash val="solid"/>
+            <a:headEnd type="none" w="med" len="med"/>
+            <a:tailEnd type="triangle" w="med" len="med"/>
+          </a:ln>
+        </p:spPr>
+        <p:style>
+          <a:lnRef idx="1">
+            <a:schemeClr val="accent1"/>
+          </a:lnRef>
+          <a:fillRef idx="0">
+            <a:schemeClr val="accent1"/>
+          </a:fillRef>
+          <a:effectRef idx="0">
+            <a:schemeClr val="accent1"/>
+          </a:effectRef>
+          <a:fontRef idx="minor">
+            <a:schemeClr val="tx1"/>
+          </a:fontRef>
+        </p:style>
+      </p:cxnSp>
+      <p:grpSp>
+        <p:nvGrpSpPr>
+          <p:cNvPr id="239" name="Группа 238">
+            <a:extLst>
+              <a:ext uri="{FF2B5EF4-FFF2-40B4-BE49-F238E27FC236}">
+                <a16:creationId xmlns:a16="http://schemas.microsoft.com/office/drawing/2014/main" xmlns="" id="{3CA5CE57-ED79-47F0-9E04-B25F3E1453E2}"/>
+              </a:ext>
+            </a:extLst>
+          </p:cNvPr>
+          <p:cNvGrpSpPr/>
+          <p:nvPr/>
+        </p:nvGrpSpPr>
+        <p:grpSpPr>
+          <a:xfrm>
+            <a:off x="2817809" y="1548486"/>
+            <a:ext cx="233982" cy="431049"/>
+            <a:chOff x="2614174" y="1621631"/>
+            <a:chExt cx="233982" cy="590550"/>
+          </a:xfrm>
+        </p:grpSpPr>
+        <p:cxnSp>
+          <p:nvCxnSpPr>
+            <p:cNvPr id="240" name="Прямая соединительная линия 239">
+              <a:extLst>
+                <a:ext uri="{FF2B5EF4-FFF2-40B4-BE49-F238E27FC236}">
+                  <a16:creationId xmlns:a16="http://schemas.microsoft.com/office/drawing/2014/main" xmlns="" id="{C061D425-C819-45C5-B202-C197F7F91762}"/>
+                </a:ext>
+              </a:extLst>
+            </p:cNvPr>
+            <p:cNvCxnSpPr/>
+            <p:nvPr/>
+          </p:nvCxnSpPr>
+          <p:spPr>
+            <a:xfrm flipH="1">
+              <a:off x="2614174" y="1621631"/>
+              <a:ext cx="233982" cy="0"/>
+            </a:xfrm>
+            <a:prstGeom prst="line">
+              <a:avLst/>
+            </a:prstGeom>
+            <a:ln w="12700"/>
+          </p:spPr>
+          <p:style>
+            <a:lnRef idx="1">
+              <a:schemeClr val="dk1"/>
+            </a:lnRef>
+            <a:fillRef idx="0">
+              <a:schemeClr val="dk1"/>
+            </a:fillRef>
+            <a:effectRef idx="0">
+              <a:schemeClr val="dk1"/>
+            </a:effectRef>
+            <a:fontRef idx="minor">
+              <a:schemeClr val="tx1"/>
+            </a:fontRef>
+          </p:style>
+        </p:cxnSp>
+        <p:cxnSp>
+          <p:nvCxnSpPr>
+            <p:cNvPr id="241" name="Прямая соединительная линия 240">
+              <a:extLst>
+                <a:ext uri="{FF2B5EF4-FFF2-40B4-BE49-F238E27FC236}">
+                  <a16:creationId xmlns:a16="http://schemas.microsoft.com/office/drawing/2014/main" xmlns="" id="{2EC42842-63DD-461A-A61C-B7CF1DB0D08D}"/>
+                </a:ext>
+              </a:extLst>
+            </p:cNvPr>
+            <p:cNvCxnSpPr/>
+            <p:nvPr/>
+          </p:nvCxnSpPr>
+          <p:spPr>
+            <a:xfrm>
+              <a:off x="2614174" y="1621631"/>
+              <a:ext cx="0" cy="590550"/>
+            </a:xfrm>
+            <a:prstGeom prst="line">
+              <a:avLst/>
+            </a:prstGeom>
+            <a:ln w="12700"/>
+          </p:spPr>
+          <p:style>
+            <a:lnRef idx="1">
+              <a:schemeClr val="dk1"/>
+            </a:lnRef>
+            <a:fillRef idx="0">
+              <a:schemeClr val="dk1"/>
+            </a:fillRef>
+            <a:effectRef idx="0">
+              <a:schemeClr val="dk1"/>
+            </a:effectRef>
+            <a:fontRef idx="minor">
+              <a:schemeClr val="tx1"/>
+            </a:fontRef>
+          </p:style>
+        </p:cxnSp>
+        <p:cxnSp>
+          <p:nvCxnSpPr>
+            <p:cNvPr id="242" name="Прямая соединительная линия 241">
+              <a:extLst>
+                <a:ext uri="{FF2B5EF4-FFF2-40B4-BE49-F238E27FC236}">
+                  <a16:creationId xmlns:a16="http://schemas.microsoft.com/office/drawing/2014/main" xmlns="" id="{3A153056-7DA5-495F-BCCF-EA2BF3D5AB01}"/>
+                </a:ext>
+              </a:extLst>
+            </p:cNvPr>
+            <p:cNvCxnSpPr/>
+            <p:nvPr/>
+          </p:nvCxnSpPr>
+          <p:spPr>
+            <a:xfrm flipH="1">
+              <a:off x="2614174" y="2212181"/>
+              <a:ext cx="233982" cy="0"/>
+            </a:xfrm>
+            <a:prstGeom prst="line">
+              <a:avLst/>
+            </a:prstGeom>
+            <a:ln w="12700">
+              <a:headEnd type="triangle" w="med" len="med"/>
+              <a:tailEnd type="none" w="med" len="med"/>
+            </a:ln>
+          </p:spPr>
+          <p:style>
+            <a:lnRef idx="1">
+              <a:schemeClr val="dk1"/>
+            </a:lnRef>
+            <a:fillRef idx="0">
+              <a:schemeClr val="dk1"/>
+            </a:fillRef>
+            <a:effectRef idx="0">
+              <a:schemeClr val="dk1"/>
+            </a:effectRef>
+            <a:fontRef idx="minor">
+              <a:schemeClr val="tx1"/>
+            </a:fontRef>
+          </p:style>
+        </p:cxnSp>
+      </p:grpSp>
+      <p:sp>
+        <p:nvSpPr>
+          <p:cNvPr id="243" name="TextBox 242">
+            <a:extLst>
+              <a:ext uri="{FF2B5EF4-FFF2-40B4-BE49-F238E27FC236}">
+                <a16:creationId xmlns:a16="http://schemas.microsoft.com/office/drawing/2014/main" xmlns="" id="{108658EB-3D7A-4917-AA8F-9366527F5E24}"/>
+              </a:ext>
+            </a:extLst>
+          </p:cNvPr>
+          <p:cNvSpPr txBox="1"/>
+          <p:nvPr/>
+        </p:nvSpPr>
+        <p:spPr>
+          <a:xfrm>
+            <a:off x="940489" y="1612419"/>
+            <a:ext cx="1897635" cy="292388"/>
+          </a:xfrm>
+          <a:prstGeom prst="rect">
+            <a:avLst/>
+          </a:prstGeom>
+          <a:noFill/>
+        </p:spPr>
+        <p:txBody>
+          <a:bodyPr wrap="none" rtlCol="0">
+            <a:spAutoFit/>
+          </a:bodyPr>
+          <a:lstStyle/>
+          <a:p>
+            <a:pPr algn="ctr"/>
+            <a:r>
+              <a:rPr lang="ru-RU" sz="1300" dirty="0">
+                <a:latin typeface="Arial" panose="020B0604020202020204" pitchFamily="34" charset="0"/>
+                <a:cs typeface="Arial" panose="020B0604020202020204" pitchFamily="34" charset="0"/>
+              </a:rPr>
+              <a:t>Начальное поколение</a:t>
+            </a:r>
+          </a:p>
+        </p:txBody>
+      </p:sp>
+      <p:grpSp>
+        <p:nvGrpSpPr>
+          <p:cNvPr id="244" name="Группа 243">
+            <a:extLst>
+              <a:ext uri="{FF2B5EF4-FFF2-40B4-BE49-F238E27FC236}">
+                <a16:creationId xmlns:a16="http://schemas.microsoft.com/office/drawing/2014/main" xmlns="" id="{64D13B59-F627-4BA7-B4FA-38A431F083F2}"/>
+              </a:ext>
+            </a:extLst>
+          </p:cNvPr>
+          <p:cNvGrpSpPr/>
+          <p:nvPr/>
+        </p:nvGrpSpPr>
+        <p:grpSpPr>
+          <a:xfrm>
+            <a:off x="2814950" y="2264137"/>
+            <a:ext cx="233982" cy="431049"/>
+            <a:chOff x="2614174" y="1621631"/>
+            <a:chExt cx="233982" cy="590550"/>
+          </a:xfrm>
+        </p:grpSpPr>
+        <p:cxnSp>
+          <p:nvCxnSpPr>
+            <p:cNvPr id="245" name="Прямая соединительная линия 244">
+              <a:extLst>
+                <a:ext uri="{FF2B5EF4-FFF2-40B4-BE49-F238E27FC236}">
+                  <a16:creationId xmlns:a16="http://schemas.microsoft.com/office/drawing/2014/main" xmlns="" id="{88639B7B-A5D4-40C4-8A1C-021BE597032D}"/>
+                </a:ext>
+              </a:extLst>
+            </p:cNvPr>
+            <p:cNvCxnSpPr/>
+            <p:nvPr/>
+          </p:nvCxnSpPr>
+          <p:spPr>
+            <a:xfrm flipH="1">
+              <a:off x="2614174" y="1621631"/>
+              <a:ext cx="233982" cy="0"/>
+            </a:xfrm>
+            <a:prstGeom prst="line">
+              <a:avLst/>
+            </a:prstGeom>
+            <a:ln w="12700"/>
+          </p:spPr>
+          <p:style>
+            <a:lnRef idx="1">
+              <a:schemeClr val="dk1"/>
+            </a:lnRef>
+            <a:fillRef idx="0">
+              <a:schemeClr val="dk1"/>
+            </a:fillRef>
+            <a:effectRef idx="0">
+              <a:schemeClr val="dk1"/>
+            </a:effectRef>
+            <a:fontRef idx="minor">
+              <a:schemeClr val="tx1"/>
+            </a:fontRef>
+          </p:style>
+        </p:cxnSp>
+        <p:cxnSp>
+          <p:nvCxnSpPr>
+            <p:cNvPr id="246" name="Прямая соединительная линия 245">
+              <a:extLst>
+                <a:ext uri="{FF2B5EF4-FFF2-40B4-BE49-F238E27FC236}">
+                  <a16:creationId xmlns:a16="http://schemas.microsoft.com/office/drawing/2014/main" xmlns="" id="{3D5FC3B8-EA94-46F4-ACE8-B4ADCD0854FB}"/>
+                </a:ext>
+              </a:extLst>
+            </p:cNvPr>
+            <p:cNvCxnSpPr/>
+            <p:nvPr/>
+          </p:nvCxnSpPr>
+          <p:spPr>
+            <a:xfrm>
+              <a:off x="2614174" y="1621631"/>
+              <a:ext cx="0" cy="590550"/>
+            </a:xfrm>
+            <a:prstGeom prst="line">
+              <a:avLst/>
+            </a:prstGeom>
+            <a:ln w="12700"/>
+          </p:spPr>
+          <p:style>
+            <a:lnRef idx="1">
+              <a:schemeClr val="dk1"/>
+            </a:lnRef>
+            <a:fillRef idx="0">
+              <a:schemeClr val="dk1"/>
+            </a:fillRef>
+            <a:effectRef idx="0">
+              <a:schemeClr val="dk1"/>
+            </a:effectRef>
+            <a:fontRef idx="minor">
+              <a:schemeClr val="tx1"/>
+            </a:fontRef>
+          </p:style>
+        </p:cxnSp>
+        <p:cxnSp>
+          <p:nvCxnSpPr>
+            <p:cNvPr id="247" name="Прямая соединительная линия 246">
+              <a:extLst>
+                <a:ext uri="{FF2B5EF4-FFF2-40B4-BE49-F238E27FC236}">
+                  <a16:creationId xmlns:a16="http://schemas.microsoft.com/office/drawing/2014/main" xmlns="" id="{A7BD5491-FD38-4AE6-98A9-162F969DDFCF}"/>
+                </a:ext>
+              </a:extLst>
+            </p:cNvPr>
+            <p:cNvCxnSpPr/>
+            <p:nvPr/>
+          </p:nvCxnSpPr>
+          <p:spPr>
+            <a:xfrm flipH="1">
+              <a:off x="2614174" y="2212181"/>
+              <a:ext cx="233982" cy="0"/>
+            </a:xfrm>
+            <a:prstGeom prst="line">
+              <a:avLst/>
+            </a:prstGeom>
+            <a:ln w="12700">
+              <a:headEnd type="triangle" w="med" len="med"/>
+              <a:tailEnd type="none" w="med" len="med"/>
+            </a:ln>
+          </p:spPr>
+          <p:style>
+            <a:lnRef idx="1">
+              <a:schemeClr val="dk1"/>
+            </a:lnRef>
+            <a:fillRef idx="0">
+              <a:schemeClr val="dk1"/>
+            </a:fillRef>
+            <a:effectRef idx="0">
+              <a:schemeClr val="dk1"/>
+            </a:effectRef>
+            <a:fontRef idx="minor">
+              <a:schemeClr val="tx1"/>
+            </a:fontRef>
+          </p:style>
+        </p:cxnSp>
+      </p:grpSp>
+      <p:sp>
+        <p:nvSpPr>
+          <p:cNvPr id="248" name="TextBox 247">
+            <a:extLst>
+              <a:ext uri="{FF2B5EF4-FFF2-40B4-BE49-F238E27FC236}">
+                <a16:creationId xmlns:a16="http://schemas.microsoft.com/office/drawing/2014/main" xmlns="" id="{FA579469-EC3F-46CE-8ECA-3F08BA95F005}"/>
+              </a:ext>
+            </a:extLst>
+          </p:cNvPr>
+          <p:cNvSpPr txBox="1"/>
+          <p:nvPr/>
+        </p:nvSpPr>
+        <p:spPr>
+          <a:xfrm>
+            <a:off x="353631" y="2350151"/>
+            <a:ext cx="2624764" cy="292388"/>
+          </a:xfrm>
+          <a:prstGeom prst="rect">
+            <a:avLst/>
+          </a:prstGeom>
+          <a:noFill/>
+        </p:spPr>
+        <p:txBody>
+          <a:bodyPr wrap="square" rtlCol="0">
+            <a:spAutoFit/>
+          </a:bodyPr>
+          <a:lstStyle/>
+          <a:p>
+            <a:pPr algn="ctr"/>
+            <a:r>
+              <a:rPr lang="ru-RU" sz="1300" dirty="0">
+                <a:latin typeface="Arial" panose="020B0604020202020204" pitchFamily="34" charset="0"/>
+                <a:cs typeface="Arial" panose="020B0604020202020204" pitchFamily="34" charset="0"/>
+              </a:rPr>
+              <a:t>Приспособленность особей</a:t>
+            </a:r>
+          </a:p>
+        </p:txBody>
+      </p:sp>
+      <p:grpSp>
+        <p:nvGrpSpPr>
+          <p:cNvPr id="249" name="Группа 248">
+            <a:extLst>
+              <a:ext uri="{FF2B5EF4-FFF2-40B4-BE49-F238E27FC236}">
+                <a16:creationId xmlns:a16="http://schemas.microsoft.com/office/drawing/2014/main" xmlns="" id="{ED16CC1C-A6D4-4FF5-B305-2ADC38F9268E}"/>
+              </a:ext>
+            </a:extLst>
+          </p:cNvPr>
+          <p:cNvGrpSpPr/>
+          <p:nvPr/>
+        </p:nvGrpSpPr>
+        <p:grpSpPr>
+          <a:xfrm>
+            <a:off x="2817809" y="2966115"/>
+            <a:ext cx="233982" cy="431049"/>
+            <a:chOff x="2614174" y="1621631"/>
+            <a:chExt cx="233982" cy="590550"/>
+          </a:xfrm>
+        </p:grpSpPr>
+        <p:cxnSp>
+          <p:nvCxnSpPr>
+            <p:cNvPr id="250" name="Прямая соединительная линия 249">
+              <a:extLst>
+                <a:ext uri="{FF2B5EF4-FFF2-40B4-BE49-F238E27FC236}">
+                  <a16:creationId xmlns:a16="http://schemas.microsoft.com/office/drawing/2014/main" xmlns="" id="{322F3F2D-AC24-4A7B-AFA1-5658805D2982}"/>
+                </a:ext>
+              </a:extLst>
+            </p:cNvPr>
+            <p:cNvCxnSpPr/>
+            <p:nvPr/>
+          </p:nvCxnSpPr>
+          <p:spPr>
+            <a:xfrm flipH="1">
+              <a:off x="2614174" y="1621631"/>
+              <a:ext cx="233982" cy="0"/>
+            </a:xfrm>
+            <a:prstGeom prst="line">
+              <a:avLst/>
+            </a:prstGeom>
+            <a:ln w="12700"/>
+          </p:spPr>
+          <p:style>
+            <a:lnRef idx="1">
+              <a:schemeClr val="dk1"/>
+            </a:lnRef>
+            <a:fillRef idx="0">
+              <a:schemeClr val="dk1"/>
+            </a:fillRef>
+            <a:effectRef idx="0">
+              <a:schemeClr val="dk1"/>
+            </a:effectRef>
+            <a:fontRef idx="minor">
+              <a:schemeClr val="tx1"/>
+            </a:fontRef>
+          </p:style>
+        </p:cxnSp>
+        <p:cxnSp>
+          <p:nvCxnSpPr>
+            <p:cNvPr id="251" name="Прямая соединительная линия 250">
+              <a:extLst>
+                <a:ext uri="{FF2B5EF4-FFF2-40B4-BE49-F238E27FC236}">
+                  <a16:creationId xmlns:a16="http://schemas.microsoft.com/office/drawing/2014/main" xmlns="" id="{5767D867-1C86-4E30-9E81-5D96B04F3229}"/>
+                </a:ext>
+              </a:extLst>
+            </p:cNvPr>
+            <p:cNvCxnSpPr/>
+            <p:nvPr/>
+          </p:nvCxnSpPr>
+          <p:spPr>
+            <a:xfrm>
+              <a:off x="2614174" y="1621631"/>
+              <a:ext cx="0" cy="590550"/>
+            </a:xfrm>
+            <a:prstGeom prst="line">
+              <a:avLst/>
+            </a:prstGeom>
+            <a:ln w="12700"/>
+          </p:spPr>
+          <p:style>
+            <a:lnRef idx="1">
+              <a:schemeClr val="dk1"/>
+            </a:lnRef>
+            <a:fillRef idx="0">
+              <a:schemeClr val="dk1"/>
+            </a:fillRef>
+            <a:effectRef idx="0">
+              <a:schemeClr val="dk1"/>
+            </a:effectRef>
+            <a:fontRef idx="minor">
+              <a:schemeClr val="tx1"/>
+            </a:fontRef>
+          </p:style>
+        </p:cxnSp>
+        <p:cxnSp>
+          <p:nvCxnSpPr>
+            <p:cNvPr id="252" name="Прямая соединительная линия 251">
+              <a:extLst>
+                <a:ext uri="{FF2B5EF4-FFF2-40B4-BE49-F238E27FC236}">
+                  <a16:creationId xmlns:a16="http://schemas.microsoft.com/office/drawing/2014/main" xmlns="" id="{94EAF5C5-1D69-4489-962D-54C4CA564428}"/>
+                </a:ext>
+              </a:extLst>
+            </p:cNvPr>
+            <p:cNvCxnSpPr/>
+            <p:nvPr/>
+          </p:nvCxnSpPr>
+          <p:spPr>
+            <a:xfrm flipH="1">
+              <a:off x="2614174" y="2212181"/>
+              <a:ext cx="233982" cy="0"/>
+            </a:xfrm>
+            <a:prstGeom prst="line">
+              <a:avLst/>
+            </a:prstGeom>
+            <a:ln w="12700">
+              <a:headEnd type="triangle" w="med" len="med"/>
+              <a:tailEnd type="none" w="med" len="med"/>
+            </a:ln>
+          </p:spPr>
+          <p:style>
+            <a:lnRef idx="1">
+              <a:schemeClr val="dk1"/>
+            </a:lnRef>
+            <a:fillRef idx="0">
+              <a:schemeClr val="dk1"/>
+            </a:fillRef>
+            <a:effectRef idx="0">
+              <a:schemeClr val="dk1"/>
+            </a:effectRef>
+            <a:fontRef idx="minor">
+              <a:schemeClr val="tx1"/>
+            </a:fontRef>
+          </p:style>
+        </p:cxnSp>
+      </p:grpSp>
+      <p:sp>
+        <p:nvSpPr>
+          <p:cNvPr id="253" name="TextBox 252">
+            <a:extLst>
+              <a:ext uri="{FF2B5EF4-FFF2-40B4-BE49-F238E27FC236}">
+                <a16:creationId xmlns:a16="http://schemas.microsoft.com/office/drawing/2014/main" xmlns="" id="{2020E108-E568-4B72-A592-3D4D580A58DE}"/>
+              </a:ext>
+            </a:extLst>
+          </p:cNvPr>
+          <p:cNvSpPr txBox="1"/>
+          <p:nvPr/>
+        </p:nvSpPr>
+        <p:spPr>
+          <a:xfrm>
+            <a:off x="655394" y="2933937"/>
+            <a:ext cx="2256546" cy="492443"/>
+          </a:xfrm>
+          <a:prstGeom prst="rect">
+            <a:avLst/>
+          </a:prstGeom>
+          <a:noFill/>
+        </p:spPr>
+        <p:txBody>
+          <a:bodyPr wrap="square" rtlCol="0">
+            <a:spAutoFit/>
+          </a:bodyPr>
+          <a:lstStyle/>
+          <a:p>
+            <a:pPr algn="ctr"/>
+            <a:r>
+              <a:rPr lang="ru-RU" sz="1300" dirty="0">
+                <a:latin typeface="Arial" panose="020B0604020202020204" pitchFamily="34" charset="0"/>
+                <a:cs typeface="Arial" panose="020B0604020202020204" pitchFamily="34" charset="0"/>
+              </a:rPr>
+              <a:t>Наиболее приспособленные особи</a:t>
+            </a:r>
+          </a:p>
+        </p:txBody>
+      </p:sp>
+      <p:sp>
+        <p:nvSpPr>
+          <p:cNvPr id="255" name="Прямоугольник 254">
+            <a:extLst>
+              <a:ext uri="{FF2B5EF4-FFF2-40B4-BE49-F238E27FC236}">
+                <a16:creationId xmlns:a16="http://schemas.microsoft.com/office/drawing/2014/main" xmlns="" id="{3E961045-B7FB-4042-A4B3-A41B4FEA3DAD}"/>
+              </a:ext>
+            </a:extLst>
+          </p:cNvPr>
+          <p:cNvSpPr/>
+          <p:nvPr/>
+        </p:nvSpPr>
+        <p:spPr>
+          <a:xfrm>
+            <a:off x="5831412" y="1892112"/>
+            <a:ext cx="2448625" cy="473759"/>
+          </a:xfrm>
+          <a:prstGeom prst="rect">
+            <a:avLst/>
+          </a:prstGeom>
+          <a:solidFill>
+            <a:schemeClr val="bg1"/>
+          </a:solidFill>
+          <a:ln>
+            <a:solidFill>
+              <a:schemeClr val="tx1"/>
+            </a:solidFill>
+          </a:ln>
+        </p:spPr>
+        <p:style>
+          <a:lnRef idx="2">
+            <a:schemeClr val="accent1">
+              <a:shade val="50000"/>
+            </a:schemeClr>
+          </a:lnRef>
+          <a:fillRef idx="1">
+            <a:schemeClr val="accent1"/>
+          </a:fillRef>
+          <a:effectRef idx="0">
+            <a:schemeClr val="accent1"/>
+          </a:effectRef>
+          <a:fontRef idx="minor">
+            <a:schemeClr val="lt1"/>
+          </a:fontRef>
+        </p:style>
+        <p:txBody>
+          <a:bodyPr rtlCol="0" anchor="ctr"/>
+          <a:lstStyle/>
+          <a:p>
+            <a:pPr algn="ctr"/>
+            <a:r>
+              <a:rPr lang="ru-RU" sz="1300" dirty="0">
+                <a:solidFill>
+                  <a:schemeClr val="tx1"/>
+                </a:solidFill>
+                <a:latin typeface="Arial" panose="020B0604020202020204" pitchFamily="34" charset="0"/>
+                <a:cs typeface="Arial" panose="020B0604020202020204" pitchFamily="34" charset="0"/>
+              </a:rPr>
+              <a:t>Алгоритм моделирования по времени</a:t>
+            </a:r>
+          </a:p>
+        </p:txBody>
+      </p:sp>
+      <p:cxnSp>
+        <p:nvCxnSpPr>
+          <p:cNvPr id="256" name="Прямая соединительная линия 255">
+            <a:extLst>
+              <a:ext uri="{FF2B5EF4-FFF2-40B4-BE49-F238E27FC236}">
+                <a16:creationId xmlns:a16="http://schemas.microsoft.com/office/drawing/2014/main" xmlns="" id="{5F8F9150-1537-4F86-BB60-5709CFFF0047}"/>
+              </a:ext>
+            </a:extLst>
+          </p:cNvPr>
+          <p:cNvCxnSpPr>
+            <a:cxnSpLocks/>
+            <a:stCxn id="255" idx="1"/>
+            <a:endCxn id="210" idx="3"/>
+          </p:cNvCxnSpPr>
+          <p:nvPr/>
+        </p:nvCxnSpPr>
+        <p:spPr>
+          <a:xfrm flipH="1">
+            <a:off x="5376772" y="2128992"/>
+            <a:ext cx="454640" cy="1"/>
+          </a:xfrm>
+          <a:prstGeom prst="line">
+            <a:avLst/>
+          </a:prstGeom>
+          <a:ln w="12700">
+            <a:solidFill>
+              <a:schemeClr val="tx1"/>
+            </a:solidFill>
+            <a:prstDash val="solid"/>
+            <a:headEnd type="none" w="med" len="med"/>
+            <a:tailEnd type="triangle" w="med" len="med"/>
+          </a:ln>
+        </p:spPr>
+        <p:style>
+          <a:lnRef idx="1">
+            <a:schemeClr val="accent1"/>
+          </a:lnRef>
+          <a:fillRef idx="0">
+            <a:schemeClr val="accent1"/>
+          </a:fillRef>
+          <a:effectRef idx="0">
+            <a:schemeClr val="accent1"/>
+          </a:effectRef>
+          <a:fontRef idx="minor">
+            <a:schemeClr val="tx1"/>
+          </a:fontRef>
+        </p:style>
+      </p:cxnSp>
+      <p:grpSp>
+        <p:nvGrpSpPr>
+          <p:cNvPr id="259" name="Группа 258">
+            <a:extLst>
+              <a:ext uri="{FF2B5EF4-FFF2-40B4-BE49-F238E27FC236}">
+                <a16:creationId xmlns:a16="http://schemas.microsoft.com/office/drawing/2014/main" xmlns="" id="{8BDE4072-CA6F-480E-9AF7-0FC94E48FD79}"/>
+              </a:ext>
+            </a:extLst>
+          </p:cNvPr>
+          <p:cNvGrpSpPr/>
+          <p:nvPr/>
+        </p:nvGrpSpPr>
+        <p:grpSpPr>
+          <a:xfrm>
+            <a:off x="2811775" y="3748295"/>
+            <a:ext cx="233982" cy="431049"/>
+            <a:chOff x="2614174" y="1621631"/>
+            <a:chExt cx="233982" cy="590550"/>
+          </a:xfrm>
+        </p:grpSpPr>
+        <p:cxnSp>
+          <p:nvCxnSpPr>
+            <p:cNvPr id="260" name="Прямая соединительная линия 259">
+              <a:extLst>
+                <a:ext uri="{FF2B5EF4-FFF2-40B4-BE49-F238E27FC236}">
+                  <a16:creationId xmlns:a16="http://schemas.microsoft.com/office/drawing/2014/main" xmlns="" id="{18418D6C-7FCF-4DC3-B228-1C349F7AA6D6}"/>
+                </a:ext>
+              </a:extLst>
+            </p:cNvPr>
+            <p:cNvCxnSpPr/>
+            <p:nvPr/>
+          </p:nvCxnSpPr>
+          <p:spPr>
+            <a:xfrm flipH="1">
+              <a:off x="2614174" y="1621631"/>
+              <a:ext cx="233982" cy="0"/>
+            </a:xfrm>
+            <a:prstGeom prst="line">
+              <a:avLst/>
+            </a:prstGeom>
+            <a:ln w="12700"/>
+          </p:spPr>
+          <p:style>
+            <a:lnRef idx="1">
+              <a:schemeClr val="dk1"/>
+            </a:lnRef>
+            <a:fillRef idx="0">
+              <a:schemeClr val="dk1"/>
+            </a:fillRef>
+            <a:effectRef idx="0">
+              <a:schemeClr val="dk1"/>
+            </a:effectRef>
+            <a:fontRef idx="minor">
+              <a:schemeClr val="tx1"/>
+            </a:fontRef>
+          </p:style>
+        </p:cxnSp>
+        <p:cxnSp>
+          <p:nvCxnSpPr>
+            <p:cNvPr id="261" name="Прямая соединительная линия 260">
+              <a:extLst>
+                <a:ext uri="{FF2B5EF4-FFF2-40B4-BE49-F238E27FC236}">
+                  <a16:creationId xmlns:a16="http://schemas.microsoft.com/office/drawing/2014/main" xmlns="" id="{C44BD5E0-BA5E-4DEA-89B5-08F8677ABD1C}"/>
+                </a:ext>
+              </a:extLst>
+            </p:cNvPr>
+            <p:cNvCxnSpPr/>
+            <p:nvPr/>
+          </p:nvCxnSpPr>
+          <p:spPr>
+            <a:xfrm>
+              <a:off x="2614174" y="1621631"/>
+              <a:ext cx="0" cy="590550"/>
+            </a:xfrm>
+            <a:prstGeom prst="line">
+              <a:avLst/>
+            </a:prstGeom>
+            <a:ln w="12700"/>
+          </p:spPr>
+          <p:style>
+            <a:lnRef idx="1">
+              <a:schemeClr val="dk1"/>
+            </a:lnRef>
+            <a:fillRef idx="0">
+              <a:schemeClr val="dk1"/>
+            </a:fillRef>
+            <a:effectRef idx="0">
+              <a:schemeClr val="dk1"/>
+            </a:effectRef>
+            <a:fontRef idx="minor">
+              <a:schemeClr val="tx1"/>
+            </a:fontRef>
+          </p:style>
+        </p:cxnSp>
+        <p:cxnSp>
+          <p:nvCxnSpPr>
+            <p:cNvPr id="262" name="Прямая соединительная линия 261">
+              <a:extLst>
+                <a:ext uri="{FF2B5EF4-FFF2-40B4-BE49-F238E27FC236}">
+                  <a16:creationId xmlns:a16="http://schemas.microsoft.com/office/drawing/2014/main" xmlns="" id="{D9672468-76C4-4392-8963-E2C56C3388EB}"/>
+                </a:ext>
+              </a:extLst>
+            </p:cNvPr>
+            <p:cNvCxnSpPr/>
+            <p:nvPr/>
+          </p:nvCxnSpPr>
+          <p:spPr>
+            <a:xfrm flipH="1">
+              <a:off x="2614174" y="2212181"/>
+              <a:ext cx="233982" cy="0"/>
+            </a:xfrm>
+            <a:prstGeom prst="line">
+              <a:avLst/>
+            </a:prstGeom>
+            <a:ln w="12700">
+              <a:headEnd type="triangle" w="med" len="med"/>
+              <a:tailEnd type="none" w="med" len="med"/>
+            </a:ln>
+          </p:spPr>
+          <p:style>
+            <a:lnRef idx="1">
+              <a:schemeClr val="dk1"/>
+            </a:lnRef>
+            <a:fillRef idx="0">
+              <a:schemeClr val="dk1"/>
+            </a:fillRef>
+            <a:effectRef idx="0">
+              <a:schemeClr val="dk1"/>
+            </a:effectRef>
+            <a:fontRef idx="minor">
+              <a:schemeClr val="tx1"/>
+            </a:fontRef>
+          </p:style>
+        </p:cxnSp>
+      </p:grpSp>
+      <p:sp>
+        <p:nvSpPr>
+          <p:cNvPr id="263" name="TextBox 262">
+            <a:extLst>
+              <a:ext uri="{FF2B5EF4-FFF2-40B4-BE49-F238E27FC236}">
+                <a16:creationId xmlns:a16="http://schemas.microsoft.com/office/drawing/2014/main" xmlns="" id="{8E08EFEB-B70C-48D5-A59C-1FEB16975960}"/>
+              </a:ext>
+            </a:extLst>
+          </p:cNvPr>
+          <p:cNvSpPr txBox="1"/>
+          <p:nvPr/>
+        </p:nvSpPr>
+        <p:spPr>
+          <a:xfrm>
+            <a:off x="1609952" y="3839523"/>
+            <a:ext cx="1228172" cy="292388"/>
+          </a:xfrm>
+          <a:prstGeom prst="rect">
+            <a:avLst/>
+          </a:prstGeom>
+          <a:noFill/>
+        </p:spPr>
+        <p:txBody>
+          <a:bodyPr wrap="square" rtlCol="0">
+            <a:spAutoFit/>
+          </a:bodyPr>
+          <a:lstStyle/>
+          <a:p>
+            <a:pPr algn="ctr"/>
+            <a:r>
+              <a:rPr lang="ru-RU" sz="1300" dirty="0">
+                <a:latin typeface="Arial" panose="020B0604020202020204" pitchFamily="34" charset="0"/>
+                <a:cs typeface="Arial" panose="020B0604020202020204" pitchFamily="34" charset="0"/>
+              </a:rPr>
+              <a:t>Новые особи</a:t>
+            </a:r>
+          </a:p>
+        </p:txBody>
+      </p:sp>
+      <p:sp>
+        <p:nvSpPr>
+          <p:cNvPr id="267" name="Прямоугольник 266">
+            <a:extLst>
+              <a:ext uri="{FF2B5EF4-FFF2-40B4-BE49-F238E27FC236}">
+                <a16:creationId xmlns:a16="http://schemas.microsoft.com/office/drawing/2014/main" xmlns="" id="{CA9E70CD-4CFD-4E2C-8159-3432C26681C6}"/>
+              </a:ext>
+            </a:extLst>
+          </p:cNvPr>
+          <p:cNvSpPr/>
+          <p:nvPr/>
+        </p:nvSpPr>
+        <p:spPr>
+          <a:xfrm>
+            <a:off x="5831412" y="2606225"/>
+            <a:ext cx="2445205" cy="470285"/>
+          </a:xfrm>
+          <a:prstGeom prst="rect">
+            <a:avLst/>
+          </a:prstGeom>
+          <a:solidFill>
+            <a:schemeClr val="bg1"/>
+          </a:solidFill>
+          <a:ln>
+            <a:solidFill>
+              <a:schemeClr val="tx1"/>
+            </a:solidFill>
+          </a:ln>
+        </p:spPr>
+        <p:style>
+          <a:lnRef idx="2">
+            <a:schemeClr val="accent1">
+              <a:shade val="50000"/>
+            </a:schemeClr>
+          </a:lnRef>
+          <a:fillRef idx="1">
+            <a:schemeClr val="accent1"/>
+          </a:fillRef>
+          <a:effectRef idx="0">
+            <a:schemeClr val="accent1"/>
+          </a:effectRef>
+          <a:fontRef idx="minor">
+            <a:schemeClr val="lt1"/>
+          </a:fontRef>
+        </p:style>
+        <p:txBody>
+          <a:bodyPr rtlCol="0" anchor="ctr"/>
+          <a:lstStyle/>
+          <a:p>
+            <a:pPr algn="ctr"/>
+            <a:r>
+              <a:rPr lang="ru-RU" sz="1300" dirty="0">
+                <a:solidFill>
+                  <a:schemeClr val="tx1"/>
+                </a:solidFill>
+                <a:latin typeface="Arial" panose="020B0604020202020204" pitchFamily="34" charset="0"/>
+                <a:cs typeface="Arial" panose="020B0604020202020204" pitchFamily="34" charset="0"/>
+              </a:rPr>
+              <a:t>Алгоритм скрещивания особей</a:t>
+            </a:r>
+          </a:p>
+        </p:txBody>
+      </p:sp>
+      <p:sp>
+        <p:nvSpPr>
+          <p:cNvPr id="268" name="Прямоугольник 267">
+            <a:extLst>
+              <a:ext uri="{FF2B5EF4-FFF2-40B4-BE49-F238E27FC236}">
+                <a16:creationId xmlns:a16="http://schemas.microsoft.com/office/drawing/2014/main" xmlns="" id="{44D99A13-2342-4341-9B6A-B09087D9234B}"/>
+              </a:ext>
+            </a:extLst>
+          </p:cNvPr>
+          <p:cNvSpPr/>
+          <p:nvPr/>
+        </p:nvSpPr>
+        <p:spPr>
+          <a:xfrm>
+            <a:off x="5827998" y="3316637"/>
+            <a:ext cx="2448619" cy="538678"/>
+          </a:xfrm>
+          <a:prstGeom prst="rect">
+            <a:avLst/>
+          </a:prstGeom>
+          <a:solidFill>
+            <a:schemeClr val="bg1"/>
+          </a:solidFill>
+          <a:ln>
+            <a:solidFill>
+              <a:schemeClr val="tx1"/>
+            </a:solidFill>
+          </a:ln>
+        </p:spPr>
+        <p:style>
+          <a:lnRef idx="2">
+            <a:schemeClr val="accent1">
+              <a:shade val="50000"/>
+            </a:schemeClr>
+          </a:lnRef>
+          <a:fillRef idx="1">
+            <a:schemeClr val="accent1"/>
+          </a:fillRef>
+          <a:effectRef idx="0">
+            <a:schemeClr val="accent1"/>
+          </a:effectRef>
+          <a:fontRef idx="minor">
+            <a:schemeClr val="lt1"/>
+          </a:fontRef>
+        </p:style>
+        <p:txBody>
+          <a:bodyPr rtlCol="0" anchor="ctr"/>
+          <a:lstStyle/>
+          <a:p>
+            <a:pPr algn="ctr"/>
+            <a:r>
+              <a:rPr lang="ru-RU" sz="1300" dirty="0">
+                <a:solidFill>
+                  <a:schemeClr val="tx1"/>
+                </a:solidFill>
+                <a:latin typeface="Arial" panose="020B0604020202020204" pitchFamily="34" charset="0"/>
+                <a:cs typeface="Arial" panose="020B0604020202020204" pitchFamily="34" charset="0"/>
+              </a:rPr>
+              <a:t>Алгоритм мутации особи</a:t>
+            </a:r>
+          </a:p>
+        </p:txBody>
+      </p:sp>
+      <p:cxnSp>
+        <p:nvCxnSpPr>
+          <p:cNvPr id="274" name="Прямая соединительная линия 273">
+            <a:extLst>
+              <a:ext uri="{FF2B5EF4-FFF2-40B4-BE49-F238E27FC236}">
+                <a16:creationId xmlns:a16="http://schemas.microsoft.com/office/drawing/2014/main" xmlns="" id="{D88318B3-E99C-4B49-A019-7DA607180FDA}"/>
+              </a:ext>
+            </a:extLst>
+          </p:cNvPr>
+          <p:cNvCxnSpPr>
+            <a:stCxn id="267" idx="1"/>
+          </p:cNvCxnSpPr>
+          <p:nvPr/>
+        </p:nvCxnSpPr>
+        <p:spPr>
+          <a:xfrm flipH="1">
+            <a:off x="5610225" y="2841368"/>
+            <a:ext cx="221187" cy="3432"/>
+          </a:xfrm>
+          <a:prstGeom prst="line">
+            <a:avLst/>
+          </a:prstGeom>
+          <a:ln w="12700">
+            <a:solidFill>
+              <a:schemeClr val="tx1"/>
+            </a:solidFill>
+          </a:ln>
+        </p:spPr>
+        <p:style>
+          <a:lnRef idx="1">
+            <a:schemeClr val="accent1"/>
+          </a:lnRef>
+          <a:fillRef idx="0">
+            <a:schemeClr val="accent1"/>
+          </a:fillRef>
+          <a:effectRef idx="0">
+            <a:schemeClr val="accent1"/>
+          </a:effectRef>
+          <a:fontRef idx="minor">
+            <a:schemeClr val="tx1"/>
+          </a:fontRef>
+        </p:style>
+      </p:cxnSp>
+      <p:cxnSp>
+        <p:nvCxnSpPr>
+          <p:cNvPr id="276" name="Прямая соединительная линия 275">
+            <a:extLst>
+              <a:ext uri="{FF2B5EF4-FFF2-40B4-BE49-F238E27FC236}">
+                <a16:creationId xmlns:a16="http://schemas.microsoft.com/office/drawing/2014/main" xmlns="" id="{8C5F11B7-CF99-4FAD-A5E8-E72DC2CE3B71}"/>
+              </a:ext>
+            </a:extLst>
+          </p:cNvPr>
+          <p:cNvCxnSpPr/>
+          <p:nvPr/>
+        </p:nvCxnSpPr>
+        <p:spPr>
+          <a:xfrm>
+            <a:off x="5610225" y="2841368"/>
+            <a:ext cx="0" cy="555796"/>
+          </a:xfrm>
+          <a:prstGeom prst="line">
+            <a:avLst/>
+          </a:prstGeom>
+          <a:ln w="12700">
+            <a:solidFill>
+              <a:schemeClr val="tx1"/>
+            </a:solidFill>
+          </a:ln>
+        </p:spPr>
+        <p:style>
+          <a:lnRef idx="1">
+            <a:schemeClr val="accent1"/>
+          </a:lnRef>
+          <a:fillRef idx="0">
+            <a:schemeClr val="accent1"/>
+          </a:fillRef>
+          <a:effectRef idx="0">
+            <a:schemeClr val="accent1"/>
+          </a:effectRef>
+          <a:fontRef idx="minor">
+            <a:schemeClr val="tx1"/>
+          </a:fontRef>
+        </p:style>
+      </p:cxnSp>
+      <p:cxnSp>
+        <p:nvCxnSpPr>
+          <p:cNvPr id="278" name="Прямая соединительная линия 277">
+            <a:extLst>
+              <a:ext uri="{FF2B5EF4-FFF2-40B4-BE49-F238E27FC236}">
+                <a16:creationId xmlns:a16="http://schemas.microsoft.com/office/drawing/2014/main" xmlns="" id="{8D755C60-DC67-48BE-A97F-217EF600766D}"/>
+              </a:ext>
+            </a:extLst>
+          </p:cNvPr>
+          <p:cNvCxnSpPr/>
+          <p:nvPr/>
+        </p:nvCxnSpPr>
+        <p:spPr>
+          <a:xfrm flipH="1">
+            <a:off x="5376768" y="3397164"/>
+            <a:ext cx="233457" cy="0"/>
+          </a:xfrm>
+          <a:prstGeom prst="line">
+            <a:avLst/>
+          </a:prstGeom>
+          <a:ln w="12700">
+            <a:solidFill>
+              <a:schemeClr val="tx1"/>
+            </a:solidFill>
+            <a:headEnd type="none" w="med" len="med"/>
+            <a:tailEnd type="triangle" w="med" len="med"/>
+          </a:ln>
+        </p:spPr>
+        <p:style>
+          <a:lnRef idx="1">
+            <a:schemeClr val="accent1"/>
+          </a:lnRef>
+          <a:fillRef idx="0">
+            <a:schemeClr val="accent1"/>
+          </a:fillRef>
+          <a:effectRef idx="0">
+            <a:schemeClr val="accent1"/>
+          </a:effectRef>
+          <a:fontRef idx="minor">
+            <a:schemeClr val="tx1"/>
+          </a:fontRef>
+        </p:style>
+      </p:cxnSp>
+      <p:cxnSp>
+        <p:nvCxnSpPr>
+          <p:cNvPr id="279" name="Прямая соединительная линия 278">
+            <a:extLst>
+              <a:ext uri="{FF2B5EF4-FFF2-40B4-BE49-F238E27FC236}">
+                <a16:creationId xmlns:a16="http://schemas.microsoft.com/office/drawing/2014/main" xmlns="" id="{EA88C55D-54D3-4ABE-B251-AAC3B3776EFE}"/>
+              </a:ext>
+            </a:extLst>
+          </p:cNvPr>
+          <p:cNvCxnSpPr>
+            <a:cxnSpLocks/>
+            <a:stCxn id="268" idx="1"/>
+            <a:endCxn id="212" idx="3"/>
+          </p:cNvCxnSpPr>
+          <p:nvPr/>
+        </p:nvCxnSpPr>
+        <p:spPr>
+          <a:xfrm flipH="1">
+            <a:off x="5376771" y="3585976"/>
+            <a:ext cx="451227" cy="4166"/>
+          </a:xfrm>
+          <a:prstGeom prst="line">
+            <a:avLst/>
+          </a:prstGeom>
+          <a:ln w="12700">
+            <a:solidFill>
+              <a:schemeClr val="tx1"/>
+            </a:solidFill>
+            <a:prstDash val="solid"/>
+            <a:headEnd type="none" w="med" len="med"/>
+            <a:tailEnd type="triangle" w="med" len="med"/>
+          </a:ln>
+        </p:spPr>
+        <p:style>
+          <a:lnRef idx="1">
+            <a:schemeClr val="accent1"/>
+          </a:lnRef>
+          <a:fillRef idx="0">
+            <a:schemeClr val="accent1"/>
+          </a:fillRef>
+          <a:effectRef idx="0">
+            <a:schemeClr val="accent1"/>
+          </a:effectRef>
+          <a:fontRef idx="minor">
+            <a:schemeClr val="tx1"/>
+          </a:fontRef>
+        </p:style>
+      </p:cxnSp>
+      <p:cxnSp>
+        <p:nvCxnSpPr>
+          <p:cNvPr id="282" name="Соединитель: уступ 281">
+            <a:extLst>
+              <a:ext uri="{FF2B5EF4-FFF2-40B4-BE49-F238E27FC236}">
+                <a16:creationId xmlns:a16="http://schemas.microsoft.com/office/drawing/2014/main" xmlns="" id="{91296A8C-204D-403E-BF1D-20D5D222555D}"/>
+              </a:ext>
+            </a:extLst>
+          </p:cNvPr>
+          <p:cNvCxnSpPr>
+            <a:cxnSpLocks/>
+            <a:stCxn id="214" idx="3"/>
+          </p:cNvCxnSpPr>
+          <p:nvPr/>
+        </p:nvCxnSpPr>
+        <p:spPr>
+          <a:xfrm flipH="1" flipV="1">
+            <a:off x="4739218" y="1892113"/>
+            <a:ext cx="320880" cy="3249766"/>
+          </a:xfrm>
+          <a:prstGeom prst="bentConnector4">
+            <a:avLst>
+              <a:gd name="adj1" fmla="val -1050154"/>
+              <a:gd name="adj2" fmla="val 104643"/>
+            </a:avLst>
+          </a:prstGeom>
+          <a:ln w="12700">
+            <a:solidFill>
+              <a:schemeClr val="tx1"/>
+            </a:solidFill>
+            <a:tailEnd type="triangle"/>
+          </a:ln>
+        </p:spPr>
+        <p:style>
+          <a:lnRef idx="1">
+            <a:schemeClr val="accent1"/>
+          </a:lnRef>
+          <a:fillRef idx="0">
+            <a:schemeClr val="accent1"/>
+          </a:fillRef>
+          <a:effectRef idx="0">
+            <a:schemeClr val="accent1"/>
+          </a:effectRef>
+          <a:fontRef idx="minor">
+            <a:schemeClr val="tx1"/>
+          </a:fontRef>
+        </p:style>
+      </p:cxnSp>
+      <p:sp>
+        <p:nvSpPr>
+          <p:cNvPr id="291" name="TextBox 290">
+            <a:extLst>
+              <a:ext uri="{FF2B5EF4-FFF2-40B4-BE49-F238E27FC236}">
+                <a16:creationId xmlns:a16="http://schemas.microsoft.com/office/drawing/2014/main" xmlns="" id="{BB039F5F-741B-4194-A50C-1D700D738BEA}"/>
+              </a:ext>
+            </a:extLst>
+          </p:cNvPr>
+          <p:cNvSpPr txBox="1"/>
+          <p:nvPr/>
+        </p:nvSpPr>
+        <p:spPr>
+          <a:xfrm>
+            <a:off x="5050571" y="4862813"/>
+            <a:ext cx="469296" cy="292388"/>
+          </a:xfrm>
+          <a:prstGeom prst="rect">
+            <a:avLst/>
+          </a:prstGeom>
+          <a:noFill/>
+        </p:spPr>
+        <p:txBody>
+          <a:bodyPr wrap="none" rtlCol="0">
+            <a:spAutoFit/>
+          </a:bodyPr>
+          <a:lstStyle/>
+          <a:p>
+            <a:r>
+              <a:rPr lang="ru-RU" sz="1300" dirty="0">
+                <a:latin typeface="Arial" panose="020B0604020202020204" pitchFamily="34" charset="0"/>
+                <a:cs typeface="Arial" panose="020B0604020202020204" pitchFamily="34" charset="0"/>
+              </a:rPr>
+              <a:t>Нет</a:t>
+            </a:r>
+          </a:p>
+        </p:txBody>
+      </p:sp>
+      <p:cxnSp>
+        <p:nvCxnSpPr>
+          <p:cNvPr id="292" name="Прямая соединительная линия 291">
+            <a:extLst>
+              <a:ext uri="{FF2B5EF4-FFF2-40B4-BE49-F238E27FC236}">
+                <a16:creationId xmlns:a16="http://schemas.microsoft.com/office/drawing/2014/main" xmlns="" id="{F512C4D9-0D96-4A12-A243-27F283EDFE90}"/>
+              </a:ext>
+            </a:extLst>
+          </p:cNvPr>
+          <p:cNvCxnSpPr>
+            <a:cxnSpLocks/>
+            <a:stCxn id="214" idx="2"/>
+            <a:endCxn id="215" idx="0"/>
+          </p:cNvCxnSpPr>
+          <p:nvPr/>
+        </p:nvCxnSpPr>
+        <p:spPr>
+          <a:xfrm flipH="1">
+            <a:off x="4214280" y="5391368"/>
+            <a:ext cx="1" cy="235461"/>
+          </a:xfrm>
+          <a:prstGeom prst="line">
+            <a:avLst/>
+          </a:prstGeom>
+          <a:ln w="12700">
+            <a:solidFill>
+              <a:schemeClr val="tx1"/>
+            </a:solidFill>
+            <a:prstDash val="solid"/>
+            <a:headEnd type="none" w="med" len="med"/>
+            <a:tailEnd type="triangle" w="med" len="med"/>
+          </a:ln>
+        </p:spPr>
+        <p:style>
+          <a:lnRef idx="1">
+            <a:schemeClr val="accent1"/>
+          </a:lnRef>
+          <a:fillRef idx="0">
+            <a:schemeClr val="accent1"/>
+          </a:fillRef>
+          <a:effectRef idx="0">
+            <a:schemeClr val="accent1"/>
+          </a:effectRef>
+          <a:fontRef idx="minor">
+            <a:schemeClr val="tx1"/>
+          </a:fontRef>
+        </p:style>
+      </p:cxnSp>
+      <p:sp>
+        <p:nvSpPr>
+          <p:cNvPr id="295" name="TextBox 294">
+            <a:extLst>
+              <a:ext uri="{FF2B5EF4-FFF2-40B4-BE49-F238E27FC236}">
+                <a16:creationId xmlns:a16="http://schemas.microsoft.com/office/drawing/2014/main" xmlns="" id="{A5BFC07A-5122-491E-97B0-21CE5168F906}"/>
+              </a:ext>
+            </a:extLst>
+          </p:cNvPr>
+          <p:cNvSpPr txBox="1"/>
+          <p:nvPr/>
+        </p:nvSpPr>
+        <p:spPr>
+          <a:xfrm>
+            <a:off x="4281825" y="5334441"/>
+            <a:ext cx="389850" cy="292388"/>
+          </a:xfrm>
+          <a:prstGeom prst="rect">
+            <a:avLst/>
+          </a:prstGeom>
+          <a:noFill/>
+        </p:spPr>
+        <p:txBody>
+          <a:bodyPr wrap="none" rtlCol="0">
+            <a:spAutoFit/>
+          </a:bodyPr>
+          <a:lstStyle/>
+          <a:p>
+            <a:r>
+              <a:rPr lang="ru-RU" sz="1300" dirty="0">
+                <a:latin typeface="Arial" panose="020B0604020202020204" pitchFamily="34" charset="0"/>
+                <a:cs typeface="Arial" panose="020B0604020202020204" pitchFamily="34" charset="0"/>
+              </a:rPr>
+              <a:t>Да</a:t>
+            </a:r>
+          </a:p>
+        </p:txBody>
+      </p:sp>
+      <p:sp>
+        <p:nvSpPr>
+          <p:cNvPr id="296" name="Прямоугольник 295">
+            <a:extLst>
+              <a:ext uri="{FF2B5EF4-FFF2-40B4-BE49-F238E27FC236}">
+                <a16:creationId xmlns:a16="http://schemas.microsoft.com/office/drawing/2014/main" xmlns="" id="{4DBCE088-EDA8-451D-B6A9-E1FBA64146AA}"/>
+              </a:ext>
+            </a:extLst>
+          </p:cNvPr>
+          <p:cNvSpPr/>
+          <p:nvPr/>
+        </p:nvSpPr>
+        <p:spPr>
+          <a:xfrm>
+            <a:off x="6219217" y="5626829"/>
+            <a:ext cx="2057400" cy="494813"/>
+          </a:xfrm>
+          <a:prstGeom prst="rect">
+            <a:avLst/>
+          </a:prstGeom>
+          <a:solidFill>
+            <a:schemeClr val="bg1"/>
+          </a:solidFill>
+          <a:ln>
+            <a:solidFill>
+              <a:schemeClr val="tx1"/>
+            </a:solidFill>
+          </a:ln>
+        </p:spPr>
+        <p:style>
+          <a:lnRef idx="2">
+            <a:schemeClr val="accent1">
+              <a:shade val="50000"/>
+            </a:schemeClr>
+          </a:lnRef>
+          <a:fillRef idx="1">
+            <a:schemeClr val="accent1"/>
+          </a:fillRef>
+          <a:effectRef idx="0">
+            <a:schemeClr val="accent1"/>
+          </a:effectRef>
+          <a:fontRef idx="minor">
+            <a:schemeClr val="lt1"/>
+          </a:fontRef>
+        </p:style>
+        <p:txBody>
+          <a:bodyPr rtlCol="0" anchor="ctr"/>
+          <a:lstStyle/>
+          <a:p>
+            <a:pPr algn="ctr"/>
+            <a:r>
+              <a:rPr lang="ru-RU" sz="1300" dirty="0">
+                <a:solidFill>
+                  <a:schemeClr val="tx1"/>
+                </a:solidFill>
+                <a:latin typeface="Arial" panose="020B0604020202020204" pitchFamily="34" charset="0"/>
+                <a:cs typeface="Arial" panose="020B0604020202020204" pitchFamily="34" charset="0"/>
+              </a:rPr>
+              <a:t>Наиболее приспособленная особь</a:t>
+            </a:r>
+          </a:p>
+        </p:txBody>
+      </p:sp>
+      <p:cxnSp>
+        <p:nvCxnSpPr>
+          <p:cNvPr id="297" name="Прямая соединительная линия 296">
+            <a:extLst>
+              <a:ext uri="{FF2B5EF4-FFF2-40B4-BE49-F238E27FC236}">
+                <a16:creationId xmlns:a16="http://schemas.microsoft.com/office/drawing/2014/main" xmlns="" id="{34BF5560-4E50-48D5-89D9-CF1195699760}"/>
+              </a:ext>
+            </a:extLst>
+          </p:cNvPr>
+          <p:cNvCxnSpPr>
+            <a:cxnSpLocks/>
+            <a:stCxn id="215" idx="3"/>
+            <a:endCxn id="296" idx="1"/>
+          </p:cNvCxnSpPr>
+          <p:nvPr/>
+        </p:nvCxnSpPr>
+        <p:spPr>
+          <a:xfrm>
+            <a:off x="5671826" y="5874236"/>
+            <a:ext cx="547391" cy="0"/>
+          </a:xfrm>
+          <a:prstGeom prst="line">
+            <a:avLst/>
+          </a:prstGeom>
+          <a:ln w="12700">
+            <a:solidFill>
+              <a:schemeClr val="tx1"/>
+            </a:solidFill>
+            <a:prstDash val="solid"/>
+            <a:headEnd type="none" w="med" len="med"/>
+            <a:tailEnd type="triangle" w="med" len="med"/>
+          </a:ln>
+        </p:spPr>
+        <p:style>
+          <a:lnRef idx="1">
+            <a:schemeClr val="accent1"/>
+          </a:lnRef>
+          <a:fillRef idx="0">
+            <a:schemeClr val="accent1"/>
+          </a:fillRef>
+          <a:effectRef idx="0">
+            <a:schemeClr val="accent1"/>
+          </a:effectRef>
+          <a:fontRef idx="minor">
+            <a:schemeClr val="tx1"/>
+          </a:fontRef>
+        </p:style>
+      </p:cxnSp>
+    </p:spTree>
+    <p:extLst>
+      <p:ext uri="{BB962C8B-B14F-4D97-AF65-F5344CB8AC3E}">
+        <p14:creationId xmlns:p14="http://schemas.microsoft.com/office/powerpoint/2010/main" xmlns="" val="4101320377"/>
       </p:ext>
     </p:extLst>
   </p:cSld>
@@ -6313,7 +8630,7 @@
   <a:extraClrSchemeLst/>
   <a:extLst>
     <a:ext uri="{05A4C25C-085E-4340-85A3-A5531E510DB2}">
-      <thm15:themeFamily xmlns:thm15="http://schemas.microsoft.com/office/thememl/2012/main" name="Office Theme" id="{62F939B6-93AF-4DB8-9C6B-D6C7DFDC589F}" vid="{4A3C46E8-61CC-4603-A589-7422A47A8E4A}"/>
+      <thm15:themeFamily xmlns:thm15="http://schemas.microsoft.com/office/thememl/2012/main" xmlns="" name="Office Theme" id="{62F939B6-93AF-4DB8-9C6B-D6C7DFDC589F}" vid="{4A3C46E8-61CC-4603-A589-7422A47A8E4A}"/>
     </a:ext>
   </a:extLst>
 </a:theme>
@@ -6574,7 +8891,7 @@
   <a:extraClrSchemeLst/>
   <a:extLst>
     <a:ext uri="{05A4C25C-085E-4340-85A3-A5531E510DB2}">
-      <thm15:themeFamily xmlns:thm15="http://schemas.microsoft.com/office/thememl/2012/main" name="Office Theme" id="{62F939B6-93AF-4DB8-9C6B-D6C7DFDC589F}" vid="{4A3C46E8-61CC-4603-A589-7422A47A8E4A}"/>
+      <thm15:themeFamily xmlns:thm15="http://schemas.microsoft.com/office/thememl/2012/main" xmlns="" name="Office Theme" id="{62F939B6-93AF-4DB8-9C6B-D6C7DFDC589F}" vid="{4A3C46E8-61CC-4603-A589-7422A47A8E4A}"/>
     </a:ext>
   </a:extLst>
 </a:theme>

--- a/docs/presentation.pptx
+++ b/docs/presentation.pptx
@@ -5,10 +5,10 @@
     <p:sldMasterId id="2147483696" r:id="rId1"/>
   </p:sldMasterIdLst>
   <p:notesMasterIdLst>
-    <p:notesMasterId r:id="rId9"/>
+    <p:notesMasterId r:id="rId11"/>
   </p:notesMasterIdLst>
   <p:handoutMasterIdLst>
-    <p:handoutMasterId r:id="rId10"/>
+    <p:handoutMasterId r:id="rId12"/>
   </p:handoutMasterIdLst>
   <p:sldIdLst>
     <p:sldId id="256" r:id="rId2"/>
@@ -18,6 +18,8 @@
     <p:sldId id="297" r:id="rId6"/>
     <p:sldId id="296" r:id="rId7"/>
     <p:sldId id="298" r:id="rId8"/>
+    <p:sldId id="300" r:id="rId9"/>
+    <p:sldId id="299" r:id="rId10"/>
   </p:sldIdLst>
   <p:sldSz cx="9144000" cy="6858000" type="screen4x3"/>
   <p:notesSz cx="6858000" cy="9144000"/>
@@ -118,7 +120,7 @@
   </p:defaultTextStyle>
   <p:extLst>
     <p:ext uri="{521415D9-36F7-43E2-AB2F-B90AF26B5E84}">
-      <p14:sectionLst xmlns:p14="http://schemas.microsoft.com/office/powerpoint/2010/main" xmlns="">
+      <p14:sectionLst xmlns:p14="http://schemas.microsoft.com/office/powerpoint/2010/main">
         <p14:section name="Раздел по умолчанию" id="{E04143A8-4EB5-4A67-A8C3-A6B7757A722C}">
           <p14:sldIdLst>
             <p14:sldId id="256"/>
@@ -128,12 +130,14 @@
             <p14:sldId id="297"/>
             <p14:sldId id="296"/>
             <p14:sldId id="298"/>
+            <p14:sldId id="300"/>
+            <p14:sldId id="299"/>
           </p14:sldIdLst>
         </p14:section>
       </p14:sectionLst>
     </p:ext>
     <p:ext uri="{EFAFB233-063F-42B5-8137-9DF3F51BA10A}">
-      <p15:sldGuideLst xmlns:p15="http://schemas.microsoft.com/office/powerpoint/2012/main" xmlns="">
+      <p15:sldGuideLst xmlns:p15="http://schemas.microsoft.com/office/powerpoint/2012/main">
         <p15:guide id="1" orient="horz" pos="2160" userDrawn="1">
           <p15:clr>
             <a:srgbClr val="A4A3A4"/>
@@ -233,7 +237,7 @@
             <a:fld id="{44B5C488-63D3-4764-8352-CF301584D11C}" type="datetimeFigureOut">
               <a:rPr lang="ru-RU" smtClean="0"/>
               <a:pPr/>
-              <a:t>13.12.2022</a:t>
+              <a:t>26.12.2022</a:t>
             </a:fld>
             <a:endParaRPr lang="ru-RU"/>
           </a:p>
@@ -309,7 +313,7 @@
     </p:spTree>
     <p:extLst>
       <p:ext uri="{BB962C8B-B14F-4D97-AF65-F5344CB8AC3E}">
-        <p14:creationId xmlns:p14="http://schemas.microsoft.com/office/powerpoint/2010/main" xmlns="" val="3442751897"/>
+        <p14:creationId xmlns:p14="http://schemas.microsoft.com/office/powerpoint/2010/main" val="3442751897"/>
       </p:ext>
     </p:extLst>
   </p:cSld>
@@ -401,7 +405,7 @@
             <a:fld id="{1A835A0B-8D32-41B0-A61A-1EF2F9BC048D}" type="datetimeFigureOut">
               <a:rPr lang="ru-RU" smtClean="0"/>
               <a:pPr/>
-              <a:t>13.12.2022</a:t>
+              <a:t>26.12.2022</a:t>
             </a:fld>
             <a:endParaRPr lang="ru-RU"/>
           </a:p>
@@ -569,7 +573,7 @@
     </p:spTree>
     <p:extLst>
       <p:ext uri="{BB962C8B-B14F-4D97-AF65-F5344CB8AC3E}">
-        <p14:creationId xmlns:p14="http://schemas.microsoft.com/office/powerpoint/2010/main" xmlns="" val="493274081"/>
+        <p14:creationId xmlns:p14="http://schemas.microsoft.com/office/powerpoint/2010/main" val="493274081"/>
       </p:ext>
     </p:extLst>
   </p:cSld>
@@ -802,7 +806,7 @@
             <a:fld id="{EEA59173-593A-4C3C-B303-E4EEE2211D7C}" type="datetime1">
               <a:rPr lang="ru-RU" smtClean="0"/>
               <a:pPr/>
-              <a:t>13.12.2022</a:t>
+              <a:t>26.12.2022</a:t>
             </a:fld>
             <a:endParaRPr lang="ru-RU"/>
           </a:p>
@@ -863,7 +867,7 @@
           <a:blip r:embed="rId2" cstate="print">
             <a:extLst>
               <a:ext uri="{28A0092B-C50C-407E-A947-70E740481C1C}">
-                <a14:useLocalDpi xmlns:a14="http://schemas.microsoft.com/office/drawing/2010/main" xmlns="" val="0"/>
+                <a14:useLocalDpi xmlns:a14="http://schemas.microsoft.com/office/drawing/2010/main" val="0"/>
               </a:ext>
             </a:extLst>
           </a:blip>
@@ -884,7 +888,7 @@
     </p:spTree>
     <p:extLst>
       <p:ext uri="{BB962C8B-B14F-4D97-AF65-F5344CB8AC3E}">
-        <p14:creationId xmlns:p14="http://schemas.microsoft.com/office/powerpoint/2010/main" xmlns="" val="3739325090"/>
+        <p14:creationId xmlns:p14="http://schemas.microsoft.com/office/powerpoint/2010/main" val="3739325090"/>
       </p:ext>
     </p:extLst>
   </p:cSld>
@@ -1004,7 +1008,7 @@
             <a:fld id="{9315525D-A537-434D-8ECF-F985A02C2ACA}" type="datetime1">
               <a:rPr lang="ru-RU" smtClean="0"/>
               <a:pPr/>
-              <a:t>13.12.2022</a:t>
+              <a:t>26.12.2022</a:t>
             </a:fld>
             <a:endParaRPr lang="ru-RU"/>
           </a:p>
@@ -1056,7 +1060,7 @@
     </p:spTree>
     <p:extLst>
       <p:ext uri="{BB962C8B-B14F-4D97-AF65-F5344CB8AC3E}">
-        <p14:creationId xmlns:p14="http://schemas.microsoft.com/office/powerpoint/2010/main" xmlns="" val="3574394975"/>
+        <p14:creationId xmlns:p14="http://schemas.microsoft.com/office/powerpoint/2010/main" val="3574394975"/>
       </p:ext>
     </p:extLst>
   </p:cSld>
@@ -1186,7 +1190,7 @@
             <a:fld id="{132DD733-C814-439B-8E02-890D3FFEF13E}" type="datetime1">
               <a:rPr lang="ru-RU" smtClean="0"/>
               <a:pPr/>
-              <a:t>13.12.2022</a:t>
+              <a:t>26.12.2022</a:t>
             </a:fld>
             <a:endParaRPr lang="ru-RU"/>
           </a:p>
@@ -1238,7 +1242,7 @@
     </p:spTree>
     <p:extLst>
       <p:ext uri="{BB962C8B-B14F-4D97-AF65-F5344CB8AC3E}">
-        <p14:creationId xmlns:p14="http://schemas.microsoft.com/office/powerpoint/2010/main" xmlns="" val="1692832995"/>
+        <p14:creationId xmlns:p14="http://schemas.microsoft.com/office/powerpoint/2010/main" val="1692832995"/>
       </p:ext>
     </p:extLst>
   </p:cSld>
@@ -1358,7 +1362,7 @@
             <a:fld id="{B38B597E-3358-4497-8B1D-CD8DBEB0F70C}" type="datetime1">
               <a:rPr lang="ru-RU" smtClean="0"/>
               <a:pPr/>
-              <a:t>13.12.2022</a:t>
+              <a:t>26.12.2022</a:t>
             </a:fld>
             <a:endParaRPr lang="ru-RU"/>
           </a:p>
@@ -1419,7 +1423,7 @@
           <a:blip r:embed="rId2" cstate="print">
             <a:extLst>
               <a:ext uri="{28A0092B-C50C-407E-A947-70E740481C1C}">
-                <a14:useLocalDpi xmlns:a14="http://schemas.microsoft.com/office/drawing/2010/main" xmlns="" val="0"/>
+                <a14:useLocalDpi xmlns:a14="http://schemas.microsoft.com/office/drawing/2010/main" val="0"/>
               </a:ext>
             </a:extLst>
           </a:blip>
@@ -1440,7 +1444,7 @@
     </p:spTree>
     <p:extLst>
       <p:ext uri="{BB962C8B-B14F-4D97-AF65-F5344CB8AC3E}">
-        <p14:creationId xmlns:p14="http://schemas.microsoft.com/office/powerpoint/2010/main" xmlns="" val="2627739251"/>
+        <p14:creationId xmlns:p14="http://schemas.microsoft.com/office/powerpoint/2010/main" val="2627739251"/>
       </p:ext>
     </p:extLst>
   </p:cSld>
@@ -1634,7 +1638,7 @@
             <a:fld id="{C2F3329A-ED6E-4464-88AD-B32EC16DF484}" type="datetime1">
               <a:rPr lang="ru-RU" smtClean="0"/>
               <a:pPr/>
-              <a:t>13.12.2022</a:t>
+              <a:t>26.12.2022</a:t>
             </a:fld>
             <a:endParaRPr lang="ru-RU"/>
           </a:p>
@@ -1695,7 +1699,7 @@
           <a:blip r:embed="rId2" cstate="print">
             <a:extLst>
               <a:ext uri="{28A0092B-C50C-407E-A947-70E740481C1C}">
-                <a14:useLocalDpi xmlns:a14="http://schemas.microsoft.com/office/drawing/2010/main" xmlns="" val="0"/>
+                <a14:useLocalDpi xmlns:a14="http://schemas.microsoft.com/office/drawing/2010/main" val="0"/>
               </a:ext>
             </a:extLst>
           </a:blip>
@@ -1716,7 +1720,7 @@
     </p:spTree>
     <p:extLst>
       <p:ext uri="{BB962C8B-B14F-4D97-AF65-F5344CB8AC3E}">
-        <p14:creationId xmlns:p14="http://schemas.microsoft.com/office/powerpoint/2010/main" xmlns="" val="3998408541"/>
+        <p14:creationId xmlns:p14="http://schemas.microsoft.com/office/powerpoint/2010/main" val="3998408541"/>
       </p:ext>
     </p:extLst>
   </p:cSld>
@@ -1898,7 +1902,7 @@
             <a:fld id="{A30A5F06-488E-4F49-8F9D-11A987DD4BFF}" type="datetime1">
               <a:rPr lang="ru-RU" smtClean="0"/>
               <a:pPr/>
-              <a:t>13.12.2022</a:t>
+              <a:t>26.12.2022</a:t>
             </a:fld>
             <a:endParaRPr lang="ru-RU"/>
           </a:p>
@@ -1959,7 +1963,7 @@
           <a:blip r:embed="rId2" cstate="print">
             <a:extLst>
               <a:ext uri="{28A0092B-C50C-407E-A947-70E740481C1C}">
-                <a14:useLocalDpi xmlns:a14="http://schemas.microsoft.com/office/drawing/2010/main" xmlns="" val="0"/>
+                <a14:useLocalDpi xmlns:a14="http://schemas.microsoft.com/office/drawing/2010/main" val="0"/>
               </a:ext>
             </a:extLst>
           </a:blip>
@@ -1980,7 +1984,7 @@
     </p:spTree>
     <p:extLst>
       <p:ext uri="{BB962C8B-B14F-4D97-AF65-F5344CB8AC3E}">
-        <p14:creationId xmlns:p14="http://schemas.microsoft.com/office/powerpoint/2010/main" xmlns="" val="17510399"/>
+        <p14:creationId xmlns:p14="http://schemas.microsoft.com/office/powerpoint/2010/main" val="17510399"/>
       </p:ext>
     </p:extLst>
   </p:cSld>
@@ -2297,7 +2301,7 @@
             <a:fld id="{E5481919-59AB-4829-8722-B45304DD1A12}" type="datetime1">
               <a:rPr lang="ru-RU" smtClean="0"/>
               <a:pPr/>
-              <a:t>13.12.2022</a:t>
+              <a:t>26.12.2022</a:t>
             </a:fld>
             <a:endParaRPr lang="ru-RU"/>
           </a:p>
@@ -2358,7 +2362,7 @@
           <a:blip r:embed="rId2" cstate="print">
             <a:extLst>
               <a:ext uri="{28A0092B-C50C-407E-A947-70E740481C1C}">
-                <a14:useLocalDpi xmlns:a14="http://schemas.microsoft.com/office/drawing/2010/main" xmlns="" val="0"/>
+                <a14:useLocalDpi xmlns:a14="http://schemas.microsoft.com/office/drawing/2010/main" val="0"/>
               </a:ext>
             </a:extLst>
           </a:blip>
@@ -2379,7 +2383,7 @@
     </p:spTree>
     <p:extLst>
       <p:ext uri="{BB962C8B-B14F-4D97-AF65-F5344CB8AC3E}">
-        <p14:creationId xmlns:p14="http://schemas.microsoft.com/office/powerpoint/2010/main" xmlns="" val="1960569521"/>
+        <p14:creationId xmlns:p14="http://schemas.microsoft.com/office/powerpoint/2010/main" val="1960569521"/>
       </p:ext>
     </p:extLst>
   </p:cSld>
@@ -2447,7 +2451,7 @@
             <a:fld id="{12A539FA-8085-489F-92BF-872329FA4B63}" type="datetime1">
               <a:rPr lang="ru-RU" smtClean="0"/>
               <a:pPr/>
-              <a:t>13.12.2022</a:t>
+              <a:t>26.12.2022</a:t>
             </a:fld>
             <a:endParaRPr lang="ru-RU"/>
           </a:p>
@@ -2508,7 +2512,7 @@
           <a:blip r:embed="rId2" cstate="print">
             <a:extLst>
               <a:ext uri="{28A0092B-C50C-407E-A947-70E740481C1C}">
-                <a14:useLocalDpi xmlns:a14="http://schemas.microsoft.com/office/drawing/2010/main" xmlns="" val="0"/>
+                <a14:useLocalDpi xmlns:a14="http://schemas.microsoft.com/office/drawing/2010/main" val="0"/>
               </a:ext>
             </a:extLst>
           </a:blip>
@@ -2529,7 +2533,7 @@
     </p:spTree>
     <p:extLst>
       <p:ext uri="{BB962C8B-B14F-4D97-AF65-F5344CB8AC3E}">
-        <p14:creationId xmlns:p14="http://schemas.microsoft.com/office/powerpoint/2010/main" xmlns="" val="2470899256"/>
+        <p14:creationId xmlns:p14="http://schemas.microsoft.com/office/powerpoint/2010/main" val="2470899256"/>
       </p:ext>
     </p:extLst>
   </p:cSld>
@@ -2574,7 +2578,7 @@
             <a:fld id="{FEC74F4F-1BC8-4547-871F-84C52324B268}" type="datetime1">
               <a:rPr lang="ru-RU" smtClean="0"/>
               <a:pPr/>
-              <a:t>13.12.2022</a:t>
+              <a:t>26.12.2022</a:t>
             </a:fld>
             <a:endParaRPr lang="ru-RU"/>
           </a:p>
@@ -2626,7 +2630,7 @@
     </p:spTree>
     <p:extLst>
       <p:ext uri="{BB962C8B-B14F-4D97-AF65-F5344CB8AC3E}">
-        <p14:creationId xmlns:p14="http://schemas.microsoft.com/office/powerpoint/2010/main" xmlns="" val="1514904604"/>
+        <p14:creationId xmlns:p14="http://schemas.microsoft.com/office/powerpoint/2010/main" val="1514904604"/>
       </p:ext>
     </p:extLst>
   </p:cSld>
@@ -2853,7 +2857,7 @@
             <a:fld id="{AFBC911A-946A-4B8D-A499-A34E8653DA80}" type="datetime1">
               <a:rPr lang="ru-RU" smtClean="0"/>
               <a:pPr/>
-              <a:t>13.12.2022</a:t>
+              <a:t>26.12.2022</a:t>
             </a:fld>
             <a:endParaRPr lang="ru-RU"/>
           </a:p>
@@ -2905,7 +2909,7 @@
     </p:spTree>
     <p:extLst>
       <p:ext uri="{BB962C8B-B14F-4D97-AF65-F5344CB8AC3E}">
-        <p14:creationId xmlns:p14="http://schemas.microsoft.com/office/powerpoint/2010/main" xmlns="" val="4010147337"/>
+        <p14:creationId xmlns:p14="http://schemas.microsoft.com/office/powerpoint/2010/main" val="4010147337"/>
       </p:ext>
     </p:extLst>
   </p:cSld>
@@ -3112,7 +3116,7 @@
             <a:fld id="{17C85FD4-ADA4-4ABE-8DAB-F7AE92914B09}" type="datetime1">
               <a:rPr lang="ru-RU" smtClean="0"/>
               <a:pPr/>
-              <a:t>13.12.2022</a:t>
+              <a:t>26.12.2022</a:t>
             </a:fld>
             <a:endParaRPr lang="ru-RU"/>
           </a:p>
@@ -3164,7 +3168,7 @@
     </p:spTree>
     <p:extLst>
       <p:ext uri="{BB962C8B-B14F-4D97-AF65-F5344CB8AC3E}">
-        <p14:creationId xmlns:p14="http://schemas.microsoft.com/office/powerpoint/2010/main" xmlns="" val="720775324"/>
+        <p14:creationId xmlns:p14="http://schemas.microsoft.com/office/powerpoint/2010/main" val="720775324"/>
       </p:ext>
     </p:extLst>
   </p:cSld>
@@ -3327,7 +3331,7 @@
             <a:fld id="{15C4CC34-43B6-4C65-A00E-DB2D3504CD2F}" type="datetime1">
               <a:rPr lang="ru-RU" smtClean="0"/>
               <a:pPr/>
-              <a:t>13.12.2022</a:t>
+              <a:t>26.12.2022</a:t>
             </a:fld>
             <a:endParaRPr lang="ru-RU"/>
           </a:p>
@@ -3424,7 +3428,7 @@
           <a:blip r:embed="rId13" cstate="print">
             <a:extLst>
               <a:ext uri="{28A0092B-C50C-407E-A947-70E740481C1C}">
-                <a14:useLocalDpi xmlns:a14="http://schemas.microsoft.com/office/drawing/2010/main" xmlns="" val="0"/>
+                <a14:useLocalDpi xmlns:a14="http://schemas.microsoft.com/office/drawing/2010/main" val="0"/>
               </a:ext>
             </a:extLst>
           </a:blip>
@@ -3445,7 +3449,7 @@
     </p:spTree>
     <p:extLst>
       <p:ext uri="{BB962C8B-B14F-4D97-AF65-F5344CB8AC3E}">
-        <p14:creationId xmlns:p14="http://schemas.microsoft.com/office/powerpoint/2010/main" xmlns="" val="2094360905"/>
+        <p14:creationId xmlns:p14="http://schemas.microsoft.com/office/powerpoint/2010/main" val="2094360905"/>
       </p:ext>
     </p:extLst>
   </p:cSld>
@@ -3844,7 +3848,7 @@
           <p:cNvPr id="5" name="TextBox 4">
             <a:extLst>
               <a:ext uri="{FF2B5EF4-FFF2-40B4-BE49-F238E27FC236}">
-                <a16:creationId xmlns:a16="http://schemas.microsoft.com/office/drawing/2014/main" xmlns="" id="{472D8801-D75F-4E43-ACA6-D298CED8146F}"/>
+                <a16:creationId xmlns:a16="http://schemas.microsoft.com/office/drawing/2014/main" id="{472D8801-D75F-4E43-ACA6-D298CED8146F}"/>
               </a:ext>
             </a:extLst>
           </p:cNvPr>
@@ -3914,7 +3918,7 @@
           <p:cNvPr id="7" name="TextBox 6">
             <a:extLst>
               <a:ext uri="{FF2B5EF4-FFF2-40B4-BE49-F238E27FC236}">
-                <a16:creationId xmlns:a16="http://schemas.microsoft.com/office/drawing/2014/main" xmlns="" id="{6FFA616B-E2E0-461A-B92C-A57FC60D7BAE}"/>
+                <a16:creationId xmlns:a16="http://schemas.microsoft.com/office/drawing/2014/main" id="{6FFA616B-E2E0-461A-B92C-A57FC60D7BAE}"/>
               </a:ext>
             </a:extLst>
           </p:cNvPr>
@@ -4041,7 +4045,7 @@
           <p:cNvPr id="10" name="Подзаголовок 2">
             <a:extLst>
               <a:ext uri="{FF2B5EF4-FFF2-40B4-BE49-F238E27FC236}">
-                <a16:creationId xmlns:a16="http://schemas.microsoft.com/office/drawing/2014/main" xmlns="" id="{CDBFCFAD-5ADB-4573-A51E-58BC39516BC5}"/>
+                <a16:creationId xmlns:a16="http://schemas.microsoft.com/office/drawing/2014/main" id="{CDBFCFAD-5ADB-4573-A51E-58BC39516BC5}"/>
               </a:ext>
             </a:extLst>
           </p:cNvPr>
@@ -4232,20 +4236,13 @@
     </p:spTree>
     <p:extLst>
       <p:ext uri="{BB962C8B-B14F-4D97-AF65-F5344CB8AC3E}">
-        <p14:creationId xmlns:p14="http://schemas.microsoft.com/office/powerpoint/2010/main" xmlns="" val="1662104777"/>
+        <p14:creationId xmlns:p14="http://schemas.microsoft.com/office/powerpoint/2010/main" val="1662104777"/>
       </p:ext>
     </p:extLst>
   </p:cSld>
   <p:clrMapOvr>
     <a:masterClrMapping/>
   </p:clrMapOvr>
-  <p:timing>
-    <p:tnLst>
-      <p:par>
-        <p:cTn id="1" dur="indefinite" restart="never" nodeType="tmRoot"/>
-      </p:par>
-    </p:tnLst>
-  </p:timing>
 </p:sld>
 </file>
 
@@ -4379,19 +4376,8 @@
                 <a:latin typeface="Arial" panose="020B0604020202020204" pitchFamily="34" charset="0"/>
                 <a:cs typeface="Arial" panose="020B0604020202020204" pitchFamily="34" charset="0"/>
               </a:rPr>
-              <a:t>Возможность использования когнитивного подхода к моделированию и управлению слабоструктурированными системами благодаря учету в когнитивных моделях возможностей восприятия, </a:t>
-            </a:r>
-            <a:r>
-              <a:rPr lang="ru-RU" sz="2350" dirty="0" smtClean="0">
-                <a:latin typeface="Arial" panose="020B0604020202020204" pitchFamily="34" charset="0"/>
-                <a:cs typeface="Arial" panose="020B0604020202020204" pitchFamily="34" charset="0"/>
-              </a:rPr>
-              <a:t>представления и объяснения … и чего .</a:t>
-            </a:r>
-            <a:endParaRPr lang="ru-RU" sz="2350" dirty="0">
-              <a:latin typeface="Arial" panose="020B0604020202020204" pitchFamily="34" charset="0"/>
-              <a:cs typeface="Arial" panose="020B0604020202020204" pitchFamily="34" charset="0"/>
-            </a:endParaRPr>
+              <a:t>Возможность использования когнитивного подхода к моделированию и управлению слабоструктурированными системами благодаря учету в когнитивных моделях возможностей восприятия, представления и объяснения … и чего .</a:t>
+            </a:r>
           </a:p>
           <a:p>
             <a:pPr algn="just"/>
@@ -4400,7 +4386,7 @@
                 <a:latin typeface="Arial" panose="020B0604020202020204" pitchFamily="34" charset="0"/>
                 <a:cs typeface="Arial" panose="020B0604020202020204" pitchFamily="34" charset="0"/>
               </a:rPr>
-              <a:t>Сложность структурно-параметрической настройки нечетких когнитивных моделей для задач прогнозирования, сценарного моделирования, принятия решений, диагностики  и управления.</a:t>
+              <a:t>Потребность структурно-параметрической настройки нечетких когнитивных моделей для задач прогнозирования, сценарного моделирования, принятия решений, диагностики  и управления.</a:t>
             </a:r>
           </a:p>
           <a:p>
@@ -4454,20 +4440,13 @@
     </p:spTree>
     <p:extLst>
       <p:ext uri="{BB962C8B-B14F-4D97-AF65-F5344CB8AC3E}">
-        <p14:creationId xmlns:p14="http://schemas.microsoft.com/office/powerpoint/2010/main" xmlns="" val="313945751"/>
+        <p14:creationId xmlns:p14="http://schemas.microsoft.com/office/powerpoint/2010/main" val="313945751"/>
       </p:ext>
     </p:extLst>
   </p:cSld>
   <p:clrMapOvr>
     <a:masterClrMapping/>
   </p:clrMapOvr>
-  <p:timing>
-    <p:tnLst>
-      <p:par>
-        <p:cTn id="1" dur="indefinite" restart="never" nodeType="tmRoot"/>
-      </p:par>
-    </p:tnLst>
-  </p:timing>
 </p:sld>
 </file>
 
@@ -4712,20 +4691,13 @@
     </p:spTree>
     <p:extLst>
       <p:ext uri="{BB962C8B-B14F-4D97-AF65-F5344CB8AC3E}">
-        <p14:creationId xmlns:p14="http://schemas.microsoft.com/office/powerpoint/2010/main" xmlns="" val="310331927"/>
+        <p14:creationId xmlns:p14="http://schemas.microsoft.com/office/powerpoint/2010/main" val="310331927"/>
       </p:ext>
     </p:extLst>
   </p:cSld>
   <p:clrMapOvr>
     <a:masterClrMapping/>
   </p:clrMapOvr>
-  <p:timing>
-    <p:tnLst>
-      <p:par>
-        <p:cTn id="1" dur="indefinite" restart="never" nodeType="tmRoot"/>
-      </p:par>
-    </p:tnLst>
-  </p:timing>
 </p:sld>
 </file>
 
@@ -4918,7 +4890,7 @@
     </p:spTree>
     <p:extLst>
       <p:ext uri="{BB962C8B-B14F-4D97-AF65-F5344CB8AC3E}">
-        <p14:creationId xmlns:p14="http://schemas.microsoft.com/office/powerpoint/2010/main" xmlns="" val="2032368021"/>
+        <p14:creationId xmlns:p14="http://schemas.microsoft.com/office/powerpoint/2010/main" val="2032368021"/>
       </p:ext>
     </p:extLst>
   </p:cSld>
@@ -5076,7 +5048,7 @@
     </p:spTree>
     <p:extLst>
       <p:ext uri="{BB962C8B-B14F-4D97-AF65-F5344CB8AC3E}">
-        <p14:creationId xmlns:p14="http://schemas.microsoft.com/office/powerpoint/2010/main" xmlns="" val="1053800212"/>
+        <p14:creationId xmlns:p14="http://schemas.microsoft.com/office/powerpoint/2010/main" val="1053800212"/>
       </p:ext>
     </p:extLst>
   </p:cSld>
@@ -5184,7 +5156,7 @@
           <p:cNvPr id="9" name="Объект 2">
             <a:extLst>
               <a:ext uri="{FF2B5EF4-FFF2-40B4-BE49-F238E27FC236}">
-                <a16:creationId xmlns:a16="http://schemas.microsoft.com/office/drawing/2014/main" xmlns="" id="{75DF44C0-E81B-4958-B0C9-02E4A720FB6F}"/>
+                <a16:creationId xmlns:a16="http://schemas.microsoft.com/office/drawing/2014/main" id="{75DF44C0-E81B-4958-B0C9-02E4A720FB6F}"/>
               </a:ext>
             </a:extLst>
           </p:cNvPr>
@@ -5197,7 +5169,7 @@
         </p:nvSpPr>
         <p:spPr>
           <a:xfrm>
-            <a:off x="628650" y="1370170"/>
+            <a:off x="628650" y="1485520"/>
             <a:ext cx="7886700" cy="4870831"/>
           </a:xfrm>
         </p:spPr>
@@ -5209,14 +5181,14 @@
           <a:p>
             <a:pPr lvl="0" algn="just"/>
             <a:r>
-              <a:rPr lang="en-US" sz="1900" dirty="0">
+              <a:rPr lang="en-US" sz="1800" dirty="0">
                 <a:latin typeface="Arial" panose="020B0604020202020204" pitchFamily="34" charset="0"/>
                 <a:cs typeface="Arial" panose="020B0604020202020204" pitchFamily="34" charset="0"/>
               </a:rPr>
               <a:t>A </a:t>
             </a:r>
             <a:r>
-              <a:rPr lang="ru-RU" sz="1900" dirty="0">
+              <a:rPr lang="ru-RU" sz="1800" dirty="0">
                 <a:effectLst/>
                 <a:latin typeface="Arial" panose="020B0604020202020204" pitchFamily="34" charset="0"/>
                 <a:ea typeface="Calibri" panose="020F0502020204030204" pitchFamily="34" charset="0"/>
@@ -5225,27 +5197,27 @@
               <a:t>–</a:t>
             </a:r>
             <a:r>
-              <a:rPr lang="en-US" sz="1900" dirty="0">
+              <a:rPr lang="en-US" sz="1800" dirty="0">
                 <a:latin typeface="Arial" panose="020B0604020202020204" pitchFamily="34" charset="0"/>
                 <a:cs typeface="Arial" panose="020B0604020202020204" pitchFamily="34" charset="0"/>
               </a:rPr>
               <a:t> </a:t>
             </a:r>
             <a:r>
-              <a:rPr lang="ru-RU" sz="1900" dirty="0">
+              <a:rPr lang="ru-RU" sz="1800" dirty="0">
                 <a:latin typeface="Arial" panose="020B0604020202020204" pitchFamily="34" charset="0"/>
                 <a:cs typeface="Arial" panose="020B0604020202020204" pitchFamily="34" charset="0"/>
               </a:rPr>
               <a:t>матрица смежности когнитивной карты для предметной области</a:t>
             </a:r>
             <a:r>
-              <a:rPr lang="en-US" sz="1900" dirty="0">
+              <a:rPr lang="en-US" sz="1800" dirty="0">
                 <a:latin typeface="Arial" panose="020B0604020202020204" pitchFamily="34" charset="0"/>
                 <a:cs typeface="Arial" panose="020B0604020202020204" pitchFamily="34" charset="0"/>
               </a:rPr>
               <a:t>;</a:t>
             </a:r>
-            <a:endParaRPr lang="ru-RU" sz="1900" dirty="0">
+            <a:endParaRPr lang="ru-RU" sz="1800" dirty="0">
               <a:latin typeface="Arial" panose="020B0604020202020204" pitchFamily="34" charset="0"/>
               <a:cs typeface="Arial" panose="020B0604020202020204" pitchFamily="34" charset="0"/>
             </a:endParaRPr>
@@ -5253,14 +5225,14 @@
           <a:p>
             <a:pPr lvl="0" algn="just"/>
             <a:r>
-              <a:rPr lang="en-US" sz="1900" dirty="0">
+              <a:rPr lang="en-US" sz="1800" dirty="0">
                 <a:latin typeface="Arial" panose="020B0604020202020204" pitchFamily="34" charset="0"/>
                 <a:cs typeface="Arial" panose="020B0604020202020204" pitchFamily="34" charset="0"/>
               </a:rPr>
               <a:t>U </a:t>
             </a:r>
             <a:r>
-              <a:rPr lang="ru-RU" sz="1900" dirty="0">
+              <a:rPr lang="ru-RU" sz="1800" dirty="0">
                 <a:effectLst/>
                 <a:latin typeface="Arial" panose="020B0604020202020204" pitchFamily="34" charset="0"/>
                 <a:ea typeface="Calibri" panose="020F0502020204030204" pitchFamily="34" charset="0"/>
@@ -5269,7 +5241,7 @@
               <a:t>–</a:t>
             </a:r>
             <a:r>
-              <a:rPr lang="en-US" sz="1900" dirty="0">
+              <a:rPr lang="en-US" sz="1800" dirty="0">
                 <a:effectLst/>
                 <a:latin typeface="Arial" panose="020B0604020202020204" pitchFamily="34" charset="0"/>
                 <a:ea typeface="Calibri" panose="020F0502020204030204" pitchFamily="34" charset="0"/>
@@ -5278,7 +5250,7 @@
               <a:t> </a:t>
             </a:r>
             <a:r>
-              <a:rPr lang="ru-RU" sz="1900" dirty="0">
+              <a:rPr lang="ru-RU" sz="1800" dirty="0">
                 <a:latin typeface="Arial" panose="020B0604020202020204" pitchFamily="34" charset="0"/>
                 <a:ea typeface="Calibri" panose="020F0502020204030204" pitchFamily="34" charset="0"/>
                 <a:cs typeface="Arial" panose="020B0604020202020204" pitchFamily="34" charset="0"/>
@@ -5286,14 +5258,14 @@
               <a:t>вектор управляющих концептов</a:t>
             </a:r>
             <a:r>
-              <a:rPr lang="en-US" sz="1900" dirty="0">
+              <a:rPr lang="en-US" sz="1800" dirty="0">
                 <a:latin typeface="Arial" panose="020B0604020202020204" pitchFamily="34" charset="0"/>
                 <a:ea typeface="Calibri" panose="020F0502020204030204" pitchFamily="34" charset="0"/>
                 <a:cs typeface="Arial" panose="020B0604020202020204" pitchFamily="34" charset="0"/>
               </a:rPr>
               <a:t>;</a:t>
             </a:r>
-            <a:endParaRPr lang="ru-RU" sz="1900" dirty="0">
+            <a:endParaRPr lang="ru-RU" sz="1800" dirty="0">
               <a:latin typeface="Arial" panose="020B0604020202020204" pitchFamily="34" charset="0"/>
               <a:cs typeface="Arial" panose="020B0604020202020204" pitchFamily="34" charset="0"/>
             </a:endParaRPr>
@@ -5301,14 +5273,14 @@
           <a:p>
             <a:pPr lvl="0" algn="just"/>
             <a:r>
-              <a:rPr lang="en-US" sz="1900" dirty="0">
+              <a:rPr lang="en-US" sz="1800" dirty="0">
                 <a:latin typeface="Arial" panose="020B0604020202020204" pitchFamily="34" charset="0"/>
                 <a:cs typeface="Arial" panose="020B0604020202020204" pitchFamily="34" charset="0"/>
               </a:rPr>
               <a:t>R </a:t>
             </a:r>
             <a:r>
-              <a:rPr lang="ru-RU" sz="1900" dirty="0">
+              <a:rPr lang="ru-RU" sz="1800" dirty="0">
                 <a:effectLst/>
                 <a:latin typeface="Arial" panose="020B0604020202020204" pitchFamily="34" charset="0"/>
                 <a:ea typeface="Calibri" panose="020F0502020204030204" pitchFamily="34" charset="0"/>
@@ -5317,7 +5289,7 @@
               <a:t>–</a:t>
             </a:r>
             <a:r>
-              <a:rPr lang="en-US" sz="1900" dirty="0">
+              <a:rPr lang="en-US" sz="1800" dirty="0">
                 <a:effectLst/>
                 <a:latin typeface="Arial" panose="020B0604020202020204" pitchFamily="34" charset="0"/>
                 <a:ea typeface="Calibri" panose="020F0502020204030204" pitchFamily="34" charset="0"/>
@@ -5326,16 +5298,24 @@
               <a:t> </a:t>
             </a:r>
             <a:r>
-              <a:rPr lang="ru-RU" sz="1900" dirty="0">
+              <a:rPr lang="ru-RU" sz="1800" dirty="0">
+                <a:latin typeface="Arial" panose="020B0604020202020204" pitchFamily="34" charset="0"/>
+                <a:ea typeface="Calibri" panose="020F0502020204030204" pitchFamily="34" charset="0"/>
+                <a:cs typeface="Arial" panose="020B0604020202020204" pitchFamily="34" charset="0"/>
+              </a:rPr>
+              <a:t>матрица ограничений</a:t>
+            </a:r>
+            <a:r>
+              <a:rPr lang="ru-RU" sz="1800" dirty="0">
                 <a:effectLst/>
                 <a:latin typeface="Arial" panose="020B0604020202020204" pitchFamily="34" charset="0"/>
                 <a:ea typeface="Calibri" panose="020F0502020204030204" pitchFamily="34" charset="0"/>
                 <a:cs typeface="Arial" panose="020B0604020202020204" pitchFamily="34" charset="0"/>
               </a:rPr>
-              <a:t>ограничения, накладываемые на управляющие концепты</a:t>
-            </a:r>
-            <a:r>
-              <a:rPr lang="en-US" sz="1900" dirty="0">
+              <a:t>, накладываемых на управляющие концепты</a:t>
+            </a:r>
+            <a:r>
+              <a:rPr lang="en-US" sz="1800" dirty="0">
                 <a:effectLst/>
                 <a:latin typeface="Arial" panose="020B0604020202020204" pitchFamily="34" charset="0"/>
                 <a:ea typeface="Calibri" panose="020F0502020204030204" pitchFamily="34" charset="0"/>
@@ -5343,7 +5323,7 @@
               </a:rPr>
               <a:t>;</a:t>
             </a:r>
-            <a:endParaRPr lang="ru-RU" sz="1900" dirty="0">
+            <a:endParaRPr lang="ru-RU" sz="1800" dirty="0">
               <a:effectLst/>
               <a:latin typeface="Arial" panose="020B0604020202020204" pitchFamily="34" charset="0"/>
               <a:ea typeface="Calibri" panose="020F0502020204030204" pitchFamily="34" charset="0"/>
@@ -5353,21 +5333,21 @@
           <a:p>
             <a:pPr lvl="0" algn="just"/>
             <a:r>
-              <a:rPr lang="en-US" sz="1900" dirty="0">
+              <a:rPr lang="en-US" sz="1800" dirty="0">
                 <a:latin typeface="Arial" panose="020B0604020202020204" pitchFamily="34" charset="0"/>
                 <a:cs typeface="Arial" panose="020B0604020202020204" pitchFamily="34" charset="0"/>
               </a:rPr>
               <a:t>X(0)</a:t>
             </a:r>
             <a:r>
-              <a:rPr lang="ru-RU" sz="1900" dirty="0">
+              <a:rPr lang="ru-RU" sz="1800" dirty="0">
                 <a:latin typeface="Arial" panose="020B0604020202020204" pitchFamily="34" charset="0"/>
                 <a:cs typeface="Arial" panose="020B0604020202020204" pitchFamily="34" charset="0"/>
               </a:rPr>
               <a:t> </a:t>
             </a:r>
             <a:r>
-              <a:rPr lang="ru-RU" sz="1900" dirty="0">
+              <a:rPr lang="ru-RU" sz="1800" dirty="0">
                 <a:effectLst/>
                 <a:latin typeface="Arial" panose="020B0604020202020204" pitchFamily="34" charset="0"/>
                 <a:ea typeface="Calibri" panose="020F0502020204030204" pitchFamily="34" charset="0"/>
@@ -5376,22 +5356,22 @@
               <a:t>– вектор начального состояни</a:t>
             </a:r>
             <a:r>
-              <a:rPr lang="ru-RU" sz="1900" dirty="0">
+              <a:rPr lang="ru-RU" sz="1800" dirty="0">
                 <a:latin typeface="Arial" panose="020B0604020202020204" pitchFamily="34" charset="0"/>
                 <a:ea typeface="Calibri" panose="020F0502020204030204" pitchFamily="34" charset="0"/>
                 <a:cs typeface="Arial" panose="020B0604020202020204" pitchFamily="34" charset="0"/>
               </a:rPr>
-              <a:t>я</a:t>
-            </a:r>
-            <a:r>
-              <a:rPr lang="en-US" sz="1900" dirty="0">
+              <a:t>я концептов</a:t>
+            </a:r>
+            <a:r>
+              <a:rPr lang="en-US" sz="1800" dirty="0">
                 <a:latin typeface="Arial" panose="020B0604020202020204" pitchFamily="34" charset="0"/>
                 <a:ea typeface="Calibri" panose="020F0502020204030204" pitchFamily="34" charset="0"/>
                 <a:cs typeface="Arial" panose="020B0604020202020204" pitchFamily="34" charset="0"/>
               </a:rPr>
               <a:t>;</a:t>
             </a:r>
-            <a:endParaRPr lang="ru-RU" sz="1900" dirty="0">
+            <a:endParaRPr lang="ru-RU" sz="1800" dirty="0">
               <a:latin typeface="Arial" panose="020B0604020202020204" pitchFamily="34" charset="0"/>
               <a:ea typeface="Calibri" panose="020F0502020204030204" pitchFamily="34" charset="0"/>
               <a:cs typeface="Arial" panose="020B0604020202020204" pitchFamily="34" charset="0"/>
@@ -5400,7 +5380,7 @@
           <a:p>
             <a:pPr lvl="0" algn="just"/>
             <a:r>
-              <a:rPr lang="en-US" sz="1900" dirty="0">
+              <a:rPr lang="en-US" sz="1800" dirty="0">
                 <a:latin typeface="Arial" panose="020B0604020202020204" pitchFamily="34" charset="0"/>
                 <a:ea typeface="Calibri" panose="020F0502020204030204" pitchFamily="34" charset="0"/>
                 <a:cs typeface="Arial" panose="020B0604020202020204" pitchFamily="34" charset="0"/>
@@ -5408,7 +5388,7 @@
               <a:t>G </a:t>
             </a:r>
             <a:r>
-              <a:rPr lang="ru-RU" sz="1900" dirty="0">
+              <a:rPr lang="ru-RU" sz="1800" dirty="0">
                 <a:effectLst/>
                 <a:latin typeface="Arial" panose="020B0604020202020204" pitchFamily="34" charset="0"/>
                 <a:ea typeface="Calibri" panose="020F0502020204030204" pitchFamily="34" charset="0"/>
@@ -5417,7 +5397,7 @@
               <a:t>–</a:t>
             </a:r>
             <a:r>
-              <a:rPr lang="en-US" sz="1900" dirty="0">
+              <a:rPr lang="en-US" sz="1800" dirty="0">
                 <a:effectLst/>
                 <a:latin typeface="Arial" panose="020B0604020202020204" pitchFamily="34" charset="0"/>
                 <a:ea typeface="Calibri" panose="020F0502020204030204" pitchFamily="34" charset="0"/>
@@ -5426,7 +5406,7 @@
               <a:t> </a:t>
             </a:r>
             <a:r>
-              <a:rPr lang="ru-RU" sz="1900" dirty="0">
+              <a:rPr lang="ru-RU" sz="1800" dirty="0">
                 <a:effectLst/>
                 <a:latin typeface="Arial" panose="020B0604020202020204" pitchFamily="34" charset="0"/>
                 <a:ea typeface="Calibri" panose="020F0502020204030204" pitchFamily="34" charset="0"/>
@@ -5435,7 +5415,7 @@
               <a:t>вектор </a:t>
             </a:r>
             <a:r>
-              <a:rPr lang="ru-RU" sz="1900" dirty="0">
+              <a:rPr lang="ru-RU" sz="1800" dirty="0">
                 <a:latin typeface="Arial" panose="020B0604020202020204" pitchFamily="34" charset="0"/>
                 <a:ea typeface="Calibri" panose="020F0502020204030204" pitchFamily="34" charset="0"/>
                 <a:cs typeface="Arial" panose="020B0604020202020204" pitchFamily="34" charset="0"/>
@@ -5443,7 +5423,7 @@
               <a:t>целевых</a:t>
             </a:r>
             <a:r>
-              <a:rPr lang="ru-RU" sz="1900" dirty="0">
+              <a:rPr lang="ru-RU" sz="1800" dirty="0">
                 <a:effectLst/>
                 <a:latin typeface="Arial" panose="020B0604020202020204" pitchFamily="34" charset="0"/>
                 <a:ea typeface="Calibri" panose="020F0502020204030204" pitchFamily="34" charset="0"/>
@@ -5452,7 +5432,7 @@
               <a:t> концептов</a:t>
             </a:r>
             <a:r>
-              <a:rPr lang="en-US" sz="1900" dirty="0">
+              <a:rPr lang="en-US" sz="1800" dirty="0">
                 <a:effectLst/>
                 <a:latin typeface="Arial" panose="020B0604020202020204" pitchFamily="34" charset="0"/>
                 <a:ea typeface="Calibri" panose="020F0502020204030204" pitchFamily="34" charset="0"/>
@@ -5460,7 +5440,7 @@
               </a:rPr>
               <a:t>;</a:t>
             </a:r>
-            <a:endParaRPr lang="en-US" sz="1900" dirty="0">
+            <a:endParaRPr lang="en-US" sz="1800" dirty="0">
               <a:latin typeface="Arial" panose="020B0604020202020204" pitchFamily="34" charset="0"/>
               <a:ea typeface="Calibri" panose="020F0502020204030204" pitchFamily="34" charset="0"/>
               <a:cs typeface="Arial" panose="020B0604020202020204" pitchFamily="34" charset="0"/>
@@ -5469,7 +5449,7 @@
           <a:p>
             <a:pPr lvl="0" algn="just"/>
             <a:r>
-              <a:rPr lang="en-US" sz="1900" dirty="0">
+              <a:rPr lang="en-US" sz="1800" dirty="0">
                 <a:latin typeface="Arial" panose="020B0604020202020204" pitchFamily="34" charset="0"/>
                 <a:ea typeface="Calibri" panose="020F0502020204030204" pitchFamily="34" charset="0"/>
                 <a:cs typeface="Arial" panose="020B0604020202020204" pitchFamily="34" charset="0"/>
@@ -5477,7 +5457,7 @@
               <a:t>Y </a:t>
             </a:r>
             <a:r>
-              <a:rPr lang="ru-RU" sz="1900" dirty="0">
+              <a:rPr lang="ru-RU" sz="1800" dirty="0">
                 <a:effectLst/>
                 <a:latin typeface="Arial" panose="020B0604020202020204" pitchFamily="34" charset="0"/>
                 <a:ea typeface="Calibri" panose="020F0502020204030204" pitchFamily="34" charset="0"/>
@@ -5486,7 +5466,7 @@
               <a:t>–</a:t>
             </a:r>
             <a:r>
-              <a:rPr lang="en-US" sz="1900" dirty="0">
+              <a:rPr lang="en-US" sz="1800" dirty="0">
                 <a:effectLst/>
                 <a:latin typeface="Arial" panose="020B0604020202020204" pitchFamily="34" charset="0"/>
                 <a:ea typeface="Calibri" panose="020F0502020204030204" pitchFamily="34" charset="0"/>
@@ -5495,7 +5475,7 @@
               <a:t> </a:t>
             </a:r>
             <a:r>
-              <a:rPr lang="ru-RU" sz="1900" dirty="0">
+              <a:rPr lang="ru-RU" sz="1800" dirty="0">
                 <a:effectLst/>
                 <a:latin typeface="Arial" panose="020B0604020202020204" pitchFamily="34" charset="0"/>
                 <a:ea typeface="Calibri" panose="020F0502020204030204" pitchFamily="34" charset="0"/>
@@ -5504,7 +5484,7 @@
               <a:t>вектор желаемого состояния целевых концептов</a:t>
             </a:r>
             <a:r>
-              <a:rPr lang="en-US" sz="1900" dirty="0">
+              <a:rPr lang="en-US" sz="1800" dirty="0">
                 <a:effectLst/>
                 <a:latin typeface="Arial" panose="020B0604020202020204" pitchFamily="34" charset="0"/>
                 <a:ea typeface="Calibri" panose="020F0502020204030204" pitchFamily="34" charset="0"/>
@@ -5512,7 +5492,7 @@
               </a:rPr>
               <a:t>;</a:t>
             </a:r>
-            <a:endParaRPr lang="ru-RU" sz="1900" dirty="0">
+            <a:endParaRPr lang="ru-RU" sz="1800" dirty="0">
               <a:effectLst/>
               <a:latin typeface="Arial" panose="020B0604020202020204" pitchFamily="34" charset="0"/>
               <a:ea typeface="Calibri" panose="020F0502020204030204" pitchFamily="34" charset="0"/>
@@ -5522,7 +5502,7 @@
           <a:p>
             <a:pPr lvl="0" algn="just"/>
             <a:r>
-              <a:rPr lang="en-US" sz="1900" dirty="0">
+              <a:rPr lang="en-US" sz="1800" dirty="0">
                 <a:effectLst/>
                 <a:latin typeface="Arial" panose="020B0604020202020204" pitchFamily="34" charset="0"/>
                 <a:ea typeface="Calibri" panose="020F0502020204030204" pitchFamily="34" charset="0"/>
@@ -5531,7 +5511,7 @@
               <a:t>D </a:t>
             </a:r>
             <a:r>
-              <a:rPr lang="ru-RU" sz="1900" dirty="0">
+              <a:rPr lang="ru-RU" sz="1800" dirty="0">
                 <a:effectLst/>
                 <a:latin typeface="Arial" panose="020B0604020202020204" pitchFamily="34" charset="0"/>
                 <a:ea typeface="Calibri" panose="020F0502020204030204" pitchFamily="34" charset="0"/>
@@ -5540,7 +5520,7 @@
               <a:t>–</a:t>
             </a:r>
             <a:r>
-              <a:rPr lang="en-US" sz="1900" dirty="0">
+              <a:rPr lang="en-US" sz="1800" dirty="0">
                 <a:effectLst/>
                 <a:latin typeface="Arial" panose="020B0604020202020204" pitchFamily="34" charset="0"/>
                 <a:ea typeface="Calibri" panose="020F0502020204030204" pitchFamily="34" charset="0"/>
@@ -5549,7 +5529,7 @@
               <a:t> </a:t>
             </a:r>
             <a:r>
-              <a:rPr lang="ru-RU" sz="1900" dirty="0">
+              <a:rPr lang="ru-RU" sz="1800" dirty="0">
                 <a:effectLst/>
                 <a:latin typeface="Arial" panose="020B0604020202020204" pitchFamily="34" charset="0"/>
                 <a:ea typeface="Calibri" panose="020F0502020204030204" pitchFamily="34" charset="0"/>
@@ -5558,7 +5538,7 @@
               <a:t>модель динамики для когнитивной карты</a:t>
             </a:r>
             <a:r>
-              <a:rPr lang="en-US" sz="1900" dirty="0">
+              <a:rPr lang="en-US" sz="1800" dirty="0">
                 <a:effectLst/>
                 <a:latin typeface="Arial" panose="020B0604020202020204" pitchFamily="34" charset="0"/>
                 <a:ea typeface="Calibri" panose="020F0502020204030204" pitchFamily="34" charset="0"/>
@@ -5570,7 +5550,7 @@
           <a:p>
             <a:pPr lvl="0" algn="just"/>
             <a:r>
-              <a:rPr lang="en-US" sz="1900" dirty="0">
+              <a:rPr lang="en-US" sz="1800" dirty="0">
                 <a:latin typeface="Arial" panose="020B0604020202020204" pitchFamily="34" charset="0"/>
                 <a:ea typeface="Calibri" panose="020F0502020204030204" pitchFamily="34" charset="0"/>
                 <a:cs typeface="Arial" panose="020B0604020202020204" pitchFamily="34" charset="0"/>
@@ -5578,7 +5558,7 @@
               <a:t>T </a:t>
             </a:r>
             <a:r>
-              <a:rPr lang="ru-RU" sz="1900" dirty="0">
+              <a:rPr lang="ru-RU" sz="1800" dirty="0">
                 <a:effectLst/>
                 <a:latin typeface="Arial" panose="020B0604020202020204" pitchFamily="34" charset="0"/>
                 <a:ea typeface="Calibri" panose="020F0502020204030204" pitchFamily="34" charset="0"/>
@@ -5587,7 +5567,7 @@
               <a:t>–</a:t>
             </a:r>
             <a:r>
-              <a:rPr lang="en-US" sz="1900" dirty="0">
+              <a:rPr lang="en-US" sz="1800" dirty="0">
                 <a:effectLst/>
                 <a:latin typeface="Arial" panose="020B0604020202020204" pitchFamily="34" charset="0"/>
                 <a:ea typeface="Calibri" panose="020F0502020204030204" pitchFamily="34" charset="0"/>
@@ -5596,7 +5576,7 @@
               <a:t> </a:t>
             </a:r>
             <a:r>
-              <a:rPr lang="ru-RU" sz="1900" dirty="0">
+              <a:rPr lang="ru-RU" sz="1800" dirty="0">
                 <a:effectLst/>
                 <a:latin typeface="Arial" panose="020B0604020202020204" pitchFamily="34" charset="0"/>
                 <a:ea typeface="Calibri" panose="020F0502020204030204" pitchFamily="34" charset="0"/>
@@ -5605,7 +5585,7 @@
               <a:t>максимальное модельное время</a:t>
             </a:r>
             <a:r>
-              <a:rPr lang="en-US" sz="1900" dirty="0">
+              <a:rPr lang="en-US" sz="1800" dirty="0">
                 <a:effectLst/>
                 <a:latin typeface="Arial" panose="020B0604020202020204" pitchFamily="34" charset="0"/>
                 <a:ea typeface="Calibri" panose="020F0502020204030204" pitchFamily="34" charset="0"/>
@@ -5617,7 +5597,7 @@
           <a:p>
             <a:pPr lvl="0" algn="just"/>
             <a:r>
-              <a:rPr lang="en-US" sz="1900" dirty="0">
+              <a:rPr lang="en-US" sz="1800" dirty="0">
                 <a:latin typeface="Arial" panose="020B0604020202020204" pitchFamily="34" charset="0"/>
                 <a:ea typeface="Calibri" panose="020F0502020204030204" pitchFamily="34" charset="0"/>
                 <a:cs typeface="Arial" panose="020B0604020202020204" pitchFamily="34" charset="0"/>
@@ -5625,7 +5605,7 @@
               <a:t>N </a:t>
             </a:r>
             <a:r>
-              <a:rPr lang="ru-RU" sz="1900" dirty="0">
+              <a:rPr lang="ru-RU" sz="1800" dirty="0">
                 <a:effectLst/>
                 <a:latin typeface="Arial" panose="020B0604020202020204" pitchFamily="34" charset="0"/>
                 <a:ea typeface="Calibri" panose="020F0502020204030204" pitchFamily="34" charset="0"/>
@@ -5634,7 +5614,7 @@
               <a:t>–</a:t>
             </a:r>
             <a:r>
-              <a:rPr lang="en-US" sz="1900" dirty="0">
+              <a:rPr lang="en-US" sz="1800" dirty="0">
                 <a:effectLst/>
                 <a:latin typeface="Arial" panose="020B0604020202020204" pitchFamily="34" charset="0"/>
                 <a:ea typeface="Calibri" panose="020F0502020204030204" pitchFamily="34" charset="0"/>
@@ -5643,7 +5623,7 @@
               <a:t> </a:t>
             </a:r>
             <a:r>
-              <a:rPr lang="ru-RU" sz="1900" dirty="0">
+              <a:rPr lang="ru-RU" sz="1800" dirty="0">
                 <a:effectLst/>
                 <a:latin typeface="Arial" panose="020B0604020202020204" pitchFamily="34" charset="0"/>
                 <a:ea typeface="Calibri" panose="020F0502020204030204" pitchFamily="34" charset="0"/>
@@ -5652,7 +5632,7 @@
               <a:t>размер поколения</a:t>
             </a:r>
             <a:r>
-              <a:rPr lang="en-US" sz="1900" dirty="0">
+              <a:rPr lang="en-US" sz="1800" dirty="0">
                 <a:effectLst/>
                 <a:latin typeface="Arial" panose="020B0604020202020204" pitchFamily="34" charset="0"/>
                 <a:ea typeface="Calibri" panose="020F0502020204030204" pitchFamily="34" charset="0"/>
@@ -5664,7 +5644,7 @@
           <a:p>
             <a:pPr lvl="0" algn="just"/>
             <a:r>
-              <a:rPr lang="en-US" sz="1900" dirty="0">
+              <a:rPr lang="en-US" sz="1800" dirty="0">
                 <a:latin typeface="Arial" panose="020B0604020202020204" pitchFamily="34" charset="0"/>
                 <a:ea typeface="Calibri" panose="020F0502020204030204" pitchFamily="34" charset="0"/>
                 <a:cs typeface="Arial" panose="020B0604020202020204" pitchFamily="34" charset="0"/>
@@ -5672,7 +5652,7 @@
               <a:t>M </a:t>
             </a:r>
             <a:r>
-              <a:rPr lang="ru-RU" sz="1900" dirty="0">
+              <a:rPr lang="ru-RU" sz="1800" dirty="0">
                 <a:effectLst/>
                 <a:latin typeface="Arial" panose="020B0604020202020204" pitchFamily="34" charset="0"/>
                 <a:ea typeface="Calibri" panose="020F0502020204030204" pitchFamily="34" charset="0"/>
@@ -5681,7 +5661,7 @@
               <a:t>–</a:t>
             </a:r>
             <a:r>
-              <a:rPr lang="en-US" sz="1900" dirty="0">
+              <a:rPr lang="en-US" sz="1800" dirty="0">
                 <a:effectLst/>
                 <a:latin typeface="Arial" panose="020B0604020202020204" pitchFamily="34" charset="0"/>
                 <a:ea typeface="Calibri" panose="020F0502020204030204" pitchFamily="34" charset="0"/>
@@ -5690,7 +5670,7 @@
               <a:t> </a:t>
             </a:r>
             <a:r>
-              <a:rPr lang="ru-RU" sz="1900" dirty="0">
+              <a:rPr lang="ru-RU" sz="1800" dirty="0">
                 <a:effectLst/>
                 <a:latin typeface="Arial" panose="020B0604020202020204" pitchFamily="34" charset="0"/>
                 <a:ea typeface="Calibri" panose="020F0502020204030204" pitchFamily="34" charset="0"/>
@@ -5699,7 +5679,7 @@
               <a:t>число наиболее приспособленных особей</a:t>
             </a:r>
             <a:r>
-              <a:rPr lang="en-US" sz="1900" dirty="0">
+              <a:rPr lang="en-US" sz="1800" dirty="0">
                 <a:effectLst/>
                 <a:latin typeface="Arial" panose="020B0604020202020204" pitchFamily="34" charset="0"/>
                 <a:ea typeface="Calibri" panose="020F0502020204030204" pitchFamily="34" charset="0"/>
@@ -5711,7 +5691,7 @@
           <a:p>
             <a:pPr lvl="0" algn="just"/>
             <a:r>
-              <a:rPr lang="en-US" sz="1900" dirty="0">
+              <a:rPr lang="en-US" sz="1800" dirty="0">
                 <a:latin typeface="Arial" panose="020B0604020202020204" pitchFamily="34" charset="0"/>
                 <a:ea typeface="Calibri" panose="020F0502020204030204" pitchFamily="34" charset="0"/>
                 <a:cs typeface="Arial" panose="020B0604020202020204" pitchFamily="34" charset="0"/>
@@ -5719,7 +5699,7 @@
               <a:t>S </a:t>
             </a:r>
             <a:r>
-              <a:rPr lang="ru-RU" sz="1900" dirty="0">
+              <a:rPr lang="ru-RU" sz="1800" dirty="0">
                 <a:effectLst/>
                 <a:latin typeface="Arial" panose="020B0604020202020204" pitchFamily="34" charset="0"/>
                 <a:ea typeface="Calibri" panose="020F0502020204030204" pitchFamily="34" charset="0"/>
@@ -5728,7 +5708,7 @@
               <a:t>–</a:t>
             </a:r>
             <a:r>
-              <a:rPr lang="en-US" sz="1900" dirty="0">
+              <a:rPr lang="en-US" sz="1800" dirty="0">
                 <a:effectLst/>
                 <a:latin typeface="Arial" panose="020B0604020202020204" pitchFamily="34" charset="0"/>
                 <a:ea typeface="Calibri" panose="020F0502020204030204" pitchFamily="34" charset="0"/>
@@ -5737,7 +5717,7 @@
               <a:t> </a:t>
             </a:r>
             <a:r>
-              <a:rPr lang="ru-RU" sz="1900" dirty="0">
+              <a:rPr lang="ru-RU" sz="1800" dirty="0">
                 <a:effectLst/>
                 <a:latin typeface="Arial" panose="020B0604020202020204" pitchFamily="34" charset="0"/>
                 <a:ea typeface="Calibri" panose="020F0502020204030204" pitchFamily="34" charset="0"/>
@@ -5745,7 +5725,7 @@
               </a:rPr>
               <a:t>условие остановки (абсолютная погрешность, максимальное число поколений и максимальное число поколений без улучшений).</a:t>
             </a:r>
-            <a:endParaRPr lang="ru-RU" sz="1900" dirty="0">
+            <a:endParaRPr lang="ru-RU" sz="1800" dirty="0">
               <a:latin typeface="Arial" panose="020B0604020202020204" pitchFamily="34" charset="0"/>
               <a:ea typeface="Calibri" panose="020F0502020204030204" pitchFamily="34" charset="0"/>
               <a:cs typeface="Arial" panose="020B0604020202020204" pitchFamily="34" charset="0"/>
@@ -5753,7 +5733,7 @@
           </a:p>
           <a:p>
             <a:pPr lvl="0" algn="just"/>
-            <a:endParaRPr lang="ru-RU" sz="2100" dirty="0">
+            <a:endParaRPr lang="ru-RU" sz="1800" dirty="0">
               <a:latin typeface="Arial" panose="020B0604020202020204" pitchFamily="34" charset="0"/>
               <a:cs typeface="Arial" panose="020B0604020202020204" pitchFamily="34" charset="0"/>
             </a:endParaRPr>
@@ -5762,7 +5742,7 @@
             <a:pPr marL="0" lvl="0" indent="0" algn="just">
               <a:buNone/>
             </a:pPr>
-            <a:endParaRPr lang="ru-RU" sz="2100" dirty="0">
+            <a:endParaRPr lang="ru-RU" sz="1800" dirty="0">
               <a:latin typeface="Arial" panose="020B0604020202020204" pitchFamily="34" charset="0"/>
               <a:cs typeface="Arial" panose="020B0604020202020204" pitchFamily="34" charset="0"/>
             </a:endParaRPr>
@@ -5772,7 +5752,7 @@
     </p:spTree>
     <p:extLst>
       <p:ext uri="{BB962C8B-B14F-4D97-AF65-F5344CB8AC3E}">
-        <p14:creationId xmlns:p14="http://schemas.microsoft.com/office/powerpoint/2010/main" xmlns="" val="2076816732"/>
+        <p14:creationId xmlns:p14="http://schemas.microsoft.com/office/powerpoint/2010/main" val="2076816732"/>
       </p:ext>
     </p:extLst>
   </p:cSld>
@@ -5885,7 +5865,7 @@
           <p:cNvPr id="199" name="Прямоугольник 198">
             <a:extLst>
               <a:ext uri="{FF2B5EF4-FFF2-40B4-BE49-F238E27FC236}">
-                <a16:creationId xmlns:a16="http://schemas.microsoft.com/office/drawing/2014/main" xmlns="" id="{EF97C2D7-ABF6-4DC5-ACE4-971314E0AE30}"/>
+                <a16:creationId xmlns:a16="http://schemas.microsoft.com/office/drawing/2014/main" id="{EF97C2D7-ABF6-4DC5-ACE4-971314E0AE30}"/>
               </a:ext>
             </a:extLst>
           </p:cNvPr>
@@ -5894,8 +5874,8 @@
         </p:nvSpPr>
         <p:spPr>
           <a:xfrm>
-            <a:off x="3051798" y="1181473"/>
-            <a:ext cx="2324977" cy="473760"/>
+            <a:off x="2849870" y="1181473"/>
+            <a:ext cx="2915085" cy="473760"/>
           </a:xfrm>
           <a:prstGeom prst="rect">
             <a:avLst/>
@@ -5931,7 +5911,7 @@
           <a:p>
             <a:pPr algn="ctr"/>
             <a:r>
-              <a:rPr lang="ru-RU" sz="1300" dirty="0">
+              <a:rPr lang="ru-RU" sz="1200" dirty="0">
                 <a:solidFill>
                   <a:schemeClr val="tx1"/>
                 </a:solidFill>
@@ -5941,7 +5921,7 @@
               <a:t>Формирование начального поколения из </a:t>
             </a:r>
             <a:r>
-              <a:rPr lang="en-US" sz="1300" dirty="0">
+              <a:rPr lang="en-US" sz="1200" dirty="0">
                 <a:solidFill>
                   <a:schemeClr val="tx1"/>
                 </a:solidFill>
@@ -5951,14 +5931,14 @@
               <a:t>N </a:t>
             </a:r>
             <a:r>
-              <a:rPr lang="ru-RU" sz="1300" dirty="0">
+              <a:rPr lang="ru-RU" sz="1200" dirty="0">
                 <a:solidFill>
                   <a:schemeClr val="tx1"/>
                 </a:solidFill>
                 <a:latin typeface="Arial" panose="020B0604020202020204" pitchFamily="34" charset="0"/>
                 <a:cs typeface="Arial" panose="020B0604020202020204" pitchFamily="34" charset="0"/>
               </a:rPr>
-              <a:t>особей</a:t>
+              <a:t>когнитивных карт</a:t>
             </a:r>
           </a:p>
         </p:txBody>
@@ -5968,7 +5948,7 @@
           <p:cNvPr id="200" name="Прямоугольник 199">
             <a:extLst>
               <a:ext uri="{FF2B5EF4-FFF2-40B4-BE49-F238E27FC236}">
-                <a16:creationId xmlns:a16="http://schemas.microsoft.com/office/drawing/2014/main" xmlns="" id="{733104D4-2BD4-45CE-94CE-BD9C9157D5E0}"/>
+                <a16:creationId xmlns:a16="http://schemas.microsoft.com/office/drawing/2014/main" id="{733104D4-2BD4-45CE-94CE-BD9C9157D5E0}"/>
               </a:ext>
             </a:extLst>
           </p:cNvPr>
@@ -5977,7 +5957,7 @@
         </p:nvSpPr>
         <p:spPr>
           <a:xfrm>
-            <a:off x="1663699" y="1252169"/>
+            <a:off x="896717" y="1251356"/>
             <a:ext cx="933455" cy="332367"/>
           </a:xfrm>
           <a:prstGeom prst="rect">
@@ -6014,7 +5994,7 @@
           <a:p>
             <a:pPr algn="ctr"/>
             <a:r>
-              <a:rPr lang="en-US" sz="1300" dirty="0">
+              <a:rPr lang="en-US" sz="1200" dirty="0">
                 <a:solidFill>
                   <a:schemeClr val="tx1"/>
                 </a:solidFill>
@@ -6023,7 +6003,7 @@
               </a:rPr>
               <a:t>&lt;A, U, R&gt;</a:t>
             </a:r>
-            <a:endParaRPr lang="ru-RU" sz="1300" dirty="0">
+            <a:endParaRPr lang="ru-RU" sz="1200" dirty="0">
               <a:solidFill>
                 <a:schemeClr val="tx1"/>
               </a:solidFill>
@@ -6038,7 +6018,7 @@
           <p:cNvPr id="201" name="Прямая соединительная линия 200">
             <a:extLst>
               <a:ext uri="{FF2B5EF4-FFF2-40B4-BE49-F238E27FC236}">
-                <a16:creationId xmlns:a16="http://schemas.microsoft.com/office/drawing/2014/main" xmlns="" id="{9EA20E14-A250-4AF0-BEB1-8B6FA00352FD}"/>
+                <a16:creationId xmlns:a16="http://schemas.microsoft.com/office/drawing/2014/main" id="{9EA20E14-A250-4AF0-BEB1-8B6FA00352FD}"/>
               </a:ext>
             </a:extLst>
           </p:cNvPr>
@@ -6051,8 +6031,8 @@
         </p:nvCxnSpPr>
         <p:spPr>
           <a:xfrm>
-            <a:off x="2597154" y="1418353"/>
-            <a:ext cx="454644" cy="0"/>
+            <a:off x="1830172" y="1417540"/>
+            <a:ext cx="1019698" cy="813"/>
           </a:xfrm>
           <a:prstGeom prst="line">
             <a:avLst/>
@@ -6086,7 +6066,7 @@
           <p:cNvPr id="204" name="Прямоугольник 203">
             <a:extLst>
               <a:ext uri="{FF2B5EF4-FFF2-40B4-BE49-F238E27FC236}">
-                <a16:creationId xmlns:a16="http://schemas.microsoft.com/office/drawing/2014/main" xmlns="" id="{739148EF-1F3E-4149-8E41-7C2E38D056B4}"/>
+                <a16:creationId xmlns:a16="http://schemas.microsoft.com/office/drawing/2014/main" id="{739148EF-1F3E-4149-8E41-7C2E38D056B4}"/>
               </a:ext>
             </a:extLst>
           </p:cNvPr>
@@ -6095,8 +6075,8 @@
         </p:nvSpPr>
         <p:spPr>
           <a:xfrm>
-            <a:off x="5831418" y="1181473"/>
-            <a:ext cx="2448619" cy="472135"/>
+            <a:off x="6457953" y="1181473"/>
+            <a:ext cx="2445195" cy="472135"/>
           </a:xfrm>
           <a:prstGeom prst="rect">
             <a:avLst/>
@@ -6132,14 +6112,14 @@
           <a:p>
             <a:pPr algn="ctr"/>
             <a:r>
-              <a:rPr lang="ru-RU" sz="1300" dirty="0">
+              <a:rPr lang="ru-RU" sz="1200" dirty="0">
                 <a:solidFill>
                   <a:schemeClr val="tx1"/>
                 </a:solidFill>
                 <a:latin typeface="Arial" panose="020B0604020202020204" pitchFamily="34" charset="0"/>
                 <a:cs typeface="Arial" panose="020B0604020202020204" pitchFamily="34" charset="0"/>
               </a:rPr>
-              <a:t>Алгоритм генерации особи</a:t>
+              <a:t>Алгоритм генерации когнитивной карты</a:t>
             </a:r>
           </a:p>
         </p:txBody>
@@ -6149,7 +6129,7 @@
           <p:cNvPr id="207" name="Прямая соединительная линия 206">
             <a:extLst>
               <a:ext uri="{FF2B5EF4-FFF2-40B4-BE49-F238E27FC236}">
-                <a16:creationId xmlns:a16="http://schemas.microsoft.com/office/drawing/2014/main" xmlns="" id="{5CF9A5DA-9823-4AD9-933A-C4ABD5523820}"/>
+                <a16:creationId xmlns:a16="http://schemas.microsoft.com/office/drawing/2014/main" id="{5CF9A5DA-9823-4AD9-933A-C4ABD5523820}"/>
               </a:ext>
             </a:extLst>
           </p:cNvPr>
@@ -6162,8 +6142,8 @@
         </p:nvCxnSpPr>
         <p:spPr>
           <a:xfrm flipH="1">
-            <a:off x="5376775" y="1417541"/>
-            <a:ext cx="454643" cy="812"/>
+            <a:off x="5764955" y="1417541"/>
+            <a:ext cx="692998" cy="812"/>
           </a:xfrm>
           <a:prstGeom prst="line">
             <a:avLst/>
@@ -6197,7 +6177,7 @@
           <p:cNvPr id="210" name="Прямоугольник 209">
             <a:extLst>
               <a:ext uri="{FF2B5EF4-FFF2-40B4-BE49-F238E27FC236}">
-                <a16:creationId xmlns:a16="http://schemas.microsoft.com/office/drawing/2014/main" xmlns="" id="{4F04234E-BF92-4A55-BC4D-8F42FEFBD93B}"/>
+                <a16:creationId xmlns:a16="http://schemas.microsoft.com/office/drawing/2014/main" id="{4F04234E-BF92-4A55-BC4D-8F42FEFBD93B}"/>
               </a:ext>
             </a:extLst>
           </p:cNvPr>
@@ -6206,8 +6186,8 @@
         </p:nvSpPr>
         <p:spPr>
           <a:xfrm>
-            <a:off x="3051795" y="1892113"/>
-            <a:ext cx="2324977" cy="473759"/>
+            <a:off x="2849869" y="1892113"/>
+            <a:ext cx="2915081" cy="473759"/>
           </a:xfrm>
           <a:prstGeom prst="rect">
             <a:avLst/>
@@ -6243,14 +6223,14 @@
           <a:p>
             <a:pPr algn="ctr"/>
             <a:r>
-              <a:rPr lang="ru-RU" sz="1300" dirty="0">
+              <a:rPr lang="ru-RU" sz="1200" dirty="0">
                 <a:solidFill>
                   <a:schemeClr val="tx1"/>
                 </a:solidFill>
                 <a:latin typeface="Arial" panose="020B0604020202020204" pitchFamily="34" charset="0"/>
                 <a:cs typeface="Arial" panose="020B0604020202020204" pitchFamily="34" charset="0"/>
               </a:rPr>
-              <a:t>Расчет приспособленности особей</a:t>
+              <a:t>Расчет приспособленностей когнитивных карт</a:t>
             </a:r>
           </a:p>
         </p:txBody>
@@ -6260,7 +6240,7 @@
           <p:cNvPr id="211" name="Прямоугольник 210">
             <a:extLst>
               <a:ext uri="{FF2B5EF4-FFF2-40B4-BE49-F238E27FC236}">
-                <a16:creationId xmlns:a16="http://schemas.microsoft.com/office/drawing/2014/main" xmlns="" id="{23412F9A-560F-4188-900D-1F76F4378074}"/>
+                <a16:creationId xmlns:a16="http://schemas.microsoft.com/office/drawing/2014/main" id="{23412F9A-560F-4188-900D-1F76F4378074}"/>
               </a:ext>
             </a:extLst>
           </p:cNvPr>
@@ -6269,8 +6249,8 @@
         </p:nvSpPr>
         <p:spPr>
           <a:xfrm>
-            <a:off x="3051795" y="2604377"/>
-            <a:ext cx="2324977" cy="473755"/>
+            <a:off x="2849869" y="2604377"/>
+            <a:ext cx="2915079" cy="473755"/>
           </a:xfrm>
           <a:prstGeom prst="rect">
             <a:avLst/>
@@ -6306,7 +6286,7 @@
           <a:p>
             <a:pPr algn="ctr"/>
             <a:r>
-              <a:rPr lang="ru-RU" sz="1300" dirty="0">
+              <a:rPr lang="ru-RU" sz="1200" dirty="0">
                 <a:solidFill>
                   <a:schemeClr val="tx1"/>
                 </a:solidFill>
@@ -6316,7 +6296,7 @@
               <a:t>Выбор </a:t>
             </a:r>
             <a:r>
-              <a:rPr lang="en-US" sz="1300" dirty="0">
+              <a:rPr lang="en-US" sz="1200" dirty="0">
                 <a:solidFill>
                   <a:schemeClr val="tx1"/>
                 </a:solidFill>
@@ -6326,14 +6306,14 @@
               <a:t>M</a:t>
             </a:r>
             <a:r>
-              <a:rPr lang="ru-RU" sz="1300" dirty="0">
+              <a:rPr lang="ru-RU" sz="1200" dirty="0">
                 <a:solidFill>
                   <a:schemeClr val="tx1"/>
                 </a:solidFill>
                 <a:latin typeface="Arial" panose="020B0604020202020204" pitchFamily="34" charset="0"/>
                 <a:cs typeface="Arial" panose="020B0604020202020204" pitchFamily="34" charset="0"/>
               </a:rPr>
-              <a:t> наиболее приспособленных особей</a:t>
+              <a:t> наиболее приспособленных когнитивных карт</a:t>
             </a:r>
           </a:p>
         </p:txBody>
@@ -6343,7 +6323,7 @@
           <p:cNvPr id="212" name="Прямоугольник 211">
             <a:extLst>
               <a:ext uri="{FF2B5EF4-FFF2-40B4-BE49-F238E27FC236}">
-                <a16:creationId xmlns:a16="http://schemas.microsoft.com/office/drawing/2014/main" xmlns="" id="{D588DCD8-E774-43B4-80F7-5EFDE89306FC}"/>
+                <a16:creationId xmlns:a16="http://schemas.microsoft.com/office/drawing/2014/main" id="{D588DCD8-E774-43B4-80F7-5EFDE89306FC}"/>
               </a:ext>
             </a:extLst>
           </p:cNvPr>
@@ -6352,7 +6332,7 @@
         </p:nvSpPr>
         <p:spPr>
           <a:xfrm>
-            <a:off x="3051794" y="3316637"/>
+            <a:off x="3144931" y="3316637"/>
             <a:ext cx="2324977" cy="547010"/>
           </a:xfrm>
           <a:prstGeom prst="rect">
@@ -6389,7 +6369,7 @@
           <a:p>
             <a:pPr algn="ctr"/>
             <a:r>
-              <a:rPr lang="ru-RU" sz="1300" dirty="0">
+              <a:rPr lang="ru-RU" sz="1200" dirty="0">
                 <a:solidFill>
                   <a:schemeClr val="tx1"/>
                 </a:solidFill>
@@ -6399,7 +6379,7 @@
               <a:t>Формирование </a:t>
             </a:r>
             <a:r>
-              <a:rPr lang="en-US" sz="1300" dirty="0">
+              <a:rPr lang="en-US" sz="1200" dirty="0">
                 <a:solidFill>
                   <a:schemeClr val="tx1"/>
                 </a:solidFill>
@@ -6409,14 +6389,14 @@
               <a:t>M </a:t>
             </a:r>
             <a:r>
-              <a:rPr lang="ru-RU" sz="1300" dirty="0">
+              <a:rPr lang="ru-RU" sz="1200" dirty="0">
                 <a:solidFill>
                   <a:schemeClr val="tx1"/>
                 </a:solidFill>
                 <a:latin typeface="Arial" panose="020B0604020202020204" pitchFamily="34" charset="0"/>
                 <a:cs typeface="Arial" panose="020B0604020202020204" pitchFamily="34" charset="0"/>
               </a:rPr>
-              <a:t>новых особей</a:t>
+              <a:t>новых когнитивных карт</a:t>
             </a:r>
           </a:p>
         </p:txBody>
@@ -6426,7 +6406,7 @@
           <p:cNvPr id="213" name="Прямоугольник 212">
             <a:extLst>
               <a:ext uri="{FF2B5EF4-FFF2-40B4-BE49-F238E27FC236}">
-                <a16:creationId xmlns:a16="http://schemas.microsoft.com/office/drawing/2014/main" xmlns="" id="{AFF47F3F-DDF3-4B30-89CF-5C21EEA2370B}"/>
+                <a16:creationId xmlns:a16="http://schemas.microsoft.com/office/drawing/2014/main" id="{AFF47F3F-DDF3-4B30-89CF-5C21EEA2370B}"/>
               </a:ext>
             </a:extLst>
           </p:cNvPr>
@@ -6435,7 +6415,7 @@
         </p:nvSpPr>
         <p:spPr>
           <a:xfrm>
-            <a:off x="3051793" y="4106875"/>
+            <a:off x="3144930" y="4106875"/>
             <a:ext cx="2324977" cy="545084"/>
           </a:xfrm>
           <a:prstGeom prst="rect">
@@ -6472,7 +6452,7 @@
           <a:p>
             <a:pPr algn="ctr"/>
             <a:r>
-              <a:rPr lang="ru-RU" sz="1300" dirty="0">
+              <a:rPr lang="ru-RU" sz="1200" dirty="0">
                 <a:solidFill>
                   <a:schemeClr val="tx1"/>
                 </a:solidFill>
@@ -6489,7 +6469,7 @@
           <p:cNvPr id="214" name="Блок-схема: решение 213">
             <a:extLst>
               <a:ext uri="{FF2B5EF4-FFF2-40B4-BE49-F238E27FC236}">
-                <a16:creationId xmlns:a16="http://schemas.microsoft.com/office/drawing/2014/main" xmlns="" id="{13C8D596-A5A0-445D-BCAD-F3A56272252F}"/>
+                <a16:creationId xmlns:a16="http://schemas.microsoft.com/office/drawing/2014/main" id="{13C8D596-A5A0-445D-BCAD-F3A56272252F}"/>
               </a:ext>
             </a:extLst>
           </p:cNvPr>
@@ -6498,7 +6478,7 @@
         </p:nvSpPr>
         <p:spPr>
           <a:xfrm>
-            <a:off x="3368463" y="4892390"/>
+            <a:off x="3461600" y="4892390"/>
             <a:ext cx="1691635" cy="498978"/>
           </a:xfrm>
           <a:prstGeom prst="flowChartDecision">
@@ -6535,14 +6515,14 @@
           <a:p>
             <a:pPr algn="ctr"/>
             <a:r>
-              <a:rPr lang="en-US" sz="1300" dirty="0">
+              <a:rPr lang="en-US" sz="1200" dirty="0">
                 <a:solidFill>
                   <a:schemeClr val="tx1"/>
                 </a:solidFill>
               </a:rPr>
               <a:t>S</a:t>
             </a:r>
-            <a:endParaRPr lang="ru-RU" sz="1300" dirty="0">
+            <a:endParaRPr lang="ru-RU" sz="1200" dirty="0">
               <a:solidFill>
                 <a:schemeClr val="tx1"/>
               </a:solidFill>
@@ -6555,7 +6535,7 @@
           <p:cNvPr id="215" name="Прямоугольник 214">
             <a:extLst>
               <a:ext uri="{FF2B5EF4-FFF2-40B4-BE49-F238E27FC236}">
-                <a16:creationId xmlns:a16="http://schemas.microsoft.com/office/drawing/2014/main" xmlns="" id="{51975B9B-4B62-41A2-B14D-5A079A5147D6}"/>
+                <a16:creationId xmlns:a16="http://schemas.microsoft.com/office/drawing/2014/main" id="{51975B9B-4B62-41A2-B14D-5A079A5147D6}"/>
               </a:ext>
             </a:extLst>
           </p:cNvPr>
@@ -6564,8 +6544,8 @@
         </p:nvSpPr>
         <p:spPr>
           <a:xfrm>
-            <a:off x="2756734" y="5626829"/>
-            <a:ext cx="2915092" cy="494813"/>
+            <a:off x="2849871" y="5626829"/>
+            <a:ext cx="2915092" cy="704410"/>
           </a:xfrm>
           <a:prstGeom prst="rect">
             <a:avLst/>
@@ -6601,14 +6581,14 @@
           <a:p>
             <a:pPr algn="ctr"/>
             <a:r>
-              <a:rPr lang="ru-RU" sz="1300" dirty="0">
+              <a:rPr lang="ru-RU" sz="1200" dirty="0">
                 <a:solidFill>
                   <a:schemeClr val="tx1"/>
                 </a:solidFill>
                 <a:latin typeface="Arial" panose="020B0604020202020204" pitchFamily="34" charset="0"/>
                 <a:cs typeface="Arial" panose="020B0604020202020204" pitchFamily="34" charset="0"/>
               </a:rPr>
-              <a:t>Выбор наиболее приспособленной особи из последнего поколения</a:t>
+              <a:t>Выбор наиболее приспособленной когнитивной карты из последнего поколения</a:t>
             </a:r>
           </a:p>
         </p:txBody>
@@ -6618,7 +6598,7 @@
           <p:cNvPr id="216" name="Прямая соединительная линия 215">
             <a:extLst>
               <a:ext uri="{FF2B5EF4-FFF2-40B4-BE49-F238E27FC236}">
-                <a16:creationId xmlns:a16="http://schemas.microsoft.com/office/drawing/2014/main" xmlns="" id="{29AC7676-0A80-4BCC-A6DE-0D6386C3C698}"/>
+                <a16:creationId xmlns:a16="http://schemas.microsoft.com/office/drawing/2014/main" id="{29AC7676-0A80-4BCC-A6DE-0D6386C3C698}"/>
               </a:ext>
             </a:extLst>
           </p:cNvPr>
@@ -6631,7 +6611,7 @@
         </p:nvCxnSpPr>
         <p:spPr>
           <a:xfrm flipH="1">
-            <a:off x="4214284" y="1655233"/>
+            <a:off x="4307410" y="1655233"/>
             <a:ext cx="3" cy="236880"/>
           </a:xfrm>
           <a:prstGeom prst="line">
@@ -6666,7 +6646,7 @@
           <p:cNvPr id="219" name="Прямая соединительная линия 218">
             <a:extLst>
               <a:ext uri="{FF2B5EF4-FFF2-40B4-BE49-F238E27FC236}">
-                <a16:creationId xmlns:a16="http://schemas.microsoft.com/office/drawing/2014/main" xmlns="" id="{6A44A0DB-14D7-48A2-BB86-6806126B2DD3}"/>
+                <a16:creationId xmlns:a16="http://schemas.microsoft.com/office/drawing/2014/main" id="{6A44A0DB-14D7-48A2-BB86-6806126B2DD3}"/>
               </a:ext>
             </a:extLst>
           </p:cNvPr>
@@ -6678,9 +6658,9 @@
           <p:nvPr/>
         </p:nvCxnSpPr>
         <p:spPr>
-          <a:xfrm>
-            <a:off x="4214284" y="2365872"/>
-            <a:ext cx="0" cy="238505"/>
+          <a:xfrm flipH="1">
+            <a:off x="4307409" y="2365872"/>
+            <a:ext cx="1" cy="238505"/>
           </a:xfrm>
           <a:prstGeom prst="line">
             <a:avLst/>
@@ -6714,7 +6694,7 @@
           <p:cNvPr id="223" name="Прямая соединительная линия 222">
             <a:extLst>
               <a:ext uri="{FF2B5EF4-FFF2-40B4-BE49-F238E27FC236}">
-                <a16:creationId xmlns:a16="http://schemas.microsoft.com/office/drawing/2014/main" xmlns="" id="{A75D06BA-88A1-4BD8-8989-10C16156FF88}"/>
+                <a16:creationId xmlns:a16="http://schemas.microsoft.com/office/drawing/2014/main" id="{A75D06BA-88A1-4BD8-8989-10C16156FF88}"/>
               </a:ext>
             </a:extLst>
           </p:cNvPr>
@@ -6726,9 +6706,9 @@
           <p:nvPr/>
         </p:nvCxnSpPr>
         <p:spPr>
-          <a:xfrm flipH="1">
-            <a:off x="4214283" y="3078132"/>
-            <a:ext cx="1" cy="238505"/>
+          <a:xfrm>
+            <a:off x="4307409" y="3078132"/>
+            <a:ext cx="11" cy="238505"/>
           </a:xfrm>
           <a:prstGeom prst="line">
             <a:avLst/>
@@ -6762,7 +6742,7 @@
           <p:cNvPr id="226" name="Прямая соединительная линия 225">
             <a:extLst>
               <a:ext uri="{FF2B5EF4-FFF2-40B4-BE49-F238E27FC236}">
-                <a16:creationId xmlns:a16="http://schemas.microsoft.com/office/drawing/2014/main" xmlns="" id="{CB54FF43-ADFE-4AF8-B717-962228CEC479}"/>
+                <a16:creationId xmlns:a16="http://schemas.microsoft.com/office/drawing/2014/main" id="{CB54FF43-ADFE-4AF8-B717-962228CEC479}"/>
               </a:ext>
             </a:extLst>
           </p:cNvPr>
@@ -6775,7 +6755,7 @@
         </p:nvCxnSpPr>
         <p:spPr>
           <a:xfrm flipH="1">
-            <a:off x="4214282" y="3863647"/>
+            <a:off x="4307419" y="3863647"/>
             <a:ext cx="1" cy="243228"/>
           </a:xfrm>
           <a:prstGeom prst="line">
@@ -6810,7 +6790,7 @@
           <p:cNvPr id="229" name="Прямая соединительная линия 228">
             <a:extLst>
               <a:ext uri="{FF2B5EF4-FFF2-40B4-BE49-F238E27FC236}">
-                <a16:creationId xmlns:a16="http://schemas.microsoft.com/office/drawing/2014/main" xmlns="" id="{BE5A1258-67E2-496B-BE6E-8099A33162AF}"/>
+                <a16:creationId xmlns:a16="http://schemas.microsoft.com/office/drawing/2014/main" id="{BE5A1258-67E2-496B-BE6E-8099A33162AF}"/>
               </a:ext>
             </a:extLst>
           </p:cNvPr>
@@ -6823,7 +6803,7 @@
         </p:nvCxnSpPr>
         <p:spPr>
           <a:xfrm flipH="1">
-            <a:off x="4214281" y="4651959"/>
+            <a:off x="4307418" y="4651959"/>
             <a:ext cx="1" cy="240431"/>
           </a:xfrm>
           <a:prstGeom prst="line">
@@ -6858,7 +6838,7 @@
           <p:cNvPr id="232" name="Прямоугольник 231">
             <a:extLst>
               <a:ext uri="{FF2B5EF4-FFF2-40B4-BE49-F238E27FC236}">
-                <a16:creationId xmlns:a16="http://schemas.microsoft.com/office/drawing/2014/main" xmlns="" id="{027E2C74-91F4-4DE4-8D03-65E3B54C18FC}"/>
+                <a16:creationId xmlns:a16="http://schemas.microsoft.com/office/drawing/2014/main" id="{027E2C74-91F4-4DE4-8D03-65E3B54C18FC}"/>
               </a:ext>
             </a:extLst>
           </p:cNvPr>
@@ -6867,7 +6847,7 @@
         </p:nvSpPr>
         <p:spPr>
           <a:xfrm>
-            <a:off x="1078136" y="1962808"/>
+            <a:off x="603936" y="1970104"/>
             <a:ext cx="1519019" cy="332367"/>
           </a:xfrm>
           <a:prstGeom prst="rect">
@@ -6904,7 +6884,7 @@
           <a:p>
             <a:pPr algn="ctr"/>
             <a:r>
-              <a:rPr lang="en-US" sz="1300" dirty="0">
+              <a:rPr lang="en-US" sz="1200" dirty="0">
                 <a:solidFill>
                   <a:schemeClr val="tx1"/>
                 </a:solidFill>
@@ -6913,7 +6893,7 @@
               </a:rPr>
               <a:t>&lt;X(0), G, Y, D, T&gt;</a:t>
             </a:r>
-            <a:endParaRPr lang="ru-RU" sz="1300" dirty="0">
+            <a:endParaRPr lang="ru-RU" sz="1200" dirty="0">
               <a:solidFill>
                 <a:schemeClr val="tx1"/>
               </a:solidFill>
@@ -6928,7 +6908,7 @@
           <p:cNvPr id="236" name="Прямая соединительная линия 235">
             <a:extLst>
               <a:ext uri="{FF2B5EF4-FFF2-40B4-BE49-F238E27FC236}">
-                <a16:creationId xmlns:a16="http://schemas.microsoft.com/office/drawing/2014/main" xmlns="" id="{72921B6B-4204-4E5E-A016-1836EB1E6975}"/>
+                <a16:creationId xmlns:a16="http://schemas.microsoft.com/office/drawing/2014/main" id="{72921B6B-4204-4E5E-A016-1836EB1E6975}"/>
               </a:ext>
             </a:extLst>
           </p:cNvPr>
@@ -6940,9 +6920,9 @@
           <p:nvPr/>
         </p:nvCxnSpPr>
         <p:spPr>
-          <a:xfrm>
-            <a:off x="2597155" y="2128992"/>
-            <a:ext cx="454640" cy="1"/>
+          <a:xfrm flipV="1">
+            <a:off x="2122955" y="2128993"/>
+            <a:ext cx="726914" cy="7295"/>
           </a:xfrm>
           <a:prstGeom prst="line">
             <a:avLst/>
@@ -6971,534 +6951,12 @@
           </a:fontRef>
         </p:style>
       </p:cxnSp>
-      <p:grpSp>
-        <p:nvGrpSpPr>
-          <p:cNvPr id="239" name="Группа 238">
-            <a:extLst>
-              <a:ext uri="{FF2B5EF4-FFF2-40B4-BE49-F238E27FC236}">
-                <a16:creationId xmlns:a16="http://schemas.microsoft.com/office/drawing/2014/main" xmlns="" id="{3CA5CE57-ED79-47F0-9E04-B25F3E1453E2}"/>
-              </a:ext>
-            </a:extLst>
-          </p:cNvPr>
-          <p:cNvGrpSpPr/>
-          <p:nvPr/>
-        </p:nvGrpSpPr>
-        <p:grpSpPr>
-          <a:xfrm>
-            <a:off x="2817809" y="1548486"/>
-            <a:ext cx="233982" cy="431049"/>
-            <a:chOff x="2614174" y="1621631"/>
-            <a:chExt cx="233982" cy="590550"/>
-          </a:xfrm>
-        </p:grpSpPr>
-        <p:cxnSp>
-          <p:nvCxnSpPr>
-            <p:cNvPr id="240" name="Прямая соединительная линия 239">
-              <a:extLst>
-                <a:ext uri="{FF2B5EF4-FFF2-40B4-BE49-F238E27FC236}">
-                  <a16:creationId xmlns:a16="http://schemas.microsoft.com/office/drawing/2014/main" xmlns="" id="{C061D425-C819-45C5-B202-C197F7F91762}"/>
-                </a:ext>
-              </a:extLst>
-            </p:cNvPr>
-            <p:cNvCxnSpPr/>
-            <p:nvPr/>
-          </p:nvCxnSpPr>
-          <p:spPr>
-            <a:xfrm flipH="1">
-              <a:off x="2614174" y="1621631"/>
-              <a:ext cx="233982" cy="0"/>
-            </a:xfrm>
-            <a:prstGeom prst="line">
-              <a:avLst/>
-            </a:prstGeom>
-            <a:ln w="12700"/>
-          </p:spPr>
-          <p:style>
-            <a:lnRef idx="1">
-              <a:schemeClr val="dk1"/>
-            </a:lnRef>
-            <a:fillRef idx="0">
-              <a:schemeClr val="dk1"/>
-            </a:fillRef>
-            <a:effectRef idx="0">
-              <a:schemeClr val="dk1"/>
-            </a:effectRef>
-            <a:fontRef idx="minor">
-              <a:schemeClr val="tx1"/>
-            </a:fontRef>
-          </p:style>
-        </p:cxnSp>
-        <p:cxnSp>
-          <p:nvCxnSpPr>
-            <p:cNvPr id="241" name="Прямая соединительная линия 240">
-              <a:extLst>
-                <a:ext uri="{FF2B5EF4-FFF2-40B4-BE49-F238E27FC236}">
-                  <a16:creationId xmlns:a16="http://schemas.microsoft.com/office/drawing/2014/main" xmlns="" id="{2EC42842-63DD-461A-A61C-B7CF1DB0D08D}"/>
-                </a:ext>
-              </a:extLst>
-            </p:cNvPr>
-            <p:cNvCxnSpPr/>
-            <p:nvPr/>
-          </p:nvCxnSpPr>
-          <p:spPr>
-            <a:xfrm>
-              <a:off x="2614174" y="1621631"/>
-              <a:ext cx="0" cy="590550"/>
-            </a:xfrm>
-            <a:prstGeom prst="line">
-              <a:avLst/>
-            </a:prstGeom>
-            <a:ln w="12700"/>
-          </p:spPr>
-          <p:style>
-            <a:lnRef idx="1">
-              <a:schemeClr val="dk1"/>
-            </a:lnRef>
-            <a:fillRef idx="0">
-              <a:schemeClr val="dk1"/>
-            </a:fillRef>
-            <a:effectRef idx="0">
-              <a:schemeClr val="dk1"/>
-            </a:effectRef>
-            <a:fontRef idx="minor">
-              <a:schemeClr val="tx1"/>
-            </a:fontRef>
-          </p:style>
-        </p:cxnSp>
-        <p:cxnSp>
-          <p:nvCxnSpPr>
-            <p:cNvPr id="242" name="Прямая соединительная линия 241">
-              <a:extLst>
-                <a:ext uri="{FF2B5EF4-FFF2-40B4-BE49-F238E27FC236}">
-                  <a16:creationId xmlns:a16="http://schemas.microsoft.com/office/drawing/2014/main" xmlns="" id="{3A153056-7DA5-495F-BCCF-EA2BF3D5AB01}"/>
-                </a:ext>
-              </a:extLst>
-            </p:cNvPr>
-            <p:cNvCxnSpPr/>
-            <p:nvPr/>
-          </p:nvCxnSpPr>
-          <p:spPr>
-            <a:xfrm flipH="1">
-              <a:off x="2614174" y="2212181"/>
-              <a:ext cx="233982" cy="0"/>
-            </a:xfrm>
-            <a:prstGeom prst="line">
-              <a:avLst/>
-            </a:prstGeom>
-            <a:ln w="12700">
-              <a:headEnd type="triangle" w="med" len="med"/>
-              <a:tailEnd type="none" w="med" len="med"/>
-            </a:ln>
-          </p:spPr>
-          <p:style>
-            <a:lnRef idx="1">
-              <a:schemeClr val="dk1"/>
-            </a:lnRef>
-            <a:fillRef idx="0">
-              <a:schemeClr val="dk1"/>
-            </a:fillRef>
-            <a:effectRef idx="0">
-              <a:schemeClr val="dk1"/>
-            </a:effectRef>
-            <a:fontRef idx="minor">
-              <a:schemeClr val="tx1"/>
-            </a:fontRef>
-          </p:style>
-        </p:cxnSp>
-      </p:grpSp>
-      <p:sp>
-        <p:nvSpPr>
-          <p:cNvPr id="243" name="TextBox 242">
-            <a:extLst>
-              <a:ext uri="{FF2B5EF4-FFF2-40B4-BE49-F238E27FC236}">
-                <a16:creationId xmlns:a16="http://schemas.microsoft.com/office/drawing/2014/main" xmlns="" id="{108658EB-3D7A-4917-AA8F-9366527F5E24}"/>
-              </a:ext>
-            </a:extLst>
-          </p:cNvPr>
-          <p:cNvSpPr txBox="1"/>
-          <p:nvPr/>
-        </p:nvSpPr>
-        <p:spPr>
-          <a:xfrm>
-            <a:off x="940489" y="1612419"/>
-            <a:ext cx="1897635" cy="292388"/>
-          </a:xfrm>
-          <a:prstGeom prst="rect">
-            <a:avLst/>
-          </a:prstGeom>
-          <a:noFill/>
-        </p:spPr>
-        <p:txBody>
-          <a:bodyPr wrap="none" rtlCol="0">
-            <a:spAutoFit/>
-          </a:bodyPr>
-          <a:lstStyle/>
-          <a:p>
-            <a:pPr algn="ctr"/>
-            <a:r>
-              <a:rPr lang="ru-RU" sz="1300" dirty="0">
-                <a:latin typeface="Arial" panose="020B0604020202020204" pitchFamily="34" charset="0"/>
-                <a:cs typeface="Arial" panose="020B0604020202020204" pitchFamily="34" charset="0"/>
-              </a:rPr>
-              <a:t>Начальное поколение</a:t>
-            </a:r>
-          </a:p>
-        </p:txBody>
-      </p:sp>
-      <p:grpSp>
-        <p:nvGrpSpPr>
-          <p:cNvPr id="244" name="Группа 243">
-            <a:extLst>
-              <a:ext uri="{FF2B5EF4-FFF2-40B4-BE49-F238E27FC236}">
-                <a16:creationId xmlns:a16="http://schemas.microsoft.com/office/drawing/2014/main" xmlns="" id="{64D13B59-F627-4BA7-B4FA-38A431F083F2}"/>
-              </a:ext>
-            </a:extLst>
-          </p:cNvPr>
-          <p:cNvGrpSpPr/>
-          <p:nvPr/>
-        </p:nvGrpSpPr>
-        <p:grpSpPr>
-          <a:xfrm>
-            <a:off x="2814950" y="2264137"/>
-            <a:ext cx="233982" cy="431049"/>
-            <a:chOff x="2614174" y="1621631"/>
-            <a:chExt cx="233982" cy="590550"/>
-          </a:xfrm>
-        </p:grpSpPr>
-        <p:cxnSp>
-          <p:nvCxnSpPr>
-            <p:cNvPr id="245" name="Прямая соединительная линия 244">
-              <a:extLst>
-                <a:ext uri="{FF2B5EF4-FFF2-40B4-BE49-F238E27FC236}">
-                  <a16:creationId xmlns:a16="http://schemas.microsoft.com/office/drawing/2014/main" xmlns="" id="{88639B7B-A5D4-40C4-8A1C-021BE597032D}"/>
-                </a:ext>
-              </a:extLst>
-            </p:cNvPr>
-            <p:cNvCxnSpPr/>
-            <p:nvPr/>
-          </p:nvCxnSpPr>
-          <p:spPr>
-            <a:xfrm flipH="1">
-              <a:off x="2614174" y="1621631"/>
-              <a:ext cx="233982" cy="0"/>
-            </a:xfrm>
-            <a:prstGeom prst="line">
-              <a:avLst/>
-            </a:prstGeom>
-            <a:ln w="12700"/>
-          </p:spPr>
-          <p:style>
-            <a:lnRef idx="1">
-              <a:schemeClr val="dk1"/>
-            </a:lnRef>
-            <a:fillRef idx="0">
-              <a:schemeClr val="dk1"/>
-            </a:fillRef>
-            <a:effectRef idx="0">
-              <a:schemeClr val="dk1"/>
-            </a:effectRef>
-            <a:fontRef idx="minor">
-              <a:schemeClr val="tx1"/>
-            </a:fontRef>
-          </p:style>
-        </p:cxnSp>
-        <p:cxnSp>
-          <p:nvCxnSpPr>
-            <p:cNvPr id="246" name="Прямая соединительная линия 245">
-              <a:extLst>
-                <a:ext uri="{FF2B5EF4-FFF2-40B4-BE49-F238E27FC236}">
-                  <a16:creationId xmlns:a16="http://schemas.microsoft.com/office/drawing/2014/main" xmlns="" id="{3D5FC3B8-EA94-46F4-ACE8-B4ADCD0854FB}"/>
-                </a:ext>
-              </a:extLst>
-            </p:cNvPr>
-            <p:cNvCxnSpPr/>
-            <p:nvPr/>
-          </p:nvCxnSpPr>
-          <p:spPr>
-            <a:xfrm>
-              <a:off x="2614174" y="1621631"/>
-              <a:ext cx="0" cy="590550"/>
-            </a:xfrm>
-            <a:prstGeom prst="line">
-              <a:avLst/>
-            </a:prstGeom>
-            <a:ln w="12700"/>
-          </p:spPr>
-          <p:style>
-            <a:lnRef idx="1">
-              <a:schemeClr val="dk1"/>
-            </a:lnRef>
-            <a:fillRef idx="0">
-              <a:schemeClr val="dk1"/>
-            </a:fillRef>
-            <a:effectRef idx="0">
-              <a:schemeClr val="dk1"/>
-            </a:effectRef>
-            <a:fontRef idx="minor">
-              <a:schemeClr val="tx1"/>
-            </a:fontRef>
-          </p:style>
-        </p:cxnSp>
-        <p:cxnSp>
-          <p:nvCxnSpPr>
-            <p:cNvPr id="247" name="Прямая соединительная линия 246">
-              <a:extLst>
-                <a:ext uri="{FF2B5EF4-FFF2-40B4-BE49-F238E27FC236}">
-                  <a16:creationId xmlns:a16="http://schemas.microsoft.com/office/drawing/2014/main" xmlns="" id="{A7BD5491-FD38-4AE6-98A9-162F969DDFCF}"/>
-                </a:ext>
-              </a:extLst>
-            </p:cNvPr>
-            <p:cNvCxnSpPr/>
-            <p:nvPr/>
-          </p:nvCxnSpPr>
-          <p:spPr>
-            <a:xfrm flipH="1">
-              <a:off x="2614174" y="2212181"/>
-              <a:ext cx="233982" cy="0"/>
-            </a:xfrm>
-            <a:prstGeom prst="line">
-              <a:avLst/>
-            </a:prstGeom>
-            <a:ln w="12700">
-              <a:headEnd type="triangle" w="med" len="med"/>
-              <a:tailEnd type="none" w="med" len="med"/>
-            </a:ln>
-          </p:spPr>
-          <p:style>
-            <a:lnRef idx="1">
-              <a:schemeClr val="dk1"/>
-            </a:lnRef>
-            <a:fillRef idx="0">
-              <a:schemeClr val="dk1"/>
-            </a:fillRef>
-            <a:effectRef idx="0">
-              <a:schemeClr val="dk1"/>
-            </a:effectRef>
-            <a:fontRef idx="minor">
-              <a:schemeClr val="tx1"/>
-            </a:fontRef>
-          </p:style>
-        </p:cxnSp>
-      </p:grpSp>
-      <p:sp>
-        <p:nvSpPr>
-          <p:cNvPr id="248" name="TextBox 247">
-            <a:extLst>
-              <a:ext uri="{FF2B5EF4-FFF2-40B4-BE49-F238E27FC236}">
-                <a16:creationId xmlns:a16="http://schemas.microsoft.com/office/drawing/2014/main" xmlns="" id="{FA579469-EC3F-46CE-8ECA-3F08BA95F005}"/>
-              </a:ext>
-            </a:extLst>
-          </p:cNvPr>
-          <p:cNvSpPr txBox="1"/>
-          <p:nvPr/>
-        </p:nvSpPr>
-        <p:spPr>
-          <a:xfrm>
-            <a:off x="353631" y="2350151"/>
-            <a:ext cx="2624764" cy="292388"/>
-          </a:xfrm>
-          <a:prstGeom prst="rect">
-            <a:avLst/>
-          </a:prstGeom>
-          <a:noFill/>
-        </p:spPr>
-        <p:txBody>
-          <a:bodyPr wrap="square" rtlCol="0">
-            <a:spAutoFit/>
-          </a:bodyPr>
-          <a:lstStyle/>
-          <a:p>
-            <a:pPr algn="ctr"/>
-            <a:r>
-              <a:rPr lang="ru-RU" sz="1300" dirty="0">
-                <a:latin typeface="Arial" panose="020B0604020202020204" pitchFamily="34" charset="0"/>
-                <a:cs typeface="Arial" panose="020B0604020202020204" pitchFamily="34" charset="0"/>
-              </a:rPr>
-              <a:t>Приспособленность особей</a:t>
-            </a:r>
-          </a:p>
-        </p:txBody>
-      </p:sp>
-      <p:grpSp>
-        <p:nvGrpSpPr>
-          <p:cNvPr id="249" name="Группа 248">
-            <a:extLst>
-              <a:ext uri="{FF2B5EF4-FFF2-40B4-BE49-F238E27FC236}">
-                <a16:creationId xmlns:a16="http://schemas.microsoft.com/office/drawing/2014/main" xmlns="" id="{ED16CC1C-A6D4-4FF5-B305-2ADC38F9268E}"/>
-              </a:ext>
-            </a:extLst>
-          </p:cNvPr>
-          <p:cNvGrpSpPr/>
-          <p:nvPr/>
-        </p:nvGrpSpPr>
-        <p:grpSpPr>
-          <a:xfrm>
-            <a:off x="2817809" y="2966115"/>
-            <a:ext cx="233982" cy="431049"/>
-            <a:chOff x="2614174" y="1621631"/>
-            <a:chExt cx="233982" cy="590550"/>
-          </a:xfrm>
-        </p:grpSpPr>
-        <p:cxnSp>
-          <p:nvCxnSpPr>
-            <p:cNvPr id="250" name="Прямая соединительная линия 249">
-              <a:extLst>
-                <a:ext uri="{FF2B5EF4-FFF2-40B4-BE49-F238E27FC236}">
-                  <a16:creationId xmlns:a16="http://schemas.microsoft.com/office/drawing/2014/main" xmlns="" id="{322F3F2D-AC24-4A7B-AFA1-5658805D2982}"/>
-                </a:ext>
-              </a:extLst>
-            </p:cNvPr>
-            <p:cNvCxnSpPr/>
-            <p:nvPr/>
-          </p:nvCxnSpPr>
-          <p:spPr>
-            <a:xfrm flipH="1">
-              <a:off x="2614174" y="1621631"/>
-              <a:ext cx="233982" cy="0"/>
-            </a:xfrm>
-            <a:prstGeom prst="line">
-              <a:avLst/>
-            </a:prstGeom>
-            <a:ln w="12700"/>
-          </p:spPr>
-          <p:style>
-            <a:lnRef idx="1">
-              <a:schemeClr val="dk1"/>
-            </a:lnRef>
-            <a:fillRef idx="0">
-              <a:schemeClr val="dk1"/>
-            </a:fillRef>
-            <a:effectRef idx="0">
-              <a:schemeClr val="dk1"/>
-            </a:effectRef>
-            <a:fontRef idx="minor">
-              <a:schemeClr val="tx1"/>
-            </a:fontRef>
-          </p:style>
-        </p:cxnSp>
-        <p:cxnSp>
-          <p:nvCxnSpPr>
-            <p:cNvPr id="251" name="Прямая соединительная линия 250">
-              <a:extLst>
-                <a:ext uri="{FF2B5EF4-FFF2-40B4-BE49-F238E27FC236}">
-                  <a16:creationId xmlns:a16="http://schemas.microsoft.com/office/drawing/2014/main" xmlns="" id="{5767D867-1C86-4E30-9E81-5D96B04F3229}"/>
-                </a:ext>
-              </a:extLst>
-            </p:cNvPr>
-            <p:cNvCxnSpPr/>
-            <p:nvPr/>
-          </p:nvCxnSpPr>
-          <p:spPr>
-            <a:xfrm>
-              <a:off x="2614174" y="1621631"/>
-              <a:ext cx="0" cy="590550"/>
-            </a:xfrm>
-            <a:prstGeom prst="line">
-              <a:avLst/>
-            </a:prstGeom>
-            <a:ln w="12700"/>
-          </p:spPr>
-          <p:style>
-            <a:lnRef idx="1">
-              <a:schemeClr val="dk1"/>
-            </a:lnRef>
-            <a:fillRef idx="0">
-              <a:schemeClr val="dk1"/>
-            </a:fillRef>
-            <a:effectRef idx="0">
-              <a:schemeClr val="dk1"/>
-            </a:effectRef>
-            <a:fontRef idx="minor">
-              <a:schemeClr val="tx1"/>
-            </a:fontRef>
-          </p:style>
-        </p:cxnSp>
-        <p:cxnSp>
-          <p:nvCxnSpPr>
-            <p:cNvPr id="252" name="Прямая соединительная линия 251">
-              <a:extLst>
-                <a:ext uri="{FF2B5EF4-FFF2-40B4-BE49-F238E27FC236}">
-                  <a16:creationId xmlns:a16="http://schemas.microsoft.com/office/drawing/2014/main" xmlns="" id="{94EAF5C5-1D69-4489-962D-54C4CA564428}"/>
-                </a:ext>
-              </a:extLst>
-            </p:cNvPr>
-            <p:cNvCxnSpPr/>
-            <p:nvPr/>
-          </p:nvCxnSpPr>
-          <p:spPr>
-            <a:xfrm flipH="1">
-              <a:off x="2614174" y="2212181"/>
-              <a:ext cx="233982" cy="0"/>
-            </a:xfrm>
-            <a:prstGeom prst="line">
-              <a:avLst/>
-            </a:prstGeom>
-            <a:ln w="12700">
-              <a:headEnd type="triangle" w="med" len="med"/>
-              <a:tailEnd type="none" w="med" len="med"/>
-            </a:ln>
-          </p:spPr>
-          <p:style>
-            <a:lnRef idx="1">
-              <a:schemeClr val="dk1"/>
-            </a:lnRef>
-            <a:fillRef idx="0">
-              <a:schemeClr val="dk1"/>
-            </a:fillRef>
-            <a:effectRef idx="0">
-              <a:schemeClr val="dk1"/>
-            </a:effectRef>
-            <a:fontRef idx="minor">
-              <a:schemeClr val="tx1"/>
-            </a:fontRef>
-          </p:style>
-        </p:cxnSp>
-      </p:grpSp>
-      <p:sp>
-        <p:nvSpPr>
-          <p:cNvPr id="253" name="TextBox 252">
-            <a:extLst>
-              <a:ext uri="{FF2B5EF4-FFF2-40B4-BE49-F238E27FC236}">
-                <a16:creationId xmlns:a16="http://schemas.microsoft.com/office/drawing/2014/main" xmlns="" id="{2020E108-E568-4B72-A592-3D4D580A58DE}"/>
-              </a:ext>
-            </a:extLst>
-          </p:cNvPr>
-          <p:cNvSpPr txBox="1"/>
-          <p:nvPr/>
-        </p:nvSpPr>
-        <p:spPr>
-          <a:xfrm>
-            <a:off x="655394" y="2933937"/>
-            <a:ext cx="2256546" cy="492443"/>
-          </a:xfrm>
-          <a:prstGeom prst="rect">
-            <a:avLst/>
-          </a:prstGeom>
-          <a:noFill/>
-        </p:spPr>
-        <p:txBody>
-          <a:bodyPr wrap="square" rtlCol="0">
-            <a:spAutoFit/>
-          </a:bodyPr>
-          <a:lstStyle/>
-          <a:p>
-            <a:pPr algn="ctr"/>
-            <a:r>
-              <a:rPr lang="ru-RU" sz="1300" dirty="0">
-                <a:latin typeface="Arial" panose="020B0604020202020204" pitchFamily="34" charset="0"/>
-                <a:cs typeface="Arial" panose="020B0604020202020204" pitchFamily="34" charset="0"/>
-              </a:rPr>
-              <a:t>Наиболее приспособленные особи</a:t>
-            </a:r>
-          </a:p>
-        </p:txBody>
-      </p:sp>
       <p:sp>
         <p:nvSpPr>
           <p:cNvPr id="255" name="Прямоугольник 254">
             <a:extLst>
               <a:ext uri="{FF2B5EF4-FFF2-40B4-BE49-F238E27FC236}">
-                <a16:creationId xmlns:a16="http://schemas.microsoft.com/office/drawing/2014/main" xmlns="" id="{3E961045-B7FB-4042-A4B3-A41B4FEA3DAD}"/>
+                <a16:creationId xmlns:a16="http://schemas.microsoft.com/office/drawing/2014/main" id="{3E961045-B7FB-4042-A4B3-A41B4FEA3DAD}"/>
               </a:ext>
             </a:extLst>
           </p:cNvPr>
@@ -7507,7 +6965,7 @@
         </p:nvSpPr>
         <p:spPr>
           <a:xfrm>
-            <a:off x="5831412" y="1892112"/>
+            <a:off x="6457947" y="1892112"/>
             <a:ext cx="2448625" cy="473759"/>
           </a:xfrm>
           <a:prstGeom prst="rect">
@@ -7544,7 +7002,7 @@
           <a:p>
             <a:pPr algn="ctr"/>
             <a:r>
-              <a:rPr lang="ru-RU" sz="1300" dirty="0">
+              <a:rPr lang="ru-RU" sz="1200" dirty="0">
                 <a:solidFill>
                   <a:schemeClr val="tx1"/>
                 </a:solidFill>
@@ -7561,7 +7019,7 @@
           <p:cNvPr id="256" name="Прямая соединительная линия 255">
             <a:extLst>
               <a:ext uri="{FF2B5EF4-FFF2-40B4-BE49-F238E27FC236}">
-                <a16:creationId xmlns:a16="http://schemas.microsoft.com/office/drawing/2014/main" xmlns="" id="{5F8F9150-1537-4F86-BB60-5709CFFF0047}"/>
+                <a16:creationId xmlns:a16="http://schemas.microsoft.com/office/drawing/2014/main" id="{5F8F9150-1537-4F86-BB60-5709CFFF0047}"/>
               </a:ext>
             </a:extLst>
           </p:cNvPr>
@@ -7574,8 +7032,8 @@
         </p:nvCxnSpPr>
         <p:spPr>
           <a:xfrm flipH="1">
-            <a:off x="5376772" y="2128992"/>
-            <a:ext cx="454640" cy="1"/>
+            <a:off x="5764950" y="2128992"/>
+            <a:ext cx="692997" cy="1"/>
           </a:xfrm>
           <a:prstGeom prst="line">
             <a:avLst/>
@@ -7604,186 +7062,12 @@
           </a:fontRef>
         </p:style>
       </p:cxnSp>
-      <p:grpSp>
-        <p:nvGrpSpPr>
-          <p:cNvPr id="259" name="Группа 258">
-            <a:extLst>
-              <a:ext uri="{FF2B5EF4-FFF2-40B4-BE49-F238E27FC236}">
-                <a16:creationId xmlns:a16="http://schemas.microsoft.com/office/drawing/2014/main" xmlns="" id="{8BDE4072-CA6F-480E-9AF7-0FC94E48FD79}"/>
-              </a:ext>
-            </a:extLst>
-          </p:cNvPr>
-          <p:cNvGrpSpPr/>
-          <p:nvPr/>
-        </p:nvGrpSpPr>
-        <p:grpSpPr>
-          <a:xfrm>
-            <a:off x="2811775" y="3748295"/>
-            <a:ext cx="233982" cy="431049"/>
-            <a:chOff x="2614174" y="1621631"/>
-            <a:chExt cx="233982" cy="590550"/>
-          </a:xfrm>
-        </p:grpSpPr>
-        <p:cxnSp>
-          <p:nvCxnSpPr>
-            <p:cNvPr id="260" name="Прямая соединительная линия 259">
-              <a:extLst>
-                <a:ext uri="{FF2B5EF4-FFF2-40B4-BE49-F238E27FC236}">
-                  <a16:creationId xmlns:a16="http://schemas.microsoft.com/office/drawing/2014/main" xmlns="" id="{18418D6C-7FCF-4DC3-B228-1C349F7AA6D6}"/>
-                </a:ext>
-              </a:extLst>
-            </p:cNvPr>
-            <p:cNvCxnSpPr/>
-            <p:nvPr/>
-          </p:nvCxnSpPr>
-          <p:spPr>
-            <a:xfrm flipH="1">
-              <a:off x="2614174" y="1621631"/>
-              <a:ext cx="233982" cy="0"/>
-            </a:xfrm>
-            <a:prstGeom prst="line">
-              <a:avLst/>
-            </a:prstGeom>
-            <a:ln w="12700"/>
-          </p:spPr>
-          <p:style>
-            <a:lnRef idx="1">
-              <a:schemeClr val="dk1"/>
-            </a:lnRef>
-            <a:fillRef idx="0">
-              <a:schemeClr val="dk1"/>
-            </a:fillRef>
-            <a:effectRef idx="0">
-              <a:schemeClr val="dk1"/>
-            </a:effectRef>
-            <a:fontRef idx="minor">
-              <a:schemeClr val="tx1"/>
-            </a:fontRef>
-          </p:style>
-        </p:cxnSp>
-        <p:cxnSp>
-          <p:nvCxnSpPr>
-            <p:cNvPr id="261" name="Прямая соединительная линия 260">
-              <a:extLst>
-                <a:ext uri="{FF2B5EF4-FFF2-40B4-BE49-F238E27FC236}">
-                  <a16:creationId xmlns:a16="http://schemas.microsoft.com/office/drawing/2014/main" xmlns="" id="{C44BD5E0-BA5E-4DEA-89B5-08F8677ABD1C}"/>
-                </a:ext>
-              </a:extLst>
-            </p:cNvPr>
-            <p:cNvCxnSpPr/>
-            <p:nvPr/>
-          </p:nvCxnSpPr>
-          <p:spPr>
-            <a:xfrm>
-              <a:off x="2614174" y="1621631"/>
-              <a:ext cx="0" cy="590550"/>
-            </a:xfrm>
-            <a:prstGeom prst="line">
-              <a:avLst/>
-            </a:prstGeom>
-            <a:ln w="12700"/>
-          </p:spPr>
-          <p:style>
-            <a:lnRef idx="1">
-              <a:schemeClr val="dk1"/>
-            </a:lnRef>
-            <a:fillRef idx="0">
-              <a:schemeClr val="dk1"/>
-            </a:fillRef>
-            <a:effectRef idx="0">
-              <a:schemeClr val="dk1"/>
-            </a:effectRef>
-            <a:fontRef idx="minor">
-              <a:schemeClr val="tx1"/>
-            </a:fontRef>
-          </p:style>
-        </p:cxnSp>
-        <p:cxnSp>
-          <p:nvCxnSpPr>
-            <p:cNvPr id="262" name="Прямая соединительная линия 261">
-              <a:extLst>
-                <a:ext uri="{FF2B5EF4-FFF2-40B4-BE49-F238E27FC236}">
-                  <a16:creationId xmlns:a16="http://schemas.microsoft.com/office/drawing/2014/main" xmlns="" id="{D9672468-76C4-4392-8963-E2C56C3388EB}"/>
-                </a:ext>
-              </a:extLst>
-            </p:cNvPr>
-            <p:cNvCxnSpPr/>
-            <p:nvPr/>
-          </p:nvCxnSpPr>
-          <p:spPr>
-            <a:xfrm flipH="1">
-              <a:off x="2614174" y="2212181"/>
-              <a:ext cx="233982" cy="0"/>
-            </a:xfrm>
-            <a:prstGeom prst="line">
-              <a:avLst/>
-            </a:prstGeom>
-            <a:ln w="12700">
-              <a:headEnd type="triangle" w="med" len="med"/>
-              <a:tailEnd type="none" w="med" len="med"/>
-            </a:ln>
-          </p:spPr>
-          <p:style>
-            <a:lnRef idx="1">
-              <a:schemeClr val="dk1"/>
-            </a:lnRef>
-            <a:fillRef idx="0">
-              <a:schemeClr val="dk1"/>
-            </a:fillRef>
-            <a:effectRef idx="0">
-              <a:schemeClr val="dk1"/>
-            </a:effectRef>
-            <a:fontRef idx="minor">
-              <a:schemeClr val="tx1"/>
-            </a:fontRef>
-          </p:style>
-        </p:cxnSp>
-      </p:grpSp>
-      <p:sp>
-        <p:nvSpPr>
-          <p:cNvPr id="263" name="TextBox 262">
-            <a:extLst>
-              <a:ext uri="{FF2B5EF4-FFF2-40B4-BE49-F238E27FC236}">
-                <a16:creationId xmlns:a16="http://schemas.microsoft.com/office/drawing/2014/main" xmlns="" id="{8E08EFEB-B70C-48D5-A59C-1FEB16975960}"/>
-              </a:ext>
-            </a:extLst>
-          </p:cNvPr>
-          <p:cNvSpPr txBox="1"/>
-          <p:nvPr/>
-        </p:nvSpPr>
-        <p:spPr>
-          <a:xfrm>
-            <a:off x="1609952" y="3839523"/>
-            <a:ext cx="1228172" cy="292388"/>
-          </a:xfrm>
-          <a:prstGeom prst="rect">
-            <a:avLst/>
-          </a:prstGeom>
-          <a:noFill/>
-        </p:spPr>
-        <p:txBody>
-          <a:bodyPr wrap="square" rtlCol="0">
-            <a:spAutoFit/>
-          </a:bodyPr>
-          <a:lstStyle/>
-          <a:p>
-            <a:pPr algn="ctr"/>
-            <a:r>
-              <a:rPr lang="ru-RU" sz="1300" dirty="0">
-                <a:latin typeface="Arial" panose="020B0604020202020204" pitchFamily="34" charset="0"/>
-                <a:cs typeface="Arial" panose="020B0604020202020204" pitchFamily="34" charset="0"/>
-              </a:rPr>
-              <a:t>Новые особи</a:t>
-            </a:r>
-          </a:p>
-        </p:txBody>
-      </p:sp>
       <p:sp>
         <p:nvSpPr>
           <p:cNvPr id="267" name="Прямоугольник 266">
             <a:extLst>
               <a:ext uri="{FF2B5EF4-FFF2-40B4-BE49-F238E27FC236}">
-                <a16:creationId xmlns:a16="http://schemas.microsoft.com/office/drawing/2014/main" xmlns="" id="{CA9E70CD-4CFD-4E2C-8159-3432C26681C6}"/>
+                <a16:creationId xmlns:a16="http://schemas.microsoft.com/office/drawing/2014/main" id="{CA9E70CD-4CFD-4E2C-8159-3432C26681C6}"/>
               </a:ext>
             </a:extLst>
           </p:cNvPr>
@@ -7792,7 +7076,7 @@
         </p:nvSpPr>
         <p:spPr>
           <a:xfrm>
-            <a:off x="5831412" y="2606225"/>
+            <a:off x="6457947" y="2606225"/>
             <a:ext cx="2445205" cy="470285"/>
           </a:xfrm>
           <a:prstGeom prst="rect">
@@ -7829,14 +7113,14 @@
           <a:p>
             <a:pPr algn="ctr"/>
             <a:r>
-              <a:rPr lang="ru-RU" sz="1300" dirty="0">
+              <a:rPr lang="ru-RU" sz="1200" dirty="0">
                 <a:solidFill>
                   <a:schemeClr val="tx1"/>
                 </a:solidFill>
                 <a:latin typeface="Arial" panose="020B0604020202020204" pitchFamily="34" charset="0"/>
                 <a:cs typeface="Arial" panose="020B0604020202020204" pitchFamily="34" charset="0"/>
               </a:rPr>
-              <a:t>Алгоритм скрещивания особей</a:t>
+              <a:t>Алгоритм скрещивания когнитивных карт</a:t>
             </a:r>
           </a:p>
         </p:txBody>
@@ -7846,7 +7130,7 @@
           <p:cNvPr id="268" name="Прямоугольник 267">
             <a:extLst>
               <a:ext uri="{FF2B5EF4-FFF2-40B4-BE49-F238E27FC236}">
-                <a16:creationId xmlns:a16="http://schemas.microsoft.com/office/drawing/2014/main" xmlns="" id="{44D99A13-2342-4341-9B6A-B09087D9234B}"/>
+                <a16:creationId xmlns:a16="http://schemas.microsoft.com/office/drawing/2014/main" id="{44D99A13-2342-4341-9B6A-B09087D9234B}"/>
               </a:ext>
             </a:extLst>
           </p:cNvPr>
@@ -7855,8 +7139,8 @@
         </p:nvSpPr>
         <p:spPr>
           <a:xfrm>
-            <a:off x="5827998" y="3316637"/>
-            <a:ext cx="2448619" cy="538678"/>
+            <a:off x="6457947" y="3353597"/>
+            <a:ext cx="2448619" cy="472248"/>
           </a:xfrm>
           <a:prstGeom prst="rect">
             <a:avLst/>
@@ -7892,14 +7176,14 @@
           <a:p>
             <a:pPr algn="ctr"/>
             <a:r>
-              <a:rPr lang="ru-RU" sz="1300" dirty="0">
+              <a:rPr lang="ru-RU" sz="1200" dirty="0">
                 <a:solidFill>
                   <a:schemeClr val="tx1"/>
                 </a:solidFill>
                 <a:latin typeface="Arial" panose="020B0604020202020204" pitchFamily="34" charset="0"/>
                 <a:cs typeface="Arial" panose="020B0604020202020204" pitchFamily="34" charset="0"/>
               </a:rPr>
-              <a:t>Алгоритм мутации особи</a:t>
+              <a:t>Алгоритм мутации когнитивной карты</a:t>
             </a:r>
           </a:p>
         </p:txBody>
@@ -7909,7 +7193,7 @@
           <p:cNvPr id="274" name="Прямая соединительная линия 273">
             <a:extLst>
               <a:ext uri="{FF2B5EF4-FFF2-40B4-BE49-F238E27FC236}">
-                <a16:creationId xmlns:a16="http://schemas.microsoft.com/office/drawing/2014/main" xmlns="" id="{D88318B3-E99C-4B49-A019-7DA607180FDA}"/>
+                <a16:creationId xmlns:a16="http://schemas.microsoft.com/office/drawing/2014/main" id="{D88318B3-E99C-4B49-A019-7DA607180FDA}"/>
               </a:ext>
             </a:extLst>
           </p:cNvPr>
@@ -7920,7 +7204,7 @@
         </p:nvCxnSpPr>
         <p:spPr>
           <a:xfrm flipH="1">
-            <a:off x="5610225" y="2841368"/>
+            <a:off x="6236760" y="2841368"/>
             <a:ext cx="221187" cy="3432"/>
           </a:xfrm>
           <a:prstGeom prst="line">
@@ -7952,7 +7236,7 @@
           <p:cNvPr id="276" name="Прямая соединительная линия 275">
             <a:extLst>
               <a:ext uri="{FF2B5EF4-FFF2-40B4-BE49-F238E27FC236}">
-                <a16:creationId xmlns:a16="http://schemas.microsoft.com/office/drawing/2014/main" xmlns="" id="{8C5F11B7-CF99-4FAD-A5E8-E72DC2CE3B71}"/>
+                <a16:creationId xmlns:a16="http://schemas.microsoft.com/office/drawing/2014/main" id="{8C5F11B7-CF99-4FAD-A5E8-E72DC2CE3B71}"/>
               </a:ext>
             </a:extLst>
           </p:cNvPr>
@@ -7961,7 +7245,7 @@
         </p:nvCxnSpPr>
         <p:spPr>
           <a:xfrm>
-            <a:off x="5610225" y="2841368"/>
+            <a:off x="6236760" y="2841368"/>
             <a:ext cx="0" cy="555796"/>
           </a:xfrm>
           <a:prstGeom prst="line">
@@ -7993,17 +7277,19 @@
           <p:cNvPr id="278" name="Прямая соединительная линия 277">
             <a:extLst>
               <a:ext uri="{FF2B5EF4-FFF2-40B4-BE49-F238E27FC236}">
-                <a16:creationId xmlns:a16="http://schemas.microsoft.com/office/drawing/2014/main" xmlns="" id="{8D755C60-DC67-48BE-A97F-217EF600766D}"/>
+                <a16:creationId xmlns:a16="http://schemas.microsoft.com/office/drawing/2014/main" id="{8D755C60-DC67-48BE-A97F-217EF600766D}"/>
               </a:ext>
             </a:extLst>
           </p:cNvPr>
-          <p:cNvCxnSpPr/>
+          <p:cNvCxnSpPr>
+            <a:cxnSpLocks/>
+          </p:cNvCxnSpPr>
           <p:nvPr/>
         </p:nvCxnSpPr>
         <p:spPr>
           <a:xfrm flipH="1">
-            <a:off x="5376768" y="3397164"/>
-            <a:ext cx="233457" cy="0"/>
+            <a:off x="5469906" y="3397164"/>
+            <a:ext cx="766854" cy="0"/>
           </a:xfrm>
           <a:prstGeom prst="line">
             <a:avLst/>
@@ -8036,7 +7322,7 @@
           <p:cNvPr id="279" name="Прямая соединительная линия 278">
             <a:extLst>
               <a:ext uri="{FF2B5EF4-FFF2-40B4-BE49-F238E27FC236}">
-                <a16:creationId xmlns:a16="http://schemas.microsoft.com/office/drawing/2014/main" xmlns="" id="{EA88C55D-54D3-4ABE-B251-AAC3B3776EFE}"/>
+                <a16:creationId xmlns:a16="http://schemas.microsoft.com/office/drawing/2014/main" id="{EA88C55D-54D3-4ABE-B251-AAC3B3776EFE}"/>
               </a:ext>
             </a:extLst>
           </p:cNvPr>
@@ -8049,8 +7335,8 @@
         </p:nvCxnSpPr>
         <p:spPr>
           <a:xfrm flipH="1">
-            <a:off x="5376771" y="3585976"/>
-            <a:ext cx="451227" cy="4166"/>
+            <a:off x="5469908" y="3589721"/>
+            <a:ext cx="988039" cy="421"/>
           </a:xfrm>
           <a:prstGeom prst="line">
             <a:avLst/>
@@ -8084,7 +7370,7 @@
           <p:cNvPr id="282" name="Соединитель: уступ 281">
             <a:extLst>
               <a:ext uri="{FF2B5EF4-FFF2-40B4-BE49-F238E27FC236}">
-                <a16:creationId xmlns:a16="http://schemas.microsoft.com/office/drawing/2014/main" xmlns="" id="{91296A8C-204D-403E-BF1D-20D5D222555D}"/>
+                <a16:creationId xmlns:a16="http://schemas.microsoft.com/office/drawing/2014/main" id="{91296A8C-204D-403E-BF1D-20D5D222555D}"/>
               </a:ext>
             </a:extLst>
           </p:cNvPr>
@@ -8096,12 +7382,12 @@
         </p:nvCxnSpPr>
         <p:spPr>
           <a:xfrm flipH="1" flipV="1">
-            <a:off x="4739218" y="1892113"/>
+            <a:off x="4832355" y="1892113"/>
             <a:ext cx="320880" cy="3249766"/>
           </a:xfrm>
           <a:prstGeom prst="bentConnector4">
             <a:avLst>
-              <a:gd name="adj1" fmla="val -1050154"/>
+              <a:gd name="adj1" fmla="val -241892"/>
               <a:gd name="adj2" fmla="val 104643"/>
             </a:avLst>
           </a:prstGeom>
@@ -8132,7 +7418,7 @@
           <p:cNvPr id="291" name="TextBox 290">
             <a:extLst>
               <a:ext uri="{FF2B5EF4-FFF2-40B4-BE49-F238E27FC236}">
-                <a16:creationId xmlns:a16="http://schemas.microsoft.com/office/drawing/2014/main" xmlns="" id="{BB039F5F-741B-4194-A50C-1D700D738BEA}"/>
+                <a16:creationId xmlns:a16="http://schemas.microsoft.com/office/drawing/2014/main" id="{BB039F5F-741B-4194-A50C-1D700D738BEA}"/>
               </a:ext>
             </a:extLst>
           </p:cNvPr>
@@ -8141,8 +7427,8 @@
         </p:nvSpPr>
         <p:spPr>
           <a:xfrm>
-            <a:off x="5050571" y="4862813"/>
-            <a:ext cx="469296" cy="292388"/>
+            <a:off x="5143708" y="4862813"/>
+            <a:ext cx="445635" cy="276999"/>
           </a:xfrm>
           <a:prstGeom prst="rect">
             <a:avLst/>
@@ -8156,7 +7442,7 @@
           <a:lstStyle/>
           <a:p>
             <a:r>
-              <a:rPr lang="ru-RU" sz="1300" dirty="0">
+              <a:rPr lang="ru-RU" sz="1200" dirty="0">
                 <a:latin typeface="Arial" panose="020B0604020202020204" pitchFamily="34" charset="0"/>
                 <a:cs typeface="Arial" panose="020B0604020202020204" pitchFamily="34" charset="0"/>
               </a:rPr>
@@ -8170,7 +7456,7 @@
           <p:cNvPr id="292" name="Прямая соединительная линия 291">
             <a:extLst>
               <a:ext uri="{FF2B5EF4-FFF2-40B4-BE49-F238E27FC236}">
-                <a16:creationId xmlns:a16="http://schemas.microsoft.com/office/drawing/2014/main" xmlns="" id="{F512C4D9-0D96-4A12-A243-27F283EDFE90}"/>
+                <a16:creationId xmlns:a16="http://schemas.microsoft.com/office/drawing/2014/main" id="{F512C4D9-0D96-4A12-A243-27F283EDFE90}"/>
               </a:ext>
             </a:extLst>
           </p:cNvPr>
@@ -8183,7 +7469,7 @@
         </p:nvCxnSpPr>
         <p:spPr>
           <a:xfrm flipH="1">
-            <a:off x="4214280" y="5391368"/>
+            <a:off x="4307417" y="5391368"/>
             <a:ext cx="1" cy="235461"/>
           </a:xfrm>
           <a:prstGeom prst="line">
@@ -8218,7 +7504,7 @@
           <p:cNvPr id="295" name="TextBox 294">
             <a:extLst>
               <a:ext uri="{FF2B5EF4-FFF2-40B4-BE49-F238E27FC236}">
-                <a16:creationId xmlns:a16="http://schemas.microsoft.com/office/drawing/2014/main" xmlns="" id="{A5BFC07A-5122-491E-97B0-21CE5168F906}"/>
+                <a16:creationId xmlns:a16="http://schemas.microsoft.com/office/drawing/2014/main" id="{A5BFC07A-5122-491E-97B0-21CE5168F906}"/>
               </a:ext>
             </a:extLst>
           </p:cNvPr>
@@ -8227,8 +7513,8 @@
         </p:nvSpPr>
         <p:spPr>
           <a:xfrm>
-            <a:off x="4281825" y="5334441"/>
-            <a:ext cx="389850" cy="292388"/>
+            <a:off x="4374962" y="5334441"/>
+            <a:ext cx="373820" cy="276999"/>
           </a:xfrm>
           <a:prstGeom prst="rect">
             <a:avLst/>
@@ -8242,7 +7528,7 @@
           <a:lstStyle/>
           <a:p>
             <a:r>
-              <a:rPr lang="ru-RU" sz="1300" dirty="0">
+              <a:rPr lang="ru-RU" sz="1200" dirty="0">
                 <a:latin typeface="Arial" panose="020B0604020202020204" pitchFamily="34" charset="0"/>
                 <a:cs typeface="Arial" panose="020B0604020202020204" pitchFamily="34" charset="0"/>
               </a:rPr>
@@ -8256,7 +7542,7 @@
           <p:cNvPr id="296" name="Прямоугольник 295">
             <a:extLst>
               <a:ext uri="{FF2B5EF4-FFF2-40B4-BE49-F238E27FC236}">
-                <a16:creationId xmlns:a16="http://schemas.microsoft.com/office/drawing/2014/main" xmlns="" id="{4DBCE088-EDA8-451D-B6A9-E1FBA64146AA}"/>
+                <a16:creationId xmlns:a16="http://schemas.microsoft.com/office/drawing/2014/main" id="{4DBCE088-EDA8-451D-B6A9-E1FBA64146AA}"/>
               </a:ext>
             </a:extLst>
           </p:cNvPr>
@@ -8265,8 +7551,8 @@
         </p:nvSpPr>
         <p:spPr>
           <a:xfrm>
-            <a:off x="6219217" y="5626829"/>
-            <a:ext cx="2057400" cy="494813"/>
+            <a:off x="583513" y="5695861"/>
+            <a:ext cx="1559861" cy="566346"/>
           </a:xfrm>
           <a:prstGeom prst="rect">
             <a:avLst/>
@@ -8302,14 +7588,14 @@
           <a:p>
             <a:pPr algn="ctr"/>
             <a:r>
-              <a:rPr lang="ru-RU" sz="1300" dirty="0">
+              <a:rPr lang="ru-RU" sz="1200" dirty="0">
                 <a:solidFill>
                   <a:schemeClr val="tx1"/>
                 </a:solidFill>
                 <a:latin typeface="Arial" panose="020B0604020202020204" pitchFamily="34" charset="0"/>
                 <a:cs typeface="Arial" panose="020B0604020202020204" pitchFamily="34" charset="0"/>
               </a:rPr>
-              <a:t>Наиболее приспособленная особь</a:t>
+              <a:t>Наиболее приспособленная когнитивная карта</a:t>
             </a:r>
           </a:p>
         </p:txBody>
@@ -8319,21 +7605,21 @@
           <p:cNvPr id="297" name="Прямая соединительная линия 296">
             <a:extLst>
               <a:ext uri="{FF2B5EF4-FFF2-40B4-BE49-F238E27FC236}">
-                <a16:creationId xmlns:a16="http://schemas.microsoft.com/office/drawing/2014/main" xmlns="" id="{34BF5560-4E50-48D5-89D9-CF1195699760}"/>
+                <a16:creationId xmlns:a16="http://schemas.microsoft.com/office/drawing/2014/main" id="{34BF5560-4E50-48D5-89D9-CF1195699760}"/>
               </a:ext>
             </a:extLst>
           </p:cNvPr>
           <p:cNvCxnSpPr>
             <a:cxnSpLocks/>
-            <a:stCxn id="215" idx="3"/>
-            <a:endCxn id="296" idx="1"/>
+            <a:stCxn id="215" idx="1"/>
+            <a:endCxn id="296" idx="3"/>
           </p:cNvCxnSpPr>
           <p:nvPr/>
         </p:nvCxnSpPr>
         <p:spPr>
-          <a:xfrm>
-            <a:off x="5671826" y="5874236"/>
-            <a:ext cx="547391" cy="0"/>
+          <a:xfrm flipH="1">
+            <a:off x="2143374" y="5979034"/>
+            <a:ext cx="706497" cy="0"/>
           </a:xfrm>
           <a:prstGeom prst="line">
             <a:avLst/>
@@ -8362,10 +7648,2980 @@
           </a:fontRef>
         </p:style>
       </p:cxnSp>
+      <p:cxnSp>
+        <p:nvCxnSpPr>
+          <p:cNvPr id="66" name="Прямая соединительная линия 65">
+            <a:extLst>
+              <a:ext uri="{FF2B5EF4-FFF2-40B4-BE49-F238E27FC236}">
+                <a16:creationId xmlns:a16="http://schemas.microsoft.com/office/drawing/2014/main" id="{8EFD7D1E-E41E-4FA6-90F3-97278BB18D39}"/>
+              </a:ext>
+            </a:extLst>
+          </p:cNvPr>
+          <p:cNvCxnSpPr>
+            <a:cxnSpLocks/>
+          </p:cNvCxnSpPr>
+          <p:nvPr/>
+        </p:nvCxnSpPr>
+        <p:spPr>
+          <a:xfrm>
+            <a:off x="6052019" y="1035211"/>
+            <a:ext cx="0" cy="5354653"/>
+          </a:xfrm>
+          <a:prstGeom prst="line">
+            <a:avLst/>
+          </a:prstGeom>
+          <a:ln>
+            <a:prstDash val="lgDash"/>
+          </a:ln>
+        </p:spPr>
+        <p:style>
+          <a:lnRef idx="1">
+            <a:schemeClr val="dk1"/>
+          </a:lnRef>
+          <a:fillRef idx="0">
+            <a:schemeClr val="dk1"/>
+          </a:fillRef>
+          <a:effectRef idx="0">
+            <a:schemeClr val="dk1"/>
+          </a:effectRef>
+          <a:fontRef idx="minor">
+            <a:schemeClr val="tx1"/>
+          </a:fontRef>
+        </p:style>
+      </p:cxnSp>
+      <p:cxnSp>
+        <p:nvCxnSpPr>
+          <p:cNvPr id="133" name="Прямая соединительная линия 132">
+            <a:extLst>
+              <a:ext uri="{FF2B5EF4-FFF2-40B4-BE49-F238E27FC236}">
+                <a16:creationId xmlns:a16="http://schemas.microsoft.com/office/drawing/2014/main" id="{DEAB90C3-A5D0-4911-8B9C-B38CD37A614C}"/>
+              </a:ext>
+            </a:extLst>
+          </p:cNvPr>
+          <p:cNvCxnSpPr>
+            <a:cxnSpLocks/>
+          </p:cNvCxnSpPr>
+          <p:nvPr/>
+        </p:nvCxnSpPr>
+        <p:spPr>
+          <a:xfrm>
+            <a:off x="2485859" y="1035211"/>
+            <a:ext cx="0" cy="5354653"/>
+          </a:xfrm>
+          <a:prstGeom prst="line">
+            <a:avLst/>
+          </a:prstGeom>
+          <a:ln>
+            <a:prstDash val="lgDash"/>
+          </a:ln>
+        </p:spPr>
+        <p:style>
+          <a:lnRef idx="1">
+            <a:schemeClr val="dk1"/>
+          </a:lnRef>
+          <a:fillRef idx="0">
+            <a:schemeClr val="dk1"/>
+          </a:fillRef>
+          <a:effectRef idx="0">
+            <a:schemeClr val="dk1"/>
+          </a:effectRef>
+          <a:fontRef idx="minor">
+            <a:schemeClr val="tx1"/>
+          </a:fontRef>
+        </p:style>
+      </p:cxnSp>
     </p:spTree>
     <p:extLst>
       <p:ext uri="{BB962C8B-B14F-4D97-AF65-F5344CB8AC3E}">
-        <p14:creationId xmlns:p14="http://schemas.microsoft.com/office/powerpoint/2010/main" xmlns="" val="4101320377"/>
+        <p14:creationId xmlns:p14="http://schemas.microsoft.com/office/powerpoint/2010/main" val="4101320377"/>
+      </p:ext>
+    </p:extLst>
+  </p:cSld>
+  <p:clrMapOvr>
+    <a:masterClrMapping/>
+  </p:clrMapOvr>
+</p:sld>
+</file>
+
+<file path=ppt/slides/slide8.xml><?xml version="1.0" encoding="utf-8"?>
+<p:sld xmlns:a="http://schemas.openxmlformats.org/drawingml/2006/main" xmlns:r="http://schemas.openxmlformats.org/officeDocument/2006/relationships" xmlns:p="http://schemas.openxmlformats.org/presentationml/2006/main">
+  <p:cSld>
+    <p:spTree>
+      <p:nvGrpSpPr>
+        <p:cNvPr id="1" name=""/>
+        <p:cNvGrpSpPr/>
+        <p:nvPr/>
+      </p:nvGrpSpPr>
+      <p:grpSpPr>
+        <a:xfrm>
+          <a:off x="0" y="0"/>
+          <a:ext cx="0" cy="0"/>
+          <a:chOff x="0" y="0"/>
+          <a:chExt cx="0" cy="0"/>
+        </a:xfrm>
+      </p:grpSpPr>
+      <p:sp>
+        <p:nvSpPr>
+          <p:cNvPr id="2" name="Заголовок 1"/>
+          <p:cNvSpPr>
+            <a:spLocks noGrp="1"/>
+          </p:cNvSpPr>
+          <p:nvPr>
+            <p:ph type="title"/>
+          </p:nvPr>
+        </p:nvSpPr>
+        <p:spPr>
+          <a:xfrm>
+            <a:off x="628650" y="371335"/>
+            <a:ext cx="7886700" cy="721238"/>
+          </a:xfrm>
+        </p:spPr>
+        <p:txBody>
+          <a:bodyPr>
+            <a:noAutofit/>
+          </a:bodyPr>
+          <a:lstStyle/>
+          <a:p>
+            <a:r>
+              <a:rPr lang="ru-RU" sz="3800" dirty="0">
+                <a:ln w="0"/>
+                <a:solidFill>
+                  <a:schemeClr val="accent1"/>
+                </a:solidFill>
+                <a:effectLst>
+                  <a:outerShdw blurRad="38100" dist="25400" dir="5400000" algn="ctr" rotWithShape="0">
+                    <a:srgbClr val="6E747A">
+                      <a:alpha val="43000"/>
+                    </a:srgbClr>
+                  </a:outerShdw>
+                </a:effectLst>
+                <a:latin typeface="Arial" panose="020B0604020202020204" pitchFamily="34" charset="0"/>
+                <a:cs typeface="Arial" panose="020B0604020202020204" pitchFamily="34" charset="0"/>
+              </a:rPr>
+              <a:t>Алгоритм генерации когнитивной карты</a:t>
+            </a:r>
+            <a:endParaRPr lang="ru-RU" sz="3800" dirty="0"/>
+          </a:p>
+        </p:txBody>
+      </p:sp>
+      <p:sp>
+        <p:nvSpPr>
+          <p:cNvPr id="4" name="Номер слайда 3"/>
+          <p:cNvSpPr>
+            <a:spLocks noGrp="1"/>
+          </p:cNvSpPr>
+          <p:nvPr>
+            <p:ph type="sldNum" sz="quarter" idx="12"/>
+          </p:nvPr>
+        </p:nvSpPr>
+        <p:spPr>
+          <a:xfrm>
+            <a:off x="7066117" y="6389864"/>
+            <a:ext cx="2057400" cy="365125"/>
+          </a:xfrm>
+        </p:spPr>
+        <p:txBody>
+          <a:bodyPr/>
+          <a:lstStyle/>
+          <a:p>
+            <a:fld id="{AFB88E7B-7A0C-4907-9308-8A5BB7783A69}" type="slidenum">
+              <a:rPr lang="ru-RU" smtClean="0">
+                <a:solidFill>
+                  <a:schemeClr val="tx1"/>
+                </a:solidFill>
+              </a:rPr>
+              <a:pPr/>
+              <a:t>8</a:t>
+            </a:fld>
+            <a:endParaRPr lang="ru-RU" dirty="0">
+              <a:solidFill>
+                <a:schemeClr val="tx1"/>
+              </a:solidFill>
+            </a:endParaRPr>
+          </a:p>
+        </p:txBody>
+      </p:sp>
+      <p:sp>
+        <p:nvSpPr>
+          <p:cNvPr id="20" name="Прямоугольник 19">
+            <a:extLst>
+              <a:ext uri="{FF2B5EF4-FFF2-40B4-BE49-F238E27FC236}">
+                <a16:creationId xmlns:a16="http://schemas.microsoft.com/office/drawing/2014/main" id="{FACD4196-65D4-41D3-B8E5-39A2B0FC49BB}"/>
+              </a:ext>
+            </a:extLst>
+          </p:cNvPr>
+          <p:cNvSpPr/>
+          <p:nvPr/>
+        </p:nvSpPr>
+        <p:spPr>
+          <a:xfrm>
+            <a:off x="4227401" y="1737673"/>
+            <a:ext cx="689197" cy="334178"/>
+          </a:xfrm>
+          <a:prstGeom prst="rect">
+            <a:avLst/>
+          </a:prstGeom>
+          <a:solidFill>
+            <a:schemeClr val="bg1"/>
+          </a:solidFill>
+          <a:ln>
+            <a:solidFill>
+              <a:schemeClr val="tx1"/>
+            </a:solidFill>
+          </a:ln>
+        </p:spPr>
+        <p:style>
+          <a:lnRef idx="2">
+            <a:schemeClr val="accent1">
+              <a:shade val="50000"/>
+            </a:schemeClr>
+          </a:lnRef>
+          <a:fillRef idx="1">
+            <a:schemeClr val="accent1"/>
+          </a:fillRef>
+          <a:effectRef idx="0">
+            <a:schemeClr val="accent1"/>
+          </a:effectRef>
+          <a:fontRef idx="minor">
+            <a:schemeClr val="lt1"/>
+          </a:fontRef>
+        </p:style>
+        <p:txBody>
+          <a:bodyPr rtlCol="0" anchor="ctr"/>
+          <a:lstStyle/>
+          <a:p>
+            <a:pPr algn="ctr"/>
+            <a:r>
+              <a:rPr lang="en-US" sz="1400" dirty="0">
+                <a:solidFill>
+                  <a:schemeClr val="tx1"/>
+                </a:solidFill>
+                <a:latin typeface="Arial" panose="020B0604020202020204" pitchFamily="34" charset="0"/>
+                <a:cs typeface="Arial" panose="020B0604020202020204" pitchFamily="34" charset="0"/>
+              </a:rPr>
+              <a:t>i = 0</a:t>
+            </a:r>
+            <a:endParaRPr lang="ru-RU" sz="1400" dirty="0">
+              <a:solidFill>
+                <a:schemeClr val="tx1"/>
+              </a:solidFill>
+              <a:latin typeface="Arial" panose="020B0604020202020204" pitchFamily="34" charset="0"/>
+              <a:cs typeface="Arial" panose="020B0604020202020204" pitchFamily="34" charset="0"/>
+            </a:endParaRPr>
+          </a:p>
+        </p:txBody>
+      </p:sp>
+      <p:sp>
+        <p:nvSpPr>
+          <p:cNvPr id="21" name="Блок-схема: решение 20">
+            <a:extLst>
+              <a:ext uri="{FF2B5EF4-FFF2-40B4-BE49-F238E27FC236}">
+                <a16:creationId xmlns:a16="http://schemas.microsoft.com/office/drawing/2014/main" id="{E12FA12C-FA83-4E85-A125-F909D838061A}"/>
+              </a:ext>
+            </a:extLst>
+          </p:cNvPr>
+          <p:cNvSpPr/>
+          <p:nvPr/>
+        </p:nvSpPr>
+        <p:spPr>
+          <a:xfrm>
+            <a:off x="3279012" y="2287177"/>
+            <a:ext cx="2579830" cy="498978"/>
+          </a:xfrm>
+          <a:prstGeom prst="flowChartDecision">
+            <a:avLst/>
+          </a:prstGeom>
+          <a:solidFill>
+            <a:schemeClr val="bg1"/>
+          </a:solidFill>
+          <a:ln>
+            <a:solidFill>
+              <a:schemeClr val="tx1"/>
+            </a:solidFill>
+          </a:ln>
+        </p:spPr>
+        <p:style>
+          <a:lnRef idx="2">
+            <a:schemeClr val="accent1">
+              <a:shade val="50000"/>
+            </a:schemeClr>
+          </a:lnRef>
+          <a:fillRef idx="1">
+            <a:schemeClr val="accent1"/>
+          </a:fillRef>
+          <a:effectRef idx="0">
+            <a:schemeClr val="accent1"/>
+          </a:effectRef>
+          <a:fontRef idx="minor">
+            <a:schemeClr val="lt1"/>
+          </a:fontRef>
+        </p:style>
+        <p:txBody>
+          <a:bodyPr rtlCol="0" anchor="ctr"/>
+          <a:lstStyle/>
+          <a:p>
+            <a:pPr algn="ctr"/>
+            <a:r>
+              <a:rPr lang="en-US" sz="1400" dirty="0">
+                <a:solidFill>
+                  <a:schemeClr val="tx1"/>
+                </a:solidFill>
+                <a:latin typeface="Arial" panose="020B0604020202020204" pitchFamily="34" charset="0"/>
+                <a:cs typeface="Arial" panose="020B0604020202020204" pitchFamily="34" charset="0"/>
+              </a:rPr>
+              <a:t>i &lt;</a:t>
+            </a:r>
+            <a:r>
+              <a:rPr lang="ru-RU" sz="1400" dirty="0">
+                <a:solidFill>
+                  <a:schemeClr val="tx1"/>
+                </a:solidFill>
+                <a:latin typeface="Arial" panose="020B0604020202020204" pitchFamily="34" charset="0"/>
+                <a:cs typeface="Arial" panose="020B0604020202020204" pitchFamily="34" charset="0"/>
+              </a:rPr>
+              <a:t>=</a:t>
+            </a:r>
+            <a:r>
+              <a:rPr lang="en-US" sz="1400" dirty="0">
+                <a:solidFill>
+                  <a:schemeClr val="tx1"/>
+                </a:solidFill>
+                <a:latin typeface="Arial" panose="020B0604020202020204" pitchFamily="34" charset="0"/>
+                <a:cs typeface="Arial" panose="020B0604020202020204" pitchFamily="34" charset="0"/>
+              </a:rPr>
+              <a:t> </a:t>
+            </a:r>
+            <a:r>
+              <a:rPr lang="ru-RU" sz="1400" dirty="0">
+                <a:solidFill>
+                  <a:schemeClr val="tx1"/>
+                </a:solidFill>
+                <a:latin typeface="Arial" panose="020B0604020202020204" pitchFamily="34" charset="0"/>
+                <a:cs typeface="Arial" panose="020B0604020202020204" pitchFamily="34" charset="0"/>
+              </a:rPr>
+              <a:t>длина</a:t>
+            </a:r>
+            <a:r>
+              <a:rPr lang="en-US" sz="1400" dirty="0">
+                <a:solidFill>
+                  <a:schemeClr val="tx1"/>
+                </a:solidFill>
+                <a:latin typeface="Arial" panose="020B0604020202020204" pitchFamily="34" charset="0"/>
+                <a:cs typeface="Arial" panose="020B0604020202020204" pitchFamily="34" charset="0"/>
+              </a:rPr>
+              <a:t>(U) </a:t>
+            </a:r>
+            <a:endParaRPr lang="ru-RU" sz="1400" dirty="0">
+              <a:solidFill>
+                <a:schemeClr val="tx1"/>
+              </a:solidFill>
+              <a:latin typeface="Arial" panose="020B0604020202020204" pitchFamily="34" charset="0"/>
+              <a:cs typeface="Arial" panose="020B0604020202020204" pitchFamily="34" charset="0"/>
+            </a:endParaRPr>
+          </a:p>
+        </p:txBody>
+      </p:sp>
+      <p:cxnSp>
+        <p:nvCxnSpPr>
+          <p:cNvPr id="22" name="Прямая соединительная линия 21">
+            <a:extLst>
+              <a:ext uri="{FF2B5EF4-FFF2-40B4-BE49-F238E27FC236}">
+                <a16:creationId xmlns:a16="http://schemas.microsoft.com/office/drawing/2014/main" id="{2DA3DBCA-4909-4E68-99BD-C6A80E7F3475}"/>
+              </a:ext>
+            </a:extLst>
+          </p:cNvPr>
+          <p:cNvCxnSpPr>
+            <a:cxnSpLocks/>
+            <a:stCxn id="20" idx="2"/>
+            <a:endCxn id="21" idx="0"/>
+          </p:cNvCxnSpPr>
+          <p:nvPr/>
+        </p:nvCxnSpPr>
+        <p:spPr>
+          <a:xfrm flipH="1">
+            <a:off x="4568927" y="2071851"/>
+            <a:ext cx="3073" cy="215326"/>
+          </a:xfrm>
+          <a:prstGeom prst="line">
+            <a:avLst/>
+          </a:prstGeom>
+          <a:ln w="12700">
+            <a:solidFill>
+              <a:schemeClr val="tx1"/>
+            </a:solidFill>
+            <a:prstDash val="solid"/>
+            <a:headEnd type="none" w="med" len="med"/>
+            <a:tailEnd type="triangle" w="med" len="med"/>
+          </a:ln>
+        </p:spPr>
+        <p:style>
+          <a:lnRef idx="1">
+            <a:schemeClr val="accent1"/>
+          </a:lnRef>
+          <a:fillRef idx="0">
+            <a:schemeClr val="accent1"/>
+          </a:fillRef>
+          <a:effectRef idx="0">
+            <a:schemeClr val="accent1"/>
+          </a:effectRef>
+          <a:fontRef idx="minor">
+            <a:schemeClr val="tx1"/>
+          </a:fontRef>
+        </p:style>
+      </p:cxnSp>
+      <p:sp>
+        <p:nvSpPr>
+          <p:cNvPr id="26" name="Прямоугольник 25">
+            <a:extLst>
+              <a:ext uri="{FF2B5EF4-FFF2-40B4-BE49-F238E27FC236}">
+                <a16:creationId xmlns:a16="http://schemas.microsoft.com/office/drawing/2014/main" id="{5DAE107F-09EA-4BBE-9EC4-0560DA7F6C9A}"/>
+              </a:ext>
+            </a:extLst>
+          </p:cNvPr>
+          <p:cNvSpPr/>
+          <p:nvPr/>
+        </p:nvSpPr>
+        <p:spPr>
+          <a:xfrm>
+            <a:off x="4196498" y="2995102"/>
+            <a:ext cx="751000" cy="298928"/>
+          </a:xfrm>
+          <a:prstGeom prst="rect">
+            <a:avLst/>
+          </a:prstGeom>
+          <a:solidFill>
+            <a:schemeClr val="bg1"/>
+          </a:solidFill>
+          <a:ln>
+            <a:solidFill>
+              <a:schemeClr val="tx1"/>
+            </a:solidFill>
+          </a:ln>
+        </p:spPr>
+        <p:style>
+          <a:lnRef idx="2">
+            <a:schemeClr val="accent1">
+              <a:shade val="50000"/>
+            </a:schemeClr>
+          </a:lnRef>
+          <a:fillRef idx="1">
+            <a:schemeClr val="accent1"/>
+          </a:fillRef>
+          <a:effectRef idx="0">
+            <a:schemeClr val="accent1"/>
+          </a:effectRef>
+          <a:fontRef idx="minor">
+            <a:schemeClr val="lt1"/>
+          </a:fontRef>
+        </p:style>
+        <p:txBody>
+          <a:bodyPr rtlCol="0" anchor="ctr"/>
+          <a:lstStyle/>
+          <a:p>
+            <a:pPr algn="ctr"/>
+            <a:r>
+              <a:rPr lang="en-US" sz="1400" dirty="0">
+                <a:solidFill>
+                  <a:schemeClr val="tx1"/>
+                </a:solidFill>
+                <a:latin typeface="Arial" panose="020B0604020202020204" pitchFamily="34" charset="0"/>
+                <a:cs typeface="Arial" panose="020B0604020202020204" pitchFamily="34" charset="0"/>
+              </a:rPr>
+              <a:t>u = U[i]</a:t>
+            </a:r>
+            <a:endParaRPr lang="ru-RU" sz="1400" dirty="0">
+              <a:solidFill>
+                <a:schemeClr val="tx1"/>
+              </a:solidFill>
+              <a:latin typeface="Arial" panose="020B0604020202020204" pitchFamily="34" charset="0"/>
+              <a:cs typeface="Arial" panose="020B0604020202020204" pitchFamily="34" charset="0"/>
+            </a:endParaRPr>
+          </a:p>
+        </p:txBody>
+      </p:sp>
+      <p:cxnSp>
+        <p:nvCxnSpPr>
+          <p:cNvPr id="27" name="Прямая соединительная линия 26">
+            <a:extLst>
+              <a:ext uri="{FF2B5EF4-FFF2-40B4-BE49-F238E27FC236}">
+                <a16:creationId xmlns:a16="http://schemas.microsoft.com/office/drawing/2014/main" id="{987E1BD3-37C9-4E5E-BD08-F3C72FBA83C5}"/>
+              </a:ext>
+            </a:extLst>
+          </p:cNvPr>
+          <p:cNvCxnSpPr>
+            <a:cxnSpLocks/>
+            <a:stCxn id="21" idx="2"/>
+            <a:endCxn id="26" idx="0"/>
+          </p:cNvCxnSpPr>
+          <p:nvPr/>
+        </p:nvCxnSpPr>
+        <p:spPr>
+          <a:xfrm>
+            <a:off x="4568927" y="2786155"/>
+            <a:ext cx="3071" cy="208947"/>
+          </a:xfrm>
+          <a:prstGeom prst="line">
+            <a:avLst/>
+          </a:prstGeom>
+          <a:ln w="12700">
+            <a:solidFill>
+              <a:schemeClr val="tx1"/>
+            </a:solidFill>
+            <a:prstDash val="solid"/>
+            <a:headEnd type="none" w="med" len="med"/>
+            <a:tailEnd type="triangle" w="med" len="med"/>
+          </a:ln>
+        </p:spPr>
+        <p:style>
+          <a:lnRef idx="1">
+            <a:schemeClr val="accent1"/>
+          </a:lnRef>
+          <a:fillRef idx="0">
+            <a:schemeClr val="accent1"/>
+          </a:fillRef>
+          <a:effectRef idx="0">
+            <a:schemeClr val="accent1"/>
+          </a:effectRef>
+          <a:fontRef idx="minor">
+            <a:schemeClr val="tx1"/>
+          </a:fontRef>
+        </p:style>
+      </p:cxnSp>
+      <p:cxnSp>
+        <p:nvCxnSpPr>
+          <p:cNvPr id="33" name="Прямая соединительная линия 32">
+            <a:extLst>
+              <a:ext uri="{FF2B5EF4-FFF2-40B4-BE49-F238E27FC236}">
+                <a16:creationId xmlns:a16="http://schemas.microsoft.com/office/drawing/2014/main" id="{AB29EBAE-D95B-4D8E-8D51-6FC8B7AC4E8B}"/>
+              </a:ext>
+            </a:extLst>
+          </p:cNvPr>
+          <p:cNvCxnSpPr>
+            <a:cxnSpLocks/>
+            <a:stCxn id="26" idx="2"/>
+            <a:endCxn id="56" idx="0"/>
+          </p:cNvCxnSpPr>
+          <p:nvPr/>
+        </p:nvCxnSpPr>
+        <p:spPr>
+          <a:xfrm>
+            <a:off x="4571998" y="3294030"/>
+            <a:ext cx="2" cy="242080"/>
+          </a:xfrm>
+          <a:prstGeom prst="line">
+            <a:avLst/>
+          </a:prstGeom>
+          <a:ln w="12700">
+            <a:solidFill>
+              <a:schemeClr val="tx1"/>
+            </a:solidFill>
+            <a:prstDash val="solid"/>
+            <a:headEnd type="none" w="med" len="med"/>
+            <a:tailEnd type="triangle" w="med" len="med"/>
+          </a:ln>
+        </p:spPr>
+        <p:style>
+          <a:lnRef idx="1">
+            <a:schemeClr val="accent1"/>
+          </a:lnRef>
+          <a:fillRef idx="0">
+            <a:schemeClr val="accent1"/>
+          </a:fillRef>
+          <a:effectRef idx="0">
+            <a:schemeClr val="accent1"/>
+          </a:effectRef>
+          <a:fontRef idx="minor">
+            <a:schemeClr val="tx1"/>
+          </a:fontRef>
+        </p:style>
+      </p:cxnSp>
+      <p:sp>
+        <p:nvSpPr>
+          <p:cNvPr id="56" name="Прямоугольник 55">
+            <a:extLst>
+              <a:ext uri="{FF2B5EF4-FFF2-40B4-BE49-F238E27FC236}">
+                <a16:creationId xmlns:a16="http://schemas.microsoft.com/office/drawing/2014/main" id="{6814BB78-0AA9-4B86-A4EA-2B4B02A77D27}"/>
+              </a:ext>
+            </a:extLst>
+          </p:cNvPr>
+          <p:cNvSpPr/>
+          <p:nvPr/>
+        </p:nvSpPr>
+        <p:spPr>
+          <a:xfrm>
+            <a:off x="4227401" y="3536110"/>
+            <a:ext cx="689197" cy="334178"/>
+          </a:xfrm>
+          <a:prstGeom prst="rect">
+            <a:avLst/>
+          </a:prstGeom>
+          <a:solidFill>
+            <a:schemeClr val="bg1"/>
+          </a:solidFill>
+          <a:ln>
+            <a:solidFill>
+              <a:schemeClr val="tx1"/>
+            </a:solidFill>
+          </a:ln>
+        </p:spPr>
+        <p:style>
+          <a:lnRef idx="2">
+            <a:schemeClr val="accent1">
+              <a:shade val="50000"/>
+            </a:schemeClr>
+          </a:lnRef>
+          <a:fillRef idx="1">
+            <a:schemeClr val="accent1"/>
+          </a:fillRef>
+          <a:effectRef idx="0">
+            <a:schemeClr val="accent1"/>
+          </a:effectRef>
+          <a:fontRef idx="minor">
+            <a:schemeClr val="lt1"/>
+          </a:fontRef>
+        </p:style>
+        <p:txBody>
+          <a:bodyPr rtlCol="0" anchor="ctr"/>
+          <a:lstStyle/>
+          <a:p>
+            <a:pPr algn="ctr"/>
+            <a:r>
+              <a:rPr lang="en-US" sz="1400" dirty="0">
+                <a:solidFill>
+                  <a:schemeClr val="tx1"/>
+                </a:solidFill>
+                <a:latin typeface="Arial" panose="020B0604020202020204" pitchFamily="34" charset="0"/>
+                <a:cs typeface="Arial" panose="020B0604020202020204" pitchFamily="34" charset="0"/>
+              </a:rPr>
+              <a:t>j = 0</a:t>
+            </a:r>
+            <a:endParaRPr lang="ru-RU" sz="1400" dirty="0">
+              <a:solidFill>
+                <a:schemeClr val="tx1"/>
+              </a:solidFill>
+              <a:latin typeface="Arial" panose="020B0604020202020204" pitchFamily="34" charset="0"/>
+              <a:cs typeface="Arial" panose="020B0604020202020204" pitchFamily="34" charset="0"/>
+            </a:endParaRPr>
+          </a:p>
+        </p:txBody>
+      </p:sp>
+      <p:sp>
+        <p:nvSpPr>
+          <p:cNvPr id="61" name="Блок-схема: решение 60">
+            <a:extLst>
+              <a:ext uri="{FF2B5EF4-FFF2-40B4-BE49-F238E27FC236}">
+                <a16:creationId xmlns:a16="http://schemas.microsoft.com/office/drawing/2014/main" id="{FE7098CD-7D09-42A4-8BF9-2AF41970F108}"/>
+              </a:ext>
+            </a:extLst>
+          </p:cNvPr>
+          <p:cNvSpPr/>
+          <p:nvPr/>
+        </p:nvSpPr>
+        <p:spPr>
+          <a:xfrm>
+            <a:off x="3244087" y="4112368"/>
+            <a:ext cx="2649680" cy="498978"/>
+          </a:xfrm>
+          <a:prstGeom prst="flowChartDecision">
+            <a:avLst/>
+          </a:prstGeom>
+          <a:solidFill>
+            <a:schemeClr val="bg1"/>
+          </a:solidFill>
+          <a:ln>
+            <a:solidFill>
+              <a:schemeClr val="tx1"/>
+            </a:solidFill>
+          </a:ln>
+        </p:spPr>
+        <p:style>
+          <a:lnRef idx="2">
+            <a:schemeClr val="accent1">
+              <a:shade val="50000"/>
+            </a:schemeClr>
+          </a:lnRef>
+          <a:fillRef idx="1">
+            <a:schemeClr val="accent1"/>
+          </a:fillRef>
+          <a:effectRef idx="0">
+            <a:schemeClr val="accent1"/>
+          </a:effectRef>
+          <a:fontRef idx="minor">
+            <a:schemeClr val="lt1"/>
+          </a:fontRef>
+        </p:style>
+        <p:txBody>
+          <a:bodyPr rtlCol="0" anchor="ctr"/>
+          <a:lstStyle/>
+          <a:p>
+            <a:pPr algn="ctr"/>
+            <a:r>
+              <a:rPr lang="en-US" sz="1400" dirty="0">
+                <a:solidFill>
+                  <a:schemeClr val="tx1"/>
+                </a:solidFill>
+                <a:latin typeface="Arial" panose="020B0604020202020204" pitchFamily="34" charset="0"/>
+                <a:cs typeface="Arial" panose="020B0604020202020204" pitchFamily="34" charset="0"/>
+              </a:rPr>
+              <a:t>j &lt;=  </a:t>
+            </a:r>
+            <a:r>
+              <a:rPr lang="ru-RU" sz="1400" dirty="0">
+                <a:solidFill>
+                  <a:schemeClr val="tx1"/>
+                </a:solidFill>
+                <a:latin typeface="Arial" panose="020B0604020202020204" pitchFamily="34" charset="0"/>
+                <a:cs typeface="Arial" panose="020B0604020202020204" pitchFamily="34" charset="0"/>
+              </a:rPr>
+              <a:t>число концептов</a:t>
+            </a:r>
+          </a:p>
+        </p:txBody>
+      </p:sp>
+      <p:cxnSp>
+        <p:nvCxnSpPr>
+          <p:cNvPr id="73" name="Прямая соединительная линия 72">
+            <a:extLst>
+              <a:ext uri="{FF2B5EF4-FFF2-40B4-BE49-F238E27FC236}">
+                <a16:creationId xmlns:a16="http://schemas.microsoft.com/office/drawing/2014/main" id="{0F731386-D5FF-415A-9B6A-D70743631213}"/>
+              </a:ext>
+            </a:extLst>
+          </p:cNvPr>
+          <p:cNvCxnSpPr>
+            <a:cxnSpLocks/>
+            <a:stCxn id="56" idx="2"/>
+            <a:endCxn id="61" idx="0"/>
+          </p:cNvCxnSpPr>
+          <p:nvPr/>
+        </p:nvCxnSpPr>
+        <p:spPr>
+          <a:xfrm flipH="1">
+            <a:off x="4568927" y="3870288"/>
+            <a:ext cx="3073" cy="242080"/>
+          </a:xfrm>
+          <a:prstGeom prst="line">
+            <a:avLst/>
+          </a:prstGeom>
+          <a:ln w="12700">
+            <a:solidFill>
+              <a:schemeClr val="tx1"/>
+            </a:solidFill>
+            <a:prstDash val="solid"/>
+            <a:headEnd type="none" w="med" len="med"/>
+            <a:tailEnd type="triangle" w="med" len="med"/>
+          </a:ln>
+        </p:spPr>
+        <p:style>
+          <a:lnRef idx="1">
+            <a:schemeClr val="accent1"/>
+          </a:lnRef>
+          <a:fillRef idx="0">
+            <a:schemeClr val="accent1"/>
+          </a:fillRef>
+          <a:effectRef idx="0">
+            <a:schemeClr val="accent1"/>
+          </a:effectRef>
+          <a:fontRef idx="minor">
+            <a:schemeClr val="tx1"/>
+          </a:fontRef>
+        </p:style>
+      </p:cxnSp>
+      <p:sp>
+        <p:nvSpPr>
+          <p:cNvPr id="75" name="Прямоугольник 74">
+            <a:extLst>
+              <a:ext uri="{FF2B5EF4-FFF2-40B4-BE49-F238E27FC236}">
+                <a16:creationId xmlns:a16="http://schemas.microsoft.com/office/drawing/2014/main" id="{93CC3737-9CF9-44BF-B6DA-4C386A8D49CC}"/>
+              </a:ext>
+            </a:extLst>
+          </p:cNvPr>
+          <p:cNvSpPr/>
+          <p:nvPr/>
+        </p:nvSpPr>
+        <p:spPr>
+          <a:xfrm>
+            <a:off x="3772723" y="4853426"/>
+            <a:ext cx="1598547" cy="334178"/>
+          </a:xfrm>
+          <a:prstGeom prst="rect">
+            <a:avLst/>
+          </a:prstGeom>
+          <a:solidFill>
+            <a:schemeClr val="bg1"/>
+          </a:solidFill>
+          <a:ln>
+            <a:solidFill>
+              <a:schemeClr val="tx1"/>
+            </a:solidFill>
+          </a:ln>
+        </p:spPr>
+        <p:style>
+          <a:lnRef idx="2">
+            <a:schemeClr val="accent1">
+              <a:shade val="50000"/>
+            </a:schemeClr>
+          </a:lnRef>
+          <a:fillRef idx="1">
+            <a:schemeClr val="accent1"/>
+          </a:fillRef>
+          <a:effectRef idx="0">
+            <a:schemeClr val="accent1"/>
+          </a:effectRef>
+          <a:fontRef idx="minor">
+            <a:schemeClr val="lt1"/>
+          </a:fontRef>
+        </p:style>
+        <p:txBody>
+          <a:bodyPr rtlCol="0" anchor="ctr"/>
+          <a:lstStyle/>
+          <a:p>
+            <a:pPr algn="ctr"/>
+            <a:r>
+              <a:rPr lang="en-US" sz="1400" dirty="0">
+                <a:solidFill>
+                  <a:schemeClr val="tx1"/>
+                </a:solidFill>
+                <a:latin typeface="Arial" panose="020B0604020202020204" pitchFamily="34" charset="0"/>
+                <a:cs typeface="Arial" panose="020B0604020202020204" pitchFamily="34" charset="0"/>
+              </a:rPr>
+              <a:t>min, max = R[u, j]</a:t>
+            </a:r>
+            <a:endParaRPr lang="ru-RU" sz="1400" dirty="0">
+              <a:solidFill>
+                <a:schemeClr val="tx1"/>
+              </a:solidFill>
+              <a:latin typeface="Arial" panose="020B0604020202020204" pitchFamily="34" charset="0"/>
+              <a:cs typeface="Arial" panose="020B0604020202020204" pitchFamily="34" charset="0"/>
+            </a:endParaRPr>
+          </a:p>
+        </p:txBody>
+      </p:sp>
+      <p:cxnSp>
+        <p:nvCxnSpPr>
+          <p:cNvPr id="76" name="Прямая соединительная линия 75">
+            <a:extLst>
+              <a:ext uri="{FF2B5EF4-FFF2-40B4-BE49-F238E27FC236}">
+                <a16:creationId xmlns:a16="http://schemas.microsoft.com/office/drawing/2014/main" id="{1D259AAE-71C0-48D0-9F4D-F59F78ED1D80}"/>
+              </a:ext>
+            </a:extLst>
+          </p:cNvPr>
+          <p:cNvCxnSpPr>
+            <a:cxnSpLocks/>
+            <a:stCxn id="61" idx="2"/>
+            <a:endCxn id="75" idx="0"/>
+          </p:cNvCxnSpPr>
+          <p:nvPr/>
+        </p:nvCxnSpPr>
+        <p:spPr>
+          <a:xfrm>
+            <a:off x="4568927" y="4611346"/>
+            <a:ext cx="3070" cy="242080"/>
+          </a:xfrm>
+          <a:prstGeom prst="line">
+            <a:avLst/>
+          </a:prstGeom>
+          <a:ln w="12700">
+            <a:solidFill>
+              <a:schemeClr val="tx1"/>
+            </a:solidFill>
+            <a:prstDash val="solid"/>
+            <a:headEnd type="none" w="med" len="med"/>
+            <a:tailEnd type="triangle" w="med" len="med"/>
+          </a:ln>
+        </p:spPr>
+        <p:style>
+          <a:lnRef idx="1">
+            <a:schemeClr val="accent1"/>
+          </a:lnRef>
+          <a:fillRef idx="0">
+            <a:schemeClr val="accent1"/>
+          </a:fillRef>
+          <a:effectRef idx="0">
+            <a:schemeClr val="accent1"/>
+          </a:effectRef>
+          <a:fontRef idx="minor">
+            <a:schemeClr val="tx1"/>
+          </a:fontRef>
+        </p:style>
+      </p:cxnSp>
+      <p:sp>
+        <p:nvSpPr>
+          <p:cNvPr id="79" name="Прямоугольник 78">
+            <a:extLst>
+              <a:ext uri="{FF2B5EF4-FFF2-40B4-BE49-F238E27FC236}">
+                <a16:creationId xmlns:a16="http://schemas.microsoft.com/office/drawing/2014/main" id="{08CEF1D6-0AE6-4564-8030-434FC119502D}"/>
+              </a:ext>
+            </a:extLst>
+          </p:cNvPr>
+          <p:cNvSpPr/>
+          <p:nvPr/>
+        </p:nvSpPr>
+        <p:spPr>
+          <a:xfrm>
+            <a:off x="3424971" y="5440088"/>
+            <a:ext cx="2294049" cy="651811"/>
+          </a:xfrm>
+          <a:prstGeom prst="rect">
+            <a:avLst/>
+          </a:prstGeom>
+          <a:solidFill>
+            <a:schemeClr val="bg1"/>
+          </a:solidFill>
+          <a:ln>
+            <a:solidFill>
+              <a:schemeClr val="tx1"/>
+            </a:solidFill>
+          </a:ln>
+        </p:spPr>
+        <p:style>
+          <a:lnRef idx="2">
+            <a:schemeClr val="accent1">
+              <a:shade val="50000"/>
+            </a:schemeClr>
+          </a:lnRef>
+          <a:fillRef idx="1">
+            <a:schemeClr val="accent1"/>
+          </a:fillRef>
+          <a:effectRef idx="0">
+            <a:schemeClr val="accent1"/>
+          </a:effectRef>
+          <a:fontRef idx="minor">
+            <a:schemeClr val="lt1"/>
+          </a:fontRef>
+        </p:style>
+        <p:txBody>
+          <a:bodyPr rtlCol="0" anchor="ctr"/>
+          <a:lstStyle/>
+          <a:p>
+            <a:pPr algn="ctr"/>
+            <a:r>
+              <a:rPr lang="en-US" sz="1400" dirty="0">
+                <a:solidFill>
+                  <a:schemeClr val="tx1"/>
+                </a:solidFill>
+                <a:latin typeface="Arial" panose="020B0604020202020204" pitchFamily="34" charset="0"/>
+                <a:cs typeface="Arial" panose="020B0604020202020204" pitchFamily="34" charset="0"/>
+              </a:rPr>
+              <a:t>A[j, u] = </a:t>
+            </a:r>
+            <a:r>
+              <a:rPr lang="ru-RU" sz="1400" dirty="0">
+                <a:solidFill>
+                  <a:schemeClr val="tx1"/>
+                </a:solidFill>
+                <a:latin typeface="Arial" panose="020B0604020202020204" pitchFamily="34" charset="0"/>
+                <a:cs typeface="Arial" panose="020B0604020202020204" pitchFamily="34" charset="0"/>
+              </a:rPr>
+              <a:t>значение в диапазоне от </a:t>
+            </a:r>
+            <a:r>
+              <a:rPr lang="en-US" sz="1400" dirty="0">
+                <a:solidFill>
+                  <a:schemeClr val="tx1"/>
+                </a:solidFill>
+                <a:latin typeface="Arial" panose="020B0604020202020204" pitchFamily="34" charset="0"/>
+                <a:cs typeface="Arial" panose="020B0604020202020204" pitchFamily="34" charset="0"/>
+              </a:rPr>
+              <a:t>min </a:t>
+            </a:r>
+            <a:r>
+              <a:rPr lang="ru-RU" sz="1400" dirty="0">
+                <a:solidFill>
+                  <a:schemeClr val="tx1"/>
+                </a:solidFill>
+                <a:latin typeface="Arial" panose="020B0604020202020204" pitchFamily="34" charset="0"/>
+                <a:cs typeface="Arial" panose="020B0604020202020204" pitchFamily="34" charset="0"/>
+              </a:rPr>
+              <a:t>до </a:t>
+            </a:r>
+            <a:r>
+              <a:rPr lang="en-US" sz="1400" dirty="0">
+                <a:solidFill>
+                  <a:schemeClr val="tx1"/>
+                </a:solidFill>
+                <a:latin typeface="Arial" panose="020B0604020202020204" pitchFamily="34" charset="0"/>
+                <a:cs typeface="Arial" panose="020B0604020202020204" pitchFamily="34" charset="0"/>
+              </a:rPr>
+              <a:t>max</a:t>
+            </a:r>
+            <a:endParaRPr lang="ru-RU" sz="1400" dirty="0">
+              <a:solidFill>
+                <a:schemeClr val="tx1"/>
+              </a:solidFill>
+              <a:latin typeface="Arial" panose="020B0604020202020204" pitchFamily="34" charset="0"/>
+              <a:cs typeface="Arial" panose="020B0604020202020204" pitchFamily="34" charset="0"/>
+            </a:endParaRPr>
+          </a:p>
+        </p:txBody>
+      </p:sp>
+      <p:cxnSp>
+        <p:nvCxnSpPr>
+          <p:cNvPr id="80" name="Прямая соединительная линия 79">
+            <a:extLst>
+              <a:ext uri="{FF2B5EF4-FFF2-40B4-BE49-F238E27FC236}">
+                <a16:creationId xmlns:a16="http://schemas.microsoft.com/office/drawing/2014/main" id="{6E57F64F-6344-43C4-B23D-A53FDB2167B6}"/>
+              </a:ext>
+            </a:extLst>
+          </p:cNvPr>
+          <p:cNvCxnSpPr>
+            <a:cxnSpLocks/>
+            <a:stCxn id="75" idx="2"/>
+            <a:endCxn id="79" idx="0"/>
+          </p:cNvCxnSpPr>
+          <p:nvPr/>
+        </p:nvCxnSpPr>
+        <p:spPr>
+          <a:xfrm flipH="1">
+            <a:off x="4571996" y="5187604"/>
+            <a:ext cx="1" cy="252484"/>
+          </a:xfrm>
+          <a:prstGeom prst="line">
+            <a:avLst/>
+          </a:prstGeom>
+          <a:ln w="12700">
+            <a:solidFill>
+              <a:schemeClr val="tx1"/>
+            </a:solidFill>
+            <a:prstDash val="solid"/>
+            <a:headEnd type="none" w="med" len="med"/>
+            <a:tailEnd type="triangle" w="med" len="med"/>
+          </a:ln>
+        </p:spPr>
+        <p:style>
+          <a:lnRef idx="1">
+            <a:schemeClr val="accent1"/>
+          </a:lnRef>
+          <a:fillRef idx="0">
+            <a:schemeClr val="accent1"/>
+          </a:fillRef>
+          <a:effectRef idx="0">
+            <a:schemeClr val="accent1"/>
+          </a:effectRef>
+          <a:fontRef idx="minor">
+            <a:schemeClr val="tx1"/>
+          </a:fontRef>
+        </p:style>
+      </p:cxnSp>
+      <p:cxnSp>
+        <p:nvCxnSpPr>
+          <p:cNvPr id="71" name="Соединитель: уступ 70">
+            <a:extLst>
+              <a:ext uri="{FF2B5EF4-FFF2-40B4-BE49-F238E27FC236}">
+                <a16:creationId xmlns:a16="http://schemas.microsoft.com/office/drawing/2014/main" id="{6F2A4880-7295-455A-8B9D-F13718D990DB}"/>
+              </a:ext>
+            </a:extLst>
+          </p:cNvPr>
+          <p:cNvCxnSpPr>
+            <a:cxnSpLocks/>
+            <a:stCxn id="79" idx="2"/>
+          </p:cNvCxnSpPr>
+          <p:nvPr/>
+        </p:nvCxnSpPr>
+        <p:spPr>
+          <a:xfrm rot="5400000" flipH="1" flipV="1">
+            <a:off x="3508864" y="5022417"/>
+            <a:ext cx="2132614" cy="6350"/>
+          </a:xfrm>
+          <a:prstGeom prst="bentConnector5">
+            <a:avLst>
+              <a:gd name="adj1" fmla="val -10719"/>
+              <a:gd name="adj2" fmla="val -22188378"/>
+              <a:gd name="adj3" fmla="val 99941"/>
+            </a:avLst>
+          </a:prstGeom>
+          <a:ln w="12700">
+            <a:solidFill>
+              <a:schemeClr val="tx1"/>
+            </a:solidFill>
+            <a:tailEnd type="triangle"/>
+          </a:ln>
+        </p:spPr>
+        <p:style>
+          <a:lnRef idx="1">
+            <a:schemeClr val="accent1"/>
+          </a:lnRef>
+          <a:fillRef idx="0">
+            <a:schemeClr val="accent1"/>
+          </a:fillRef>
+          <a:effectRef idx="0">
+            <a:schemeClr val="accent1"/>
+          </a:effectRef>
+          <a:fontRef idx="minor">
+            <a:schemeClr val="tx1"/>
+          </a:fontRef>
+        </p:style>
+      </p:cxnSp>
+      <p:cxnSp>
+        <p:nvCxnSpPr>
+          <p:cNvPr id="99" name="Прямая соединительная линия 98">
+            <a:extLst>
+              <a:ext uri="{FF2B5EF4-FFF2-40B4-BE49-F238E27FC236}">
+                <a16:creationId xmlns:a16="http://schemas.microsoft.com/office/drawing/2014/main" id="{1211955A-55F9-4461-AF02-EC219FB61E49}"/>
+              </a:ext>
+            </a:extLst>
+          </p:cNvPr>
+          <p:cNvCxnSpPr>
+            <a:cxnSpLocks/>
+            <a:stCxn id="61" idx="3"/>
+          </p:cNvCxnSpPr>
+          <p:nvPr/>
+        </p:nvCxnSpPr>
+        <p:spPr>
+          <a:xfrm>
+            <a:off x="5893767" y="4361857"/>
+            <a:ext cx="181610" cy="0"/>
+          </a:xfrm>
+          <a:prstGeom prst="line">
+            <a:avLst/>
+          </a:prstGeom>
+          <a:ln w="12700">
+            <a:solidFill>
+              <a:schemeClr val="tx1"/>
+            </a:solidFill>
+          </a:ln>
+        </p:spPr>
+        <p:style>
+          <a:lnRef idx="1">
+            <a:schemeClr val="accent1"/>
+          </a:lnRef>
+          <a:fillRef idx="0">
+            <a:schemeClr val="accent1"/>
+          </a:fillRef>
+          <a:effectRef idx="0">
+            <a:schemeClr val="accent1"/>
+          </a:effectRef>
+          <a:fontRef idx="minor">
+            <a:schemeClr val="tx1"/>
+          </a:fontRef>
+        </p:style>
+      </p:cxnSp>
+      <p:cxnSp>
+        <p:nvCxnSpPr>
+          <p:cNvPr id="101" name="Прямая соединительная линия 100">
+            <a:extLst>
+              <a:ext uri="{FF2B5EF4-FFF2-40B4-BE49-F238E27FC236}">
+                <a16:creationId xmlns:a16="http://schemas.microsoft.com/office/drawing/2014/main" id="{DCC97D23-6EEB-4258-BE37-1B09698B1CC7}"/>
+              </a:ext>
+            </a:extLst>
+          </p:cNvPr>
+          <p:cNvCxnSpPr/>
+          <p:nvPr/>
+        </p:nvCxnSpPr>
+        <p:spPr>
+          <a:xfrm>
+            <a:off x="6075377" y="4361857"/>
+            <a:ext cx="0" cy="2219929"/>
+          </a:xfrm>
+          <a:prstGeom prst="line">
+            <a:avLst/>
+          </a:prstGeom>
+          <a:ln w="12700">
+            <a:solidFill>
+              <a:schemeClr val="tx1"/>
+            </a:solidFill>
+          </a:ln>
+        </p:spPr>
+        <p:style>
+          <a:lnRef idx="1">
+            <a:schemeClr val="accent1"/>
+          </a:lnRef>
+          <a:fillRef idx="0">
+            <a:schemeClr val="accent1"/>
+          </a:fillRef>
+          <a:effectRef idx="0">
+            <a:schemeClr val="accent1"/>
+          </a:effectRef>
+          <a:fontRef idx="minor">
+            <a:schemeClr val="tx1"/>
+          </a:fontRef>
+        </p:style>
+      </p:cxnSp>
+      <p:cxnSp>
+        <p:nvCxnSpPr>
+          <p:cNvPr id="104" name="Прямая соединительная линия 103">
+            <a:extLst>
+              <a:ext uri="{FF2B5EF4-FFF2-40B4-BE49-F238E27FC236}">
+                <a16:creationId xmlns:a16="http://schemas.microsoft.com/office/drawing/2014/main" id="{A879FD5B-3570-4011-89A1-5335B26F1AE1}"/>
+              </a:ext>
+            </a:extLst>
+          </p:cNvPr>
+          <p:cNvCxnSpPr>
+            <a:cxnSpLocks/>
+          </p:cNvCxnSpPr>
+          <p:nvPr/>
+        </p:nvCxnSpPr>
+        <p:spPr>
+          <a:xfrm flipH="1">
+            <a:off x="2903220" y="6581786"/>
+            <a:ext cx="3172157" cy="0"/>
+          </a:xfrm>
+          <a:prstGeom prst="line">
+            <a:avLst/>
+          </a:prstGeom>
+          <a:ln w="12700">
+            <a:solidFill>
+              <a:schemeClr val="tx1"/>
+            </a:solidFill>
+          </a:ln>
+        </p:spPr>
+        <p:style>
+          <a:lnRef idx="1">
+            <a:schemeClr val="accent1"/>
+          </a:lnRef>
+          <a:fillRef idx="0">
+            <a:schemeClr val="accent1"/>
+          </a:fillRef>
+          <a:effectRef idx="0">
+            <a:schemeClr val="accent1"/>
+          </a:effectRef>
+          <a:fontRef idx="minor">
+            <a:schemeClr val="tx1"/>
+          </a:fontRef>
+        </p:style>
+      </p:cxnSp>
+      <p:cxnSp>
+        <p:nvCxnSpPr>
+          <p:cNvPr id="106" name="Прямая соединительная линия 105">
+            <a:extLst>
+              <a:ext uri="{FF2B5EF4-FFF2-40B4-BE49-F238E27FC236}">
+                <a16:creationId xmlns:a16="http://schemas.microsoft.com/office/drawing/2014/main" id="{413860D4-ADC4-40A9-8517-3DAF6DA41688}"/>
+              </a:ext>
+            </a:extLst>
+          </p:cNvPr>
+          <p:cNvCxnSpPr>
+            <a:cxnSpLocks/>
+          </p:cNvCxnSpPr>
+          <p:nvPr/>
+        </p:nvCxnSpPr>
+        <p:spPr>
+          <a:xfrm flipV="1">
+            <a:off x="2903220" y="2154949"/>
+            <a:ext cx="0" cy="4426837"/>
+          </a:xfrm>
+          <a:prstGeom prst="line">
+            <a:avLst/>
+          </a:prstGeom>
+          <a:ln w="12700">
+            <a:solidFill>
+              <a:schemeClr val="tx1"/>
+            </a:solidFill>
+          </a:ln>
+        </p:spPr>
+        <p:style>
+          <a:lnRef idx="1">
+            <a:schemeClr val="accent1"/>
+          </a:lnRef>
+          <a:fillRef idx="0">
+            <a:schemeClr val="accent1"/>
+          </a:fillRef>
+          <a:effectRef idx="0">
+            <a:schemeClr val="accent1"/>
+          </a:effectRef>
+          <a:fontRef idx="minor">
+            <a:schemeClr val="tx1"/>
+          </a:fontRef>
+        </p:style>
+      </p:cxnSp>
+      <p:cxnSp>
+        <p:nvCxnSpPr>
+          <p:cNvPr id="108" name="Прямая соединительная линия 107">
+            <a:extLst>
+              <a:ext uri="{FF2B5EF4-FFF2-40B4-BE49-F238E27FC236}">
+                <a16:creationId xmlns:a16="http://schemas.microsoft.com/office/drawing/2014/main" id="{BCACA5AD-8C8F-46CA-8924-356F3B99CE8C}"/>
+              </a:ext>
+            </a:extLst>
+          </p:cNvPr>
+          <p:cNvCxnSpPr/>
+          <p:nvPr/>
+        </p:nvCxnSpPr>
+        <p:spPr>
+          <a:xfrm>
+            <a:off x="2903220" y="2154949"/>
+            <a:ext cx="1675126" cy="0"/>
+          </a:xfrm>
+          <a:prstGeom prst="line">
+            <a:avLst/>
+          </a:prstGeom>
+          <a:ln w="12700">
+            <a:solidFill>
+              <a:schemeClr val="tx1"/>
+            </a:solidFill>
+            <a:headEnd type="none" w="med" len="med"/>
+            <a:tailEnd type="triangle" w="med" len="med"/>
+          </a:ln>
+        </p:spPr>
+        <p:style>
+          <a:lnRef idx="1">
+            <a:schemeClr val="accent1"/>
+          </a:lnRef>
+          <a:fillRef idx="0">
+            <a:schemeClr val="accent1"/>
+          </a:fillRef>
+          <a:effectRef idx="0">
+            <a:schemeClr val="accent1"/>
+          </a:effectRef>
+          <a:fontRef idx="minor">
+            <a:schemeClr val="tx1"/>
+          </a:fontRef>
+        </p:style>
+      </p:cxnSp>
+      <p:sp>
+        <p:nvSpPr>
+          <p:cNvPr id="116" name="TextBox 115">
+            <a:extLst>
+              <a:ext uri="{FF2B5EF4-FFF2-40B4-BE49-F238E27FC236}">
+                <a16:creationId xmlns:a16="http://schemas.microsoft.com/office/drawing/2014/main" id="{78DFEC6F-3923-44B5-BE50-8B1D154AA4D2}"/>
+              </a:ext>
+            </a:extLst>
+          </p:cNvPr>
+          <p:cNvSpPr txBox="1"/>
+          <p:nvPr/>
+        </p:nvSpPr>
+        <p:spPr>
+          <a:xfrm>
+            <a:off x="4568928" y="3823844"/>
+            <a:ext cx="405880" cy="307777"/>
+          </a:xfrm>
+          <a:prstGeom prst="rect">
+            <a:avLst/>
+          </a:prstGeom>
+          <a:noFill/>
+        </p:spPr>
+        <p:txBody>
+          <a:bodyPr wrap="none" rtlCol="0">
+            <a:spAutoFit/>
+          </a:bodyPr>
+          <a:lstStyle/>
+          <a:p>
+            <a:r>
+              <a:rPr lang="ru-RU" sz="1400" dirty="0">
+                <a:latin typeface="Arial" panose="020B0604020202020204" pitchFamily="34" charset="0"/>
+                <a:cs typeface="Arial" panose="020B0604020202020204" pitchFamily="34" charset="0"/>
+              </a:rPr>
+              <a:t>Да</a:t>
+            </a:r>
+          </a:p>
+        </p:txBody>
+      </p:sp>
+      <p:sp>
+        <p:nvSpPr>
+          <p:cNvPr id="117" name="TextBox 116">
+            <a:extLst>
+              <a:ext uri="{FF2B5EF4-FFF2-40B4-BE49-F238E27FC236}">
+                <a16:creationId xmlns:a16="http://schemas.microsoft.com/office/drawing/2014/main" id="{21E8DFE4-9B29-487B-A9AD-CA0D8C62B917}"/>
+              </a:ext>
+            </a:extLst>
+          </p:cNvPr>
+          <p:cNvSpPr txBox="1"/>
+          <p:nvPr/>
+        </p:nvSpPr>
+        <p:spPr>
+          <a:xfrm>
+            <a:off x="4568928" y="2707368"/>
+            <a:ext cx="405880" cy="307777"/>
+          </a:xfrm>
+          <a:prstGeom prst="rect">
+            <a:avLst/>
+          </a:prstGeom>
+          <a:noFill/>
+        </p:spPr>
+        <p:txBody>
+          <a:bodyPr wrap="none" rtlCol="0">
+            <a:spAutoFit/>
+          </a:bodyPr>
+          <a:lstStyle/>
+          <a:p>
+            <a:r>
+              <a:rPr lang="ru-RU" sz="1400" dirty="0">
+                <a:latin typeface="Arial" panose="020B0604020202020204" pitchFamily="34" charset="0"/>
+                <a:cs typeface="Arial" panose="020B0604020202020204" pitchFamily="34" charset="0"/>
+              </a:rPr>
+              <a:t>Да</a:t>
+            </a:r>
+          </a:p>
+        </p:txBody>
+      </p:sp>
+      <p:sp>
+        <p:nvSpPr>
+          <p:cNvPr id="110" name="Прямоугольник: скругленные углы 109">
+            <a:extLst>
+              <a:ext uri="{FF2B5EF4-FFF2-40B4-BE49-F238E27FC236}">
+                <a16:creationId xmlns:a16="http://schemas.microsoft.com/office/drawing/2014/main" id="{EC4E6377-F4D2-459D-BEFD-D9D4DE6754C5}"/>
+              </a:ext>
+            </a:extLst>
+          </p:cNvPr>
+          <p:cNvSpPr/>
+          <p:nvPr/>
+        </p:nvSpPr>
+        <p:spPr>
+          <a:xfrm>
+            <a:off x="4091621" y="1232248"/>
+            <a:ext cx="954613" cy="287734"/>
+          </a:xfrm>
+          <a:prstGeom prst="roundRect">
+            <a:avLst/>
+          </a:prstGeom>
+          <a:solidFill>
+            <a:schemeClr val="bg1"/>
+          </a:solidFill>
+          <a:ln>
+            <a:solidFill>
+              <a:schemeClr val="tx1"/>
+            </a:solidFill>
+          </a:ln>
+        </p:spPr>
+        <p:style>
+          <a:lnRef idx="2">
+            <a:schemeClr val="accent1">
+              <a:shade val="50000"/>
+            </a:schemeClr>
+          </a:lnRef>
+          <a:fillRef idx="1">
+            <a:schemeClr val="accent1"/>
+          </a:fillRef>
+          <a:effectRef idx="0">
+            <a:schemeClr val="accent1"/>
+          </a:effectRef>
+          <a:fontRef idx="minor">
+            <a:schemeClr val="lt1"/>
+          </a:fontRef>
+        </p:style>
+        <p:txBody>
+          <a:bodyPr rtlCol="0" anchor="ctr"/>
+          <a:lstStyle/>
+          <a:p>
+            <a:pPr algn="ctr"/>
+            <a:r>
+              <a:rPr lang="ru-RU" sz="1400" dirty="0">
+                <a:solidFill>
+                  <a:schemeClr val="tx1"/>
+                </a:solidFill>
+                <a:latin typeface="Arial" panose="020B0604020202020204" pitchFamily="34" charset="0"/>
+                <a:cs typeface="Arial" panose="020B0604020202020204" pitchFamily="34" charset="0"/>
+              </a:rPr>
+              <a:t>Начало</a:t>
+            </a:r>
+          </a:p>
+        </p:txBody>
+      </p:sp>
+      <p:cxnSp>
+        <p:nvCxnSpPr>
+          <p:cNvPr id="119" name="Прямая соединительная линия 118">
+            <a:extLst>
+              <a:ext uri="{FF2B5EF4-FFF2-40B4-BE49-F238E27FC236}">
+                <a16:creationId xmlns:a16="http://schemas.microsoft.com/office/drawing/2014/main" id="{398330F9-9107-4969-ADB8-047349962587}"/>
+              </a:ext>
+            </a:extLst>
+          </p:cNvPr>
+          <p:cNvCxnSpPr>
+            <a:cxnSpLocks/>
+            <a:stCxn id="110" idx="2"/>
+            <a:endCxn id="20" idx="0"/>
+          </p:cNvCxnSpPr>
+          <p:nvPr/>
+        </p:nvCxnSpPr>
+        <p:spPr>
+          <a:xfrm>
+            <a:off x="4568928" y="1519982"/>
+            <a:ext cx="3072" cy="217691"/>
+          </a:xfrm>
+          <a:prstGeom prst="line">
+            <a:avLst/>
+          </a:prstGeom>
+          <a:ln w="12700">
+            <a:solidFill>
+              <a:schemeClr val="tx1"/>
+            </a:solidFill>
+            <a:prstDash val="solid"/>
+            <a:headEnd type="none" w="med" len="med"/>
+            <a:tailEnd type="triangle" w="med" len="med"/>
+          </a:ln>
+        </p:spPr>
+        <p:style>
+          <a:lnRef idx="1">
+            <a:schemeClr val="accent1"/>
+          </a:lnRef>
+          <a:fillRef idx="0">
+            <a:schemeClr val="accent1"/>
+          </a:fillRef>
+          <a:effectRef idx="0">
+            <a:schemeClr val="accent1"/>
+          </a:effectRef>
+          <a:fontRef idx="minor">
+            <a:schemeClr val="tx1"/>
+          </a:fontRef>
+        </p:style>
+      </p:cxnSp>
+      <p:sp>
+        <p:nvSpPr>
+          <p:cNvPr id="138" name="Прямоугольник: скругленные углы 137">
+            <a:extLst>
+              <a:ext uri="{FF2B5EF4-FFF2-40B4-BE49-F238E27FC236}">
+                <a16:creationId xmlns:a16="http://schemas.microsoft.com/office/drawing/2014/main" id="{64AEFCDB-847A-41EB-9C8C-9713F3DFBCDC}"/>
+              </a:ext>
+            </a:extLst>
+          </p:cNvPr>
+          <p:cNvSpPr/>
+          <p:nvPr/>
+        </p:nvSpPr>
+        <p:spPr>
+          <a:xfrm>
+            <a:off x="6388738" y="5622126"/>
+            <a:ext cx="954613" cy="287734"/>
+          </a:xfrm>
+          <a:prstGeom prst="roundRect">
+            <a:avLst/>
+          </a:prstGeom>
+          <a:solidFill>
+            <a:schemeClr val="bg1"/>
+          </a:solidFill>
+          <a:ln>
+            <a:solidFill>
+              <a:schemeClr val="tx1"/>
+            </a:solidFill>
+          </a:ln>
+        </p:spPr>
+        <p:style>
+          <a:lnRef idx="2">
+            <a:schemeClr val="accent1">
+              <a:shade val="50000"/>
+            </a:schemeClr>
+          </a:lnRef>
+          <a:fillRef idx="1">
+            <a:schemeClr val="accent1"/>
+          </a:fillRef>
+          <a:effectRef idx="0">
+            <a:schemeClr val="accent1"/>
+          </a:effectRef>
+          <a:fontRef idx="minor">
+            <a:schemeClr val="lt1"/>
+          </a:fontRef>
+        </p:style>
+        <p:txBody>
+          <a:bodyPr rtlCol="0" anchor="ctr"/>
+          <a:lstStyle/>
+          <a:p>
+            <a:pPr algn="ctr"/>
+            <a:r>
+              <a:rPr lang="ru-RU" sz="1400" dirty="0">
+                <a:solidFill>
+                  <a:schemeClr val="tx1"/>
+                </a:solidFill>
+                <a:latin typeface="Arial" panose="020B0604020202020204" pitchFamily="34" charset="0"/>
+                <a:cs typeface="Arial" panose="020B0604020202020204" pitchFamily="34" charset="0"/>
+              </a:rPr>
+              <a:t>Конец</a:t>
+            </a:r>
+          </a:p>
+        </p:txBody>
+      </p:sp>
+      <p:cxnSp>
+        <p:nvCxnSpPr>
+          <p:cNvPr id="136" name="Соединитель: уступ 135">
+            <a:extLst>
+              <a:ext uri="{FF2B5EF4-FFF2-40B4-BE49-F238E27FC236}">
+                <a16:creationId xmlns:a16="http://schemas.microsoft.com/office/drawing/2014/main" id="{ECE19050-47D5-4C12-B562-A47FE972390C}"/>
+              </a:ext>
+            </a:extLst>
+          </p:cNvPr>
+          <p:cNvCxnSpPr>
+            <a:stCxn id="21" idx="3"/>
+            <a:endCxn id="138" idx="0"/>
+          </p:cNvCxnSpPr>
+          <p:nvPr/>
+        </p:nvCxnSpPr>
+        <p:spPr>
+          <a:xfrm>
+            <a:off x="5858842" y="2536666"/>
+            <a:ext cx="1007203" cy="3085460"/>
+          </a:xfrm>
+          <a:prstGeom prst="bentConnector2">
+            <a:avLst/>
+          </a:prstGeom>
+          <a:ln>
+            <a:solidFill>
+              <a:schemeClr val="tx1"/>
+            </a:solidFill>
+            <a:tailEnd type="triangle"/>
+          </a:ln>
+        </p:spPr>
+        <p:style>
+          <a:lnRef idx="1">
+            <a:schemeClr val="accent1"/>
+          </a:lnRef>
+          <a:fillRef idx="0">
+            <a:schemeClr val="accent1"/>
+          </a:fillRef>
+          <a:effectRef idx="0">
+            <a:schemeClr val="accent1"/>
+          </a:effectRef>
+          <a:fontRef idx="minor">
+            <a:schemeClr val="tx1"/>
+          </a:fontRef>
+        </p:style>
+      </p:cxnSp>
+    </p:spTree>
+    <p:extLst>
+      <p:ext uri="{BB962C8B-B14F-4D97-AF65-F5344CB8AC3E}">
+        <p14:creationId xmlns:p14="http://schemas.microsoft.com/office/powerpoint/2010/main" val="3019944754"/>
+      </p:ext>
+    </p:extLst>
+  </p:cSld>
+  <p:clrMapOvr>
+    <a:masterClrMapping/>
+  </p:clrMapOvr>
+</p:sld>
+</file>
+
+<file path=ppt/slides/slide9.xml><?xml version="1.0" encoding="utf-8"?>
+<p:sld xmlns:a="http://schemas.openxmlformats.org/drawingml/2006/main" xmlns:r="http://schemas.openxmlformats.org/officeDocument/2006/relationships" xmlns:p="http://schemas.openxmlformats.org/presentationml/2006/main">
+  <p:cSld>
+    <p:spTree>
+      <p:nvGrpSpPr>
+        <p:cNvPr id="1" name=""/>
+        <p:cNvGrpSpPr/>
+        <p:nvPr/>
+      </p:nvGrpSpPr>
+      <p:grpSpPr>
+        <a:xfrm>
+          <a:off x="0" y="0"/>
+          <a:ext cx="0" cy="0"/>
+          <a:chOff x="0" y="0"/>
+          <a:chExt cx="0" cy="0"/>
+        </a:xfrm>
+      </p:grpSpPr>
+      <p:sp>
+        <p:nvSpPr>
+          <p:cNvPr id="2" name="Заголовок 1"/>
+          <p:cNvSpPr>
+            <a:spLocks noGrp="1"/>
+          </p:cNvSpPr>
+          <p:nvPr>
+            <p:ph type="title"/>
+          </p:nvPr>
+        </p:nvSpPr>
+        <p:spPr>
+          <a:xfrm>
+            <a:off x="628650" y="371335"/>
+            <a:ext cx="7886700" cy="721238"/>
+          </a:xfrm>
+        </p:spPr>
+        <p:txBody>
+          <a:bodyPr>
+            <a:normAutofit fontScale="90000"/>
+          </a:bodyPr>
+          <a:lstStyle/>
+          <a:p>
+            <a:r>
+              <a:rPr lang="ru-RU" dirty="0">
+                <a:ln w="0"/>
+                <a:solidFill>
+                  <a:schemeClr val="accent1"/>
+                </a:solidFill>
+                <a:effectLst>
+                  <a:outerShdw blurRad="38100" dist="25400" dir="5400000" algn="ctr" rotWithShape="0">
+                    <a:srgbClr val="6E747A">
+                      <a:alpha val="43000"/>
+                    </a:srgbClr>
+                  </a:outerShdw>
+                </a:effectLst>
+                <a:latin typeface="Arial" panose="020B0604020202020204" pitchFamily="34" charset="0"/>
+                <a:cs typeface="Arial" panose="020B0604020202020204" pitchFamily="34" charset="0"/>
+              </a:rPr>
+              <a:t>Алгоритм моделирования по времени</a:t>
+            </a:r>
+            <a:endParaRPr lang="ru-RU" dirty="0"/>
+          </a:p>
+        </p:txBody>
+      </p:sp>
+      <p:sp>
+        <p:nvSpPr>
+          <p:cNvPr id="4" name="Номер слайда 3"/>
+          <p:cNvSpPr>
+            <a:spLocks noGrp="1"/>
+          </p:cNvSpPr>
+          <p:nvPr>
+            <p:ph type="sldNum" sz="quarter" idx="12"/>
+          </p:nvPr>
+        </p:nvSpPr>
+        <p:spPr>
+          <a:xfrm>
+            <a:off x="7066117" y="6389864"/>
+            <a:ext cx="2057400" cy="365125"/>
+          </a:xfrm>
+        </p:spPr>
+        <p:txBody>
+          <a:bodyPr/>
+          <a:lstStyle/>
+          <a:p>
+            <a:fld id="{AFB88E7B-7A0C-4907-9308-8A5BB7783A69}" type="slidenum">
+              <a:rPr lang="ru-RU" smtClean="0">
+                <a:solidFill>
+                  <a:schemeClr val="tx1"/>
+                </a:solidFill>
+              </a:rPr>
+              <a:pPr/>
+              <a:t>9</a:t>
+            </a:fld>
+            <a:endParaRPr lang="ru-RU" dirty="0">
+              <a:solidFill>
+                <a:schemeClr val="tx1"/>
+              </a:solidFill>
+            </a:endParaRPr>
+          </a:p>
+        </p:txBody>
+      </p:sp>
+      <p:sp>
+        <p:nvSpPr>
+          <p:cNvPr id="204" name="Прямоугольник 203">
+            <a:extLst>
+              <a:ext uri="{FF2B5EF4-FFF2-40B4-BE49-F238E27FC236}">
+                <a16:creationId xmlns:a16="http://schemas.microsoft.com/office/drawing/2014/main" id="{739148EF-1F3E-4149-8E41-7C2E38D056B4}"/>
+              </a:ext>
+            </a:extLst>
+          </p:cNvPr>
+          <p:cNvSpPr/>
+          <p:nvPr/>
+        </p:nvSpPr>
+        <p:spPr>
+          <a:xfrm>
+            <a:off x="4227401" y="2322215"/>
+            <a:ext cx="689197" cy="309213"/>
+          </a:xfrm>
+          <a:prstGeom prst="rect">
+            <a:avLst/>
+          </a:prstGeom>
+          <a:solidFill>
+            <a:schemeClr val="bg1"/>
+          </a:solidFill>
+          <a:ln>
+            <a:solidFill>
+              <a:schemeClr val="tx1"/>
+            </a:solidFill>
+          </a:ln>
+        </p:spPr>
+        <p:style>
+          <a:lnRef idx="2">
+            <a:schemeClr val="accent1">
+              <a:shade val="50000"/>
+            </a:schemeClr>
+          </a:lnRef>
+          <a:fillRef idx="1">
+            <a:schemeClr val="accent1"/>
+          </a:fillRef>
+          <a:effectRef idx="0">
+            <a:schemeClr val="accent1"/>
+          </a:effectRef>
+          <a:fontRef idx="minor">
+            <a:schemeClr val="lt1"/>
+          </a:fontRef>
+        </p:style>
+        <p:txBody>
+          <a:bodyPr rtlCol="0" anchor="ctr"/>
+          <a:lstStyle/>
+          <a:p>
+            <a:pPr algn="ctr"/>
+            <a:r>
+              <a:rPr lang="en-US" sz="1400" dirty="0">
+                <a:solidFill>
+                  <a:schemeClr val="tx1"/>
+                </a:solidFill>
+                <a:latin typeface="Arial" panose="020B0604020202020204" pitchFamily="34" charset="0"/>
+                <a:cs typeface="Arial" panose="020B0604020202020204" pitchFamily="34" charset="0"/>
+              </a:rPr>
+              <a:t>t = 0</a:t>
+            </a:r>
+            <a:endParaRPr lang="ru-RU" sz="1400" dirty="0">
+              <a:solidFill>
+                <a:schemeClr val="tx1"/>
+              </a:solidFill>
+              <a:latin typeface="Arial" panose="020B0604020202020204" pitchFamily="34" charset="0"/>
+              <a:cs typeface="Arial" panose="020B0604020202020204" pitchFamily="34" charset="0"/>
+            </a:endParaRPr>
+          </a:p>
+        </p:txBody>
+      </p:sp>
+      <p:sp>
+        <p:nvSpPr>
+          <p:cNvPr id="39" name="Блок-схема: решение 38">
+            <a:extLst>
+              <a:ext uri="{FF2B5EF4-FFF2-40B4-BE49-F238E27FC236}">
+                <a16:creationId xmlns:a16="http://schemas.microsoft.com/office/drawing/2014/main" id="{098E119C-7B91-4DAE-BBAE-57FE33E5CA3B}"/>
+              </a:ext>
+            </a:extLst>
+          </p:cNvPr>
+          <p:cNvSpPr/>
+          <p:nvPr/>
+        </p:nvSpPr>
+        <p:spPr>
+          <a:xfrm>
+            <a:off x="3898100" y="2869596"/>
+            <a:ext cx="1347691" cy="498978"/>
+          </a:xfrm>
+          <a:prstGeom prst="flowChartDecision">
+            <a:avLst/>
+          </a:prstGeom>
+          <a:solidFill>
+            <a:schemeClr val="bg1"/>
+          </a:solidFill>
+          <a:ln>
+            <a:solidFill>
+              <a:schemeClr val="tx1"/>
+            </a:solidFill>
+          </a:ln>
+        </p:spPr>
+        <p:style>
+          <a:lnRef idx="2">
+            <a:schemeClr val="accent1">
+              <a:shade val="50000"/>
+            </a:schemeClr>
+          </a:lnRef>
+          <a:fillRef idx="1">
+            <a:schemeClr val="accent1"/>
+          </a:fillRef>
+          <a:effectRef idx="0">
+            <a:schemeClr val="accent1"/>
+          </a:effectRef>
+          <a:fontRef idx="minor">
+            <a:schemeClr val="lt1"/>
+          </a:fontRef>
+        </p:style>
+        <p:txBody>
+          <a:bodyPr rtlCol="0" anchor="ctr"/>
+          <a:lstStyle/>
+          <a:p>
+            <a:pPr algn="ctr"/>
+            <a:r>
+              <a:rPr lang="en-US" sz="1400" dirty="0">
+                <a:solidFill>
+                  <a:schemeClr val="tx1"/>
+                </a:solidFill>
+                <a:latin typeface="Arial" panose="020B0604020202020204" pitchFamily="34" charset="0"/>
+                <a:cs typeface="Arial" panose="020B0604020202020204" pitchFamily="34" charset="0"/>
+              </a:rPr>
+              <a:t>t &lt;</a:t>
+            </a:r>
+            <a:r>
+              <a:rPr lang="ru-RU" sz="1400" dirty="0">
+                <a:solidFill>
+                  <a:schemeClr val="tx1"/>
+                </a:solidFill>
+                <a:latin typeface="Arial" panose="020B0604020202020204" pitchFamily="34" charset="0"/>
+                <a:cs typeface="Arial" panose="020B0604020202020204" pitchFamily="34" charset="0"/>
+              </a:rPr>
+              <a:t>=</a:t>
+            </a:r>
+            <a:r>
+              <a:rPr lang="en-US" sz="1400" dirty="0">
+                <a:solidFill>
+                  <a:schemeClr val="tx1"/>
+                </a:solidFill>
+                <a:latin typeface="Arial" panose="020B0604020202020204" pitchFamily="34" charset="0"/>
+                <a:cs typeface="Arial" panose="020B0604020202020204" pitchFamily="34" charset="0"/>
+              </a:rPr>
+              <a:t> T </a:t>
+            </a:r>
+            <a:endParaRPr lang="ru-RU" sz="1400" dirty="0">
+              <a:solidFill>
+                <a:schemeClr val="tx1"/>
+              </a:solidFill>
+              <a:latin typeface="Arial" panose="020B0604020202020204" pitchFamily="34" charset="0"/>
+              <a:cs typeface="Arial" panose="020B0604020202020204" pitchFamily="34" charset="0"/>
+            </a:endParaRPr>
+          </a:p>
+        </p:txBody>
+      </p:sp>
+      <p:cxnSp>
+        <p:nvCxnSpPr>
+          <p:cNvPr id="40" name="Прямая соединительная линия 39">
+            <a:extLst>
+              <a:ext uri="{FF2B5EF4-FFF2-40B4-BE49-F238E27FC236}">
+                <a16:creationId xmlns:a16="http://schemas.microsoft.com/office/drawing/2014/main" id="{2123216D-E401-4A72-9DB0-21874BC494CE}"/>
+              </a:ext>
+            </a:extLst>
+          </p:cNvPr>
+          <p:cNvCxnSpPr>
+            <a:cxnSpLocks/>
+            <a:stCxn id="204" idx="2"/>
+            <a:endCxn id="39" idx="0"/>
+          </p:cNvCxnSpPr>
+          <p:nvPr/>
+        </p:nvCxnSpPr>
+        <p:spPr>
+          <a:xfrm flipH="1">
+            <a:off x="4571946" y="2631428"/>
+            <a:ext cx="54" cy="238168"/>
+          </a:xfrm>
+          <a:prstGeom prst="line">
+            <a:avLst/>
+          </a:prstGeom>
+          <a:ln w="12700">
+            <a:solidFill>
+              <a:schemeClr val="tx1"/>
+            </a:solidFill>
+            <a:prstDash val="solid"/>
+            <a:headEnd type="none" w="med" len="med"/>
+            <a:tailEnd type="triangle" w="med" len="med"/>
+          </a:ln>
+        </p:spPr>
+        <p:style>
+          <a:lnRef idx="1">
+            <a:schemeClr val="accent1"/>
+          </a:lnRef>
+          <a:fillRef idx="0">
+            <a:schemeClr val="accent1"/>
+          </a:fillRef>
+          <a:effectRef idx="0">
+            <a:schemeClr val="accent1"/>
+          </a:effectRef>
+          <a:fontRef idx="minor">
+            <a:schemeClr val="tx1"/>
+          </a:fontRef>
+        </p:style>
+      </p:cxnSp>
+      <p:sp>
+        <p:nvSpPr>
+          <p:cNvPr id="45" name="Прямоугольник 44">
+            <a:extLst>
+              <a:ext uri="{FF2B5EF4-FFF2-40B4-BE49-F238E27FC236}">
+                <a16:creationId xmlns:a16="http://schemas.microsoft.com/office/drawing/2014/main" id="{9CB18899-6B9C-40F0-A03F-7B473153BE8A}"/>
+              </a:ext>
+            </a:extLst>
+          </p:cNvPr>
+          <p:cNvSpPr/>
+          <p:nvPr/>
+        </p:nvSpPr>
+        <p:spPr>
+          <a:xfrm>
+            <a:off x="3322266" y="3632839"/>
+            <a:ext cx="2499360" cy="396656"/>
+          </a:xfrm>
+          <a:prstGeom prst="rect">
+            <a:avLst/>
+          </a:prstGeom>
+          <a:solidFill>
+            <a:schemeClr val="bg1"/>
+          </a:solidFill>
+          <a:ln>
+            <a:solidFill>
+              <a:schemeClr val="tx1"/>
+            </a:solidFill>
+          </a:ln>
+        </p:spPr>
+        <p:style>
+          <a:lnRef idx="2">
+            <a:schemeClr val="accent1">
+              <a:shade val="50000"/>
+            </a:schemeClr>
+          </a:lnRef>
+          <a:fillRef idx="1">
+            <a:schemeClr val="accent1"/>
+          </a:fillRef>
+          <a:effectRef idx="0">
+            <a:schemeClr val="accent1"/>
+          </a:effectRef>
+          <a:fontRef idx="minor">
+            <a:schemeClr val="lt1"/>
+          </a:fontRef>
+        </p:style>
+        <p:txBody>
+          <a:bodyPr rtlCol="0" anchor="ctr"/>
+          <a:lstStyle/>
+          <a:p>
+            <a:pPr algn="ctr"/>
+            <a:r>
+              <a:rPr lang="ru-RU" sz="1400" dirty="0">
+                <a:solidFill>
+                  <a:schemeClr val="tx1"/>
+                </a:solidFill>
+                <a:latin typeface="Arial" panose="020B0604020202020204" pitchFamily="34" charset="0"/>
+                <a:cs typeface="Arial" panose="020B0604020202020204" pitchFamily="34" charset="0"/>
+              </a:rPr>
+              <a:t>состояние</a:t>
+            </a:r>
+            <a:r>
+              <a:rPr lang="en-US" sz="1400" dirty="0">
+                <a:solidFill>
+                  <a:schemeClr val="tx1"/>
+                </a:solidFill>
+                <a:latin typeface="Arial" panose="020B0604020202020204" pitchFamily="34" charset="0"/>
+                <a:cs typeface="Arial" panose="020B0604020202020204" pitchFamily="34" charset="0"/>
+              </a:rPr>
+              <a:t> = D(t, </a:t>
+            </a:r>
+            <a:r>
+              <a:rPr lang="ru-RU" sz="1400" dirty="0">
+                <a:solidFill>
+                  <a:schemeClr val="tx1"/>
+                </a:solidFill>
+                <a:latin typeface="Arial" panose="020B0604020202020204" pitchFamily="34" charset="0"/>
+                <a:cs typeface="Arial" panose="020B0604020202020204" pitchFamily="34" charset="0"/>
+              </a:rPr>
+              <a:t>состояние</a:t>
+            </a:r>
+            <a:r>
+              <a:rPr lang="en-US" sz="1400" dirty="0">
+                <a:solidFill>
+                  <a:schemeClr val="tx1"/>
+                </a:solidFill>
+                <a:latin typeface="Arial" panose="020B0604020202020204" pitchFamily="34" charset="0"/>
+                <a:cs typeface="Arial" panose="020B0604020202020204" pitchFamily="34" charset="0"/>
+              </a:rPr>
+              <a:t>)</a:t>
+            </a:r>
+            <a:endParaRPr lang="ru-RU" sz="1400" dirty="0">
+              <a:solidFill>
+                <a:schemeClr val="tx1"/>
+              </a:solidFill>
+              <a:latin typeface="Arial" panose="020B0604020202020204" pitchFamily="34" charset="0"/>
+              <a:cs typeface="Arial" panose="020B0604020202020204" pitchFamily="34" charset="0"/>
+            </a:endParaRPr>
+          </a:p>
+        </p:txBody>
+      </p:sp>
+      <p:sp>
+        <p:nvSpPr>
+          <p:cNvPr id="46" name="Прямоугольник 45">
+            <a:extLst>
+              <a:ext uri="{FF2B5EF4-FFF2-40B4-BE49-F238E27FC236}">
+                <a16:creationId xmlns:a16="http://schemas.microsoft.com/office/drawing/2014/main" id="{ED4AE073-28F8-4BCA-A0F3-1F067DA9F25D}"/>
+              </a:ext>
+            </a:extLst>
+          </p:cNvPr>
+          <p:cNvSpPr/>
+          <p:nvPr/>
+        </p:nvSpPr>
+        <p:spPr>
+          <a:xfrm>
+            <a:off x="3777793" y="1786358"/>
+            <a:ext cx="1588414" cy="318488"/>
+          </a:xfrm>
+          <a:prstGeom prst="rect">
+            <a:avLst/>
+          </a:prstGeom>
+          <a:solidFill>
+            <a:schemeClr val="bg1"/>
+          </a:solidFill>
+          <a:ln>
+            <a:solidFill>
+              <a:schemeClr val="tx1"/>
+            </a:solidFill>
+          </a:ln>
+        </p:spPr>
+        <p:style>
+          <a:lnRef idx="2">
+            <a:schemeClr val="accent1">
+              <a:shade val="50000"/>
+            </a:schemeClr>
+          </a:lnRef>
+          <a:fillRef idx="1">
+            <a:schemeClr val="accent1"/>
+          </a:fillRef>
+          <a:effectRef idx="0">
+            <a:schemeClr val="accent1"/>
+          </a:effectRef>
+          <a:fontRef idx="minor">
+            <a:schemeClr val="lt1"/>
+          </a:fontRef>
+        </p:style>
+        <p:txBody>
+          <a:bodyPr rtlCol="0" anchor="ctr"/>
+          <a:lstStyle/>
+          <a:p>
+            <a:pPr algn="ctr"/>
+            <a:r>
+              <a:rPr lang="ru-RU" sz="1400" dirty="0">
+                <a:solidFill>
+                  <a:schemeClr val="tx1"/>
+                </a:solidFill>
+                <a:latin typeface="Arial" panose="020B0604020202020204" pitchFamily="34" charset="0"/>
+                <a:cs typeface="Arial" panose="020B0604020202020204" pitchFamily="34" charset="0"/>
+              </a:rPr>
+              <a:t>состояние</a:t>
+            </a:r>
+            <a:r>
+              <a:rPr lang="en-US" sz="1400" dirty="0">
+                <a:solidFill>
+                  <a:schemeClr val="tx1"/>
+                </a:solidFill>
+                <a:latin typeface="Arial" panose="020B0604020202020204" pitchFamily="34" charset="0"/>
+                <a:cs typeface="Arial" panose="020B0604020202020204" pitchFamily="34" charset="0"/>
+              </a:rPr>
+              <a:t> = X(0) </a:t>
+            </a:r>
+            <a:endParaRPr lang="ru-RU" sz="1400" dirty="0">
+              <a:solidFill>
+                <a:schemeClr val="tx1"/>
+              </a:solidFill>
+              <a:latin typeface="Arial" panose="020B0604020202020204" pitchFamily="34" charset="0"/>
+              <a:cs typeface="Arial" panose="020B0604020202020204" pitchFamily="34" charset="0"/>
+            </a:endParaRPr>
+          </a:p>
+        </p:txBody>
+      </p:sp>
+      <p:cxnSp>
+        <p:nvCxnSpPr>
+          <p:cNvPr id="47" name="Прямая соединительная линия 46">
+            <a:extLst>
+              <a:ext uri="{FF2B5EF4-FFF2-40B4-BE49-F238E27FC236}">
+                <a16:creationId xmlns:a16="http://schemas.microsoft.com/office/drawing/2014/main" id="{3F1724B1-7192-48A8-B5C8-E463FC1133F9}"/>
+              </a:ext>
+            </a:extLst>
+          </p:cNvPr>
+          <p:cNvCxnSpPr>
+            <a:cxnSpLocks/>
+            <a:stCxn id="46" idx="2"/>
+            <a:endCxn id="204" idx="0"/>
+          </p:cNvCxnSpPr>
+          <p:nvPr/>
+        </p:nvCxnSpPr>
+        <p:spPr>
+          <a:xfrm>
+            <a:off x="4572000" y="2104846"/>
+            <a:ext cx="0" cy="217369"/>
+          </a:xfrm>
+          <a:prstGeom prst="line">
+            <a:avLst/>
+          </a:prstGeom>
+          <a:ln w="12700">
+            <a:solidFill>
+              <a:schemeClr val="tx1"/>
+            </a:solidFill>
+            <a:prstDash val="solid"/>
+            <a:headEnd type="none" w="med" len="med"/>
+            <a:tailEnd type="triangle" w="med" len="med"/>
+          </a:ln>
+        </p:spPr>
+        <p:style>
+          <a:lnRef idx="1">
+            <a:schemeClr val="accent1"/>
+          </a:lnRef>
+          <a:fillRef idx="0">
+            <a:schemeClr val="accent1"/>
+          </a:fillRef>
+          <a:effectRef idx="0">
+            <a:schemeClr val="accent1"/>
+          </a:effectRef>
+          <a:fontRef idx="minor">
+            <a:schemeClr val="tx1"/>
+          </a:fontRef>
+        </p:style>
+      </p:cxnSp>
+      <p:cxnSp>
+        <p:nvCxnSpPr>
+          <p:cNvPr id="58" name="Прямая соединительная линия 57">
+            <a:extLst>
+              <a:ext uri="{FF2B5EF4-FFF2-40B4-BE49-F238E27FC236}">
+                <a16:creationId xmlns:a16="http://schemas.microsoft.com/office/drawing/2014/main" id="{F0DAB1FF-2CAD-487C-A12A-319E87CCC40D}"/>
+              </a:ext>
+            </a:extLst>
+          </p:cNvPr>
+          <p:cNvCxnSpPr>
+            <a:cxnSpLocks/>
+            <a:stCxn id="39" idx="2"/>
+            <a:endCxn id="45" idx="0"/>
+          </p:cNvCxnSpPr>
+          <p:nvPr/>
+        </p:nvCxnSpPr>
+        <p:spPr>
+          <a:xfrm>
+            <a:off x="4571946" y="3368574"/>
+            <a:ext cx="0" cy="264265"/>
+          </a:xfrm>
+          <a:prstGeom prst="line">
+            <a:avLst/>
+          </a:prstGeom>
+          <a:ln w="12700">
+            <a:solidFill>
+              <a:schemeClr val="tx1"/>
+            </a:solidFill>
+            <a:prstDash val="solid"/>
+            <a:headEnd type="none" w="med" len="med"/>
+            <a:tailEnd type="triangle" w="med" len="med"/>
+          </a:ln>
+        </p:spPr>
+        <p:style>
+          <a:lnRef idx="1">
+            <a:schemeClr val="accent1"/>
+          </a:lnRef>
+          <a:fillRef idx="0">
+            <a:schemeClr val="accent1"/>
+          </a:fillRef>
+          <a:effectRef idx="0">
+            <a:schemeClr val="accent1"/>
+          </a:effectRef>
+          <a:fontRef idx="minor">
+            <a:schemeClr val="tx1"/>
+          </a:fontRef>
+        </p:style>
+      </p:cxnSp>
+      <p:sp>
+        <p:nvSpPr>
+          <p:cNvPr id="62" name="TextBox 61">
+            <a:extLst>
+              <a:ext uri="{FF2B5EF4-FFF2-40B4-BE49-F238E27FC236}">
+                <a16:creationId xmlns:a16="http://schemas.microsoft.com/office/drawing/2014/main" id="{08C2A68A-1B8D-4802-AEE4-3B9F5151A9B8}"/>
+              </a:ext>
+            </a:extLst>
+          </p:cNvPr>
+          <p:cNvSpPr txBox="1"/>
+          <p:nvPr/>
+        </p:nvSpPr>
+        <p:spPr>
+          <a:xfrm>
+            <a:off x="4569672" y="3313671"/>
+            <a:ext cx="405880" cy="307777"/>
+          </a:xfrm>
+          <a:prstGeom prst="rect">
+            <a:avLst/>
+          </a:prstGeom>
+          <a:noFill/>
+        </p:spPr>
+        <p:txBody>
+          <a:bodyPr wrap="none" rtlCol="0">
+            <a:spAutoFit/>
+          </a:bodyPr>
+          <a:lstStyle/>
+          <a:p>
+            <a:r>
+              <a:rPr lang="ru-RU" sz="1400" dirty="0">
+                <a:latin typeface="Arial" panose="020B0604020202020204" pitchFamily="34" charset="0"/>
+                <a:cs typeface="Arial" panose="020B0604020202020204" pitchFamily="34" charset="0"/>
+              </a:rPr>
+              <a:t>Да</a:t>
+            </a:r>
+          </a:p>
+        </p:txBody>
+      </p:sp>
+      <p:cxnSp>
+        <p:nvCxnSpPr>
+          <p:cNvPr id="23" name="Соединитель: уступ 22">
+            <a:extLst>
+              <a:ext uri="{FF2B5EF4-FFF2-40B4-BE49-F238E27FC236}">
+                <a16:creationId xmlns:a16="http://schemas.microsoft.com/office/drawing/2014/main" id="{E5BFC057-395D-46C0-B20D-BE62F02D036F}"/>
+              </a:ext>
+            </a:extLst>
+          </p:cNvPr>
+          <p:cNvCxnSpPr>
+            <a:cxnSpLocks/>
+            <a:stCxn id="45" idx="2"/>
+          </p:cNvCxnSpPr>
+          <p:nvPr/>
+        </p:nvCxnSpPr>
+        <p:spPr>
+          <a:xfrm rot="5400000" flipH="1">
+            <a:off x="3902025" y="3359574"/>
+            <a:ext cx="1335126" cy="4717"/>
+          </a:xfrm>
+          <a:prstGeom prst="bentConnector5">
+            <a:avLst>
+              <a:gd name="adj1" fmla="val -17122"/>
+              <a:gd name="adj2" fmla="val 29993216"/>
+              <a:gd name="adj3" fmla="val 99991"/>
+            </a:avLst>
+          </a:prstGeom>
+          <a:ln w="12700">
+            <a:solidFill>
+              <a:schemeClr val="tx1"/>
+            </a:solidFill>
+            <a:tailEnd type="triangle"/>
+          </a:ln>
+        </p:spPr>
+        <p:style>
+          <a:lnRef idx="1">
+            <a:schemeClr val="accent1"/>
+          </a:lnRef>
+          <a:fillRef idx="0">
+            <a:schemeClr val="accent1"/>
+          </a:fillRef>
+          <a:effectRef idx="0">
+            <a:schemeClr val="accent1"/>
+          </a:effectRef>
+          <a:fontRef idx="minor">
+            <a:schemeClr val="tx1"/>
+          </a:fontRef>
+        </p:style>
+      </p:cxnSp>
+      <p:sp>
+        <p:nvSpPr>
+          <p:cNvPr id="72" name="Прямоугольник 71">
+            <a:extLst>
+              <a:ext uri="{FF2B5EF4-FFF2-40B4-BE49-F238E27FC236}">
+                <a16:creationId xmlns:a16="http://schemas.microsoft.com/office/drawing/2014/main" id="{3EFDFA8B-365A-4DD2-A350-573294DAEF9E}"/>
+              </a:ext>
+            </a:extLst>
+          </p:cNvPr>
+          <p:cNvSpPr/>
+          <p:nvPr/>
+        </p:nvSpPr>
+        <p:spPr>
+          <a:xfrm>
+            <a:off x="3136096" y="5690158"/>
+            <a:ext cx="2854226" cy="350897"/>
+          </a:xfrm>
+          <a:prstGeom prst="rect">
+            <a:avLst/>
+          </a:prstGeom>
+          <a:solidFill>
+            <a:schemeClr val="bg1"/>
+          </a:solidFill>
+          <a:ln>
+            <a:solidFill>
+              <a:schemeClr val="tx1"/>
+            </a:solidFill>
+          </a:ln>
+        </p:spPr>
+        <p:style>
+          <a:lnRef idx="2">
+            <a:schemeClr val="accent1">
+              <a:shade val="50000"/>
+            </a:schemeClr>
+          </a:lnRef>
+          <a:fillRef idx="1">
+            <a:schemeClr val="accent1"/>
+          </a:fillRef>
+          <a:effectRef idx="0">
+            <a:schemeClr val="accent1"/>
+          </a:effectRef>
+          <a:fontRef idx="minor">
+            <a:schemeClr val="lt1"/>
+          </a:fontRef>
+        </p:style>
+        <p:txBody>
+          <a:bodyPr rtlCol="0" anchor="ctr"/>
+          <a:lstStyle/>
+          <a:p>
+            <a:pPr algn="ctr"/>
+            <a:r>
+              <a:rPr lang="ru-RU" sz="1400" dirty="0">
+                <a:solidFill>
+                  <a:schemeClr val="tx1"/>
+                </a:solidFill>
+                <a:latin typeface="Arial" panose="020B0604020202020204" pitchFamily="34" charset="0"/>
+                <a:cs typeface="Arial" panose="020B0604020202020204" pitchFamily="34" charset="0"/>
+              </a:rPr>
+              <a:t>приспособленность</a:t>
+            </a:r>
+            <a:r>
+              <a:rPr lang="en-US" sz="1400" dirty="0">
+                <a:solidFill>
+                  <a:schemeClr val="tx1"/>
+                </a:solidFill>
+                <a:latin typeface="Arial" panose="020B0604020202020204" pitchFamily="34" charset="0"/>
+                <a:cs typeface="Arial" panose="020B0604020202020204" pitchFamily="34" charset="0"/>
+              </a:rPr>
+              <a:t> = -</a:t>
+            </a:r>
+            <a:r>
+              <a:rPr lang="ru-RU" sz="1400" dirty="0">
+                <a:solidFill>
+                  <a:srgbClr val="202124"/>
+                </a:solidFill>
+                <a:latin typeface="Arial" panose="020B0604020202020204" pitchFamily="34" charset="0"/>
+                <a:cs typeface="Arial" panose="020B0604020202020204" pitchFamily="34" charset="0"/>
+              </a:rPr>
+              <a:t>сумма</a:t>
+            </a:r>
+            <a:r>
+              <a:rPr lang="en-US" sz="1400" dirty="0">
+                <a:solidFill>
+                  <a:schemeClr val="tx1"/>
+                </a:solidFill>
+                <a:latin typeface="Arial" panose="020B0604020202020204" pitchFamily="34" charset="0"/>
+                <a:cs typeface="Arial" panose="020B0604020202020204" pitchFamily="34" charset="0"/>
+              </a:rPr>
+              <a:t>(d)</a:t>
+            </a:r>
+            <a:endParaRPr lang="ru-RU" sz="1400" dirty="0">
+              <a:solidFill>
+                <a:schemeClr val="tx1"/>
+              </a:solidFill>
+              <a:latin typeface="Arial" panose="020B0604020202020204" pitchFamily="34" charset="0"/>
+              <a:cs typeface="Arial" panose="020B0604020202020204" pitchFamily="34" charset="0"/>
+            </a:endParaRPr>
+          </a:p>
+        </p:txBody>
+      </p:sp>
+      <p:sp>
+        <p:nvSpPr>
+          <p:cNvPr id="120" name="TextBox 119">
+            <a:extLst>
+              <a:ext uri="{FF2B5EF4-FFF2-40B4-BE49-F238E27FC236}">
+                <a16:creationId xmlns:a16="http://schemas.microsoft.com/office/drawing/2014/main" id="{302A6374-7DA4-445F-B887-FD25ADA0A0E2}"/>
+              </a:ext>
+            </a:extLst>
+          </p:cNvPr>
+          <p:cNvSpPr txBox="1"/>
+          <p:nvPr/>
+        </p:nvSpPr>
+        <p:spPr>
+          <a:xfrm>
+            <a:off x="5153000" y="2778842"/>
+            <a:ext cx="489686" cy="307777"/>
+          </a:xfrm>
+          <a:prstGeom prst="rect">
+            <a:avLst/>
+          </a:prstGeom>
+          <a:noFill/>
+        </p:spPr>
+        <p:txBody>
+          <a:bodyPr wrap="none" rtlCol="0">
+            <a:spAutoFit/>
+          </a:bodyPr>
+          <a:lstStyle/>
+          <a:p>
+            <a:r>
+              <a:rPr lang="ru-RU" sz="1400" dirty="0">
+                <a:latin typeface="Arial" panose="020B0604020202020204" pitchFamily="34" charset="0"/>
+                <a:cs typeface="Arial" panose="020B0604020202020204" pitchFamily="34" charset="0"/>
+              </a:rPr>
+              <a:t>Нет</a:t>
+            </a:r>
+          </a:p>
+        </p:txBody>
+      </p:sp>
+      <p:sp>
+        <p:nvSpPr>
+          <p:cNvPr id="133" name="Прямоугольник 132">
+            <a:extLst>
+              <a:ext uri="{FF2B5EF4-FFF2-40B4-BE49-F238E27FC236}">
+                <a16:creationId xmlns:a16="http://schemas.microsoft.com/office/drawing/2014/main" id="{F9B9BC7D-3100-41D3-A7FE-E5201E31607F}"/>
+              </a:ext>
+            </a:extLst>
+          </p:cNvPr>
+          <p:cNvSpPr/>
+          <p:nvPr/>
+        </p:nvSpPr>
+        <p:spPr>
+          <a:xfrm>
+            <a:off x="3579485" y="4535438"/>
+            <a:ext cx="1973594" cy="350897"/>
+          </a:xfrm>
+          <a:prstGeom prst="rect">
+            <a:avLst/>
+          </a:prstGeom>
+          <a:solidFill>
+            <a:schemeClr val="bg1"/>
+          </a:solidFill>
+          <a:ln>
+            <a:solidFill>
+              <a:schemeClr val="tx1"/>
+            </a:solidFill>
+          </a:ln>
+        </p:spPr>
+        <p:style>
+          <a:lnRef idx="2">
+            <a:schemeClr val="accent1">
+              <a:shade val="50000"/>
+            </a:schemeClr>
+          </a:lnRef>
+          <a:fillRef idx="1">
+            <a:schemeClr val="accent1"/>
+          </a:fillRef>
+          <a:effectRef idx="0">
+            <a:schemeClr val="accent1"/>
+          </a:effectRef>
+          <a:fontRef idx="minor">
+            <a:schemeClr val="lt1"/>
+          </a:fontRef>
+        </p:style>
+        <p:txBody>
+          <a:bodyPr rtlCol="0" anchor="ctr"/>
+          <a:lstStyle/>
+          <a:p>
+            <a:pPr algn="ctr"/>
+            <a:r>
+              <a:rPr lang="en-US" sz="1400" dirty="0">
+                <a:solidFill>
+                  <a:schemeClr val="tx1"/>
+                </a:solidFill>
+                <a:latin typeface="Arial" panose="020B0604020202020204" pitchFamily="34" charset="0"/>
+                <a:cs typeface="Arial" panose="020B0604020202020204" pitchFamily="34" charset="0"/>
+              </a:rPr>
+              <a:t>Y(s) = </a:t>
+            </a:r>
+            <a:r>
+              <a:rPr lang="ru-RU" sz="1400" dirty="0">
+                <a:solidFill>
+                  <a:schemeClr val="tx1"/>
+                </a:solidFill>
+                <a:latin typeface="Arial" panose="020B0604020202020204" pitchFamily="34" charset="0"/>
+                <a:cs typeface="Arial" panose="020B0604020202020204" pitchFamily="34" charset="0"/>
+              </a:rPr>
+              <a:t>состояние </a:t>
+            </a:r>
+            <a:r>
+              <a:rPr lang="ru-RU" sz="1400" i="0" dirty="0">
+                <a:solidFill>
+                  <a:srgbClr val="202124"/>
+                </a:solidFill>
+                <a:effectLst/>
+                <a:latin typeface="Arial" panose="020B0604020202020204" pitchFamily="34" charset="0"/>
+                <a:cs typeface="Arial" panose="020B0604020202020204" pitchFamily="34" charset="0"/>
+              </a:rPr>
+              <a:t>∩</a:t>
+            </a:r>
+            <a:r>
+              <a:rPr lang="en-US" sz="1400" dirty="0">
+                <a:solidFill>
+                  <a:schemeClr val="tx1"/>
+                </a:solidFill>
+                <a:latin typeface="Arial" panose="020B0604020202020204" pitchFamily="34" charset="0"/>
+                <a:cs typeface="Arial" panose="020B0604020202020204" pitchFamily="34" charset="0"/>
+              </a:rPr>
+              <a:t> G</a:t>
+            </a:r>
+            <a:endParaRPr lang="ru-RU" sz="1400" dirty="0">
+              <a:solidFill>
+                <a:schemeClr val="tx1"/>
+              </a:solidFill>
+              <a:latin typeface="Arial" panose="020B0604020202020204" pitchFamily="34" charset="0"/>
+              <a:cs typeface="Arial" panose="020B0604020202020204" pitchFamily="34" charset="0"/>
+            </a:endParaRPr>
+          </a:p>
+        </p:txBody>
+      </p:sp>
+      <p:sp>
+        <p:nvSpPr>
+          <p:cNvPr id="134" name="Прямоугольник 133">
+            <a:extLst>
+              <a:ext uri="{FF2B5EF4-FFF2-40B4-BE49-F238E27FC236}">
+                <a16:creationId xmlns:a16="http://schemas.microsoft.com/office/drawing/2014/main" id="{D59A3E46-A623-4D8F-9E8F-0C1AEA6E4E1B}"/>
+              </a:ext>
+            </a:extLst>
+          </p:cNvPr>
+          <p:cNvSpPr/>
+          <p:nvPr/>
+        </p:nvSpPr>
+        <p:spPr>
+          <a:xfrm>
+            <a:off x="3790080" y="5112798"/>
+            <a:ext cx="1552404" cy="350897"/>
+          </a:xfrm>
+          <a:prstGeom prst="rect">
+            <a:avLst/>
+          </a:prstGeom>
+          <a:solidFill>
+            <a:schemeClr val="bg1"/>
+          </a:solidFill>
+          <a:ln>
+            <a:solidFill>
+              <a:schemeClr val="tx1"/>
+            </a:solidFill>
+          </a:ln>
+        </p:spPr>
+        <p:style>
+          <a:lnRef idx="2">
+            <a:schemeClr val="accent1">
+              <a:shade val="50000"/>
+            </a:schemeClr>
+          </a:lnRef>
+          <a:fillRef idx="1">
+            <a:schemeClr val="accent1"/>
+          </a:fillRef>
+          <a:effectRef idx="0">
+            <a:schemeClr val="accent1"/>
+          </a:effectRef>
+          <a:fontRef idx="minor">
+            <a:schemeClr val="lt1"/>
+          </a:fontRef>
+        </p:style>
+        <p:txBody>
+          <a:bodyPr rtlCol="0" anchor="ctr"/>
+          <a:lstStyle/>
+          <a:p>
+            <a:pPr algn="ctr"/>
+            <a:r>
+              <a:rPr lang="en-US" sz="1400" dirty="0">
+                <a:solidFill>
+                  <a:schemeClr val="tx1"/>
+                </a:solidFill>
+                <a:latin typeface="Arial" panose="020B0604020202020204" pitchFamily="34" charset="0"/>
+                <a:cs typeface="Arial" panose="020B0604020202020204" pitchFamily="34" charset="0"/>
+              </a:rPr>
+              <a:t>d = (Y(s) – Y)^2</a:t>
+            </a:r>
+            <a:endParaRPr lang="ru-RU" sz="1400" dirty="0">
+              <a:solidFill>
+                <a:schemeClr val="tx1"/>
+              </a:solidFill>
+              <a:latin typeface="Arial" panose="020B0604020202020204" pitchFamily="34" charset="0"/>
+              <a:cs typeface="Arial" panose="020B0604020202020204" pitchFamily="34" charset="0"/>
+            </a:endParaRPr>
+          </a:p>
+        </p:txBody>
+      </p:sp>
+      <p:cxnSp>
+        <p:nvCxnSpPr>
+          <p:cNvPr id="102" name="Соединитель: уступ 101">
+            <a:extLst>
+              <a:ext uri="{FF2B5EF4-FFF2-40B4-BE49-F238E27FC236}">
+                <a16:creationId xmlns:a16="http://schemas.microsoft.com/office/drawing/2014/main" id="{5EC158B7-1898-4C9A-984F-5708DCAA7AA2}"/>
+              </a:ext>
+            </a:extLst>
+          </p:cNvPr>
+          <p:cNvCxnSpPr>
+            <a:cxnSpLocks/>
+            <a:stCxn id="39" idx="3"/>
+            <a:endCxn id="133" idx="0"/>
+          </p:cNvCxnSpPr>
+          <p:nvPr/>
+        </p:nvCxnSpPr>
+        <p:spPr>
+          <a:xfrm flipH="1">
+            <a:off x="4566282" y="3119085"/>
+            <a:ext cx="679509" cy="1416353"/>
+          </a:xfrm>
+          <a:prstGeom prst="bentConnector4">
+            <a:avLst>
+              <a:gd name="adj1" fmla="val -110271"/>
+              <a:gd name="adj2" fmla="val 88845"/>
+            </a:avLst>
+          </a:prstGeom>
+          <a:ln w="12700">
+            <a:solidFill>
+              <a:schemeClr val="tx1"/>
+            </a:solidFill>
+            <a:tailEnd type="triangle"/>
+          </a:ln>
+        </p:spPr>
+        <p:style>
+          <a:lnRef idx="1">
+            <a:schemeClr val="accent1"/>
+          </a:lnRef>
+          <a:fillRef idx="0">
+            <a:schemeClr val="accent1"/>
+          </a:fillRef>
+          <a:effectRef idx="0">
+            <a:schemeClr val="accent1"/>
+          </a:effectRef>
+          <a:fontRef idx="minor">
+            <a:schemeClr val="tx1"/>
+          </a:fontRef>
+        </p:style>
+      </p:cxnSp>
+      <p:cxnSp>
+        <p:nvCxnSpPr>
+          <p:cNvPr id="142" name="Прямая соединительная линия 141">
+            <a:extLst>
+              <a:ext uri="{FF2B5EF4-FFF2-40B4-BE49-F238E27FC236}">
+                <a16:creationId xmlns:a16="http://schemas.microsoft.com/office/drawing/2014/main" id="{819DDFAF-DBE4-4337-9765-380AF76C0CEF}"/>
+              </a:ext>
+            </a:extLst>
+          </p:cNvPr>
+          <p:cNvCxnSpPr>
+            <a:cxnSpLocks/>
+            <a:stCxn id="133" idx="2"/>
+            <a:endCxn id="134" idx="0"/>
+          </p:cNvCxnSpPr>
+          <p:nvPr/>
+        </p:nvCxnSpPr>
+        <p:spPr>
+          <a:xfrm>
+            <a:off x="4566282" y="4886335"/>
+            <a:ext cx="0" cy="226463"/>
+          </a:xfrm>
+          <a:prstGeom prst="line">
+            <a:avLst/>
+          </a:prstGeom>
+          <a:ln w="12700">
+            <a:solidFill>
+              <a:schemeClr val="tx1"/>
+            </a:solidFill>
+            <a:prstDash val="solid"/>
+            <a:headEnd type="none" w="med" len="med"/>
+            <a:tailEnd type="triangle" w="med" len="med"/>
+          </a:ln>
+        </p:spPr>
+        <p:style>
+          <a:lnRef idx="1">
+            <a:schemeClr val="accent1"/>
+          </a:lnRef>
+          <a:fillRef idx="0">
+            <a:schemeClr val="accent1"/>
+          </a:fillRef>
+          <a:effectRef idx="0">
+            <a:schemeClr val="accent1"/>
+          </a:effectRef>
+          <a:fontRef idx="minor">
+            <a:schemeClr val="tx1"/>
+          </a:fontRef>
+        </p:style>
+      </p:cxnSp>
+      <p:cxnSp>
+        <p:nvCxnSpPr>
+          <p:cNvPr id="145" name="Прямая соединительная линия 144">
+            <a:extLst>
+              <a:ext uri="{FF2B5EF4-FFF2-40B4-BE49-F238E27FC236}">
+                <a16:creationId xmlns:a16="http://schemas.microsoft.com/office/drawing/2014/main" id="{75E3E214-F976-4FE3-ACF5-CB5114BCCF93}"/>
+              </a:ext>
+            </a:extLst>
+          </p:cNvPr>
+          <p:cNvCxnSpPr>
+            <a:cxnSpLocks/>
+            <a:stCxn id="134" idx="2"/>
+            <a:endCxn id="72" idx="0"/>
+          </p:cNvCxnSpPr>
+          <p:nvPr/>
+        </p:nvCxnSpPr>
+        <p:spPr>
+          <a:xfrm flipH="1">
+            <a:off x="4563209" y="5463695"/>
+            <a:ext cx="3073" cy="226463"/>
+          </a:xfrm>
+          <a:prstGeom prst="line">
+            <a:avLst/>
+          </a:prstGeom>
+          <a:ln w="12700">
+            <a:solidFill>
+              <a:schemeClr val="tx1"/>
+            </a:solidFill>
+            <a:prstDash val="solid"/>
+            <a:headEnd type="none" w="med" len="med"/>
+            <a:tailEnd type="triangle" w="med" len="med"/>
+          </a:ln>
+        </p:spPr>
+        <p:style>
+          <a:lnRef idx="1">
+            <a:schemeClr val="accent1"/>
+          </a:lnRef>
+          <a:fillRef idx="0">
+            <a:schemeClr val="accent1"/>
+          </a:fillRef>
+          <a:effectRef idx="0">
+            <a:schemeClr val="accent1"/>
+          </a:effectRef>
+          <a:fontRef idx="minor">
+            <a:schemeClr val="tx1"/>
+          </a:fontRef>
+        </p:style>
+      </p:cxnSp>
+      <p:sp>
+        <p:nvSpPr>
+          <p:cNvPr id="35" name="Прямоугольник: скругленные углы 34">
+            <a:extLst>
+              <a:ext uri="{FF2B5EF4-FFF2-40B4-BE49-F238E27FC236}">
+                <a16:creationId xmlns:a16="http://schemas.microsoft.com/office/drawing/2014/main" id="{2D9C01A2-1AAB-451B-B674-842D4B3AC8D4}"/>
+              </a:ext>
+            </a:extLst>
+          </p:cNvPr>
+          <p:cNvSpPr/>
+          <p:nvPr/>
+        </p:nvSpPr>
+        <p:spPr>
+          <a:xfrm>
+            <a:off x="4094693" y="1252248"/>
+            <a:ext cx="954613" cy="287734"/>
+          </a:xfrm>
+          <a:prstGeom prst="roundRect">
+            <a:avLst/>
+          </a:prstGeom>
+          <a:solidFill>
+            <a:schemeClr val="bg1"/>
+          </a:solidFill>
+          <a:ln>
+            <a:solidFill>
+              <a:schemeClr val="tx1"/>
+            </a:solidFill>
+          </a:ln>
+        </p:spPr>
+        <p:style>
+          <a:lnRef idx="2">
+            <a:schemeClr val="accent1">
+              <a:shade val="50000"/>
+            </a:schemeClr>
+          </a:lnRef>
+          <a:fillRef idx="1">
+            <a:schemeClr val="accent1"/>
+          </a:fillRef>
+          <a:effectRef idx="0">
+            <a:schemeClr val="accent1"/>
+          </a:effectRef>
+          <a:fontRef idx="minor">
+            <a:schemeClr val="lt1"/>
+          </a:fontRef>
+        </p:style>
+        <p:txBody>
+          <a:bodyPr rtlCol="0" anchor="ctr"/>
+          <a:lstStyle/>
+          <a:p>
+            <a:pPr algn="ctr"/>
+            <a:r>
+              <a:rPr lang="ru-RU" sz="1400" dirty="0">
+                <a:solidFill>
+                  <a:schemeClr val="tx1"/>
+                </a:solidFill>
+                <a:latin typeface="Arial" panose="020B0604020202020204" pitchFamily="34" charset="0"/>
+                <a:cs typeface="Arial" panose="020B0604020202020204" pitchFamily="34" charset="0"/>
+              </a:rPr>
+              <a:t>Начало</a:t>
+            </a:r>
+          </a:p>
+        </p:txBody>
+      </p:sp>
+      <p:cxnSp>
+        <p:nvCxnSpPr>
+          <p:cNvPr id="54" name="Прямая соединительная линия 53">
+            <a:extLst>
+              <a:ext uri="{FF2B5EF4-FFF2-40B4-BE49-F238E27FC236}">
+                <a16:creationId xmlns:a16="http://schemas.microsoft.com/office/drawing/2014/main" id="{30BBE81E-DEE1-4E49-8C14-6ED957454942}"/>
+              </a:ext>
+            </a:extLst>
+          </p:cNvPr>
+          <p:cNvCxnSpPr>
+            <a:cxnSpLocks/>
+            <a:stCxn id="35" idx="2"/>
+            <a:endCxn id="46" idx="0"/>
+          </p:cNvCxnSpPr>
+          <p:nvPr/>
+        </p:nvCxnSpPr>
+        <p:spPr>
+          <a:xfrm>
+            <a:off x="4572000" y="1539982"/>
+            <a:ext cx="0" cy="246376"/>
+          </a:xfrm>
+          <a:prstGeom prst="line">
+            <a:avLst/>
+          </a:prstGeom>
+          <a:ln w="12700">
+            <a:solidFill>
+              <a:schemeClr val="tx1"/>
+            </a:solidFill>
+            <a:prstDash val="solid"/>
+            <a:headEnd type="none" w="med" len="med"/>
+            <a:tailEnd type="triangle" w="med" len="med"/>
+          </a:ln>
+        </p:spPr>
+        <p:style>
+          <a:lnRef idx="1">
+            <a:schemeClr val="accent1"/>
+          </a:lnRef>
+          <a:fillRef idx="0">
+            <a:schemeClr val="accent1"/>
+          </a:fillRef>
+          <a:effectRef idx="0">
+            <a:schemeClr val="accent1"/>
+          </a:effectRef>
+          <a:fontRef idx="minor">
+            <a:schemeClr val="tx1"/>
+          </a:fontRef>
+        </p:style>
+      </p:cxnSp>
+      <p:sp>
+        <p:nvSpPr>
+          <p:cNvPr id="63" name="Прямоугольник: скругленные углы 62">
+            <a:extLst>
+              <a:ext uri="{FF2B5EF4-FFF2-40B4-BE49-F238E27FC236}">
+                <a16:creationId xmlns:a16="http://schemas.microsoft.com/office/drawing/2014/main" id="{A3DB87D7-6311-4692-B176-AA5FC6E4DAAF}"/>
+              </a:ext>
+            </a:extLst>
+          </p:cNvPr>
+          <p:cNvSpPr/>
+          <p:nvPr/>
+        </p:nvSpPr>
+        <p:spPr>
+          <a:xfrm>
+            <a:off x="4085902" y="6284692"/>
+            <a:ext cx="954613" cy="287734"/>
+          </a:xfrm>
+          <a:prstGeom prst="roundRect">
+            <a:avLst/>
+          </a:prstGeom>
+          <a:solidFill>
+            <a:schemeClr val="bg1"/>
+          </a:solidFill>
+          <a:ln>
+            <a:solidFill>
+              <a:schemeClr val="tx1"/>
+            </a:solidFill>
+          </a:ln>
+        </p:spPr>
+        <p:style>
+          <a:lnRef idx="2">
+            <a:schemeClr val="accent1">
+              <a:shade val="50000"/>
+            </a:schemeClr>
+          </a:lnRef>
+          <a:fillRef idx="1">
+            <a:schemeClr val="accent1"/>
+          </a:fillRef>
+          <a:effectRef idx="0">
+            <a:schemeClr val="accent1"/>
+          </a:effectRef>
+          <a:fontRef idx="minor">
+            <a:schemeClr val="lt1"/>
+          </a:fontRef>
+        </p:style>
+        <p:txBody>
+          <a:bodyPr rtlCol="0" anchor="ctr"/>
+          <a:lstStyle/>
+          <a:p>
+            <a:pPr algn="ctr"/>
+            <a:r>
+              <a:rPr lang="ru-RU" sz="1400" dirty="0">
+                <a:solidFill>
+                  <a:schemeClr val="tx1"/>
+                </a:solidFill>
+                <a:latin typeface="Arial" panose="020B0604020202020204" pitchFamily="34" charset="0"/>
+                <a:cs typeface="Arial" panose="020B0604020202020204" pitchFamily="34" charset="0"/>
+              </a:rPr>
+              <a:t>Конец</a:t>
+            </a:r>
+          </a:p>
+        </p:txBody>
+      </p:sp>
+      <p:cxnSp>
+        <p:nvCxnSpPr>
+          <p:cNvPr id="64" name="Прямая соединительная линия 63">
+            <a:extLst>
+              <a:ext uri="{FF2B5EF4-FFF2-40B4-BE49-F238E27FC236}">
+                <a16:creationId xmlns:a16="http://schemas.microsoft.com/office/drawing/2014/main" id="{C0775F9A-1A50-406E-8801-A88990737F1F}"/>
+              </a:ext>
+            </a:extLst>
+          </p:cNvPr>
+          <p:cNvCxnSpPr>
+            <a:cxnSpLocks/>
+            <a:stCxn id="72" idx="2"/>
+            <a:endCxn id="63" idx="0"/>
+          </p:cNvCxnSpPr>
+          <p:nvPr/>
+        </p:nvCxnSpPr>
+        <p:spPr>
+          <a:xfrm>
+            <a:off x="4563209" y="6041055"/>
+            <a:ext cx="0" cy="243637"/>
+          </a:xfrm>
+          <a:prstGeom prst="line">
+            <a:avLst/>
+          </a:prstGeom>
+          <a:ln w="12700">
+            <a:solidFill>
+              <a:schemeClr val="tx1"/>
+            </a:solidFill>
+            <a:prstDash val="solid"/>
+            <a:headEnd type="none" w="med" len="med"/>
+            <a:tailEnd type="triangle" w="med" len="med"/>
+          </a:ln>
+        </p:spPr>
+        <p:style>
+          <a:lnRef idx="1">
+            <a:schemeClr val="accent1"/>
+          </a:lnRef>
+          <a:fillRef idx="0">
+            <a:schemeClr val="accent1"/>
+          </a:fillRef>
+          <a:effectRef idx="0">
+            <a:schemeClr val="accent1"/>
+          </a:effectRef>
+          <a:fontRef idx="minor">
+            <a:schemeClr val="tx1"/>
+          </a:fontRef>
+        </p:style>
+      </p:cxnSp>
+    </p:spTree>
+    <p:extLst>
+      <p:ext uri="{BB962C8B-B14F-4D97-AF65-F5344CB8AC3E}">
+        <p14:creationId xmlns:p14="http://schemas.microsoft.com/office/powerpoint/2010/main" val="3185577144"/>
       </p:ext>
     </p:extLst>
   </p:cSld>
@@ -8630,7 +10886,7 @@
   <a:extraClrSchemeLst/>
   <a:extLst>
     <a:ext uri="{05A4C25C-085E-4340-85A3-A5531E510DB2}">
-      <thm15:themeFamily xmlns:thm15="http://schemas.microsoft.com/office/thememl/2012/main" xmlns="" name="Office Theme" id="{62F939B6-93AF-4DB8-9C6B-D6C7DFDC589F}" vid="{4A3C46E8-61CC-4603-A589-7422A47A8E4A}"/>
+      <thm15:themeFamily xmlns:thm15="http://schemas.microsoft.com/office/thememl/2012/main" name="Office Theme" id="{62F939B6-93AF-4DB8-9C6B-D6C7DFDC589F}" vid="{4A3C46E8-61CC-4603-A589-7422A47A8E4A}"/>
     </a:ext>
   </a:extLst>
 </a:theme>
@@ -8891,7 +11147,7 @@
   <a:extraClrSchemeLst/>
   <a:extLst>
     <a:ext uri="{05A4C25C-085E-4340-85A3-A5531E510DB2}">
-      <thm15:themeFamily xmlns:thm15="http://schemas.microsoft.com/office/thememl/2012/main" xmlns="" name="Office Theme" id="{62F939B6-93AF-4DB8-9C6B-D6C7DFDC589F}" vid="{4A3C46E8-61CC-4603-A589-7422A47A8E4A}"/>
+      <thm15:themeFamily xmlns:thm15="http://schemas.microsoft.com/office/thememl/2012/main" name="Office Theme" id="{62F939B6-93AF-4DB8-9C6B-D6C7DFDC589F}" vid="{4A3C46E8-61CC-4603-A589-7422A47A8E4A}"/>
     </a:ext>
   </a:extLst>
 </a:theme>

--- a/docs/presentation.pptx
+++ b/docs/presentation.pptx
@@ -5,10 +5,10 @@
     <p:sldMasterId id="2147483696" r:id="rId1"/>
   </p:sldMasterIdLst>
   <p:notesMasterIdLst>
-    <p:notesMasterId r:id="rId11"/>
+    <p:notesMasterId r:id="rId12"/>
   </p:notesMasterIdLst>
   <p:handoutMasterIdLst>
-    <p:handoutMasterId r:id="rId12"/>
+    <p:handoutMasterId r:id="rId13"/>
   </p:handoutMasterIdLst>
   <p:sldIdLst>
     <p:sldId id="256" r:id="rId2"/>
@@ -16,10 +16,11 @@
     <p:sldId id="291" r:id="rId4"/>
     <p:sldId id="292" r:id="rId5"/>
     <p:sldId id="297" r:id="rId6"/>
-    <p:sldId id="296" r:id="rId7"/>
-    <p:sldId id="298" r:id="rId8"/>
-    <p:sldId id="300" r:id="rId9"/>
-    <p:sldId id="299" r:id="rId10"/>
+    <p:sldId id="301" r:id="rId7"/>
+    <p:sldId id="296" r:id="rId8"/>
+    <p:sldId id="298" r:id="rId9"/>
+    <p:sldId id="300" r:id="rId10"/>
+    <p:sldId id="299" r:id="rId11"/>
   </p:sldIdLst>
   <p:sldSz cx="9144000" cy="6858000" type="screen4x3"/>
   <p:notesSz cx="6858000" cy="9144000"/>
@@ -128,6 +129,7 @@
             <p14:sldId id="291"/>
             <p14:sldId id="292"/>
             <p14:sldId id="297"/>
+            <p14:sldId id="301"/>
             <p14:sldId id="296"/>
             <p14:sldId id="298"/>
             <p14:sldId id="300"/>
@@ -237,7 +239,7 @@
             <a:fld id="{44B5C488-63D3-4764-8352-CF301584D11C}" type="datetimeFigureOut">
               <a:rPr lang="ru-RU" smtClean="0"/>
               <a:pPr/>
-              <a:t>26.12.2022</a:t>
+              <a:t>19.04.2023</a:t>
             </a:fld>
             <a:endParaRPr lang="ru-RU"/>
           </a:p>
@@ -405,7 +407,7 @@
             <a:fld id="{1A835A0B-8D32-41B0-A61A-1EF2F9BC048D}" type="datetimeFigureOut">
               <a:rPr lang="ru-RU" smtClean="0"/>
               <a:pPr/>
-              <a:t>26.12.2022</a:t>
+              <a:t>19.04.2023</a:t>
             </a:fld>
             <a:endParaRPr lang="ru-RU"/>
           </a:p>
@@ -806,7 +808,7 @@
             <a:fld id="{EEA59173-593A-4C3C-B303-E4EEE2211D7C}" type="datetime1">
               <a:rPr lang="ru-RU" smtClean="0"/>
               <a:pPr/>
-              <a:t>26.12.2022</a:t>
+              <a:t>19.04.2023</a:t>
             </a:fld>
             <a:endParaRPr lang="ru-RU"/>
           </a:p>
@@ -1008,7 +1010,7 @@
             <a:fld id="{9315525D-A537-434D-8ECF-F985A02C2ACA}" type="datetime1">
               <a:rPr lang="ru-RU" smtClean="0"/>
               <a:pPr/>
-              <a:t>26.12.2022</a:t>
+              <a:t>19.04.2023</a:t>
             </a:fld>
             <a:endParaRPr lang="ru-RU"/>
           </a:p>
@@ -1190,7 +1192,7 @@
             <a:fld id="{132DD733-C814-439B-8E02-890D3FFEF13E}" type="datetime1">
               <a:rPr lang="ru-RU" smtClean="0"/>
               <a:pPr/>
-              <a:t>26.12.2022</a:t>
+              <a:t>19.04.2023</a:t>
             </a:fld>
             <a:endParaRPr lang="ru-RU"/>
           </a:p>
@@ -1362,7 +1364,7 @@
             <a:fld id="{B38B597E-3358-4497-8B1D-CD8DBEB0F70C}" type="datetime1">
               <a:rPr lang="ru-RU" smtClean="0"/>
               <a:pPr/>
-              <a:t>26.12.2022</a:t>
+              <a:t>19.04.2023</a:t>
             </a:fld>
             <a:endParaRPr lang="ru-RU"/>
           </a:p>
@@ -1638,7 +1640,7 @@
             <a:fld id="{C2F3329A-ED6E-4464-88AD-B32EC16DF484}" type="datetime1">
               <a:rPr lang="ru-RU" smtClean="0"/>
               <a:pPr/>
-              <a:t>26.12.2022</a:t>
+              <a:t>19.04.2023</a:t>
             </a:fld>
             <a:endParaRPr lang="ru-RU"/>
           </a:p>
@@ -1902,7 +1904,7 @@
             <a:fld id="{A30A5F06-488E-4F49-8F9D-11A987DD4BFF}" type="datetime1">
               <a:rPr lang="ru-RU" smtClean="0"/>
               <a:pPr/>
-              <a:t>26.12.2022</a:t>
+              <a:t>19.04.2023</a:t>
             </a:fld>
             <a:endParaRPr lang="ru-RU"/>
           </a:p>
@@ -2301,7 +2303,7 @@
             <a:fld id="{E5481919-59AB-4829-8722-B45304DD1A12}" type="datetime1">
               <a:rPr lang="ru-RU" smtClean="0"/>
               <a:pPr/>
-              <a:t>26.12.2022</a:t>
+              <a:t>19.04.2023</a:t>
             </a:fld>
             <a:endParaRPr lang="ru-RU"/>
           </a:p>
@@ -2451,7 +2453,7 @@
             <a:fld id="{12A539FA-8085-489F-92BF-872329FA4B63}" type="datetime1">
               <a:rPr lang="ru-RU" smtClean="0"/>
               <a:pPr/>
-              <a:t>26.12.2022</a:t>
+              <a:t>19.04.2023</a:t>
             </a:fld>
             <a:endParaRPr lang="ru-RU"/>
           </a:p>
@@ -2578,7 +2580,7 @@
             <a:fld id="{FEC74F4F-1BC8-4547-871F-84C52324B268}" type="datetime1">
               <a:rPr lang="ru-RU" smtClean="0"/>
               <a:pPr/>
-              <a:t>26.12.2022</a:t>
+              <a:t>19.04.2023</a:t>
             </a:fld>
             <a:endParaRPr lang="ru-RU"/>
           </a:p>
@@ -2857,7 +2859,7 @@
             <a:fld id="{AFBC911A-946A-4B8D-A499-A34E8653DA80}" type="datetime1">
               <a:rPr lang="ru-RU" smtClean="0"/>
               <a:pPr/>
-              <a:t>26.12.2022</a:t>
+              <a:t>19.04.2023</a:t>
             </a:fld>
             <a:endParaRPr lang="ru-RU"/>
           </a:p>
@@ -3116,7 +3118,7 @@
             <a:fld id="{17C85FD4-ADA4-4ABE-8DAB-F7AE92914B09}" type="datetime1">
               <a:rPr lang="ru-RU" smtClean="0"/>
               <a:pPr/>
-              <a:t>26.12.2022</a:t>
+              <a:t>19.04.2023</a:t>
             </a:fld>
             <a:endParaRPr lang="ru-RU"/>
           </a:p>
@@ -3331,7 +3333,7 @@
             <a:fld id="{15C4CC34-43B6-4C65-A00E-DB2D3504CD2F}" type="datetime1">
               <a:rPr lang="ru-RU" smtClean="0"/>
               <a:pPr/>
-              <a:t>26.12.2022</a:t>
+              <a:t>19.04.2023</a:t>
             </a:fld>
             <a:endParaRPr lang="ru-RU"/>
           </a:p>
@@ -4246,6 +4248,1364 @@
 </p:sld>
 </file>
 
+<file path=ppt/slides/slide10.xml><?xml version="1.0" encoding="utf-8"?>
+<p:sld xmlns:a="http://schemas.openxmlformats.org/drawingml/2006/main" xmlns:r="http://schemas.openxmlformats.org/officeDocument/2006/relationships" xmlns:p="http://schemas.openxmlformats.org/presentationml/2006/main">
+  <p:cSld>
+    <p:spTree>
+      <p:nvGrpSpPr>
+        <p:cNvPr id="1" name=""/>
+        <p:cNvGrpSpPr/>
+        <p:nvPr/>
+      </p:nvGrpSpPr>
+      <p:grpSpPr>
+        <a:xfrm>
+          <a:off x="0" y="0"/>
+          <a:ext cx="0" cy="0"/>
+          <a:chOff x="0" y="0"/>
+          <a:chExt cx="0" cy="0"/>
+        </a:xfrm>
+      </p:grpSpPr>
+      <p:sp>
+        <p:nvSpPr>
+          <p:cNvPr id="2" name="Заголовок 1"/>
+          <p:cNvSpPr>
+            <a:spLocks noGrp="1"/>
+          </p:cNvSpPr>
+          <p:nvPr>
+            <p:ph type="title"/>
+          </p:nvPr>
+        </p:nvSpPr>
+        <p:spPr>
+          <a:xfrm>
+            <a:off x="628650" y="371335"/>
+            <a:ext cx="7886700" cy="721238"/>
+          </a:xfrm>
+        </p:spPr>
+        <p:txBody>
+          <a:bodyPr>
+            <a:normAutofit fontScale="90000"/>
+          </a:bodyPr>
+          <a:lstStyle/>
+          <a:p>
+            <a:r>
+              <a:rPr lang="ru-RU" dirty="0">
+                <a:ln w="0"/>
+                <a:solidFill>
+                  <a:schemeClr val="accent1"/>
+                </a:solidFill>
+                <a:effectLst>
+                  <a:outerShdw blurRad="38100" dist="25400" dir="5400000" algn="ctr" rotWithShape="0">
+                    <a:srgbClr val="6E747A">
+                      <a:alpha val="43000"/>
+                    </a:srgbClr>
+                  </a:outerShdw>
+                </a:effectLst>
+                <a:latin typeface="Arial" panose="020B0604020202020204" pitchFamily="34" charset="0"/>
+                <a:cs typeface="Arial" panose="020B0604020202020204" pitchFamily="34" charset="0"/>
+              </a:rPr>
+              <a:t>Алгоритм моделирования по времени</a:t>
+            </a:r>
+            <a:endParaRPr lang="ru-RU" dirty="0"/>
+          </a:p>
+        </p:txBody>
+      </p:sp>
+      <p:sp>
+        <p:nvSpPr>
+          <p:cNvPr id="4" name="Номер слайда 3"/>
+          <p:cNvSpPr>
+            <a:spLocks noGrp="1"/>
+          </p:cNvSpPr>
+          <p:nvPr>
+            <p:ph type="sldNum" sz="quarter" idx="12"/>
+          </p:nvPr>
+        </p:nvSpPr>
+        <p:spPr>
+          <a:xfrm>
+            <a:off x="7066117" y="6389864"/>
+            <a:ext cx="2057400" cy="365125"/>
+          </a:xfrm>
+        </p:spPr>
+        <p:txBody>
+          <a:bodyPr/>
+          <a:lstStyle/>
+          <a:p>
+            <a:fld id="{AFB88E7B-7A0C-4907-9308-8A5BB7783A69}" type="slidenum">
+              <a:rPr lang="ru-RU" smtClean="0">
+                <a:solidFill>
+                  <a:schemeClr val="tx1"/>
+                </a:solidFill>
+              </a:rPr>
+              <a:pPr/>
+              <a:t>10</a:t>
+            </a:fld>
+            <a:endParaRPr lang="ru-RU" dirty="0">
+              <a:solidFill>
+                <a:schemeClr val="tx1"/>
+              </a:solidFill>
+            </a:endParaRPr>
+          </a:p>
+        </p:txBody>
+      </p:sp>
+      <p:sp>
+        <p:nvSpPr>
+          <p:cNvPr id="204" name="Прямоугольник 203">
+            <a:extLst>
+              <a:ext uri="{FF2B5EF4-FFF2-40B4-BE49-F238E27FC236}">
+                <a16:creationId xmlns:a16="http://schemas.microsoft.com/office/drawing/2014/main" id="{739148EF-1F3E-4149-8E41-7C2E38D056B4}"/>
+              </a:ext>
+            </a:extLst>
+          </p:cNvPr>
+          <p:cNvSpPr/>
+          <p:nvPr/>
+        </p:nvSpPr>
+        <p:spPr>
+          <a:xfrm>
+            <a:off x="4227401" y="2322215"/>
+            <a:ext cx="689197" cy="309213"/>
+          </a:xfrm>
+          <a:prstGeom prst="rect">
+            <a:avLst/>
+          </a:prstGeom>
+          <a:solidFill>
+            <a:schemeClr val="bg1"/>
+          </a:solidFill>
+          <a:ln>
+            <a:solidFill>
+              <a:schemeClr val="tx1"/>
+            </a:solidFill>
+          </a:ln>
+        </p:spPr>
+        <p:style>
+          <a:lnRef idx="2">
+            <a:schemeClr val="accent1">
+              <a:shade val="50000"/>
+            </a:schemeClr>
+          </a:lnRef>
+          <a:fillRef idx="1">
+            <a:schemeClr val="accent1"/>
+          </a:fillRef>
+          <a:effectRef idx="0">
+            <a:schemeClr val="accent1"/>
+          </a:effectRef>
+          <a:fontRef idx="minor">
+            <a:schemeClr val="lt1"/>
+          </a:fontRef>
+        </p:style>
+        <p:txBody>
+          <a:bodyPr rtlCol="0" anchor="ctr"/>
+          <a:lstStyle/>
+          <a:p>
+            <a:pPr algn="ctr"/>
+            <a:r>
+              <a:rPr lang="en-US" sz="1400" dirty="0">
+                <a:solidFill>
+                  <a:schemeClr val="tx1"/>
+                </a:solidFill>
+                <a:latin typeface="Arial" panose="020B0604020202020204" pitchFamily="34" charset="0"/>
+                <a:cs typeface="Arial" panose="020B0604020202020204" pitchFamily="34" charset="0"/>
+              </a:rPr>
+              <a:t>t = 0</a:t>
+            </a:r>
+            <a:endParaRPr lang="ru-RU" sz="1400" dirty="0">
+              <a:solidFill>
+                <a:schemeClr val="tx1"/>
+              </a:solidFill>
+              <a:latin typeface="Arial" panose="020B0604020202020204" pitchFamily="34" charset="0"/>
+              <a:cs typeface="Arial" panose="020B0604020202020204" pitchFamily="34" charset="0"/>
+            </a:endParaRPr>
+          </a:p>
+        </p:txBody>
+      </p:sp>
+      <p:sp>
+        <p:nvSpPr>
+          <p:cNvPr id="39" name="Блок-схема: решение 38">
+            <a:extLst>
+              <a:ext uri="{FF2B5EF4-FFF2-40B4-BE49-F238E27FC236}">
+                <a16:creationId xmlns:a16="http://schemas.microsoft.com/office/drawing/2014/main" id="{098E119C-7B91-4DAE-BBAE-57FE33E5CA3B}"/>
+              </a:ext>
+            </a:extLst>
+          </p:cNvPr>
+          <p:cNvSpPr/>
+          <p:nvPr/>
+        </p:nvSpPr>
+        <p:spPr>
+          <a:xfrm>
+            <a:off x="3898100" y="2869596"/>
+            <a:ext cx="1347691" cy="498978"/>
+          </a:xfrm>
+          <a:prstGeom prst="flowChartDecision">
+            <a:avLst/>
+          </a:prstGeom>
+          <a:solidFill>
+            <a:schemeClr val="bg1"/>
+          </a:solidFill>
+          <a:ln>
+            <a:solidFill>
+              <a:schemeClr val="tx1"/>
+            </a:solidFill>
+          </a:ln>
+        </p:spPr>
+        <p:style>
+          <a:lnRef idx="2">
+            <a:schemeClr val="accent1">
+              <a:shade val="50000"/>
+            </a:schemeClr>
+          </a:lnRef>
+          <a:fillRef idx="1">
+            <a:schemeClr val="accent1"/>
+          </a:fillRef>
+          <a:effectRef idx="0">
+            <a:schemeClr val="accent1"/>
+          </a:effectRef>
+          <a:fontRef idx="minor">
+            <a:schemeClr val="lt1"/>
+          </a:fontRef>
+        </p:style>
+        <p:txBody>
+          <a:bodyPr rtlCol="0" anchor="ctr"/>
+          <a:lstStyle/>
+          <a:p>
+            <a:pPr algn="ctr"/>
+            <a:r>
+              <a:rPr lang="en-US" sz="1400" dirty="0">
+                <a:solidFill>
+                  <a:schemeClr val="tx1"/>
+                </a:solidFill>
+                <a:latin typeface="Arial" panose="020B0604020202020204" pitchFamily="34" charset="0"/>
+                <a:cs typeface="Arial" panose="020B0604020202020204" pitchFamily="34" charset="0"/>
+              </a:rPr>
+              <a:t>t &lt;</a:t>
+            </a:r>
+            <a:r>
+              <a:rPr lang="ru-RU" sz="1400" dirty="0">
+                <a:solidFill>
+                  <a:schemeClr val="tx1"/>
+                </a:solidFill>
+                <a:latin typeface="Arial" panose="020B0604020202020204" pitchFamily="34" charset="0"/>
+                <a:cs typeface="Arial" panose="020B0604020202020204" pitchFamily="34" charset="0"/>
+              </a:rPr>
+              <a:t>=</a:t>
+            </a:r>
+            <a:r>
+              <a:rPr lang="en-US" sz="1400" dirty="0">
+                <a:solidFill>
+                  <a:schemeClr val="tx1"/>
+                </a:solidFill>
+                <a:latin typeface="Arial" panose="020B0604020202020204" pitchFamily="34" charset="0"/>
+                <a:cs typeface="Arial" panose="020B0604020202020204" pitchFamily="34" charset="0"/>
+              </a:rPr>
+              <a:t> T </a:t>
+            </a:r>
+            <a:endParaRPr lang="ru-RU" sz="1400" dirty="0">
+              <a:solidFill>
+                <a:schemeClr val="tx1"/>
+              </a:solidFill>
+              <a:latin typeface="Arial" panose="020B0604020202020204" pitchFamily="34" charset="0"/>
+              <a:cs typeface="Arial" panose="020B0604020202020204" pitchFamily="34" charset="0"/>
+            </a:endParaRPr>
+          </a:p>
+        </p:txBody>
+      </p:sp>
+      <p:cxnSp>
+        <p:nvCxnSpPr>
+          <p:cNvPr id="40" name="Прямая соединительная линия 39">
+            <a:extLst>
+              <a:ext uri="{FF2B5EF4-FFF2-40B4-BE49-F238E27FC236}">
+                <a16:creationId xmlns:a16="http://schemas.microsoft.com/office/drawing/2014/main" id="{2123216D-E401-4A72-9DB0-21874BC494CE}"/>
+              </a:ext>
+            </a:extLst>
+          </p:cNvPr>
+          <p:cNvCxnSpPr>
+            <a:cxnSpLocks/>
+            <a:stCxn id="204" idx="2"/>
+            <a:endCxn id="39" idx="0"/>
+          </p:cNvCxnSpPr>
+          <p:nvPr/>
+        </p:nvCxnSpPr>
+        <p:spPr>
+          <a:xfrm flipH="1">
+            <a:off x="4571946" y="2631428"/>
+            <a:ext cx="54" cy="238168"/>
+          </a:xfrm>
+          <a:prstGeom prst="line">
+            <a:avLst/>
+          </a:prstGeom>
+          <a:ln w="12700">
+            <a:solidFill>
+              <a:schemeClr val="tx1"/>
+            </a:solidFill>
+            <a:prstDash val="solid"/>
+            <a:headEnd type="none" w="med" len="med"/>
+            <a:tailEnd type="triangle" w="med" len="med"/>
+          </a:ln>
+        </p:spPr>
+        <p:style>
+          <a:lnRef idx="1">
+            <a:schemeClr val="accent1"/>
+          </a:lnRef>
+          <a:fillRef idx="0">
+            <a:schemeClr val="accent1"/>
+          </a:fillRef>
+          <a:effectRef idx="0">
+            <a:schemeClr val="accent1"/>
+          </a:effectRef>
+          <a:fontRef idx="minor">
+            <a:schemeClr val="tx1"/>
+          </a:fontRef>
+        </p:style>
+      </p:cxnSp>
+      <p:sp>
+        <p:nvSpPr>
+          <p:cNvPr id="45" name="Прямоугольник 44">
+            <a:extLst>
+              <a:ext uri="{FF2B5EF4-FFF2-40B4-BE49-F238E27FC236}">
+                <a16:creationId xmlns:a16="http://schemas.microsoft.com/office/drawing/2014/main" id="{9CB18899-6B9C-40F0-A03F-7B473153BE8A}"/>
+              </a:ext>
+            </a:extLst>
+          </p:cNvPr>
+          <p:cNvSpPr/>
+          <p:nvPr/>
+        </p:nvSpPr>
+        <p:spPr>
+          <a:xfrm>
+            <a:off x="3322266" y="3632839"/>
+            <a:ext cx="2499360" cy="396656"/>
+          </a:xfrm>
+          <a:prstGeom prst="rect">
+            <a:avLst/>
+          </a:prstGeom>
+          <a:solidFill>
+            <a:schemeClr val="bg1"/>
+          </a:solidFill>
+          <a:ln>
+            <a:solidFill>
+              <a:schemeClr val="tx1"/>
+            </a:solidFill>
+          </a:ln>
+        </p:spPr>
+        <p:style>
+          <a:lnRef idx="2">
+            <a:schemeClr val="accent1">
+              <a:shade val="50000"/>
+            </a:schemeClr>
+          </a:lnRef>
+          <a:fillRef idx="1">
+            <a:schemeClr val="accent1"/>
+          </a:fillRef>
+          <a:effectRef idx="0">
+            <a:schemeClr val="accent1"/>
+          </a:effectRef>
+          <a:fontRef idx="minor">
+            <a:schemeClr val="lt1"/>
+          </a:fontRef>
+        </p:style>
+        <p:txBody>
+          <a:bodyPr rtlCol="0" anchor="ctr"/>
+          <a:lstStyle/>
+          <a:p>
+            <a:pPr algn="ctr"/>
+            <a:r>
+              <a:rPr lang="ru-RU" sz="1400" dirty="0">
+                <a:solidFill>
+                  <a:schemeClr val="tx1"/>
+                </a:solidFill>
+                <a:latin typeface="Arial" panose="020B0604020202020204" pitchFamily="34" charset="0"/>
+                <a:cs typeface="Arial" panose="020B0604020202020204" pitchFamily="34" charset="0"/>
+              </a:rPr>
+              <a:t>состояние</a:t>
+            </a:r>
+            <a:r>
+              <a:rPr lang="en-US" sz="1400" dirty="0">
+                <a:solidFill>
+                  <a:schemeClr val="tx1"/>
+                </a:solidFill>
+                <a:latin typeface="Arial" panose="020B0604020202020204" pitchFamily="34" charset="0"/>
+                <a:cs typeface="Arial" panose="020B0604020202020204" pitchFamily="34" charset="0"/>
+              </a:rPr>
+              <a:t> = D(t, </a:t>
+            </a:r>
+            <a:r>
+              <a:rPr lang="ru-RU" sz="1400" dirty="0">
+                <a:solidFill>
+                  <a:schemeClr val="tx1"/>
+                </a:solidFill>
+                <a:latin typeface="Arial" panose="020B0604020202020204" pitchFamily="34" charset="0"/>
+                <a:cs typeface="Arial" panose="020B0604020202020204" pitchFamily="34" charset="0"/>
+              </a:rPr>
+              <a:t>состояние</a:t>
+            </a:r>
+            <a:r>
+              <a:rPr lang="en-US" sz="1400" dirty="0">
+                <a:solidFill>
+                  <a:schemeClr val="tx1"/>
+                </a:solidFill>
+                <a:latin typeface="Arial" panose="020B0604020202020204" pitchFamily="34" charset="0"/>
+                <a:cs typeface="Arial" panose="020B0604020202020204" pitchFamily="34" charset="0"/>
+              </a:rPr>
+              <a:t>)</a:t>
+            </a:r>
+            <a:endParaRPr lang="ru-RU" sz="1400" dirty="0">
+              <a:solidFill>
+                <a:schemeClr val="tx1"/>
+              </a:solidFill>
+              <a:latin typeface="Arial" panose="020B0604020202020204" pitchFamily="34" charset="0"/>
+              <a:cs typeface="Arial" panose="020B0604020202020204" pitchFamily="34" charset="0"/>
+            </a:endParaRPr>
+          </a:p>
+        </p:txBody>
+      </p:sp>
+      <p:sp>
+        <p:nvSpPr>
+          <p:cNvPr id="46" name="Прямоугольник 45">
+            <a:extLst>
+              <a:ext uri="{FF2B5EF4-FFF2-40B4-BE49-F238E27FC236}">
+                <a16:creationId xmlns:a16="http://schemas.microsoft.com/office/drawing/2014/main" id="{ED4AE073-28F8-4BCA-A0F3-1F067DA9F25D}"/>
+              </a:ext>
+            </a:extLst>
+          </p:cNvPr>
+          <p:cNvSpPr/>
+          <p:nvPr/>
+        </p:nvSpPr>
+        <p:spPr>
+          <a:xfrm>
+            <a:off x="3777793" y="1786358"/>
+            <a:ext cx="1588414" cy="318488"/>
+          </a:xfrm>
+          <a:prstGeom prst="rect">
+            <a:avLst/>
+          </a:prstGeom>
+          <a:solidFill>
+            <a:schemeClr val="bg1"/>
+          </a:solidFill>
+          <a:ln>
+            <a:solidFill>
+              <a:schemeClr val="tx1"/>
+            </a:solidFill>
+          </a:ln>
+        </p:spPr>
+        <p:style>
+          <a:lnRef idx="2">
+            <a:schemeClr val="accent1">
+              <a:shade val="50000"/>
+            </a:schemeClr>
+          </a:lnRef>
+          <a:fillRef idx="1">
+            <a:schemeClr val="accent1"/>
+          </a:fillRef>
+          <a:effectRef idx="0">
+            <a:schemeClr val="accent1"/>
+          </a:effectRef>
+          <a:fontRef idx="minor">
+            <a:schemeClr val="lt1"/>
+          </a:fontRef>
+        </p:style>
+        <p:txBody>
+          <a:bodyPr rtlCol="0" anchor="ctr"/>
+          <a:lstStyle/>
+          <a:p>
+            <a:pPr algn="ctr"/>
+            <a:r>
+              <a:rPr lang="ru-RU" sz="1400" dirty="0">
+                <a:solidFill>
+                  <a:schemeClr val="tx1"/>
+                </a:solidFill>
+                <a:latin typeface="Arial" panose="020B0604020202020204" pitchFamily="34" charset="0"/>
+                <a:cs typeface="Arial" panose="020B0604020202020204" pitchFamily="34" charset="0"/>
+              </a:rPr>
+              <a:t>состояние</a:t>
+            </a:r>
+            <a:r>
+              <a:rPr lang="en-US" sz="1400" dirty="0">
+                <a:solidFill>
+                  <a:schemeClr val="tx1"/>
+                </a:solidFill>
+                <a:latin typeface="Arial" panose="020B0604020202020204" pitchFamily="34" charset="0"/>
+                <a:cs typeface="Arial" panose="020B0604020202020204" pitchFamily="34" charset="0"/>
+              </a:rPr>
+              <a:t> = X(0) </a:t>
+            </a:r>
+            <a:endParaRPr lang="ru-RU" sz="1400" dirty="0">
+              <a:solidFill>
+                <a:schemeClr val="tx1"/>
+              </a:solidFill>
+              <a:latin typeface="Arial" panose="020B0604020202020204" pitchFamily="34" charset="0"/>
+              <a:cs typeface="Arial" panose="020B0604020202020204" pitchFamily="34" charset="0"/>
+            </a:endParaRPr>
+          </a:p>
+        </p:txBody>
+      </p:sp>
+      <p:cxnSp>
+        <p:nvCxnSpPr>
+          <p:cNvPr id="47" name="Прямая соединительная линия 46">
+            <a:extLst>
+              <a:ext uri="{FF2B5EF4-FFF2-40B4-BE49-F238E27FC236}">
+                <a16:creationId xmlns:a16="http://schemas.microsoft.com/office/drawing/2014/main" id="{3F1724B1-7192-48A8-B5C8-E463FC1133F9}"/>
+              </a:ext>
+            </a:extLst>
+          </p:cNvPr>
+          <p:cNvCxnSpPr>
+            <a:cxnSpLocks/>
+            <a:stCxn id="46" idx="2"/>
+            <a:endCxn id="204" idx="0"/>
+          </p:cNvCxnSpPr>
+          <p:nvPr/>
+        </p:nvCxnSpPr>
+        <p:spPr>
+          <a:xfrm>
+            <a:off x="4572000" y="2104846"/>
+            <a:ext cx="0" cy="217369"/>
+          </a:xfrm>
+          <a:prstGeom prst="line">
+            <a:avLst/>
+          </a:prstGeom>
+          <a:ln w="12700">
+            <a:solidFill>
+              <a:schemeClr val="tx1"/>
+            </a:solidFill>
+            <a:prstDash val="solid"/>
+            <a:headEnd type="none" w="med" len="med"/>
+            <a:tailEnd type="triangle" w="med" len="med"/>
+          </a:ln>
+        </p:spPr>
+        <p:style>
+          <a:lnRef idx="1">
+            <a:schemeClr val="accent1"/>
+          </a:lnRef>
+          <a:fillRef idx="0">
+            <a:schemeClr val="accent1"/>
+          </a:fillRef>
+          <a:effectRef idx="0">
+            <a:schemeClr val="accent1"/>
+          </a:effectRef>
+          <a:fontRef idx="minor">
+            <a:schemeClr val="tx1"/>
+          </a:fontRef>
+        </p:style>
+      </p:cxnSp>
+      <p:cxnSp>
+        <p:nvCxnSpPr>
+          <p:cNvPr id="58" name="Прямая соединительная линия 57">
+            <a:extLst>
+              <a:ext uri="{FF2B5EF4-FFF2-40B4-BE49-F238E27FC236}">
+                <a16:creationId xmlns:a16="http://schemas.microsoft.com/office/drawing/2014/main" id="{F0DAB1FF-2CAD-487C-A12A-319E87CCC40D}"/>
+              </a:ext>
+            </a:extLst>
+          </p:cNvPr>
+          <p:cNvCxnSpPr>
+            <a:cxnSpLocks/>
+            <a:stCxn id="39" idx="2"/>
+            <a:endCxn id="45" idx="0"/>
+          </p:cNvCxnSpPr>
+          <p:nvPr/>
+        </p:nvCxnSpPr>
+        <p:spPr>
+          <a:xfrm>
+            <a:off x="4571946" y="3368574"/>
+            <a:ext cx="0" cy="264265"/>
+          </a:xfrm>
+          <a:prstGeom prst="line">
+            <a:avLst/>
+          </a:prstGeom>
+          <a:ln w="12700">
+            <a:solidFill>
+              <a:schemeClr val="tx1"/>
+            </a:solidFill>
+            <a:prstDash val="solid"/>
+            <a:headEnd type="none" w="med" len="med"/>
+            <a:tailEnd type="triangle" w="med" len="med"/>
+          </a:ln>
+        </p:spPr>
+        <p:style>
+          <a:lnRef idx="1">
+            <a:schemeClr val="accent1"/>
+          </a:lnRef>
+          <a:fillRef idx="0">
+            <a:schemeClr val="accent1"/>
+          </a:fillRef>
+          <a:effectRef idx="0">
+            <a:schemeClr val="accent1"/>
+          </a:effectRef>
+          <a:fontRef idx="minor">
+            <a:schemeClr val="tx1"/>
+          </a:fontRef>
+        </p:style>
+      </p:cxnSp>
+      <p:sp>
+        <p:nvSpPr>
+          <p:cNvPr id="62" name="TextBox 61">
+            <a:extLst>
+              <a:ext uri="{FF2B5EF4-FFF2-40B4-BE49-F238E27FC236}">
+                <a16:creationId xmlns:a16="http://schemas.microsoft.com/office/drawing/2014/main" id="{08C2A68A-1B8D-4802-AEE4-3B9F5151A9B8}"/>
+              </a:ext>
+            </a:extLst>
+          </p:cNvPr>
+          <p:cNvSpPr txBox="1"/>
+          <p:nvPr/>
+        </p:nvSpPr>
+        <p:spPr>
+          <a:xfrm>
+            <a:off x="4569672" y="3313671"/>
+            <a:ext cx="405880" cy="307777"/>
+          </a:xfrm>
+          <a:prstGeom prst="rect">
+            <a:avLst/>
+          </a:prstGeom>
+          <a:noFill/>
+        </p:spPr>
+        <p:txBody>
+          <a:bodyPr wrap="none" rtlCol="0">
+            <a:spAutoFit/>
+          </a:bodyPr>
+          <a:lstStyle/>
+          <a:p>
+            <a:r>
+              <a:rPr lang="ru-RU" sz="1400" dirty="0">
+                <a:latin typeface="Arial" panose="020B0604020202020204" pitchFamily="34" charset="0"/>
+                <a:cs typeface="Arial" panose="020B0604020202020204" pitchFamily="34" charset="0"/>
+              </a:rPr>
+              <a:t>Да</a:t>
+            </a:r>
+          </a:p>
+        </p:txBody>
+      </p:sp>
+      <p:cxnSp>
+        <p:nvCxnSpPr>
+          <p:cNvPr id="23" name="Соединитель: уступ 22">
+            <a:extLst>
+              <a:ext uri="{FF2B5EF4-FFF2-40B4-BE49-F238E27FC236}">
+                <a16:creationId xmlns:a16="http://schemas.microsoft.com/office/drawing/2014/main" id="{E5BFC057-395D-46C0-B20D-BE62F02D036F}"/>
+              </a:ext>
+            </a:extLst>
+          </p:cNvPr>
+          <p:cNvCxnSpPr>
+            <a:cxnSpLocks/>
+            <a:stCxn id="45" idx="2"/>
+          </p:cNvCxnSpPr>
+          <p:nvPr/>
+        </p:nvCxnSpPr>
+        <p:spPr>
+          <a:xfrm rot="5400000" flipH="1">
+            <a:off x="3902025" y="3359574"/>
+            <a:ext cx="1335126" cy="4717"/>
+          </a:xfrm>
+          <a:prstGeom prst="bentConnector5">
+            <a:avLst>
+              <a:gd name="adj1" fmla="val -17122"/>
+              <a:gd name="adj2" fmla="val 29993216"/>
+              <a:gd name="adj3" fmla="val 99991"/>
+            </a:avLst>
+          </a:prstGeom>
+          <a:ln w="12700">
+            <a:solidFill>
+              <a:schemeClr val="tx1"/>
+            </a:solidFill>
+            <a:tailEnd type="triangle"/>
+          </a:ln>
+        </p:spPr>
+        <p:style>
+          <a:lnRef idx="1">
+            <a:schemeClr val="accent1"/>
+          </a:lnRef>
+          <a:fillRef idx="0">
+            <a:schemeClr val="accent1"/>
+          </a:fillRef>
+          <a:effectRef idx="0">
+            <a:schemeClr val="accent1"/>
+          </a:effectRef>
+          <a:fontRef idx="minor">
+            <a:schemeClr val="tx1"/>
+          </a:fontRef>
+        </p:style>
+      </p:cxnSp>
+      <p:sp>
+        <p:nvSpPr>
+          <p:cNvPr id="72" name="Прямоугольник 71">
+            <a:extLst>
+              <a:ext uri="{FF2B5EF4-FFF2-40B4-BE49-F238E27FC236}">
+                <a16:creationId xmlns:a16="http://schemas.microsoft.com/office/drawing/2014/main" id="{3EFDFA8B-365A-4DD2-A350-573294DAEF9E}"/>
+              </a:ext>
+            </a:extLst>
+          </p:cNvPr>
+          <p:cNvSpPr/>
+          <p:nvPr/>
+        </p:nvSpPr>
+        <p:spPr>
+          <a:xfrm>
+            <a:off x="3136096" y="5690158"/>
+            <a:ext cx="2854226" cy="350897"/>
+          </a:xfrm>
+          <a:prstGeom prst="rect">
+            <a:avLst/>
+          </a:prstGeom>
+          <a:solidFill>
+            <a:schemeClr val="bg1"/>
+          </a:solidFill>
+          <a:ln>
+            <a:solidFill>
+              <a:schemeClr val="tx1"/>
+            </a:solidFill>
+          </a:ln>
+        </p:spPr>
+        <p:style>
+          <a:lnRef idx="2">
+            <a:schemeClr val="accent1">
+              <a:shade val="50000"/>
+            </a:schemeClr>
+          </a:lnRef>
+          <a:fillRef idx="1">
+            <a:schemeClr val="accent1"/>
+          </a:fillRef>
+          <a:effectRef idx="0">
+            <a:schemeClr val="accent1"/>
+          </a:effectRef>
+          <a:fontRef idx="minor">
+            <a:schemeClr val="lt1"/>
+          </a:fontRef>
+        </p:style>
+        <p:txBody>
+          <a:bodyPr rtlCol="0" anchor="ctr"/>
+          <a:lstStyle/>
+          <a:p>
+            <a:pPr algn="ctr"/>
+            <a:r>
+              <a:rPr lang="ru-RU" sz="1400" dirty="0">
+                <a:solidFill>
+                  <a:schemeClr val="tx1"/>
+                </a:solidFill>
+                <a:latin typeface="Arial" panose="020B0604020202020204" pitchFamily="34" charset="0"/>
+                <a:cs typeface="Arial" panose="020B0604020202020204" pitchFamily="34" charset="0"/>
+              </a:rPr>
+              <a:t>приспособленность</a:t>
+            </a:r>
+            <a:r>
+              <a:rPr lang="en-US" sz="1400" dirty="0">
+                <a:solidFill>
+                  <a:schemeClr val="tx1"/>
+                </a:solidFill>
+                <a:latin typeface="Arial" panose="020B0604020202020204" pitchFamily="34" charset="0"/>
+                <a:cs typeface="Arial" panose="020B0604020202020204" pitchFamily="34" charset="0"/>
+              </a:rPr>
+              <a:t> = -</a:t>
+            </a:r>
+            <a:r>
+              <a:rPr lang="ru-RU" sz="1400" dirty="0">
+                <a:solidFill>
+                  <a:srgbClr val="202124"/>
+                </a:solidFill>
+                <a:latin typeface="Arial" panose="020B0604020202020204" pitchFamily="34" charset="0"/>
+                <a:cs typeface="Arial" panose="020B0604020202020204" pitchFamily="34" charset="0"/>
+              </a:rPr>
+              <a:t>сумма</a:t>
+            </a:r>
+            <a:r>
+              <a:rPr lang="en-US" sz="1400" dirty="0">
+                <a:solidFill>
+                  <a:schemeClr val="tx1"/>
+                </a:solidFill>
+                <a:latin typeface="Arial" panose="020B0604020202020204" pitchFamily="34" charset="0"/>
+                <a:cs typeface="Arial" panose="020B0604020202020204" pitchFamily="34" charset="0"/>
+              </a:rPr>
+              <a:t>(d)</a:t>
+            </a:r>
+            <a:endParaRPr lang="ru-RU" sz="1400" dirty="0">
+              <a:solidFill>
+                <a:schemeClr val="tx1"/>
+              </a:solidFill>
+              <a:latin typeface="Arial" panose="020B0604020202020204" pitchFamily="34" charset="0"/>
+              <a:cs typeface="Arial" panose="020B0604020202020204" pitchFamily="34" charset="0"/>
+            </a:endParaRPr>
+          </a:p>
+        </p:txBody>
+      </p:sp>
+      <p:sp>
+        <p:nvSpPr>
+          <p:cNvPr id="120" name="TextBox 119">
+            <a:extLst>
+              <a:ext uri="{FF2B5EF4-FFF2-40B4-BE49-F238E27FC236}">
+                <a16:creationId xmlns:a16="http://schemas.microsoft.com/office/drawing/2014/main" id="{302A6374-7DA4-445F-B887-FD25ADA0A0E2}"/>
+              </a:ext>
+            </a:extLst>
+          </p:cNvPr>
+          <p:cNvSpPr txBox="1"/>
+          <p:nvPr/>
+        </p:nvSpPr>
+        <p:spPr>
+          <a:xfrm>
+            <a:off x="5153000" y="2778842"/>
+            <a:ext cx="489686" cy="307777"/>
+          </a:xfrm>
+          <a:prstGeom prst="rect">
+            <a:avLst/>
+          </a:prstGeom>
+          <a:noFill/>
+        </p:spPr>
+        <p:txBody>
+          <a:bodyPr wrap="none" rtlCol="0">
+            <a:spAutoFit/>
+          </a:bodyPr>
+          <a:lstStyle/>
+          <a:p>
+            <a:r>
+              <a:rPr lang="ru-RU" sz="1400" dirty="0">
+                <a:latin typeface="Arial" panose="020B0604020202020204" pitchFamily="34" charset="0"/>
+                <a:cs typeface="Arial" panose="020B0604020202020204" pitchFamily="34" charset="0"/>
+              </a:rPr>
+              <a:t>Нет</a:t>
+            </a:r>
+          </a:p>
+        </p:txBody>
+      </p:sp>
+      <p:sp>
+        <p:nvSpPr>
+          <p:cNvPr id="133" name="Прямоугольник 132">
+            <a:extLst>
+              <a:ext uri="{FF2B5EF4-FFF2-40B4-BE49-F238E27FC236}">
+                <a16:creationId xmlns:a16="http://schemas.microsoft.com/office/drawing/2014/main" id="{F9B9BC7D-3100-41D3-A7FE-E5201E31607F}"/>
+              </a:ext>
+            </a:extLst>
+          </p:cNvPr>
+          <p:cNvSpPr/>
+          <p:nvPr/>
+        </p:nvSpPr>
+        <p:spPr>
+          <a:xfrm>
+            <a:off x="3579485" y="4535438"/>
+            <a:ext cx="1973594" cy="350897"/>
+          </a:xfrm>
+          <a:prstGeom prst="rect">
+            <a:avLst/>
+          </a:prstGeom>
+          <a:solidFill>
+            <a:schemeClr val="bg1"/>
+          </a:solidFill>
+          <a:ln>
+            <a:solidFill>
+              <a:schemeClr val="tx1"/>
+            </a:solidFill>
+          </a:ln>
+        </p:spPr>
+        <p:style>
+          <a:lnRef idx="2">
+            <a:schemeClr val="accent1">
+              <a:shade val="50000"/>
+            </a:schemeClr>
+          </a:lnRef>
+          <a:fillRef idx="1">
+            <a:schemeClr val="accent1"/>
+          </a:fillRef>
+          <a:effectRef idx="0">
+            <a:schemeClr val="accent1"/>
+          </a:effectRef>
+          <a:fontRef idx="minor">
+            <a:schemeClr val="lt1"/>
+          </a:fontRef>
+        </p:style>
+        <p:txBody>
+          <a:bodyPr rtlCol="0" anchor="ctr"/>
+          <a:lstStyle/>
+          <a:p>
+            <a:pPr algn="ctr"/>
+            <a:r>
+              <a:rPr lang="en-US" sz="1400" dirty="0">
+                <a:solidFill>
+                  <a:schemeClr val="tx1"/>
+                </a:solidFill>
+                <a:latin typeface="Arial" panose="020B0604020202020204" pitchFamily="34" charset="0"/>
+                <a:cs typeface="Arial" panose="020B0604020202020204" pitchFamily="34" charset="0"/>
+              </a:rPr>
+              <a:t>Y(s) = </a:t>
+            </a:r>
+            <a:r>
+              <a:rPr lang="ru-RU" sz="1400" dirty="0">
+                <a:solidFill>
+                  <a:schemeClr val="tx1"/>
+                </a:solidFill>
+                <a:latin typeface="Arial" panose="020B0604020202020204" pitchFamily="34" charset="0"/>
+                <a:cs typeface="Arial" panose="020B0604020202020204" pitchFamily="34" charset="0"/>
+              </a:rPr>
+              <a:t>состояние </a:t>
+            </a:r>
+            <a:r>
+              <a:rPr lang="ru-RU" sz="1400" i="0" dirty="0">
+                <a:solidFill>
+                  <a:srgbClr val="202124"/>
+                </a:solidFill>
+                <a:effectLst/>
+                <a:latin typeface="Arial" panose="020B0604020202020204" pitchFamily="34" charset="0"/>
+                <a:cs typeface="Arial" panose="020B0604020202020204" pitchFamily="34" charset="0"/>
+              </a:rPr>
+              <a:t>∩</a:t>
+            </a:r>
+            <a:r>
+              <a:rPr lang="en-US" sz="1400" dirty="0">
+                <a:solidFill>
+                  <a:schemeClr val="tx1"/>
+                </a:solidFill>
+                <a:latin typeface="Arial" panose="020B0604020202020204" pitchFamily="34" charset="0"/>
+                <a:cs typeface="Arial" panose="020B0604020202020204" pitchFamily="34" charset="0"/>
+              </a:rPr>
+              <a:t> G</a:t>
+            </a:r>
+            <a:endParaRPr lang="ru-RU" sz="1400" dirty="0">
+              <a:solidFill>
+                <a:schemeClr val="tx1"/>
+              </a:solidFill>
+              <a:latin typeface="Arial" panose="020B0604020202020204" pitchFamily="34" charset="0"/>
+              <a:cs typeface="Arial" panose="020B0604020202020204" pitchFamily="34" charset="0"/>
+            </a:endParaRPr>
+          </a:p>
+        </p:txBody>
+      </p:sp>
+      <p:sp>
+        <p:nvSpPr>
+          <p:cNvPr id="134" name="Прямоугольник 133">
+            <a:extLst>
+              <a:ext uri="{FF2B5EF4-FFF2-40B4-BE49-F238E27FC236}">
+                <a16:creationId xmlns:a16="http://schemas.microsoft.com/office/drawing/2014/main" id="{D59A3E46-A623-4D8F-9E8F-0C1AEA6E4E1B}"/>
+              </a:ext>
+            </a:extLst>
+          </p:cNvPr>
+          <p:cNvSpPr/>
+          <p:nvPr/>
+        </p:nvSpPr>
+        <p:spPr>
+          <a:xfrm>
+            <a:off x="3790080" y="5112798"/>
+            <a:ext cx="1552404" cy="350897"/>
+          </a:xfrm>
+          <a:prstGeom prst="rect">
+            <a:avLst/>
+          </a:prstGeom>
+          <a:solidFill>
+            <a:schemeClr val="bg1"/>
+          </a:solidFill>
+          <a:ln>
+            <a:solidFill>
+              <a:schemeClr val="tx1"/>
+            </a:solidFill>
+          </a:ln>
+        </p:spPr>
+        <p:style>
+          <a:lnRef idx="2">
+            <a:schemeClr val="accent1">
+              <a:shade val="50000"/>
+            </a:schemeClr>
+          </a:lnRef>
+          <a:fillRef idx="1">
+            <a:schemeClr val="accent1"/>
+          </a:fillRef>
+          <a:effectRef idx="0">
+            <a:schemeClr val="accent1"/>
+          </a:effectRef>
+          <a:fontRef idx="minor">
+            <a:schemeClr val="lt1"/>
+          </a:fontRef>
+        </p:style>
+        <p:txBody>
+          <a:bodyPr rtlCol="0" anchor="ctr"/>
+          <a:lstStyle/>
+          <a:p>
+            <a:pPr algn="ctr"/>
+            <a:r>
+              <a:rPr lang="en-US" sz="1400" dirty="0">
+                <a:solidFill>
+                  <a:schemeClr val="tx1"/>
+                </a:solidFill>
+                <a:latin typeface="Arial" panose="020B0604020202020204" pitchFamily="34" charset="0"/>
+                <a:cs typeface="Arial" panose="020B0604020202020204" pitchFamily="34" charset="0"/>
+              </a:rPr>
+              <a:t>d = (Y(s) – Y)^2</a:t>
+            </a:r>
+            <a:endParaRPr lang="ru-RU" sz="1400" dirty="0">
+              <a:solidFill>
+                <a:schemeClr val="tx1"/>
+              </a:solidFill>
+              <a:latin typeface="Arial" panose="020B0604020202020204" pitchFamily="34" charset="0"/>
+              <a:cs typeface="Arial" panose="020B0604020202020204" pitchFamily="34" charset="0"/>
+            </a:endParaRPr>
+          </a:p>
+        </p:txBody>
+      </p:sp>
+      <p:cxnSp>
+        <p:nvCxnSpPr>
+          <p:cNvPr id="102" name="Соединитель: уступ 101">
+            <a:extLst>
+              <a:ext uri="{FF2B5EF4-FFF2-40B4-BE49-F238E27FC236}">
+                <a16:creationId xmlns:a16="http://schemas.microsoft.com/office/drawing/2014/main" id="{5EC158B7-1898-4C9A-984F-5708DCAA7AA2}"/>
+              </a:ext>
+            </a:extLst>
+          </p:cNvPr>
+          <p:cNvCxnSpPr>
+            <a:cxnSpLocks/>
+            <a:stCxn id="39" idx="3"/>
+            <a:endCxn id="133" idx="0"/>
+          </p:cNvCxnSpPr>
+          <p:nvPr/>
+        </p:nvCxnSpPr>
+        <p:spPr>
+          <a:xfrm flipH="1">
+            <a:off x="4566282" y="3119085"/>
+            <a:ext cx="679509" cy="1416353"/>
+          </a:xfrm>
+          <a:prstGeom prst="bentConnector4">
+            <a:avLst>
+              <a:gd name="adj1" fmla="val -110271"/>
+              <a:gd name="adj2" fmla="val 88845"/>
+            </a:avLst>
+          </a:prstGeom>
+          <a:ln w="12700">
+            <a:solidFill>
+              <a:schemeClr val="tx1"/>
+            </a:solidFill>
+            <a:tailEnd type="triangle"/>
+          </a:ln>
+        </p:spPr>
+        <p:style>
+          <a:lnRef idx="1">
+            <a:schemeClr val="accent1"/>
+          </a:lnRef>
+          <a:fillRef idx="0">
+            <a:schemeClr val="accent1"/>
+          </a:fillRef>
+          <a:effectRef idx="0">
+            <a:schemeClr val="accent1"/>
+          </a:effectRef>
+          <a:fontRef idx="minor">
+            <a:schemeClr val="tx1"/>
+          </a:fontRef>
+        </p:style>
+      </p:cxnSp>
+      <p:cxnSp>
+        <p:nvCxnSpPr>
+          <p:cNvPr id="142" name="Прямая соединительная линия 141">
+            <a:extLst>
+              <a:ext uri="{FF2B5EF4-FFF2-40B4-BE49-F238E27FC236}">
+                <a16:creationId xmlns:a16="http://schemas.microsoft.com/office/drawing/2014/main" id="{819DDFAF-DBE4-4337-9765-380AF76C0CEF}"/>
+              </a:ext>
+            </a:extLst>
+          </p:cNvPr>
+          <p:cNvCxnSpPr>
+            <a:cxnSpLocks/>
+            <a:stCxn id="133" idx="2"/>
+            <a:endCxn id="134" idx="0"/>
+          </p:cNvCxnSpPr>
+          <p:nvPr/>
+        </p:nvCxnSpPr>
+        <p:spPr>
+          <a:xfrm>
+            <a:off x="4566282" y="4886335"/>
+            <a:ext cx="0" cy="226463"/>
+          </a:xfrm>
+          <a:prstGeom prst="line">
+            <a:avLst/>
+          </a:prstGeom>
+          <a:ln w="12700">
+            <a:solidFill>
+              <a:schemeClr val="tx1"/>
+            </a:solidFill>
+            <a:prstDash val="solid"/>
+            <a:headEnd type="none" w="med" len="med"/>
+            <a:tailEnd type="triangle" w="med" len="med"/>
+          </a:ln>
+        </p:spPr>
+        <p:style>
+          <a:lnRef idx="1">
+            <a:schemeClr val="accent1"/>
+          </a:lnRef>
+          <a:fillRef idx="0">
+            <a:schemeClr val="accent1"/>
+          </a:fillRef>
+          <a:effectRef idx="0">
+            <a:schemeClr val="accent1"/>
+          </a:effectRef>
+          <a:fontRef idx="minor">
+            <a:schemeClr val="tx1"/>
+          </a:fontRef>
+        </p:style>
+      </p:cxnSp>
+      <p:cxnSp>
+        <p:nvCxnSpPr>
+          <p:cNvPr id="145" name="Прямая соединительная линия 144">
+            <a:extLst>
+              <a:ext uri="{FF2B5EF4-FFF2-40B4-BE49-F238E27FC236}">
+                <a16:creationId xmlns:a16="http://schemas.microsoft.com/office/drawing/2014/main" id="{75E3E214-F976-4FE3-ACF5-CB5114BCCF93}"/>
+              </a:ext>
+            </a:extLst>
+          </p:cNvPr>
+          <p:cNvCxnSpPr>
+            <a:cxnSpLocks/>
+            <a:stCxn id="134" idx="2"/>
+            <a:endCxn id="72" idx="0"/>
+          </p:cNvCxnSpPr>
+          <p:nvPr/>
+        </p:nvCxnSpPr>
+        <p:spPr>
+          <a:xfrm flipH="1">
+            <a:off x="4563209" y="5463695"/>
+            <a:ext cx="3073" cy="226463"/>
+          </a:xfrm>
+          <a:prstGeom prst="line">
+            <a:avLst/>
+          </a:prstGeom>
+          <a:ln w="12700">
+            <a:solidFill>
+              <a:schemeClr val="tx1"/>
+            </a:solidFill>
+            <a:prstDash val="solid"/>
+            <a:headEnd type="none" w="med" len="med"/>
+            <a:tailEnd type="triangle" w="med" len="med"/>
+          </a:ln>
+        </p:spPr>
+        <p:style>
+          <a:lnRef idx="1">
+            <a:schemeClr val="accent1"/>
+          </a:lnRef>
+          <a:fillRef idx="0">
+            <a:schemeClr val="accent1"/>
+          </a:fillRef>
+          <a:effectRef idx="0">
+            <a:schemeClr val="accent1"/>
+          </a:effectRef>
+          <a:fontRef idx="minor">
+            <a:schemeClr val="tx1"/>
+          </a:fontRef>
+        </p:style>
+      </p:cxnSp>
+      <p:sp>
+        <p:nvSpPr>
+          <p:cNvPr id="35" name="Прямоугольник: скругленные углы 34">
+            <a:extLst>
+              <a:ext uri="{FF2B5EF4-FFF2-40B4-BE49-F238E27FC236}">
+                <a16:creationId xmlns:a16="http://schemas.microsoft.com/office/drawing/2014/main" id="{2D9C01A2-1AAB-451B-B674-842D4B3AC8D4}"/>
+              </a:ext>
+            </a:extLst>
+          </p:cNvPr>
+          <p:cNvSpPr/>
+          <p:nvPr/>
+        </p:nvSpPr>
+        <p:spPr>
+          <a:xfrm>
+            <a:off x="4094693" y="1252248"/>
+            <a:ext cx="954613" cy="287734"/>
+          </a:xfrm>
+          <a:prstGeom prst="roundRect">
+            <a:avLst/>
+          </a:prstGeom>
+          <a:solidFill>
+            <a:schemeClr val="bg1"/>
+          </a:solidFill>
+          <a:ln>
+            <a:solidFill>
+              <a:schemeClr val="tx1"/>
+            </a:solidFill>
+          </a:ln>
+        </p:spPr>
+        <p:style>
+          <a:lnRef idx="2">
+            <a:schemeClr val="accent1">
+              <a:shade val="50000"/>
+            </a:schemeClr>
+          </a:lnRef>
+          <a:fillRef idx="1">
+            <a:schemeClr val="accent1"/>
+          </a:fillRef>
+          <a:effectRef idx="0">
+            <a:schemeClr val="accent1"/>
+          </a:effectRef>
+          <a:fontRef idx="minor">
+            <a:schemeClr val="lt1"/>
+          </a:fontRef>
+        </p:style>
+        <p:txBody>
+          <a:bodyPr rtlCol="0" anchor="ctr"/>
+          <a:lstStyle/>
+          <a:p>
+            <a:pPr algn="ctr"/>
+            <a:r>
+              <a:rPr lang="ru-RU" sz="1400" dirty="0">
+                <a:solidFill>
+                  <a:schemeClr val="tx1"/>
+                </a:solidFill>
+                <a:latin typeface="Arial" panose="020B0604020202020204" pitchFamily="34" charset="0"/>
+                <a:cs typeface="Arial" panose="020B0604020202020204" pitchFamily="34" charset="0"/>
+              </a:rPr>
+              <a:t>Начало</a:t>
+            </a:r>
+          </a:p>
+        </p:txBody>
+      </p:sp>
+      <p:cxnSp>
+        <p:nvCxnSpPr>
+          <p:cNvPr id="54" name="Прямая соединительная линия 53">
+            <a:extLst>
+              <a:ext uri="{FF2B5EF4-FFF2-40B4-BE49-F238E27FC236}">
+                <a16:creationId xmlns:a16="http://schemas.microsoft.com/office/drawing/2014/main" id="{30BBE81E-DEE1-4E49-8C14-6ED957454942}"/>
+              </a:ext>
+            </a:extLst>
+          </p:cNvPr>
+          <p:cNvCxnSpPr>
+            <a:cxnSpLocks/>
+            <a:stCxn id="35" idx="2"/>
+            <a:endCxn id="46" idx="0"/>
+          </p:cNvCxnSpPr>
+          <p:nvPr/>
+        </p:nvCxnSpPr>
+        <p:spPr>
+          <a:xfrm>
+            <a:off x="4572000" y="1539982"/>
+            <a:ext cx="0" cy="246376"/>
+          </a:xfrm>
+          <a:prstGeom prst="line">
+            <a:avLst/>
+          </a:prstGeom>
+          <a:ln w="12700">
+            <a:solidFill>
+              <a:schemeClr val="tx1"/>
+            </a:solidFill>
+            <a:prstDash val="solid"/>
+            <a:headEnd type="none" w="med" len="med"/>
+            <a:tailEnd type="triangle" w="med" len="med"/>
+          </a:ln>
+        </p:spPr>
+        <p:style>
+          <a:lnRef idx="1">
+            <a:schemeClr val="accent1"/>
+          </a:lnRef>
+          <a:fillRef idx="0">
+            <a:schemeClr val="accent1"/>
+          </a:fillRef>
+          <a:effectRef idx="0">
+            <a:schemeClr val="accent1"/>
+          </a:effectRef>
+          <a:fontRef idx="minor">
+            <a:schemeClr val="tx1"/>
+          </a:fontRef>
+        </p:style>
+      </p:cxnSp>
+      <p:sp>
+        <p:nvSpPr>
+          <p:cNvPr id="63" name="Прямоугольник: скругленные углы 62">
+            <a:extLst>
+              <a:ext uri="{FF2B5EF4-FFF2-40B4-BE49-F238E27FC236}">
+                <a16:creationId xmlns:a16="http://schemas.microsoft.com/office/drawing/2014/main" id="{A3DB87D7-6311-4692-B176-AA5FC6E4DAAF}"/>
+              </a:ext>
+            </a:extLst>
+          </p:cNvPr>
+          <p:cNvSpPr/>
+          <p:nvPr/>
+        </p:nvSpPr>
+        <p:spPr>
+          <a:xfrm>
+            <a:off x="4085902" y="6284692"/>
+            <a:ext cx="954613" cy="287734"/>
+          </a:xfrm>
+          <a:prstGeom prst="roundRect">
+            <a:avLst/>
+          </a:prstGeom>
+          <a:solidFill>
+            <a:schemeClr val="bg1"/>
+          </a:solidFill>
+          <a:ln>
+            <a:solidFill>
+              <a:schemeClr val="tx1"/>
+            </a:solidFill>
+          </a:ln>
+        </p:spPr>
+        <p:style>
+          <a:lnRef idx="2">
+            <a:schemeClr val="accent1">
+              <a:shade val="50000"/>
+            </a:schemeClr>
+          </a:lnRef>
+          <a:fillRef idx="1">
+            <a:schemeClr val="accent1"/>
+          </a:fillRef>
+          <a:effectRef idx="0">
+            <a:schemeClr val="accent1"/>
+          </a:effectRef>
+          <a:fontRef idx="minor">
+            <a:schemeClr val="lt1"/>
+          </a:fontRef>
+        </p:style>
+        <p:txBody>
+          <a:bodyPr rtlCol="0" anchor="ctr"/>
+          <a:lstStyle/>
+          <a:p>
+            <a:pPr algn="ctr"/>
+            <a:r>
+              <a:rPr lang="ru-RU" sz="1400" dirty="0">
+                <a:solidFill>
+                  <a:schemeClr val="tx1"/>
+                </a:solidFill>
+                <a:latin typeface="Arial" panose="020B0604020202020204" pitchFamily="34" charset="0"/>
+                <a:cs typeface="Arial" panose="020B0604020202020204" pitchFamily="34" charset="0"/>
+              </a:rPr>
+              <a:t>Конец</a:t>
+            </a:r>
+          </a:p>
+        </p:txBody>
+      </p:sp>
+      <p:cxnSp>
+        <p:nvCxnSpPr>
+          <p:cNvPr id="64" name="Прямая соединительная линия 63">
+            <a:extLst>
+              <a:ext uri="{FF2B5EF4-FFF2-40B4-BE49-F238E27FC236}">
+                <a16:creationId xmlns:a16="http://schemas.microsoft.com/office/drawing/2014/main" id="{C0775F9A-1A50-406E-8801-A88990737F1F}"/>
+              </a:ext>
+            </a:extLst>
+          </p:cNvPr>
+          <p:cNvCxnSpPr>
+            <a:cxnSpLocks/>
+            <a:stCxn id="72" idx="2"/>
+            <a:endCxn id="63" idx="0"/>
+          </p:cNvCxnSpPr>
+          <p:nvPr/>
+        </p:nvCxnSpPr>
+        <p:spPr>
+          <a:xfrm>
+            <a:off x="4563209" y="6041055"/>
+            <a:ext cx="0" cy="243637"/>
+          </a:xfrm>
+          <a:prstGeom prst="line">
+            <a:avLst/>
+          </a:prstGeom>
+          <a:ln w="12700">
+            <a:solidFill>
+              <a:schemeClr val="tx1"/>
+            </a:solidFill>
+            <a:prstDash val="solid"/>
+            <a:headEnd type="none" w="med" len="med"/>
+            <a:tailEnd type="triangle" w="med" len="med"/>
+          </a:ln>
+        </p:spPr>
+        <p:style>
+          <a:lnRef idx="1">
+            <a:schemeClr val="accent1"/>
+          </a:lnRef>
+          <a:fillRef idx="0">
+            <a:schemeClr val="accent1"/>
+          </a:fillRef>
+          <a:effectRef idx="0">
+            <a:schemeClr val="accent1"/>
+          </a:effectRef>
+          <a:fontRef idx="minor">
+            <a:schemeClr val="tx1"/>
+          </a:fontRef>
+        </p:style>
+      </p:cxnSp>
+    </p:spTree>
+    <p:extLst>
+      <p:ext uri="{BB962C8B-B14F-4D97-AF65-F5344CB8AC3E}">
+        <p14:creationId xmlns:p14="http://schemas.microsoft.com/office/powerpoint/2010/main" val="3185577144"/>
+      </p:ext>
+    </p:extLst>
+  </p:cSld>
+  <p:clrMapOvr>
+    <a:masterClrMapping/>
+  </p:clrMapOvr>
+</p:sld>
+</file>
+
 <file path=ppt/slides/slide2.xml><?xml version="1.0" encoding="utf-8"?>
 <p:sld xmlns:a="http://schemas.openxmlformats.org/drawingml/2006/main" xmlns:r="http://schemas.openxmlformats.org/officeDocument/2006/relationships" xmlns:p="http://schemas.openxmlformats.org/presentationml/2006/main">
   <p:cSld>
@@ -4376,7 +5736,7 @@
                 <a:latin typeface="Arial" panose="020B0604020202020204" pitchFamily="34" charset="0"/>
                 <a:cs typeface="Arial" panose="020B0604020202020204" pitchFamily="34" charset="0"/>
               </a:rPr>
-              <a:t>Возможность использования когнитивного подхода к моделированию и управлению слабоструктурированными системами благодаря учету в когнитивных моделях возможностей восприятия, представления и объяснения … и чего .</a:t>
+              <a:t>Возможность использования когнитивного подхода к моделированию и управлению слабоструктурированными системами благодаря учету в когнитивных моделях возможностей восприятия, представления и объяснения.</a:t>
             </a:r>
           </a:p>
           <a:p>
@@ -4386,7 +5746,7 @@
                 <a:latin typeface="Arial" panose="020B0604020202020204" pitchFamily="34" charset="0"/>
                 <a:cs typeface="Arial" panose="020B0604020202020204" pitchFamily="34" charset="0"/>
               </a:rPr>
-              <a:t>Потребность структурно-параметрической настройки нечетких когнитивных моделей для задач прогнозирования, сценарного моделирования, принятия решений, диагностики  и управления.</a:t>
+              <a:t>Потребность структурно-параметрической настройки нечетких когнитивных моделей для задач прогнозирования, сценарного моделирования, принятия решений, диагностики, классификации и управления.</a:t>
             </a:r>
           </a:p>
           <a:p>
@@ -4555,7 +5915,21 @@
                 <a:latin typeface="Arial" panose="020B0604020202020204" pitchFamily="34" charset="0"/>
                 <a:cs typeface="Arial" panose="020B0604020202020204" pitchFamily="34" charset="0"/>
               </a:rPr>
-              <a:t> повышение оперативности структурно-параметрической</a:t>
+              <a:t> </a:t>
+            </a:r>
+            <a:r>
+              <a:rPr lang="ru-RU" sz="2200">
+                <a:latin typeface="Arial" panose="020B0604020202020204" pitchFamily="34" charset="0"/>
+                <a:cs typeface="Arial" panose="020B0604020202020204" pitchFamily="34" charset="0"/>
+              </a:rPr>
+              <a:t>повышение качества и оперативности </a:t>
+            </a:r>
+            <a:r>
+              <a:rPr lang="ru-RU" sz="2200" dirty="0">
+                <a:latin typeface="Arial" panose="020B0604020202020204" pitchFamily="34" charset="0"/>
+                <a:cs typeface="Arial" panose="020B0604020202020204" pitchFamily="34" charset="0"/>
+              </a:rPr>
+              <a:t>структурно-параметрической</a:t>
             </a:r>
             <a:r>
               <a:rPr lang="en-US" sz="2200" dirty="0">
@@ -4820,7 +6194,7 @@
                 <a:latin typeface="Arial" panose="020B0604020202020204" pitchFamily="34" charset="0"/>
                 <a:cs typeface="Arial" panose="020B0604020202020204" pitchFamily="34" charset="0"/>
               </a:rPr>
-              <a:t>Оценка оперативности структурно-параметрической</a:t>
+              <a:t>Оценка качества и оперативности структурно-параметрической</a:t>
             </a:r>
             <a:r>
               <a:rPr lang="en-US" sz="2300" dirty="0">
@@ -5087,18 +6461,18 @@
         </p:nvSpPr>
         <p:spPr>
           <a:xfrm>
-            <a:off x="628650" y="437375"/>
+            <a:off x="628650" y="464554"/>
             <a:ext cx="7886700" cy="721238"/>
           </a:xfrm>
         </p:spPr>
         <p:txBody>
           <a:bodyPr>
-            <a:noAutofit/>
+            <a:normAutofit fontScale="90000"/>
           </a:bodyPr>
           <a:lstStyle/>
           <a:p>
             <a:r>
-              <a:rPr lang="ru-RU" sz="3600" dirty="0">
+              <a:rPr lang="ru-RU" dirty="0">
                 <a:ln w="0"/>
                 <a:solidFill>
                   <a:schemeClr val="accent1"/>
@@ -5113,9 +6487,9 @@
                 <a:latin typeface="Arial" panose="020B0604020202020204" pitchFamily="34" charset="0"/>
                 <a:cs typeface="Arial" panose="020B0604020202020204" pitchFamily="34" charset="0"/>
               </a:rPr>
-              <a:t>Входные данные для разработанного способа</a:t>
-            </a:r>
-            <a:endParaRPr lang="ru-RU" sz="3600" dirty="0"/>
+              <a:t>Постановка задачи исследования</a:t>
+            </a:r>
+            <a:endParaRPr lang="ru-RU" dirty="0"/>
           </a:p>
         </p:txBody>
       </p:sp>
@@ -5143,7 +6517,7 @@
               <a:pPr/>
               <a:t>6</a:t>
             </a:fld>
-            <a:endParaRPr lang="ru-RU" dirty="0">
+            <a:endParaRPr lang="ru-RU">
               <a:solidFill>
                 <a:schemeClr val="tx1"/>
               </a:solidFill>
@@ -5151,608 +6525,10 @@
           </a:p>
         </p:txBody>
       </p:sp>
-      <p:sp>
-        <p:nvSpPr>
-          <p:cNvPr id="9" name="Объект 2">
-            <a:extLst>
-              <a:ext uri="{FF2B5EF4-FFF2-40B4-BE49-F238E27FC236}">
-                <a16:creationId xmlns:a16="http://schemas.microsoft.com/office/drawing/2014/main" id="{75DF44C0-E81B-4958-B0C9-02E4A720FB6F}"/>
-              </a:ext>
-            </a:extLst>
-          </p:cNvPr>
-          <p:cNvSpPr>
-            <a:spLocks noGrp="1"/>
-          </p:cNvSpPr>
-          <p:nvPr>
-            <p:ph idx="1"/>
-          </p:nvPr>
-        </p:nvSpPr>
-        <p:spPr>
-          <a:xfrm>
-            <a:off x="628650" y="1485520"/>
-            <a:ext cx="7886700" cy="4870831"/>
-          </a:xfrm>
-        </p:spPr>
-        <p:txBody>
-          <a:bodyPr>
-            <a:noAutofit/>
-          </a:bodyPr>
-          <a:lstStyle/>
-          <a:p>
-            <a:pPr lvl="0" algn="just"/>
-            <a:r>
-              <a:rPr lang="en-US" sz="1800" dirty="0">
-                <a:latin typeface="Arial" panose="020B0604020202020204" pitchFamily="34" charset="0"/>
-                <a:cs typeface="Arial" panose="020B0604020202020204" pitchFamily="34" charset="0"/>
-              </a:rPr>
-              <a:t>A </a:t>
-            </a:r>
-            <a:r>
-              <a:rPr lang="ru-RU" sz="1800" dirty="0">
-                <a:effectLst/>
-                <a:latin typeface="Arial" panose="020B0604020202020204" pitchFamily="34" charset="0"/>
-                <a:ea typeface="Calibri" panose="020F0502020204030204" pitchFamily="34" charset="0"/>
-                <a:cs typeface="Arial" panose="020B0604020202020204" pitchFamily="34" charset="0"/>
-              </a:rPr>
-              <a:t>–</a:t>
-            </a:r>
-            <a:r>
-              <a:rPr lang="en-US" sz="1800" dirty="0">
-                <a:latin typeface="Arial" panose="020B0604020202020204" pitchFamily="34" charset="0"/>
-                <a:cs typeface="Arial" panose="020B0604020202020204" pitchFamily="34" charset="0"/>
-              </a:rPr>
-              <a:t> </a:t>
-            </a:r>
-            <a:r>
-              <a:rPr lang="ru-RU" sz="1800" dirty="0">
-                <a:latin typeface="Arial" panose="020B0604020202020204" pitchFamily="34" charset="0"/>
-                <a:cs typeface="Arial" panose="020B0604020202020204" pitchFamily="34" charset="0"/>
-              </a:rPr>
-              <a:t>матрица смежности когнитивной карты для предметной области</a:t>
-            </a:r>
-            <a:r>
-              <a:rPr lang="en-US" sz="1800" dirty="0">
-                <a:latin typeface="Arial" panose="020B0604020202020204" pitchFamily="34" charset="0"/>
-                <a:cs typeface="Arial" panose="020B0604020202020204" pitchFamily="34" charset="0"/>
-              </a:rPr>
-              <a:t>;</a:t>
-            </a:r>
-            <a:endParaRPr lang="ru-RU" sz="1800" dirty="0">
-              <a:latin typeface="Arial" panose="020B0604020202020204" pitchFamily="34" charset="0"/>
-              <a:cs typeface="Arial" panose="020B0604020202020204" pitchFamily="34" charset="0"/>
-            </a:endParaRPr>
-          </a:p>
-          <a:p>
-            <a:pPr lvl="0" algn="just"/>
-            <a:r>
-              <a:rPr lang="en-US" sz="1800" dirty="0">
-                <a:latin typeface="Arial" panose="020B0604020202020204" pitchFamily="34" charset="0"/>
-                <a:cs typeface="Arial" panose="020B0604020202020204" pitchFamily="34" charset="0"/>
-              </a:rPr>
-              <a:t>U </a:t>
-            </a:r>
-            <a:r>
-              <a:rPr lang="ru-RU" sz="1800" dirty="0">
-                <a:effectLst/>
-                <a:latin typeface="Arial" panose="020B0604020202020204" pitchFamily="34" charset="0"/>
-                <a:ea typeface="Calibri" panose="020F0502020204030204" pitchFamily="34" charset="0"/>
-                <a:cs typeface="Arial" panose="020B0604020202020204" pitchFamily="34" charset="0"/>
-              </a:rPr>
-              <a:t>–</a:t>
-            </a:r>
-            <a:r>
-              <a:rPr lang="en-US" sz="1800" dirty="0">
-                <a:effectLst/>
-                <a:latin typeface="Arial" panose="020B0604020202020204" pitchFamily="34" charset="0"/>
-                <a:ea typeface="Calibri" panose="020F0502020204030204" pitchFamily="34" charset="0"/>
-                <a:cs typeface="Arial" panose="020B0604020202020204" pitchFamily="34" charset="0"/>
-              </a:rPr>
-              <a:t> </a:t>
-            </a:r>
-            <a:r>
-              <a:rPr lang="ru-RU" sz="1800" dirty="0">
-                <a:latin typeface="Arial" panose="020B0604020202020204" pitchFamily="34" charset="0"/>
-                <a:ea typeface="Calibri" panose="020F0502020204030204" pitchFamily="34" charset="0"/>
-                <a:cs typeface="Arial" panose="020B0604020202020204" pitchFamily="34" charset="0"/>
-              </a:rPr>
-              <a:t>вектор управляющих концептов</a:t>
-            </a:r>
-            <a:r>
-              <a:rPr lang="en-US" sz="1800" dirty="0">
-                <a:latin typeface="Arial" panose="020B0604020202020204" pitchFamily="34" charset="0"/>
-                <a:ea typeface="Calibri" panose="020F0502020204030204" pitchFamily="34" charset="0"/>
-                <a:cs typeface="Arial" panose="020B0604020202020204" pitchFamily="34" charset="0"/>
-              </a:rPr>
-              <a:t>;</a:t>
-            </a:r>
-            <a:endParaRPr lang="ru-RU" sz="1800" dirty="0">
-              <a:latin typeface="Arial" panose="020B0604020202020204" pitchFamily="34" charset="0"/>
-              <a:cs typeface="Arial" panose="020B0604020202020204" pitchFamily="34" charset="0"/>
-            </a:endParaRPr>
-          </a:p>
-          <a:p>
-            <a:pPr lvl="0" algn="just"/>
-            <a:r>
-              <a:rPr lang="en-US" sz="1800" dirty="0">
-                <a:latin typeface="Arial" panose="020B0604020202020204" pitchFamily="34" charset="0"/>
-                <a:cs typeface="Arial" panose="020B0604020202020204" pitchFamily="34" charset="0"/>
-              </a:rPr>
-              <a:t>R </a:t>
-            </a:r>
-            <a:r>
-              <a:rPr lang="ru-RU" sz="1800" dirty="0">
-                <a:effectLst/>
-                <a:latin typeface="Arial" panose="020B0604020202020204" pitchFamily="34" charset="0"/>
-                <a:ea typeface="Calibri" panose="020F0502020204030204" pitchFamily="34" charset="0"/>
-                <a:cs typeface="Arial" panose="020B0604020202020204" pitchFamily="34" charset="0"/>
-              </a:rPr>
-              <a:t>–</a:t>
-            </a:r>
-            <a:r>
-              <a:rPr lang="en-US" sz="1800" dirty="0">
-                <a:effectLst/>
-                <a:latin typeface="Arial" panose="020B0604020202020204" pitchFamily="34" charset="0"/>
-                <a:ea typeface="Calibri" panose="020F0502020204030204" pitchFamily="34" charset="0"/>
-                <a:cs typeface="Arial" panose="020B0604020202020204" pitchFamily="34" charset="0"/>
-              </a:rPr>
-              <a:t> </a:t>
-            </a:r>
-            <a:r>
-              <a:rPr lang="ru-RU" sz="1800" dirty="0">
-                <a:latin typeface="Arial" panose="020B0604020202020204" pitchFamily="34" charset="0"/>
-                <a:ea typeface="Calibri" panose="020F0502020204030204" pitchFamily="34" charset="0"/>
-                <a:cs typeface="Arial" panose="020B0604020202020204" pitchFamily="34" charset="0"/>
-              </a:rPr>
-              <a:t>матрица ограничений</a:t>
-            </a:r>
-            <a:r>
-              <a:rPr lang="ru-RU" sz="1800" dirty="0">
-                <a:effectLst/>
-                <a:latin typeface="Arial" panose="020B0604020202020204" pitchFamily="34" charset="0"/>
-                <a:ea typeface="Calibri" panose="020F0502020204030204" pitchFamily="34" charset="0"/>
-                <a:cs typeface="Arial" panose="020B0604020202020204" pitchFamily="34" charset="0"/>
-              </a:rPr>
-              <a:t>, накладываемых на управляющие концепты</a:t>
-            </a:r>
-            <a:r>
-              <a:rPr lang="en-US" sz="1800" dirty="0">
-                <a:effectLst/>
-                <a:latin typeface="Arial" panose="020B0604020202020204" pitchFamily="34" charset="0"/>
-                <a:ea typeface="Calibri" panose="020F0502020204030204" pitchFamily="34" charset="0"/>
-                <a:cs typeface="Arial" panose="020B0604020202020204" pitchFamily="34" charset="0"/>
-              </a:rPr>
-              <a:t>;</a:t>
-            </a:r>
-            <a:endParaRPr lang="ru-RU" sz="1800" dirty="0">
-              <a:effectLst/>
-              <a:latin typeface="Arial" panose="020B0604020202020204" pitchFamily="34" charset="0"/>
-              <a:ea typeface="Calibri" panose="020F0502020204030204" pitchFamily="34" charset="0"/>
-              <a:cs typeface="Arial" panose="020B0604020202020204" pitchFamily="34" charset="0"/>
-            </a:endParaRPr>
-          </a:p>
-          <a:p>
-            <a:pPr lvl="0" algn="just"/>
-            <a:r>
-              <a:rPr lang="en-US" sz="1800" dirty="0">
-                <a:latin typeface="Arial" panose="020B0604020202020204" pitchFamily="34" charset="0"/>
-                <a:cs typeface="Arial" panose="020B0604020202020204" pitchFamily="34" charset="0"/>
-              </a:rPr>
-              <a:t>X(0)</a:t>
-            </a:r>
-            <a:r>
-              <a:rPr lang="ru-RU" sz="1800" dirty="0">
-                <a:latin typeface="Arial" panose="020B0604020202020204" pitchFamily="34" charset="0"/>
-                <a:cs typeface="Arial" panose="020B0604020202020204" pitchFamily="34" charset="0"/>
-              </a:rPr>
-              <a:t> </a:t>
-            </a:r>
-            <a:r>
-              <a:rPr lang="ru-RU" sz="1800" dirty="0">
-                <a:effectLst/>
-                <a:latin typeface="Arial" panose="020B0604020202020204" pitchFamily="34" charset="0"/>
-                <a:ea typeface="Calibri" panose="020F0502020204030204" pitchFamily="34" charset="0"/>
-                <a:cs typeface="Arial" panose="020B0604020202020204" pitchFamily="34" charset="0"/>
-              </a:rPr>
-              <a:t>– вектор начального состояни</a:t>
-            </a:r>
-            <a:r>
-              <a:rPr lang="ru-RU" sz="1800" dirty="0">
-                <a:latin typeface="Arial" panose="020B0604020202020204" pitchFamily="34" charset="0"/>
-                <a:ea typeface="Calibri" panose="020F0502020204030204" pitchFamily="34" charset="0"/>
-                <a:cs typeface="Arial" panose="020B0604020202020204" pitchFamily="34" charset="0"/>
-              </a:rPr>
-              <a:t>я концептов</a:t>
-            </a:r>
-            <a:r>
-              <a:rPr lang="en-US" sz="1800" dirty="0">
-                <a:latin typeface="Arial" panose="020B0604020202020204" pitchFamily="34" charset="0"/>
-                <a:ea typeface="Calibri" panose="020F0502020204030204" pitchFamily="34" charset="0"/>
-                <a:cs typeface="Arial" panose="020B0604020202020204" pitchFamily="34" charset="0"/>
-              </a:rPr>
-              <a:t>;</a:t>
-            </a:r>
-            <a:endParaRPr lang="ru-RU" sz="1800" dirty="0">
-              <a:latin typeface="Arial" panose="020B0604020202020204" pitchFamily="34" charset="0"/>
-              <a:ea typeface="Calibri" panose="020F0502020204030204" pitchFamily="34" charset="0"/>
-              <a:cs typeface="Arial" panose="020B0604020202020204" pitchFamily="34" charset="0"/>
-            </a:endParaRPr>
-          </a:p>
-          <a:p>
-            <a:pPr lvl="0" algn="just"/>
-            <a:r>
-              <a:rPr lang="en-US" sz="1800" dirty="0">
-                <a:latin typeface="Arial" panose="020B0604020202020204" pitchFamily="34" charset="0"/>
-                <a:ea typeface="Calibri" panose="020F0502020204030204" pitchFamily="34" charset="0"/>
-                <a:cs typeface="Arial" panose="020B0604020202020204" pitchFamily="34" charset="0"/>
-              </a:rPr>
-              <a:t>G </a:t>
-            </a:r>
-            <a:r>
-              <a:rPr lang="ru-RU" sz="1800" dirty="0">
-                <a:effectLst/>
-                <a:latin typeface="Arial" panose="020B0604020202020204" pitchFamily="34" charset="0"/>
-                <a:ea typeface="Calibri" panose="020F0502020204030204" pitchFamily="34" charset="0"/>
-                <a:cs typeface="Arial" panose="020B0604020202020204" pitchFamily="34" charset="0"/>
-              </a:rPr>
-              <a:t>–</a:t>
-            </a:r>
-            <a:r>
-              <a:rPr lang="en-US" sz="1800" dirty="0">
-                <a:effectLst/>
-                <a:latin typeface="Arial" panose="020B0604020202020204" pitchFamily="34" charset="0"/>
-                <a:ea typeface="Calibri" panose="020F0502020204030204" pitchFamily="34" charset="0"/>
-                <a:cs typeface="Arial" panose="020B0604020202020204" pitchFamily="34" charset="0"/>
-              </a:rPr>
-              <a:t> </a:t>
-            </a:r>
-            <a:r>
-              <a:rPr lang="ru-RU" sz="1800" dirty="0">
-                <a:effectLst/>
-                <a:latin typeface="Arial" panose="020B0604020202020204" pitchFamily="34" charset="0"/>
-                <a:ea typeface="Calibri" panose="020F0502020204030204" pitchFamily="34" charset="0"/>
-                <a:cs typeface="Arial" panose="020B0604020202020204" pitchFamily="34" charset="0"/>
-              </a:rPr>
-              <a:t>вектор </a:t>
-            </a:r>
-            <a:r>
-              <a:rPr lang="ru-RU" sz="1800" dirty="0">
-                <a:latin typeface="Arial" panose="020B0604020202020204" pitchFamily="34" charset="0"/>
-                <a:ea typeface="Calibri" panose="020F0502020204030204" pitchFamily="34" charset="0"/>
-                <a:cs typeface="Arial" panose="020B0604020202020204" pitchFamily="34" charset="0"/>
-              </a:rPr>
-              <a:t>целевых</a:t>
-            </a:r>
-            <a:r>
-              <a:rPr lang="ru-RU" sz="1800" dirty="0">
-                <a:effectLst/>
-                <a:latin typeface="Arial" panose="020B0604020202020204" pitchFamily="34" charset="0"/>
-                <a:ea typeface="Calibri" panose="020F0502020204030204" pitchFamily="34" charset="0"/>
-                <a:cs typeface="Arial" panose="020B0604020202020204" pitchFamily="34" charset="0"/>
-              </a:rPr>
-              <a:t> концептов</a:t>
-            </a:r>
-            <a:r>
-              <a:rPr lang="en-US" sz="1800" dirty="0">
-                <a:effectLst/>
-                <a:latin typeface="Arial" panose="020B0604020202020204" pitchFamily="34" charset="0"/>
-                <a:ea typeface="Calibri" panose="020F0502020204030204" pitchFamily="34" charset="0"/>
-                <a:cs typeface="Arial" panose="020B0604020202020204" pitchFamily="34" charset="0"/>
-              </a:rPr>
-              <a:t>;</a:t>
-            </a:r>
-            <a:endParaRPr lang="en-US" sz="1800" dirty="0">
-              <a:latin typeface="Arial" panose="020B0604020202020204" pitchFamily="34" charset="0"/>
-              <a:ea typeface="Calibri" panose="020F0502020204030204" pitchFamily="34" charset="0"/>
-              <a:cs typeface="Arial" panose="020B0604020202020204" pitchFamily="34" charset="0"/>
-            </a:endParaRPr>
-          </a:p>
-          <a:p>
-            <a:pPr lvl="0" algn="just"/>
-            <a:r>
-              <a:rPr lang="en-US" sz="1800" dirty="0">
-                <a:latin typeface="Arial" panose="020B0604020202020204" pitchFamily="34" charset="0"/>
-                <a:ea typeface="Calibri" panose="020F0502020204030204" pitchFamily="34" charset="0"/>
-                <a:cs typeface="Arial" panose="020B0604020202020204" pitchFamily="34" charset="0"/>
-              </a:rPr>
-              <a:t>Y </a:t>
-            </a:r>
-            <a:r>
-              <a:rPr lang="ru-RU" sz="1800" dirty="0">
-                <a:effectLst/>
-                <a:latin typeface="Arial" panose="020B0604020202020204" pitchFamily="34" charset="0"/>
-                <a:ea typeface="Calibri" panose="020F0502020204030204" pitchFamily="34" charset="0"/>
-                <a:cs typeface="Arial" panose="020B0604020202020204" pitchFamily="34" charset="0"/>
-              </a:rPr>
-              <a:t>–</a:t>
-            </a:r>
-            <a:r>
-              <a:rPr lang="en-US" sz="1800" dirty="0">
-                <a:effectLst/>
-                <a:latin typeface="Arial" panose="020B0604020202020204" pitchFamily="34" charset="0"/>
-                <a:ea typeface="Calibri" panose="020F0502020204030204" pitchFamily="34" charset="0"/>
-                <a:cs typeface="Arial" panose="020B0604020202020204" pitchFamily="34" charset="0"/>
-              </a:rPr>
-              <a:t> </a:t>
-            </a:r>
-            <a:r>
-              <a:rPr lang="ru-RU" sz="1800" dirty="0">
-                <a:effectLst/>
-                <a:latin typeface="Arial" panose="020B0604020202020204" pitchFamily="34" charset="0"/>
-                <a:ea typeface="Calibri" panose="020F0502020204030204" pitchFamily="34" charset="0"/>
-                <a:cs typeface="Arial" panose="020B0604020202020204" pitchFamily="34" charset="0"/>
-              </a:rPr>
-              <a:t>вектор желаемого состояния целевых концептов</a:t>
-            </a:r>
-            <a:r>
-              <a:rPr lang="en-US" sz="1800" dirty="0">
-                <a:effectLst/>
-                <a:latin typeface="Arial" panose="020B0604020202020204" pitchFamily="34" charset="0"/>
-                <a:ea typeface="Calibri" panose="020F0502020204030204" pitchFamily="34" charset="0"/>
-                <a:cs typeface="Arial" panose="020B0604020202020204" pitchFamily="34" charset="0"/>
-              </a:rPr>
-              <a:t>;</a:t>
-            </a:r>
-            <a:endParaRPr lang="ru-RU" sz="1800" dirty="0">
-              <a:effectLst/>
-              <a:latin typeface="Arial" panose="020B0604020202020204" pitchFamily="34" charset="0"/>
-              <a:ea typeface="Calibri" panose="020F0502020204030204" pitchFamily="34" charset="0"/>
-              <a:cs typeface="Arial" panose="020B0604020202020204" pitchFamily="34" charset="0"/>
-            </a:endParaRPr>
-          </a:p>
-          <a:p>
-            <a:pPr lvl="0" algn="just"/>
-            <a:r>
-              <a:rPr lang="en-US" sz="1800" dirty="0">
-                <a:effectLst/>
-                <a:latin typeface="Arial" panose="020B0604020202020204" pitchFamily="34" charset="0"/>
-                <a:ea typeface="Calibri" panose="020F0502020204030204" pitchFamily="34" charset="0"/>
-                <a:cs typeface="Arial" panose="020B0604020202020204" pitchFamily="34" charset="0"/>
-              </a:rPr>
-              <a:t>D </a:t>
-            </a:r>
-            <a:r>
-              <a:rPr lang="ru-RU" sz="1800" dirty="0">
-                <a:effectLst/>
-                <a:latin typeface="Arial" panose="020B0604020202020204" pitchFamily="34" charset="0"/>
-                <a:ea typeface="Calibri" panose="020F0502020204030204" pitchFamily="34" charset="0"/>
-                <a:cs typeface="Arial" panose="020B0604020202020204" pitchFamily="34" charset="0"/>
-              </a:rPr>
-              <a:t>–</a:t>
-            </a:r>
-            <a:r>
-              <a:rPr lang="en-US" sz="1800" dirty="0">
-                <a:effectLst/>
-                <a:latin typeface="Arial" panose="020B0604020202020204" pitchFamily="34" charset="0"/>
-                <a:ea typeface="Calibri" panose="020F0502020204030204" pitchFamily="34" charset="0"/>
-                <a:cs typeface="Arial" panose="020B0604020202020204" pitchFamily="34" charset="0"/>
-              </a:rPr>
-              <a:t> </a:t>
-            </a:r>
-            <a:r>
-              <a:rPr lang="ru-RU" sz="1800" dirty="0">
-                <a:effectLst/>
-                <a:latin typeface="Arial" panose="020B0604020202020204" pitchFamily="34" charset="0"/>
-                <a:ea typeface="Calibri" panose="020F0502020204030204" pitchFamily="34" charset="0"/>
-                <a:cs typeface="Arial" panose="020B0604020202020204" pitchFamily="34" charset="0"/>
-              </a:rPr>
-              <a:t>модель динамики для когнитивной карты</a:t>
-            </a:r>
-            <a:r>
-              <a:rPr lang="en-US" sz="1800" dirty="0">
-                <a:effectLst/>
-                <a:latin typeface="Arial" panose="020B0604020202020204" pitchFamily="34" charset="0"/>
-                <a:ea typeface="Calibri" panose="020F0502020204030204" pitchFamily="34" charset="0"/>
-                <a:cs typeface="Arial" panose="020B0604020202020204" pitchFamily="34" charset="0"/>
-              </a:rPr>
-              <a:t>;</a:t>
-            </a:r>
-          </a:p>
-          <a:p>
-            <a:pPr lvl="0" algn="just"/>
-            <a:r>
-              <a:rPr lang="en-US" sz="1800" dirty="0">
-                <a:latin typeface="Arial" panose="020B0604020202020204" pitchFamily="34" charset="0"/>
-                <a:ea typeface="Calibri" panose="020F0502020204030204" pitchFamily="34" charset="0"/>
-                <a:cs typeface="Arial" panose="020B0604020202020204" pitchFamily="34" charset="0"/>
-              </a:rPr>
-              <a:t>T </a:t>
-            </a:r>
-            <a:r>
-              <a:rPr lang="ru-RU" sz="1800" dirty="0">
-                <a:effectLst/>
-                <a:latin typeface="Arial" panose="020B0604020202020204" pitchFamily="34" charset="0"/>
-                <a:ea typeface="Calibri" panose="020F0502020204030204" pitchFamily="34" charset="0"/>
-                <a:cs typeface="Arial" panose="020B0604020202020204" pitchFamily="34" charset="0"/>
-              </a:rPr>
-              <a:t>–</a:t>
-            </a:r>
-            <a:r>
-              <a:rPr lang="en-US" sz="1800" dirty="0">
-                <a:effectLst/>
-                <a:latin typeface="Arial" panose="020B0604020202020204" pitchFamily="34" charset="0"/>
-                <a:ea typeface="Calibri" panose="020F0502020204030204" pitchFamily="34" charset="0"/>
-                <a:cs typeface="Arial" panose="020B0604020202020204" pitchFamily="34" charset="0"/>
-              </a:rPr>
-              <a:t> </a:t>
-            </a:r>
-            <a:r>
-              <a:rPr lang="ru-RU" sz="1800" dirty="0">
-                <a:effectLst/>
-                <a:latin typeface="Arial" panose="020B0604020202020204" pitchFamily="34" charset="0"/>
-                <a:ea typeface="Calibri" panose="020F0502020204030204" pitchFamily="34" charset="0"/>
-                <a:cs typeface="Arial" panose="020B0604020202020204" pitchFamily="34" charset="0"/>
-              </a:rPr>
-              <a:t>максимальное модельное время</a:t>
-            </a:r>
-            <a:r>
-              <a:rPr lang="en-US" sz="1800" dirty="0">
-                <a:effectLst/>
-                <a:latin typeface="Arial" panose="020B0604020202020204" pitchFamily="34" charset="0"/>
-                <a:ea typeface="Calibri" panose="020F0502020204030204" pitchFamily="34" charset="0"/>
-                <a:cs typeface="Arial" panose="020B0604020202020204" pitchFamily="34" charset="0"/>
-              </a:rPr>
-              <a:t>;</a:t>
-            </a:r>
-          </a:p>
-          <a:p>
-            <a:pPr lvl="0" algn="just"/>
-            <a:r>
-              <a:rPr lang="en-US" sz="1800" dirty="0">
-                <a:latin typeface="Arial" panose="020B0604020202020204" pitchFamily="34" charset="0"/>
-                <a:ea typeface="Calibri" panose="020F0502020204030204" pitchFamily="34" charset="0"/>
-                <a:cs typeface="Arial" panose="020B0604020202020204" pitchFamily="34" charset="0"/>
-              </a:rPr>
-              <a:t>N </a:t>
-            </a:r>
-            <a:r>
-              <a:rPr lang="ru-RU" sz="1800" dirty="0">
-                <a:effectLst/>
-                <a:latin typeface="Arial" panose="020B0604020202020204" pitchFamily="34" charset="0"/>
-                <a:ea typeface="Calibri" panose="020F0502020204030204" pitchFamily="34" charset="0"/>
-                <a:cs typeface="Arial" panose="020B0604020202020204" pitchFamily="34" charset="0"/>
-              </a:rPr>
-              <a:t>–</a:t>
-            </a:r>
-            <a:r>
-              <a:rPr lang="en-US" sz="1800" dirty="0">
-                <a:effectLst/>
-                <a:latin typeface="Arial" panose="020B0604020202020204" pitchFamily="34" charset="0"/>
-                <a:ea typeface="Calibri" panose="020F0502020204030204" pitchFamily="34" charset="0"/>
-                <a:cs typeface="Arial" panose="020B0604020202020204" pitchFamily="34" charset="0"/>
-              </a:rPr>
-              <a:t> </a:t>
-            </a:r>
-            <a:r>
-              <a:rPr lang="ru-RU" sz="1800" dirty="0">
-                <a:effectLst/>
-                <a:latin typeface="Arial" panose="020B0604020202020204" pitchFamily="34" charset="0"/>
-                <a:ea typeface="Calibri" panose="020F0502020204030204" pitchFamily="34" charset="0"/>
-                <a:cs typeface="Arial" panose="020B0604020202020204" pitchFamily="34" charset="0"/>
-              </a:rPr>
-              <a:t>размер поколения</a:t>
-            </a:r>
-            <a:r>
-              <a:rPr lang="en-US" sz="1800" dirty="0">
-                <a:effectLst/>
-                <a:latin typeface="Arial" panose="020B0604020202020204" pitchFamily="34" charset="0"/>
-                <a:ea typeface="Calibri" panose="020F0502020204030204" pitchFamily="34" charset="0"/>
-                <a:cs typeface="Arial" panose="020B0604020202020204" pitchFamily="34" charset="0"/>
-              </a:rPr>
-              <a:t>;</a:t>
-            </a:r>
-          </a:p>
-          <a:p>
-            <a:pPr lvl="0" algn="just"/>
-            <a:r>
-              <a:rPr lang="en-US" sz="1800" dirty="0">
-                <a:latin typeface="Arial" panose="020B0604020202020204" pitchFamily="34" charset="0"/>
-                <a:ea typeface="Calibri" panose="020F0502020204030204" pitchFamily="34" charset="0"/>
-                <a:cs typeface="Arial" panose="020B0604020202020204" pitchFamily="34" charset="0"/>
-              </a:rPr>
-              <a:t>M </a:t>
-            </a:r>
-            <a:r>
-              <a:rPr lang="ru-RU" sz="1800" dirty="0">
-                <a:effectLst/>
-                <a:latin typeface="Arial" panose="020B0604020202020204" pitchFamily="34" charset="0"/>
-                <a:ea typeface="Calibri" panose="020F0502020204030204" pitchFamily="34" charset="0"/>
-                <a:cs typeface="Arial" panose="020B0604020202020204" pitchFamily="34" charset="0"/>
-              </a:rPr>
-              <a:t>–</a:t>
-            </a:r>
-            <a:r>
-              <a:rPr lang="en-US" sz="1800" dirty="0">
-                <a:effectLst/>
-                <a:latin typeface="Arial" panose="020B0604020202020204" pitchFamily="34" charset="0"/>
-                <a:ea typeface="Calibri" panose="020F0502020204030204" pitchFamily="34" charset="0"/>
-                <a:cs typeface="Arial" panose="020B0604020202020204" pitchFamily="34" charset="0"/>
-              </a:rPr>
-              <a:t> </a:t>
-            </a:r>
-            <a:r>
-              <a:rPr lang="ru-RU" sz="1800" dirty="0">
-                <a:effectLst/>
-                <a:latin typeface="Arial" panose="020B0604020202020204" pitchFamily="34" charset="0"/>
-                <a:ea typeface="Calibri" panose="020F0502020204030204" pitchFamily="34" charset="0"/>
-                <a:cs typeface="Arial" panose="020B0604020202020204" pitchFamily="34" charset="0"/>
-              </a:rPr>
-              <a:t>число наиболее приспособленных особей</a:t>
-            </a:r>
-            <a:r>
-              <a:rPr lang="en-US" sz="1800" dirty="0">
-                <a:effectLst/>
-                <a:latin typeface="Arial" panose="020B0604020202020204" pitchFamily="34" charset="0"/>
-                <a:ea typeface="Calibri" panose="020F0502020204030204" pitchFamily="34" charset="0"/>
-                <a:cs typeface="Arial" panose="020B0604020202020204" pitchFamily="34" charset="0"/>
-              </a:rPr>
-              <a:t>;</a:t>
-            </a:r>
-          </a:p>
-          <a:p>
-            <a:pPr lvl="0" algn="just"/>
-            <a:r>
-              <a:rPr lang="en-US" sz="1800" dirty="0">
-                <a:latin typeface="Arial" panose="020B0604020202020204" pitchFamily="34" charset="0"/>
-                <a:ea typeface="Calibri" panose="020F0502020204030204" pitchFamily="34" charset="0"/>
-                <a:cs typeface="Arial" panose="020B0604020202020204" pitchFamily="34" charset="0"/>
-              </a:rPr>
-              <a:t>S </a:t>
-            </a:r>
-            <a:r>
-              <a:rPr lang="ru-RU" sz="1800" dirty="0">
-                <a:effectLst/>
-                <a:latin typeface="Arial" panose="020B0604020202020204" pitchFamily="34" charset="0"/>
-                <a:ea typeface="Calibri" panose="020F0502020204030204" pitchFamily="34" charset="0"/>
-                <a:cs typeface="Arial" panose="020B0604020202020204" pitchFamily="34" charset="0"/>
-              </a:rPr>
-              <a:t>–</a:t>
-            </a:r>
-            <a:r>
-              <a:rPr lang="en-US" sz="1800" dirty="0">
-                <a:effectLst/>
-                <a:latin typeface="Arial" panose="020B0604020202020204" pitchFamily="34" charset="0"/>
-                <a:ea typeface="Calibri" panose="020F0502020204030204" pitchFamily="34" charset="0"/>
-                <a:cs typeface="Arial" panose="020B0604020202020204" pitchFamily="34" charset="0"/>
-              </a:rPr>
-              <a:t> </a:t>
-            </a:r>
-            <a:r>
-              <a:rPr lang="ru-RU" sz="1800" dirty="0">
-                <a:effectLst/>
-                <a:latin typeface="Arial" panose="020B0604020202020204" pitchFamily="34" charset="0"/>
-                <a:ea typeface="Calibri" panose="020F0502020204030204" pitchFamily="34" charset="0"/>
-                <a:cs typeface="Arial" panose="020B0604020202020204" pitchFamily="34" charset="0"/>
-              </a:rPr>
-              <a:t>условие остановки (абсолютная погрешность, максимальное число поколений и максимальное число поколений без улучшений).</a:t>
-            </a:r>
-            <a:endParaRPr lang="ru-RU" sz="1800" dirty="0">
-              <a:latin typeface="Arial" panose="020B0604020202020204" pitchFamily="34" charset="0"/>
-              <a:ea typeface="Calibri" panose="020F0502020204030204" pitchFamily="34" charset="0"/>
-              <a:cs typeface="Arial" panose="020B0604020202020204" pitchFamily="34" charset="0"/>
-            </a:endParaRPr>
-          </a:p>
-          <a:p>
-            <a:pPr lvl="0" algn="just"/>
-            <a:endParaRPr lang="ru-RU" sz="1800" dirty="0">
-              <a:latin typeface="Arial" panose="020B0604020202020204" pitchFamily="34" charset="0"/>
-              <a:cs typeface="Arial" panose="020B0604020202020204" pitchFamily="34" charset="0"/>
-            </a:endParaRPr>
-          </a:p>
-          <a:p>
-            <a:pPr marL="0" lvl="0" indent="0" algn="just">
-              <a:buNone/>
-            </a:pPr>
-            <a:endParaRPr lang="ru-RU" sz="1800" dirty="0">
-              <a:latin typeface="Arial" panose="020B0604020202020204" pitchFamily="34" charset="0"/>
-              <a:cs typeface="Arial" panose="020B0604020202020204" pitchFamily="34" charset="0"/>
-            </a:endParaRPr>
-          </a:p>
-        </p:txBody>
-      </p:sp>
     </p:spTree>
     <p:extLst>
       <p:ext uri="{BB962C8B-B14F-4D97-AF65-F5344CB8AC3E}">
-        <p14:creationId xmlns:p14="http://schemas.microsoft.com/office/powerpoint/2010/main" val="2076816732"/>
+        <p14:creationId xmlns:p14="http://schemas.microsoft.com/office/powerpoint/2010/main" val="303375311"/>
       </p:ext>
     </p:extLst>
   </p:cSld>
@@ -5791,6 +6567,710 @@
         </p:nvSpPr>
         <p:spPr>
           <a:xfrm>
+            <a:off x="628650" y="437375"/>
+            <a:ext cx="7886700" cy="721238"/>
+          </a:xfrm>
+        </p:spPr>
+        <p:txBody>
+          <a:bodyPr>
+            <a:noAutofit/>
+          </a:bodyPr>
+          <a:lstStyle/>
+          <a:p>
+            <a:r>
+              <a:rPr lang="ru-RU" sz="3600" dirty="0">
+                <a:ln w="0"/>
+                <a:solidFill>
+                  <a:schemeClr val="accent1"/>
+                </a:solidFill>
+                <a:effectLst>
+                  <a:outerShdw blurRad="38100" dist="25400" dir="5400000" algn="ctr" rotWithShape="0">
+                    <a:srgbClr val="6E747A">
+                      <a:alpha val="43000"/>
+                    </a:srgbClr>
+                  </a:outerShdw>
+                </a:effectLst>
+                <a:latin typeface="Arial" panose="020B0604020202020204" pitchFamily="34" charset="0"/>
+                <a:cs typeface="Arial" panose="020B0604020202020204" pitchFamily="34" charset="0"/>
+              </a:rPr>
+              <a:t>Входные данные для разработанного способа</a:t>
+            </a:r>
+            <a:endParaRPr lang="ru-RU" sz="3600" dirty="0"/>
+          </a:p>
+        </p:txBody>
+      </p:sp>
+      <p:sp>
+        <p:nvSpPr>
+          <p:cNvPr id="4" name="Номер слайда 3"/>
+          <p:cNvSpPr>
+            <a:spLocks noGrp="1"/>
+          </p:cNvSpPr>
+          <p:nvPr>
+            <p:ph type="sldNum" sz="quarter" idx="12"/>
+          </p:nvPr>
+        </p:nvSpPr>
+        <p:spPr/>
+        <p:txBody>
+          <a:bodyPr/>
+          <a:lstStyle/>
+          <a:p>
+            <a:fld id="{AFB88E7B-7A0C-4907-9308-8A5BB7783A69}" type="slidenum">
+              <a:rPr lang="ru-RU" smtClean="0">
+                <a:solidFill>
+                  <a:schemeClr val="tx1"/>
+                </a:solidFill>
+              </a:rPr>
+              <a:pPr/>
+              <a:t>7</a:t>
+            </a:fld>
+            <a:endParaRPr lang="ru-RU" dirty="0">
+              <a:solidFill>
+                <a:schemeClr val="tx1"/>
+              </a:solidFill>
+            </a:endParaRPr>
+          </a:p>
+        </p:txBody>
+      </p:sp>
+      <p:sp>
+        <p:nvSpPr>
+          <p:cNvPr id="9" name="Объект 2">
+            <a:extLst>
+              <a:ext uri="{FF2B5EF4-FFF2-40B4-BE49-F238E27FC236}">
+                <a16:creationId xmlns:a16="http://schemas.microsoft.com/office/drawing/2014/main" id="{75DF44C0-E81B-4958-B0C9-02E4A720FB6F}"/>
+              </a:ext>
+            </a:extLst>
+          </p:cNvPr>
+          <p:cNvSpPr>
+            <a:spLocks noGrp="1"/>
+          </p:cNvSpPr>
+          <p:nvPr>
+            <p:ph idx="1"/>
+          </p:nvPr>
+        </p:nvSpPr>
+        <p:spPr>
+          <a:xfrm>
+            <a:off x="628650" y="1485520"/>
+            <a:ext cx="7886700" cy="4870831"/>
+          </a:xfrm>
+        </p:spPr>
+        <p:txBody>
+          <a:bodyPr>
+            <a:noAutofit/>
+          </a:bodyPr>
+          <a:lstStyle/>
+          <a:p>
+            <a:pPr lvl="0" algn="just"/>
+            <a:r>
+              <a:rPr lang="en-US" sz="1800" dirty="0">
+                <a:latin typeface="Arial" panose="020B0604020202020204" pitchFamily="34" charset="0"/>
+                <a:cs typeface="Arial" panose="020B0604020202020204" pitchFamily="34" charset="0"/>
+              </a:rPr>
+              <a:t>A </a:t>
+            </a:r>
+            <a:r>
+              <a:rPr lang="ru-RU" sz="1800" dirty="0">
+                <a:effectLst/>
+                <a:latin typeface="Arial" panose="020B0604020202020204" pitchFamily="34" charset="0"/>
+                <a:ea typeface="Calibri" panose="020F0502020204030204" pitchFamily="34" charset="0"/>
+                <a:cs typeface="Arial" panose="020B0604020202020204" pitchFamily="34" charset="0"/>
+              </a:rPr>
+              <a:t>–</a:t>
+            </a:r>
+            <a:r>
+              <a:rPr lang="en-US" sz="1800" dirty="0">
+                <a:latin typeface="Arial" panose="020B0604020202020204" pitchFamily="34" charset="0"/>
+                <a:cs typeface="Arial" panose="020B0604020202020204" pitchFamily="34" charset="0"/>
+              </a:rPr>
+              <a:t> </a:t>
+            </a:r>
+            <a:r>
+              <a:rPr lang="ru-RU" sz="1800" dirty="0">
+                <a:latin typeface="Arial" panose="020B0604020202020204" pitchFamily="34" charset="0"/>
+                <a:cs typeface="Arial" panose="020B0604020202020204" pitchFamily="34" charset="0"/>
+              </a:rPr>
+              <a:t>матрица смежности когнитивной карты для предметной области</a:t>
+            </a:r>
+            <a:r>
+              <a:rPr lang="en-US" sz="1800" dirty="0">
+                <a:latin typeface="Arial" panose="020B0604020202020204" pitchFamily="34" charset="0"/>
+                <a:cs typeface="Arial" panose="020B0604020202020204" pitchFamily="34" charset="0"/>
+              </a:rPr>
+              <a:t>;</a:t>
+            </a:r>
+            <a:endParaRPr lang="ru-RU" sz="1800" dirty="0">
+              <a:latin typeface="Arial" panose="020B0604020202020204" pitchFamily="34" charset="0"/>
+              <a:cs typeface="Arial" panose="020B0604020202020204" pitchFamily="34" charset="0"/>
+            </a:endParaRPr>
+          </a:p>
+          <a:p>
+            <a:pPr lvl="0" algn="just"/>
+            <a:r>
+              <a:rPr lang="en-US" sz="1800" dirty="0">
+                <a:latin typeface="Arial" panose="020B0604020202020204" pitchFamily="34" charset="0"/>
+                <a:cs typeface="Arial" panose="020B0604020202020204" pitchFamily="34" charset="0"/>
+              </a:rPr>
+              <a:t>U </a:t>
+            </a:r>
+            <a:r>
+              <a:rPr lang="ru-RU" sz="1800" dirty="0">
+                <a:effectLst/>
+                <a:latin typeface="Arial" panose="020B0604020202020204" pitchFamily="34" charset="0"/>
+                <a:ea typeface="Calibri" panose="020F0502020204030204" pitchFamily="34" charset="0"/>
+                <a:cs typeface="Arial" panose="020B0604020202020204" pitchFamily="34" charset="0"/>
+              </a:rPr>
+              <a:t>–</a:t>
+            </a:r>
+            <a:r>
+              <a:rPr lang="en-US" sz="1800" dirty="0">
+                <a:effectLst/>
+                <a:latin typeface="Arial" panose="020B0604020202020204" pitchFamily="34" charset="0"/>
+                <a:ea typeface="Calibri" panose="020F0502020204030204" pitchFamily="34" charset="0"/>
+                <a:cs typeface="Arial" panose="020B0604020202020204" pitchFamily="34" charset="0"/>
+              </a:rPr>
+              <a:t> </a:t>
+            </a:r>
+            <a:r>
+              <a:rPr lang="ru-RU" sz="1800" dirty="0">
+                <a:latin typeface="Arial" panose="020B0604020202020204" pitchFamily="34" charset="0"/>
+                <a:ea typeface="Calibri" panose="020F0502020204030204" pitchFamily="34" charset="0"/>
+                <a:cs typeface="Arial" panose="020B0604020202020204" pitchFamily="34" charset="0"/>
+              </a:rPr>
+              <a:t>вектор управляющих концептов</a:t>
+            </a:r>
+            <a:r>
+              <a:rPr lang="en-US" sz="1800" dirty="0">
+                <a:latin typeface="Arial" panose="020B0604020202020204" pitchFamily="34" charset="0"/>
+                <a:ea typeface="Calibri" panose="020F0502020204030204" pitchFamily="34" charset="0"/>
+                <a:cs typeface="Arial" panose="020B0604020202020204" pitchFamily="34" charset="0"/>
+              </a:rPr>
+              <a:t>;</a:t>
+            </a:r>
+            <a:endParaRPr lang="ru-RU" sz="1800" dirty="0">
+              <a:latin typeface="Arial" panose="020B0604020202020204" pitchFamily="34" charset="0"/>
+              <a:cs typeface="Arial" panose="020B0604020202020204" pitchFamily="34" charset="0"/>
+            </a:endParaRPr>
+          </a:p>
+          <a:p>
+            <a:pPr lvl="0" algn="just"/>
+            <a:r>
+              <a:rPr lang="en-US" sz="1800" dirty="0">
+                <a:latin typeface="Arial" panose="020B0604020202020204" pitchFamily="34" charset="0"/>
+                <a:cs typeface="Arial" panose="020B0604020202020204" pitchFamily="34" charset="0"/>
+              </a:rPr>
+              <a:t>R </a:t>
+            </a:r>
+            <a:r>
+              <a:rPr lang="ru-RU" sz="1800" dirty="0">
+                <a:effectLst/>
+                <a:latin typeface="Arial" panose="020B0604020202020204" pitchFamily="34" charset="0"/>
+                <a:ea typeface="Calibri" panose="020F0502020204030204" pitchFamily="34" charset="0"/>
+                <a:cs typeface="Arial" panose="020B0604020202020204" pitchFamily="34" charset="0"/>
+              </a:rPr>
+              <a:t>–</a:t>
+            </a:r>
+            <a:r>
+              <a:rPr lang="en-US" sz="1800" dirty="0">
+                <a:effectLst/>
+                <a:latin typeface="Arial" panose="020B0604020202020204" pitchFamily="34" charset="0"/>
+                <a:ea typeface="Calibri" panose="020F0502020204030204" pitchFamily="34" charset="0"/>
+                <a:cs typeface="Arial" panose="020B0604020202020204" pitchFamily="34" charset="0"/>
+              </a:rPr>
+              <a:t> </a:t>
+            </a:r>
+            <a:r>
+              <a:rPr lang="ru-RU" sz="1800" dirty="0">
+                <a:latin typeface="Arial" panose="020B0604020202020204" pitchFamily="34" charset="0"/>
+                <a:ea typeface="Calibri" panose="020F0502020204030204" pitchFamily="34" charset="0"/>
+                <a:cs typeface="Arial" panose="020B0604020202020204" pitchFamily="34" charset="0"/>
+              </a:rPr>
+              <a:t>матрица ограничений</a:t>
+            </a:r>
+            <a:r>
+              <a:rPr lang="ru-RU" sz="1800" dirty="0">
+                <a:effectLst/>
+                <a:latin typeface="Arial" panose="020B0604020202020204" pitchFamily="34" charset="0"/>
+                <a:ea typeface="Calibri" panose="020F0502020204030204" pitchFamily="34" charset="0"/>
+                <a:cs typeface="Arial" panose="020B0604020202020204" pitchFamily="34" charset="0"/>
+              </a:rPr>
+              <a:t>, накладываемых на управляющие концепты</a:t>
+            </a:r>
+            <a:r>
+              <a:rPr lang="en-US" sz="1800" dirty="0">
+                <a:effectLst/>
+                <a:latin typeface="Arial" panose="020B0604020202020204" pitchFamily="34" charset="0"/>
+                <a:ea typeface="Calibri" panose="020F0502020204030204" pitchFamily="34" charset="0"/>
+                <a:cs typeface="Arial" panose="020B0604020202020204" pitchFamily="34" charset="0"/>
+              </a:rPr>
+              <a:t>;</a:t>
+            </a:r>
+            <a:endParaRPr lang="ru-RU" sz="1800" dirty="0">
+              <a:effectLst/>
+              <a:latin typeface="Arial" panose="020B0604020202020204" pitchFamily="34" charset="0"/>
+              <a:ea typeface="Calibri" panose="020F0502020204030204" pitchFamily="34" charset="0"/>
+              <a:cs typeface="Arial" panose="020B0604020202020204" pitchFamily="34" charset="0"/>
+            </a:endParaRPr>
+          </a:p>
+          <a:p>
+            <a:pPr lvl="0" algn="just"/>
+            <a:r>
+              <a:rPr lang="en-US" sz="1800" dirty="0">
+                <a:latin typeface="Arial" panose="020B0604020202020204" pitchFamily="34" charset="0"/>
+                <a:cs typeface="Arial" panose="020B0604020202020204" pitchFamily="34" charset="0"/>
+              </a:rPr>
+              <a:t>X(0)</a:t>
+            </a:r>
+            <a:r>
+              <a:rPr lang="ru-RU" sz="1800" dirty="0">
+                <a:latin typeface="Arial" panose="020B0604020202020204" pitchFamily="34" charset="0"/>
+                <a:cs typeface="Arial" panose="020B0604020202020204" pitchFamily="34" charset="0"/>
+              </a:rPr>
+              <a:t> </a:t>
+            </a:r>
+            <a:r>
+              <a:rPr lang="ru-RU" sz="1800" dirty="0">
+                <a:effectLst/>
+                <a:latin typeface="Arial" panose="020B0604020202020204" pitchFamily="34" charset="0"/>
+                <a:ea typeface="Calibri" panose="020F0502020204030204" pitchFamily="34" charset="0"/>
+                <a:cs typeface="Arial" panose="020B0604020202020204" pitchFamily="34" charset="0"/>
+              </a:rPr>
+              <a:t>– вектор начального состояни</a:t>
+            </a:r>
+            <a:r>
+              <a:rPr lang="ru-RU" sz="1800" dirty="0">
+                <a:latin typeface="Arial" panose="020B0604020202020204" pitchFamily="34" charset="0"/>
+                <a:ea typeface="Calibri" panose="020F0502020204030204" pitchFamily="34" charset="0"/>
+                <a:cs typeface="Arial" panose="020B0604020202020204" pitchFamily="34" charset="0"/>
+              </a:rPr>
+              <a:t>я концептов</a:t>
+            </a:r>
+            <a:r>
+              <a:rPr lang="en-US" sz="1800" dirty="0">
+                <a:latin typeface="Arial" panose="020B0604020202020204" pitchFamily="34" charset="0"/>
+                <a:ea typeface="Calibri" panose="020F0502020204030204" pitchFamily="34" charset="0"/>
+                <a:cs typeface="Arial" panose="020B0604020202020204" pitchFamily="34" charset="0"/>
+              </a:rPr>
+              <a:t>;</a:t>
+            </a:r>
+            <a:endParaRPr lang="ru-RU" sz="1800" dirty="0">
+              <a:latin typeface="Arial" panose="020B0604020202020204" pitchFamily="34" charset="0"/>
+              <a:ea typeface="Calibri" panose="020F0502020204030204" pitchFamily="34" charset="0"/>
+              <a:cs typeface="Arial" panose="020B0604020202020204" pitchFamily="34" charset="0"/>
+            </a:endParaRPr>
+          </a:p>
+          <a:p>
+            <a:pPr lvl="0" algn="just"/>
+            <a:r>
+              <a:rPr lang="en-US" sz="1800" dirty="0">
+                <a:latin typeface="Arial" panose="020B0604020202020204" pitchFamily="34" charset="0"/>
+                <a:ea typeface="Calibri" panose="020F0502020204030204" pitchFamily="34" charset="0"/>
+                <a:cs typeface="Arial" panose="020B0604020202020204" pitchFamily="34" charset="0"/>
+              </a:rPr>
+              <a:t>G </a:t>
+            </a:r>
+            <a:r>
+              <a:rPr lang="ru-RU" sz="1800" dirty="0">
+                <a:effectLst/>
+                <a:latin typeface="Arial" panose="020B0604020202020204" pitchFamily="34" charset="0"/>
+                <a:ea typeface="Calibri" panose="020F0502020204030204" pitchFamily="34" charset="0"/>
+                <a:cs typeface="Arial" panose="020B0604020202020204" pitchFamily="34" charset="0"/>
+              </a:rPr>
+              <a:t>–</a:t>
+            </a:r>
+            <a:r>
+              <a:rPr lang="en-US" sz="1800" dirty="0">
+                <a:effectLst/>
+                <a:latin typeface="Arial" panose="020B0604020202020204" pitchFamily="34" charset="0"/>
+                <a:ea typeface="Calibri" panose="020F0502020204030204" pitchFamily="34" charset="0"/>
+                <a:cs typeface="Arial" panose="020B0604020202020204" pitchFamily="34" charset="0"/>
+              </a:rPr>
+              <a:t> </a:t>
+            </a:r>
+            <a:r>
+              <a:rPr lang="ru-RU" sz="1800" dirty="0">
+                <a:effectLst/>
+                <a:latin typeface="Arial" panose="020B0604020202020204" pitchFamily="34" charset="0"/>
+                <a:ea typeface="Calibri" panose="020F0502020204030204" pitchFamily="34" charset="0"/>
+                <a:cs typeface="Arial" panose="020B0604020202020204" pitchFamily="34" charset="0"/>
+              </a:rPr>
+              <a:t>вектор </a:t>
+            </a:r>
+            <a:r>
+              <a:rPr lang="ru-RU" sz="1800" dirty="0">
+                <a:latin typeface="Arial" panose="020B0604020202020204" pitchFamily="34" charset="0"/>
+                <a:ea typeface="Calibri" panose="020F0502020204030204" pitchFamily="34" charset="0"/>
+                <a:cs typeface="Arial" panose="020B0604020202020204" pitchFamily="34" charset="0"/>
+              </a:rPr>
+              <a:t>целевых</a:t>
+            </a:r>
+            <a:r>
+              <a:rPr lang="ru-RU" sz="1800" dirty="0">
+                <a:effectLst/>
+                <a:latin typeface="Arial" panose="020B0604020202020204" pitchFamily="34" charset="0"/>
+                <a:ea typeface="Calibri" panose="020F0502020204030204" pitchFamily="34" charset="0"/>
+                <a:cs typeface="Arial" panose="020B0604020202020204" pitchFamily="34" charset="0"/>
+              </a:rPr>
+              <a:t> концептов</a:t>
+            </a:r>
+            <a:r>
+              <a:rPr lang="en-US" sz="1800" dirty="0">
+                <a:effectLst/>
+                <a:latin typeface="Arial" panose="020B0604020202020204" pitchFamily="34" charset="0"/>
+                <a:ea typeface="Calibri" panose="020F0502020204030204" pitchFamily="34" charset="0"/>
+                <a:cs typeface="Arial" panose="020B0604020202020204" pitchFamily="34" charset="0"/>
+              </a:rPr>
+              <a:t>;</a:t>
+            </a:r>
+            <a:endParaRPr lang="en-US" sz="1800" dirty="0">
+              <a:latin typeface="Arial" panose="020B0604020202020204" pitchFamily="34" charset="0"/>
+              <a:ea typeface="Calibri" panose="020F0502020204030204" pitchFamily="34" charset="0"/>
+              <a:cs typeface="Arial" panose="020B0604020202020204" pitchFamily="34" charset="0"/>
+            </a:endParaRPr>
+          </a:p>
+          <a:p>
+            <a:pPr lvl="0" algn="just"/>
+            <a:r>
+              <a:rPr lang="en-US" sz="1800" dirty="0">
+                <a:latin typeface="Arial" panose="020B0604020202020204" pitchFamily="34" charset="0"/>
+                <a:ea typeface="Calibri" panose="020F0502020204030204" pitchFamily="34" charset="0"/>
+                <a:cs typeface="Arial" panose="020B0604020202020204" pitchFamily="34" charset="0"/>
+              </a:rPr>
+              <a:t>Y </a:t>
+            </a:r>
+            <a:r>
+              <a:rPr lang="ru-RU" sz="1800" dirty="0">
+                <a:effectLst/>
+                <a:latin typeface="Arial" panose="020B0604020202020204" pitchFamily="34" charset="0"/>
+                <a:ea typeface="Calibri" panose="020F0502020204030204" pitchFamily="34" charset="0"/>
+                <a:cs typeface="Arial" panose="020B0604020202020204" pitchFamily="34" charset="0"/>
+              </a:rPr>
+              <a:t>–</a:t>
+            </a:r>
+            <a:r>
+              <a:rPr lang="en-US" sz="1800" dirty="0">
+                <a:effectLst/>
+                <a:latin typeface="Arial" panose="020B0604020202020204" pitchFamily="34" charset="0"/>
+                <a:ea typeface="Calibri" panose="020F0502020204030204" pitchFamily="34" charset="0"/>
+                <a:cs typeface="Arial" panose="020B0604020202020204" pitchFamily="34" charset="0"/>
+              </a:rPr>
+              <a:t> </a:t>
+            </a:r>
+            <a:r>
+              <a:rPr lang="ru-RU" sz="1800" dirty="0">
+                <a:effectLst/>
+                <a:latin typeface="Arial" panose="020B0604020202020204" pitchFamily="34" charset="0"/>
+                <a:ea typeface="Calibri" panose="020F0502020204030204" pitchFamily="34" charset="0"/>
+                <a:cs typeface="Arial" panose="020B0604020202020204" pitchFamily="34" charset="0"/>
+              </a:rPr>
+              <a:t>вектор желаемого состояния целевых концептов</a:t>
+            </a:r>
+            <a:r>
+              <a:rPr lang="en-US" sz="1800" dirty="0">
+                <a:effectLst/>
+                <a:latin typeface="Arial" panose="020B0604020202020204" pitchFamily="34" charset="0"/>
+                <a:ea typeface="Calibri" panose="020F0502020204030204" pitchFamily="34" charset="0"/>
+                <a:cs typeface="Arial" panose="020B0604020202020204" pitchFamily="34" charset="0"/>
+              </a:rPr>
+              <a:t>;</a:t>
+            </a:r>
+            <a:endParaRPr lang="ru-RU" sz="1800" dirty="0">
+              <a:effectLst/>
+              <a:latin typeface="Arial" panose="020B0604020202020204" pitchFamily="34" charset="0"/>
+              <a:ea typeface="Calibri" panose="020F0502020204030204" pitchFamily="34" charset="0"/>
+              <a:cs typeface="Arial" panose="020B0604020202020204" pitchFamily="34" charset="0"/>
+            </a:endParaRPr>
+          </a:p>
+          <a:p>
+            <a:pPr lvl="0" algn="just"/>
+            <a:r>
+              <a:rPr lang="en-US" sz="1800" dirty="0">
+                <a:effectLst/>
+                <a:latin typeface="Arial" panose="020B0604020202020204" pitchFamily="34" charset="0"/>
+                <a:ea typeface="Calibri" panose="020F0502020204030204" pitchFamily="34" charset="0"/>
+                <a:cs typeface="Arial" panose="020B0604020202020204" pitchFamily="34" charset="0"/>
+              </a:rPr>
+              <a:t>D </a:t>
+            </a:r>
+            <a:r>
+              <a:rPr lang="ru-RU" sz="1800" dirty="0">
+                <a:effectLst/>
+                <a:latin typeface="Arial" panose="020B0604020202020204" pitchFamily="34" charset="0"/>
+                <a:ea typeface="Calibri" panose="020F0502020204030204" pitchFamily="34" charset="0"/>
+                <a:cs typeface="Arial" panose="020B0604020202020204" pitchFamily="34" charset="0"/>
+              </a:rPr>
+              <a:t>–</a:t>
+            </a:r>
+            <a:r>
+              <a:rPr lang="en-US" sz="1800" dirty="0">
+                <a:effectLst/>
+                <a:latin typeface="Arial" panose="020B0604020202020204" pitchFamily="34" charset="0"/>
+                <a:ea typeface="Calibri" panose="020F0502020204030204" pitchFamily="34" charset="0"/>
+                <a:cs typeface="Arial" panose="020B0604020202020204" pitchFamily="34" charset="0"/>
+              </a:rPr>
+              <a:t> </a:t>
+            </a:r>
+            <a:r>
+              <a:rPr lang="ru-RU" sz="1800" dirty="0">
+                <a:effectLst/>
+                <a:latin typeface="Arial" panose="020B0604020202020204" pitchFamily="34" charset="0"/>
+                <a:ea typeface="Calibri" panose="020F0502020204030204" pitchFamily="34" charset="0"/>
+                <a:cs typeface="Arial" panose="020B0604020202020204" pitchFamily="34" charset="0"/>
+              </a:rPr>
+              <a:t>модель динамики для когнитивной карты</a:t>
+            </a:r>
+            <a:r>
+              <a:rPr lang="en-US" sz="1800" dirty="0">
+                <a:effectLst/>
+                <a:latin typeface="Arial" panose="020B0604020202020204" pitchFamily="34" charset="0"/>
+                <a:ea typeface="Calibri" panose="020F0502020204030204" pitchFamily="34" charset="0"/>
+                <a:cs typeface="Arial" panose="020B0604020202020204" pitchFamily="34" charset="0"/>
+              </a:rPr>
+              <a:t>;</a:t>
+            </a:r>
+          </a:p>
+          <a:p>
+            <a:pPr lvl="0" algn="just"/>
+            <a:r>
+              <a:rPr lang="en-US" sz="1800" dirty="0">
+                <a:latin typeface="Arial" panose="020B0604020202020204" pitchFamily="34" charset="0"/>
+                <a:ea typeface="Calibri" panose="020F0502020204030204" pitchFamily="34" charset="0"/>
+                <a:cs typeface="Arial" panose="020B0604020202020204" pitchFamily="34" charset="0"/>
+              </a:rPr>
+              <a:t>T </a:t>
+            </a:r>
+            <a:r>
+              <a:rPr lang="ru-RU" sz="1800" dirty="0">
+                <a:effectLst/>
+                <a:latin typeface="Arial" panose="020B0604020202020204" pitchFamily="34" charset="0"/>
+                <a:ea typeface="Calibri" panose="020F0502020204030204" pitchFamily="34" charset="0"/>
+                <a:cs typeface="Arial" panose="020B0604020202020204" pitchFamily="34" charset="0"/>
+              </a:rPr>
+              <a:t>–</a:t>
+            </a:r>
+            <a:r>
+              <a:rPr lang="en-US" sz="1800" dirty="0">
+                <a:effectLst/>
+                <a:latin typeface="Arial" panose="020B0604020202020204" pitchFamily="34" charset="0"/>
+                <a:ea typeface="Calibri" panose="020F0502020204030204" pitchFamily="34" charset="0"/>
+                <a:cs typeface="Arial" panose="020B0604020202020204" pitchFamily="34" charset="0"/>
+              </a:rPr>
+              <a:t> </a:t>
+            </a:r>
+            <a:r>
+              <a:rPr lang="ru-RU" sz="1800" dirty="0">
+                <a:effectLst/>
+                <a:latin typeface="Arial" panose="020B0604020202020204" pitchFamily="34" charset="0"/>
+                <a:ea typeface="Calibri" panose="020F0502020204030204" pitchFamily="34" charset="0"/>
+                <a:cs typeface="Arial" panose="020B0604020202020204" pitchFamily="34" charset="0"/>
+              </a:rPr>
+              <a:t>максимальное модельное время</a:t>
+            </a:r>
+            <a:r>
+              <a:rPr lang="en-US" sz="1800" dirty="0">
+                <a:effectLst/>
+                <a:latin typeface="Arial" panose="020B0604020202020204" pitchFamily="34" charset="0"/>
+                <a:ea typeface="Calibri" panose="020F0502020204030204" pitchFamily="34" charset="0"/>
+                <a:cs typeface="Arial" panose="020B0604020202020204" pitchFamily="34" charset="0"/>
+              </a:rPr>
+              <a:t>;</a:t>
+            </a:r>
+          </a:p>
+          <a:p>
+            <a:pPr lvl="0" algn="just"/>
+            <a:r>
+              <a:rPr lang="en-US" sz="1800" dirty="0">
+                <a:latin typeface="Arial" panose="020B0604020202020204" pitchFamily="34" charset="0"/>
+                <a:ea typeface="Calibri" panose="020F0502020204030204" pitchFamily="34" charset="0"/>
+                <a:cs typeface="Arial" panose="020B0604020202020204" pitchFamily="34" charset="0"/>
+              </a:rPr>
+              <a:t>N </a:t>
+            </a:r>
+            <a:r>
+              <a:rPr lang="ru-RU" sz="1800" dirty="0">
+                <a:effectLst/>
+                <a:latin typeface="Arial" panose="020B0604020202020204" pitchFamily="34" charset="0"/>
+                <a:ea typeface="Calibri" panose="020F0502020204030204" pitchFamily="34" charset="0"/>
+                <a:cs typeface="Arial" panose="020B0604020202020204" pitchFamily="34" charset="0"/>
+              </a:rPr>
+              <a:t>–</a:t>
+            </a:r>
+            <a:r>
+              <a:rPr lang="en-US" sz="1800" dirty="0">
+                <a:effectLst/>
+                <a:latin typeface="Arial" panose="020B0604020202020204" pitchFamily="34" charset="0"/>
+                <a:ea typeface="Calibri" panose="020F0502020204030204" pitchFamily="34" charset="0"/>
+                <a:cs typeface="Arial" panose="020B0604020202020204" pitchFamily="34" charset="0"/>
+              </a:rPr>
+              <a:t> </a:t>
+            </a:r>
+            <a:r>
+              <a:rPr lang="ru-RU" sz="1800" dirty="0">
+                <a:effectLst/>
+                <a:latin typeface="Arial" panose="020B0604020202020204" pitchFamily="34" charset="0"/>
+                <a:ea typeface="Calibri" panose="020F0502020204030204" pitchFamily="34" charset="0"/>
+                <a:cs typeface="Arial" panose="020B0604020202020204" pitchFamily="34" charset="0"/>
+              </a:rPr>
+              <a:t>размер поколения</a:t>
+            </a:r>
+            <a:r>
+              <a:rPr lang="en-US" sz="1800" dirty="0">
+                <a:effectLst/>
+                <a:latin typeface="Arial" panose="020B0604020202020204" pitchFamily="34" charset="0"/>
+                <a:ea typeface="Calibri" panose="020F0502020204030204" pitchFamily="34" charset="0"/>
+                <a:cs typeface="Arial" panose="020B0604020202020204" pitchFamily="34" charset="0"/>
+              </a:rPr>
+              <a:t>;</a:t>
+            </a:r>
+          </a:p>
+          <a:p>
+            <a:pPr lvl="0" algn="just"/>
+            <a:r>
+              <a:rPr lang="en-US" sz="1800" dirty="0">
+                <a:latin typeface="Arial" panose="020B0604020202020204" pitchFamily="34" charset="0"/>
+                <a:ea typeface="Calibri" panose="020F0502020204030204" pitchFamily="34" charset="0"/>
+                <a:cs typeface="Arial" panose="020B0604020202020204" pitchFamily="34" charset="0"/>
+              </a:rPr>
+              <a:t>M </a:t>
+            </a:r>
+            <a:r>
+              <a:rPr lang="ru-RU" sz="1800" dirty="0">
+                <a:effectLst/>
+                <a:latin typeface="Arial" panose="020B0604020202020204" pitchFamily="34" charset="0"/>
+                <a:ea typeface="Calibri" panose="020F0502020204030204" pitchFamily="34" charset="0"/>
+                <a:cs typeface="Arial" panose="020B0604020202020204" pitchFamily="34" charset="0"/>
+              </a:rPr>
+              <a:t>–</a:t>
+            </a:r>
+            <a:r>
+              <a:rPr lang="en-US" sz="1800" dirty="0">
+                <a:effectLst/>
+                <a:latin typeface="Arial" panose="020B0604020202020204" pitchFamily="34" charset="0"/>
+                <a:ea typeface="Calibri" panose="020F0502020204030204" pitchFamily="34" charset="0"/>
+                <a:cs typeface="Arial" panose="020B0604020202020204" pitchFamily="34" charset="0"/>
+              </a:rPr>
+              <a:t> </a:t>
+            </a:r>
+            <a:r>
+              <a:rPr lang="ru-RU" sz="1800" dirty="0">
+                <a:effectLst/>
+                <a:latin typeface="Arial" panose="020B0604020202020204" pitchFamily="34" charset="0"/>
+                <a:ea typeface="Calibri" panose="020F0502020204030204" pitchFamily="34" charset="0"/>
+                <a:cs typeface="Arial" panose="020B0604020202020204" pitchFamily="34" charset="0"/>
+              </a:rPr>
+              <a:t>число наиболее приспособленных особей</a:t>
+            </a:r>
+            <a:r>
+              <a:rPr lang="en-US" sz="1800" dirty="0">
+                <a:effectLst/>
+                <a:latin typeface="Arial" panose="020B0604020202020204" pitchFamily="34" charset="0"/>
+                <a:ea typeface="Calibri" panose="020F0502020204030204" pitchFamily="34" charset="0"/>
+                <a:cs typeface="Arial" panose="020B0604020202020204" pitchFamily="34" charset="0"/>
+              </a:rPr>
+              <a:t>;</a:t>
+            </a:r>
+          </a:p>
+          <a:p>
+            <a:pPr lvl="0" algn="just"/>
+            <a:r>
+              <a:rPr lang="en-US" sz="1800" dirty="0">
+                <a:latin typeface="Arial" panose="020B0604020202020204" pitchFamily="34" charset="0"/>
+                <a:ea typeface="Calibri" panose="020F0502020204030204" pitchFamily="34" charset="0"/>
+                <a:cs typeface="Arial" panose="020B0604020202020204" pitchFamily="34" charset="0"/>
+              </a:rPr>
+              <a:t>S </a:t>
+            </a:r>
+            <a:r>
+              <a:rPr lang="ru-RU" sz="1800" dirty="0">
+                <a:effectLst/>
+                <a:latin typeface="Arial" panose="020B0604020202020204" pitchFamily="34" charset="0"/>
+                <a:ea typeface="Calibri" panose="020F0502020204030204" pitchFamily="34" charset="0"/>
+                <a:cs typeface="Arial" panose="020B0604020202020204" pitchFamily="34" charset="0"/>
+              </a:rPr>
+              <a:t>–</a:t>
+            </a:r>
+            <a:r>
+              <a:rPr lang="en-US" sz="1800" dirty="0">
+                <a:effectLst/>
+                <a:latin typeface="Arial" panose="020B0604020202020204" pitchFamily="34" charset="0"/>
+                <a:ea typeface="Calibri" panose="020F0502020204030204" pitchFamily="34" charset="0"/>
+                <a:cs typeface="Arial" panose="020B0604020202020204" pitchFamily="34" charset="0"/>
+              </a:rPr>
+              <a:t> </a:t>
+            </a:r>
+            <a:r>
+              <a:rPr lang="ru-RU" sz="1800" dirty="0">
+                <a:effectLst/>
+                <a:latin typeface="Arial" panose="020B0604020202020204" pitchFamily="34" charset="0"/>
+                <a:ea typeface="Calibri" panose="020F0502020204030204" pitchFamily="34" charset="0"/>
+                <a:cs typeface="Arial" panose="020B0604020202020204" pitchFamily="34" charset="0"/>
+              </a:rPr>
+              <a:t>условие остановки (абсолютная погрешность, максимальное число поколений и максимальное число поколений без улучшений).</a:t>
+            </a:r>
+            <a:endParaRPr lang="ru-RU" sz="1800" dirty="0">
+              <a:latin typeface="Arial" panose="020B0604020202020204" pitchFamily="34" charset="0"/>
+              <a:ea typeface="Calibri" panose="020F0502020204030204" pitchFamily="34" charset="0"/>
+              <a:cs typeface="Arial" panose="020B0604020202020204" pitchFamily="34" charset="0"/>
+            </a:endParaRPr>
+          </a:p>
+          <a:p>
+            <a:pPr lvl="0" algn="just"/>
+            <a:endParaRPr lang="ru-RU" sz="1800" dirty="0">
+              <a:latin typeface="Arial" panose="020B0604020202020204" pitchFamily="34" charset="0"/>
+              <a:cs typeface="Arial" panose="020B0604020202020204" pitchFamily="34" charset="0"/>
+            </a:endParaRPr>
+          </a:p>
+          <a:p>
+            <a:pPr marL="0" lvl="0" indent="0" algn="just">
+              <a:buNone/>
+            </a:pPr>
+            <a:endParaRPr lang="ru-RU" sz="1800" dirty="0">
+              <a:latin typeface="Arial" panose="020B0604020202020204" pitchFamily="34" charset="0"/>
+              <a:cs typeface="Arial" panose="020B0604020202020204" pitchFamily="34" charset="0"/>
+            </a:endParaRPr>
+          </a:p>
+        </p:txBody>
+      </p:sp>
+    </p:spTree>
+    <p:extLst>
+      <p:ext uri="{BB962C8B-B14F-4D97-AF65-F5344CB8AC3E}">
+        <p14:creationId xmlns:p14="http://schemas.microsoft.com/office/powerpoint/2010/main" val="2076816732"/>
+      </p:ext>
+    </p:extLst>
+  </p:cSld>
+  <p:clrMapOvr>
+    <a:masterClrMapping/>
+  </p:clrMapOvr>
+</p:sld>
+</file>
+
+<file path=ppt/slides/slide8.xml><?xml version="1.0" encoding="utf-8"?>
+<p:sld xmlns:a="http://schemas.openxmlformats.org/drawingml/2006/main" xmlns:r="http://schemas.openxmlformats.org/officeDocument/2006/relationships" xmlns:p="http://schemas.openxmlformats.org/presentationml/2006/main">
+  <p:cSld>
+    <p:spTree>
+      <p:nvGrpSpPr>
+        <p:cNvPr id="1" name=""/>
+        <p:cNvGrpSpPr/>
+        <p:nvPr/>
+      </p:nvGrpSpPr>
+      <p:grpSpPr>
+        <a:xfrm>
+          <a:off x="0" y="0"/>
+          <a:ext cx="0" cy="0"/>
+          <a:chOff x="0" y="0"/>
+          <a:chExt cx="0" cy="0"/>
+        </a:xfrm>
+      </p:grpSpPr>
+      <p:sp>
+        <p:nvSpPr>
+          <p:cNvPr id="2" name="Заголовок 1"/>
+          <p:cNvSpPr>
+            <a:spLocks noGrp="1"/>
+          </p:cNvSpPr>
+          <p:nvPr>
+            <p:ph type="title"/>
+          </p:nvPr>
+        </p:nvSpPr>
+        <p:spPr>
+          <a:xfrm>
             <a:off x="628650" y="371335"/>
             <a:ext cx="7886700" cy="721238"/>
           </a:xfrm>
@@ -5850,7 +7330,7 @@
                 </a:solidFill>
               </a:rPr>
               <a:pPr/>
-              <a:t>7</a:t>
+              <a:t>8</a:t>
             </a:fld>
             <a:endParaRPr lang="ru-RU" dirty="0">
               <a:solidFill>
@@ -7743,7 +9223,7 @@
 </p:sld>
 </file>
 
-<file path=ppt/slides/slide8.xml><?xml version="1.0" encoding="utf-8"?>
+<file path=ppt/slides/slide9.xml><?xml version="1.0" encoding="utf-8"?>
 <p:sld xmlns:a="http://schemas.openxmlformats.org/drawingml/2006/main" xmlns:r="http://schemas.openxmlformats.org/officeDocument/2006/relationships" xmlns:p="http://schemas.openxmlformats.org/presentationml/2006/main">
   <p:cSld>
     <p:spTree>
@@ -7831,7 +9311,7 @@
                 </a:solidFill>
               </a:rPr>
               <a:pPr/>
-              <a:t>8</a:t>
+              <a:t>9</a:t>
             </a:fld>
             <a:endParaRPr lang="ru-RU" dirty="0">
               <a:solidFill>
@@ -9264,1364 +10744,6 @@
     <p:extLst>
       <p:ext uri="{BB962C8B-B14F-4D97-AF65-F5344CB8AC3E}">
         <p14:creationId xmlns:p14="http://schemas.microsoft.com/office/powerpoint/2010/main" val="3019944754"/>
-      </p:ext>
-    </p:extLst>
-  </p:cSld>
-  <p:clrMapOvr>
-    <a:masterClrMapping/>
-  </p:clrMapOvr>
-</p:sld>
-</file>
-
-<file path=ppt/slides/slide9.xml><?xml version="1.0" encoding="utf-8"?>
-<p:sld xmlns:a="http://schemas.openxmlformats.org/drawingml/2006/main" xmlns:r="http://schemas.openxmlformats.org/officeDocument/2006/relationships" xmlns:p="http://schemas.openxmlformats.org/presentationml/2006/main">
-  <p:cSld>
-    <p:spTree>
-      <p:nvGrpSpPr>
-        <p:cNvPr id="1" name=""/>
-        <p:cNvGrpSpPr/>
-        <p:nvPr/>
-      </p:nvGrpSpPr>
-      <p:grpSpPr>
-        <a:xfrm>
-          <a:off x="0" y="0"/>
-          <a:ext cx="0" cy="0"/>
-          <a:chOff x="0" y="0"/>
-          <a:chExt cx="0" cy="0"/>
-        </a:xfrm>
-      </p:grpSpPr>
-      <p:sp>
-        <p:nvSpPr>
-          <p:cNvPr id="2" name="Заголовок 1"/>
-          <p:cNvSpPr>
-            <a:spLocks noGrp="1"/>
-          </p:cNvSpPr>
-          <p:nvPr>
-            <p:ph type="title"/>
-          </p:nvPr>
-        </p:nvSpPr>
-        <p:spPr>
-          <a:xfrm>
-            <a:off x="628650" y="371335"/>
-            <a:ext cx="7886700" cy="721238"/>
-          </a:xfrm>
-        </p:spPr>
-        <p:txBody>
-          <a:bodyPr>
-            <a:normAutofit fontScale="90000"/>
-          </a:bodyPr>
-          <a:lstStyle/>
-          <a:p>
-            <a:r>
-              <a:rPr lang="ru-RU" dirty="0">
-                <a:ln w="0"/>
-                <a:solidFill>
-                  <a:schemeClr val="accent1"/>
-                </a:solidFill>
-                <a:effectLst>
-                  <a:outerShdw blurRad="38100" dist="25400" dir="5400000" algn="ctr" rotWithShape="0">
-                    <a:srgbClr val="6E747A">
-                      <a:alpha val="43000"/>
-                    </a:srgbClr>
-                  </a:outerShdw>
-                </a:effectLst>
-                <a:latin typeface="Arial" panose="020B0604020202020204" pitchFamily="34" charset="0"/>
-                <a:cs typeface="Arial" panose="020B0604020202020204" pitchFamily="34" charset="0"/>
-              </a:rPr>
-              <a:t>Алгоритм моделирования по времени</a:t>
-            </a:r>
-            <a:endParaRPr lang="ru-RU" dirty="0"/>
-          </a:p>
-        </p:txBody>
-      </p:sp>
-      <p:sp>
-        <p:nvSpPr>
-          <p:cNvPr id="4" name="Номер слайда 3"/>
-          <p:cNvSpPr>
-            <a:spLocks noGrp="1"/>
-          </p:cNvSpPr>
-          <p:nvPr>
-            <p:ph type="sldNum" sz="quarter" idx="12"/>
-          </p:nvPr>
-        </p:nvSpPr>
-        <p:spPr>
-          <a:xfrm>
-            <a:off x="7066117" y="6389864"/>
-            <a:ext cx="2057400" cy="365125"/>
-          </a:xfrm>
-        </p:spPr>
-        <p:txBody>
-          <a:bodyPr/>
-          <a:lstStyle/>
-          <a:p>
-            <a:fld id="{AFB88E7B-7A0C-4907-9308-8A5BB7783A69}" type="slidenum">
-              <a:rPr lang="ru-RU" smtClean="0">
-                <a:solidFill>
-                  <a:schemeClr val="tx1"/>
-                </a:solidFill>
-              </a:rPr>
-              <a:pPr/>
-              <a:t>9</a:t>
-            </a:fld>
-            <a:endParaRPr lang="ru-RU" dirty="0">
-              <a:solidFill>
-                <a:schemeClr val="tx1"/>
-              </a:solidFill>
-            </a:endParaRPr>
-          </a:p>
-        </p:txBody>
-      </p:sp>
-      <p:sp>
-        <p:nvSpPr>
-          <p:cNvPr id="204" name="Прямоугольник 203">
-            <a:extLst>
-              <a:ext uri="{FF2B5EF4-FFF2-40B4-BE49-F238E27FC236}">
-                <a16:creationId xmlns:a16="http://schemas.microsoft.com/office/drawing/2014/main" id="{739148EF-1F3E-4149-8E41-7C2E38D056B4}"/>
-              </a:ext>
-            </a:extLst>
-          </p:cNvPr>
-          <p:cNvSpPr/>
-          <p:nvPr/>
-        </p:nvSpPr>
-        <p:spPr>
-          <a:xfrm>
-            <a:off x="4227401" y="2322215"/>
-            <a:ext cx="689197" cy="309213"/>
-          </a:xfrm>
-          <a:prstGeom prst="rect">
-            <a:avLst/>
-          </a:prstGeom>
-          <a:solidFill>
-            <a:schemeClr val="bg1"/>
-          </a:solidFill>
-          <a:ln>
-            <a:solidFill>
-              <a:schemeClr val="tx1"/>
-            </a:solidFill>
-          </a:ln>
-        </p:spPr>
-        <p:style>
-          <a:lnRef idx="2">
-            <a:schemeClr val="accent1">
-              <a:shade val="50000"/>
-            </a:schemeClr>
-          </a:lnRef>
-          <a:fillRef idx="1">
-            <a:schemeClr val="accent1"/>
-          </a:fillRef>
-          <a:effectRef idx="0">
-            <a:schemeClr val="accent1"/>
-          </a:effectRef>
-          <a:fontRef idx="minor">
-            <a:schemeClr val="lt1"/>
-          </a:fontRef>
-        </p:style>
-        <p:txBody>
-          <a:bodyPr rtlCol="0" anchor="ctr"/>
-          <a:lstStyle/>
-          <a:p>
-            <a:pPr algn="ctr"/>
-            <a:r>
-              <a:rPr lang="en-US" sz="1400" dirty="0">
-                <a:solidFill>
-                  <a:schemeClr val="tx1"/>
-                </a:solidFill>
-                <a:latin typeface="Arial" panose="020B0604020202020204" pitchFamily="34" charset="0"/>
-                <a:cs typeface="Arial" panose="020B0604020202020204" pitchFamily="34" charset="0"/>
-              </a:rPr>
-              <a:t>t = 0</a:t>
-            </a:r>
-            <a:endParaRPr lang="ru-RU" sz="1400" dirty="0">
-              <a:solidFill>
-                <a:schemeClr val="tx1"/>
-              </a:solidFill>
-              <a:latin typeface="Arial" panose="020B0604020202020204" pitchFamily="34" charset="0"/>
-              <a:cs typeface="Arial" panose="020B0604020202020204" pitchFamily="34" charset="0"/>
-            </a:endParaRPr>
-          </a:p>
-        </p:txBody>
-      </p:sp>
-      <p:sp>
-        <p:nvSpPr>
-          <p:cNvPr id="39" name="Блок-схема: решение 38">
-            <a:extLst>
-              <a:ext uri="{FF2B5EF4-FFF2-40B4-BE49-F238E27FC236}">
-                <a16:creationId xmlns:a16="http://schemas.microsoft.com/office/drawing/2014/main" id="{098E119C-7B91-4DAE-BBAE-57FE33E5CA3B}"/>
-              </a:ext>
-            </a:extLst>
-          </p:cNvPr>
-          <p:cNvSpPr/>
-          <p:nvPr/>
-        </p:nvSpPr>
-        <p:spPr>
-          <a:xfrm>
-            <a:off x="3898100" y="2869596"/>
-            <a:ext cx="1347691" cy="498978"/>
-          </a:xfrm>
-          <a:prstGeom prst="flowChartDecision">
-            <a:avLst/>
-          </a:prstGeom>
-          <a:solidFill>
-            <a:schemeClr val="bg1"/>
-          </a:solidFill>
-          <a:ln>
-            <a:solidFill>
-              <a:schemeClr val="tx1"/>
-            </a:solidFill>
-          </a:ln>
-        </p:spPr>
-        <p:style>
-          <a:lnRef idx="2">
-            <a:schemeClr val="accent1">
-              <a:shade val="50000"/>
-            </a:schemeClr>
-          </a:lnRef>
-          <a:fillRef idx="1">
-            <a:schemeClr val="accent1"/>
-          </a:fillRef>
-          <a:effectRef idx="0">
-            <a:schemeClr val="accent1"/>
-          </a:effectRef>
-          <a:fontRef idx="minor">
-            <a:schemeClr val="lt1"/>
-          </a:fontRef>
-        </p:style>
-        <p:txBody>
-          <a:bodyPr rtlCol="0" anchor="ctr"/>
-          <a:lstStyle/>
-          <a:p>
-            <a:pPr algn="ctr"/>
-            <a:r>
-              <a:rPr lang="en-US" sz="1400" dirty="0">
-                <a:solidFill>
-                  <a:schemeClr val="tx1"/>
-                </a:solidFill>
-                <a:latin typeface="Arial" panose="020B0604020202020204" pitchFamily="34" charset="0"/>
-                <a:cs typeface="Arial" panose="020B0604020202020204" pitchFamily="34" charset="0"/>
-              </a:rPr>
-              <a:t>t &lt;</a:t>
-            </a:r>
-            <a:r>
-              <a:rPr lang="ru-RU" sz="1400" dirty="0">
-                <a:solidFill>
-                  <a:schemeClr val="tx1"/>
-                </a:solidFill>
-                <a:latin typeface="Arial" panose="020B0604020202020204" pitchFamily="34" charset="0"/>
-                <a:cs typeface="Arial" panose="020B0604020202020204" pitchFamily="34" charset="0"/>
-              </a:rPr>
-              <a:t>=</a:t>
-            </a:r>
-            <a:r>
-              <a:rPr lang="en-US" sz="1400" dirty="0">
-                <a:solidFill>
-                  <a:schemeClr val="tx1"/>
-                </a:solidFill>
-                <a:latin typeface="Arial" panose="020B0604020202020204" pitchFamily="34" charset="0"/>
-                <a:cs typeface="Arial" panose="020B0604020202020204" pitchFamily="34" charset="0"/>
-              </a:rPr>
-              <a:t> T </a:t>
-            </a:r>
-            <a:endParaRPr lang="ru-RU" sz="1400" dirty="0">
-              <a:solidFill>
-                <a:schemeClr val="tx1"/>
-              </a:solidFill>
-              <a:latin typeface="Arial" panose="020B0604020202020204" pitchFamily="34" charset="0"/>
-              <a:cs typeface="Arial" panose="020B0604020202020204" pitchFamily="34" charset="0"/>
-            </a:endParaRPr>
-          </a:p>
-        </p:txBody>
-      </p:sp>
-      <p:cxnSp>
-        <p:nvCxnSpPr>
-          <p:cNvPr id="40" name="Прямая соединительная линия 39">
-            <a:extLst>
-              <a:ext uri="{FF2B5EF4-FFF2-40B4-BE49-F238E27FC236}">
-                <a16:creationId xmlns:a16="http://schemas.microsoft.com/office/drawing/2014/main" id="{2123216D-E401-4A72-9DB0-21874BC494CE}"/>
-              </a:ext>
-            </a:extLst>
-          </p:cNvPr>
-          <p:cNvCxnSpPr>
-            <a:cxnSpLocks/>
-            <a:stCxn id="204" idx="2"/>
-            <a:endCxn id="39" idx="0"/>
-          </p:cNvCxnSpPr>
-          <p:nvPr/>
-        </p:nvCxnSpPr>
-        <p:spPr>
-          <a:xfrm flipH="1">
-            <a:off x="4571946" y="2631428"/>
-            <a:ext cx="54" cy="238168"/>
-          </a:xfrm>
-          <a:prstGeom prst="line">
-            <a:avLst/>
-          </a:prstGeom>
-          <a:ln w="12700">
-            <a:solidFill>
-              <a:schemeClr val="tx1"/>
-            </a:solidFill>
-            <a:prstDash val="solid"/>
-            <a:headEnd type="none" w="med" len="med"/>
-            <a:tailEnd type="triangle" w="med" len="med"/>
-          </a:ln>
-        </p:spPr>
-        <p:style>
-          <a:lnRef idx="1">
-            <a:schemeClr val="accent1"/>
-          </a:lnRef>
-          <a:fillRef idx="0">
-            <a:schemeClr val="accent1"/>
-          </a:fillRef>
-          <a:effectRef idx="0">
-            <a:schemeClr val="accent1"/>
-          </a:effectRef>
-          <a:fontRef idx="minor">
-            <a:schemeClr val="tx1"/>
-          </a:fontRef>
-        </p:style>
-      </p:cxnSp>
-      <p:sp>
-        <p:nvSpPr>
-          <p:cNvPr id="45" name="Прямоугольник 44">
-            <a:extLst>
-              <a:ext uri="{FF2B5EF4-FFF2-40B4-BE49-F238E27FC236}">
-                <a16:creationId xmlns:a16="http://schemas.microsoft.com/office/drawing/2014/main" id="{9CB18899-6B9C-40F0-A03F-7B473153BE8A}"/>
-              </a:ext>
-            </a:extLst>
-          </p:cNvPr>
-          <p:cNvSpPr/>
-          <p:nvPr/>
-        </p:nvSpPr>
-        <p:spPr>
-          <a:xfrm>
-            <a:off x="3322266" y="3632839"/>
-            <a:ext cx="2499360" cy="396656"/>
-          </a:xfrm>
-          <a:prstGeom prst="rect">
-            <a:avLst/>
-          </a:prstGeom>
-          <a:solidFill>
-            <a:schemeClr val="bg1"/>
-          </a:solidFill>
-          <a:ln>
-            <a:solidFill>
-              <a:schemeClr val="tx1"/>
-            </a:solidFill>
-          </a:ln>
-        </p:spPr>
-        <p:style>
-          <a:lnRef idx="2">
-            <a:schemeClr val="accent1">
-              <a:shade val="50000"/>
-            </a:schemeClr>
-          </a:lnRef>
-          <a:fillRef idx="1">
-            <a:schemeClr val="accent1"/>
-          </a:fillRef>
-          <a:effectRef idx="0">
-            <a:schemeClr val="accent1"/>
-          </a:effectRef>
-          <a:fontRef idx="minor">
-            <a:schemeClr val="lt1"/>
-          </a:fontRef>
-        </p:style>
-        <p:txBody>
-          <a:bodyPr rtlCol="0" anchor="ctr"/>
-          <a:lstStyle/>
-          <a:p>
-            <a:pPr algn="ctr"/>
-            <a:r>
-              <a:rPr lang="ru-RU" sz="1400" dirty="0">
-                <a:solidFill>
-                  <a:schemeClr val="tx1"/>
-                </a:solidFill>
-                <a:latin typeface="Arial" panose="020B0604020202020204" pitchFamily="34" charset="0"/>
-                <a:cs typeface="Arial" panose="020B0604020202020204" pitchFamily="34" charset="0"/>
-              </a:rPr>
-              <a:t>состояние</a:t>
-            </a:r>
-            <a:r>
-              <a:rPr lang="en-US" sz="1400" dirty="0">
-                <a:solidFill>
-                  <a:schemeClr val="tx1"/>
-                </a:solidFill>
-                <a:latin typeface="Arial" panose="020B0604020202020204" pitchFamily="34" charset="0"/>
-                <a:cs typeface="Arial" panose="020B0604020202020204" pitchFamily="34" charset="0"/>
-              </a:rPr>
-              <a:t> = D(t, </a:t>
-            </a:r>
-            <a:r>
-              <a:rPr lang="ru-RU" sz="1400" dirty="0">
-                <a:solidFill>
-                  <a:schemeClr val="tx1"/>
-                </a:solidFill>
-                <a:latin typeface="Arial" panose="020B0604020202020204" pitchFamily="34" charset="0"/>
-                <a:cs typeface="Arial" panose="020B0604020202020204" pitchFamily="34" charset="0"/>
-              </a:rPr>
-              <a:t>состояние</a:t>
-            </a:r>
-            <a:r>
-              <a:rPr lang="en-US" sz="1400" dirty="0">
-                <a:solidFill>
-                  <a:schemeClr val="tx1"/>
-                </a:solidFill>
-                <a:latin typeface="Arial" panose="020B0604020202020204" pitchFamily="34" charset="0"/>
-                <a:cs typeface="Arial" panose="020B0604020202020204" pitchFamily="34" charset="0"/>
-              </a:rPr>
-              <a:t>)</a:t>
-            </a:r>
-            <a:endParaRPr lang="ru-RU" sz="1400" dirty="0">
-              <a:solidFill>
-                <a:schemeClr val="tx1"/>
-              </a:solidFill>
-              <a:latin typeface="Arial" panose="020B0604020202020204" pitchFamily="34" charset="0"/>
-              <a:cs typeface="Arial" panose="020B0604020202020204" pitchFamily="34" charset="0"/>
-            </a:endParaRPr>
-          </a:p>
-        </p:txBody>
-      </p:sp>
-      <p:sp>
-        <p:nvSpPr>
-          <p:cNvPr id="46" name="Прямоугольник 45">
-            <a:extLst>
-              <a:ext uri="{FF2B5EF4-FFF2-40B4-BE49-F238E27FC236}">
-                <a16:creationId xmlns:a16="http://schemas.microsoft.com/office/drawing/2014/main" id="{ED4AE073-28F8-4BCA-A0F3-1F067DA9F25D}"/>
-              </a:ext>
-            </a:extLst>
-          </p:cNvPr>
-          <p:cNvSpPr/>
-          <p:nvPr/>
-        </p:nvSpPr>
-        <p:spPr>
-          <a:xfrm>
-            <a:off x="3777793" y="1786358"/>
-            <a:ext cx="1588414" cy="318488"/>
-          </a:xfrm>
-          <a:prstGeom prst="rect">
-            <a:avLst/>
-          </a:prstGeom>
-          <a:solidFill>
-            <a:schemeClr val="bg1"/>
-          </a:solidFill>
-          <a:ln>
-            <a:solidFill>
-              <a:schemeClr val="tx1"/>
-            </a:solidFill>
-          </a:ln>
-        </p:spPr>
-        <p:style>
-          <a:lnRef idx="2">
-            <a:schemeClr val="accent1">
-              <a:shade val="50000"/>
-            </a:schemeClr>
-          </a:lnRef>
-          <a:fillRef idx="1">
-            <a:schemeClr val="accent1"/>
-          </a:fillRef>
-          <a:effectRef idx="0">
-            <a:schemeClr val="accent1"/>
-          </a:effectRef>
-          <a:fontRef idx="minor">
-            <a:schemeClr val="lt1"/>
-          </a:fontRef>
-        </p:style>
-        <p:txBody>
-          <a:bodyPr rtlCol="0" anchor="ctr"/>
-          <a:lstStyle/>
-          <a:p>
-            <a:pPr algn="ctr"/>
-            <a:r>
-              <a:rPr lang="ru-RU" sz="1400" dirty="0">
-                <a:solidFill>
-                  <a:schemeClr val="tx1"/>
-                </a:solidFill>
-                <a:latin typeface="Arial" panose="020B0604020202020204" pitchFamily="34" charset="0"/>
-                <a:cs typeface="Arial" panose="020B0604020202020204" pitchFamily="34" charset="0"/>
-              </a:rPr>
-              <a:t>состояние</a:t>
-            </a:r>
-            <a:r>
-              <a:rPr lang="en-US" sz="1400" dirty="0">
-                <a:solidFill>
-                  <a:schemeClr val="tx1"/>
-                </a:solidFill>
-                <a:latin typeface="Arial" panose="020B0604020202020204" pitchFamily="34" charset="0"/>
-                <a:cs typeface="Arial" panose="020B0604020202020204" pitchFamily="34" charset="0"/>
-              </a:rPr>
-              <a:t> = X(0) </a:t>
-            </a:r>
-            <a:endParaRPr lang="ru-RU" sz="1400" dirty="0">
-              <a:solidFill>
-                <a:schemeClr val="tx1"/>
-              </a:solidFill>
-              <a:latin typeface="Arial" panose="020B0604020202020204" pitchFamily="34" charset="0"/>
-              <a:cs typeface="Arial" panose="020B0604020202020204" pitchFamily="34" charset="0"/>
-            </a:endParaRPr>
-          </a:p>
-        </p:txBody>
-      </p:sp>
-      <p:cxnSp>
-        <p:nvCxnSpPr>
-          <p:cNvPr id="47" name="Прямая соединительная линия 46">
-            <a:extLst>
-              <a:ext uri="{FF2B5EF4-FFF2-40B4-BE49-F238E27FC236}">
-                <a16:creationId xmlns:a16="http://schemas.microsoft.com/office/drawing/2014/main" id="{3F1724B1-7192-48A8-B5C8-E463FC1133F9}"/>
-              </a:ext>
-            </a:extLst>
-          </p:cNvPr>
-          <p:cNvCxnSpPr>
-            <a:cxnSpLocks/>
-            <a:stCxn id="46" idx="2"/>
-            <a:endCxn id="204" idx="0"/>
-          </p:cNvCxnSpPr>
-          <p:nvPr/>
-        </p:nvCxnSpPr>
-        <p:spPr>
-          <a:xfrm>
-            <a:off x="4572000" y="2104846"/>
-            <a:ext cx="0" cy="217369"/>
-          </a:xfrm>
-          <a:prstGeom prst="line">
-            <a:avLst/>
-          </a:prstGeom>
-          <a:ln w="12700">
-            <a:solidFill>
-              <a:schemeClr val="tx1"/>
-            </a:solidFill>
-            <a:prstDash val="solid"/>
-            <a:headEnd type="none" w="med" len="med"/>
-            <a:tailEnd type="triangle" w="med" len="med"/>
-          </a:ln>
-        </p:spPr>
-        <p:style>
-          <a:lnRef idx="1">
-            <a:schemeClr val="accent1"/>
-          </a:lnRef>
-          <a:fillRef idx="0">
-            <a:schemeClr val="accent1"/>
-          </a:fillRef>
-          <a:effectRef idx="0">
-            <a:schemeClr val="accent1"/>
-          </a:effectRef>
-          <a:fontRef idx="minor">
-            <a:schemeClr val="tx1"/>
-          </a:fontRef>
-        </p:style>
-      </p:cxnSp>
-      <p:cxnSp>
-        <p:nvCxnSpPr>
-          <p:cNvPr id="58" name="Прямая соединительная линия 57">
-            <a:extLst>
-              <a:ext uri="{FF2B5EF4-FFF2-40B4-BE49-F238E27FC236}">
-                <a16:creationId xmlns:a16="http://schemas.microsoft.com/office/drawing/2014/main" id="{F0DAB1FF-2CAD-487C-A12A-319E87CCC40D}"/>
-              </a:ext>
-            </a:extLst>
-          </p:cNvPr>
-          <p:cNvCxnSpPr>
-            <a:cxnSpLocks/>
-            <a:stCxn id="39" idx="2"/>
-            <a:endCxn id="45" idx="0"/>
-          </p:cNvCxnSpPr>
-          <p:nvPr/>
-        </p:nvCxnSpPr>
-        <p:spPr>
-          <a:xfrm>
-            <a:off x="4571946" y="3368574"/>
-            <a:ext cx="0" cy="264265"/>
-          </a:xfrm>
-          <a:prstGeom prst="line">
-            <a:avLst/>
-          </a:prstGeom>
-          <a:ln w="12700">
-            <a:solidFill>
-              <a:schemeClr val="tx1"/>
-            </a:solidFill>
-            <a:prstDash val="solid"/>
-            <a:headEnd type="none" w="med" len="med"/>
-            <a:tailEnd type="triangle" w="med" len="med"/>
-          </a:ln>
-        </p:spPr>
-        <p:style>
-          <a:lnRef idx="1">
-            <a:schemeClr val="accent1"/>
-          </a:lnRef>
-          <a:fillRef idx="0">
-            <a:schemeClr val="accent1"/>
-          </a:fillRef>
-          <a:effectRef idx="0">
-            <a:schemeClr val="accent1"/>
-          </a:effectRef>
-          <a:fontRef idx="minor">
-            <a:schemeClr val="tx1"/>
-          </a:fontRef>
-        </p:style>
-      </p:cxnSp>
-      <p:sp>
-        <p:nvSpPr>
-          <p:cNvPr id="62" name="TextBox 61">
-            <a:extLst>
-              <a:ext uri="{FF2B5EF4-FFF2-40B4-BE49-F238E27FC236}">
-                <a16:creationId xmlns:a16="http://schemas.microsoft.com/office/drawing/2014/main" id="{08C2A68A-1B8D-4802-AEE4-3B9F5151A9B8}"/>
-              </a:ext>
-            </a:extLst>
-          </p:cNvPr>
-          <p:cNvSpPr txBox="1"/>
-          <p:nvPr/>
-        </p:nvSpPr>
-        <p:spPr>
-          <a:xfrm>
-            <a:off x="4569672" y="3313671"/>
-            <a:ext cx="405880" cy="307777"/>
-          </a:xfrm>
-          <a:prstGeom prst="rect">
-            <a:avLst/>
-          </a:prstGeom>
-          <a:noFill/>
-        </p:spPr>
-        <p:txBody>
-          <a:bodyPr wrap="none" rtlCol="0">
-            <a:spAutoFit/>
-          </a:bodyPr>
-          <a:lstStyle/>
-          <a:p>
-            <a:r>
-              <a:rPr lang="ru-RU" sz="1400" dirty="0">
-                <a:latin typeface="Arial" panose="020B0604020202020204" pitchFamily="34" charset="0"/>
-                <a:cs typeface="Arial" panose="020B0604020202020204" pitchFamily="34" charset="0"/>
-              </a:rPr>
-              <a:t>Да</a:t>
-            </a:r>
-          </a:p>
-        </p:txBody>
-      </p:sp>
-      <p:cxnSp>
-        <p:nvCxnSpPr>
-          <p:cNvPr id="23" name="Соединитель: уступ 22">
-            <a:extLst>
-              <a:ext uri="{FF2B5EF4-FFF2-40B4-BE49-F238E27FC236}">
-                <a16:creationId xmlns:a16="http://schemas.microsoft.com/office/drawing/2014/main" id="{E5BFC057-395D-46C0-B20D-BE62F02D036F}"/>
-              </a:ext>
-            </a:extLst>
-          </p:cNvPr>
-          <p:cNvCxnSpPr>
-            <a:cxnSpLocks/>
-            <a:stCxn id="45" idx="2"/>
-          </p:cNvCxnSpPr>
-          <p:nvPr/>
-        </p:nvCxnSpPr>
-        <p:spPr>
-          <a:xfrm rot="5400000" flipH="1">
-            <a:off x="3902025" y="3359574"/>
-            <a:ext cx="1335126" cy="4717"/>
-          </a:xfrm>
-          <a:prstGeom prst="bentConnector5">
-            <a:avLst>
-              <a:gd name="adj1" fmla="val -17122"/>
-              <a:gd name="adj2" fmla="val 29993216"/>
-              <a:gd name="adj3" fmla="val 99991"/>
-            </a:avLst>
-          </a:prstGeom>
-          <a:ln w="12700">
-            <a:solidFill>
-              <a:schemeClr val="tx1"/>
-            </a:solidFill>
-            <a:tailEnd type="triangle"/>
-          </a:ln>
-        </p:spPr>
-        <p:style>
-          <a:lnRef idx="1">
-            <a:schemeClr val="accent1"/>
-          </a:lnRef>
-          <a:fillRef idx="0">
-            <a:schemeClr val="accent1"/>
-          </a:fillRef>
-          <a:effectRef idx="0">
-            <a:schemeClr val="accent1"/>
-          </a:effectRef>
-          <a:fontRef idx="minor">
-            <a:schemeClr val="tx1"/>
-          </a:fontRef>
-        </p:style>
-      </p:cxnSp>
-      <p:sp>
-        <p:nvSpPr>
-          <p:cNvPr id="72" name="Прямоугольник 71">
-            <a:extLst>
-              <a:ext uri="{FF2B5EF4-FFF2-40B4-BE49-F238E27FC236}">
-                <a16:creationId xmlns:a16="http://schemas.microsoft.com/office/drawing/2014/main" id="{3EFDFA8B-365A-4DD2-A350-573294DAEF9E}"/>
-              </a:ext>
-            </a:extLst>
-          </p:cNvPr>
-          <p:cNvSpPr/>
-          <p:nvPr/>
-        </p:nvSpPr>
-        <p:spPr>
-          <a:xfrm>
-            <a:off x="3136096" y="5690158"/>
-            <a:ext cx="2854226" cy="350897"/>
-          </a:xfrm>
-          <a:prstGeom prst="rect">
-            <a:avLst/>
-          </a:prstGeom>
-          <a:solidFill>
-            <a:schemeClr val="bg1"/>
-          </a:solidFill>
-          <a:ln>
-            <a:solidFill>
-              <a:schemeClr val="tx1"/>
-            </a:solidFill>
-          </a:ln>
-        </p:spPr>
-        <p:style>
-          <a:lnRef idx="2">
-            <a:schemeClr val="accent1">
-              <a:shade val="50000"/>
-            </a:schemeClr>
-          </a:lnRef>
-          <a:fillRef idx="1">
-            <a:schemeClr val="accent1"/>
-          </a:fillRef>
-          <a:effectRef idx="0">
-            <a:schemeClr val="accent1"/>
-          </a:effectRef>
-          <a:fontRef idx="minor">
-            <a:schemeClr val="lt1"/>
-          </a:fontRef>
-        </p:style>
-        <p:txBody>
-          <a:bodyPr rtlCol="0" anchor="ctr"/>
-          <a:lstStyle/>
-          <a:p>
-            <a:pPr algn="ctr"/>
-            <a:r>
-              <a:rPr lang="ru-RU" sz="1400" dirty="0">
-                <a:solidFill>
-                  <a:schemeClr val="tx1"/>
-                </a:solidFill>
-                <a:latin typeface="Arial" panose="020B0604020202020204" pitchFamily="34" charset="0"/>
-                <a:cs typeface="Arial" panose="020B0604020202020204" pitchFamily="34" charset="0"/>
-              </a:rPr>
-              <a:t>приспособленность</a:t>
-            </a:r>
-            <a:r>
-              <a:rPr lang="en-US" sz="1400" dirty="0">
-                <a:solidFill>
-                  <a:schemeClr val="tx1"/>
-                </a:solidFill>
-                <a:latin typeface="Arial" panose="020B0604020202020204" pitchFamily="34" charset="0"/>
-                <a:cs typeface="Arial" panose="020B0604020202020204" pitchFamily="34" charset="0"/>
-              </a:rPr>
-              <a:t> = -</a:t>
-            </a:r>
-            <a:r>
-              <a:rPr lang="ru-RU" sz="1400" dirty="0">
-                <a:solidFill>
-                  <a:srgbClr val="202124"/>
-                </a:solidFill>
-                <a:latin typeface="Arial" panose="020B0604020202020204" pitchFamily="34" charset="0"/>
-                <a:cs typeface="Arial" panose="020B0604020202020204" pitchFamily="34" charset="0"/>
-              </a:rPr>
-              <a:t>сумма</a:t>
-            </a:r>
-            <a:r>
-              <a:rPr lang="en-US" sz="1400" dirty="0">
-                <a:solidFill>
-                  <a:schemeClr val="tx1"/>
-                </a:solidFill>
-                <a:latin typeface="Arial" panose="020B0604020202020204" pitchFamily="34" charset="0"/>
-                <a:cs typeface="Arial" panose="020B0604020202020204" pitchFamily="34" charset="0"/>
-              </a:rPr>
-              <a:t>(d)</a:t>
-            </a:r>
-            <a:endParaRPr lang="ru-RU" sz="1400" dirty="0">
-              <a:solidFill>
-                <a:schemeClr val="tx1"/>
-              </a:solidFill>
-              <a:latin typeface="Arial" panose="020B0604020202020204" pitchFamily="34" charset="0"/>
-              <a:cs typeface="Arial" panose="020B0604020202020204" pitchFamily="34" charset="0"/>
-            </a:endParaRPr>
-          </a:p>
-        </p:txBody>
-      </p:sp>
-      <p:sp>
-        <p:nvSpPr>
-          <p:cNvPr id="120" name="TextBox 119">
-            <a:extLst>
-              <a:ext uri="{FF2B5EF4-FFF2-40B4-BE49-F238E27FC236}">
-                <a16:creationId xmlns:a16="http://schemas.microsoft.com/office/drawing/2014/main" id="{302A6374-7DA4-445F-B887-FD25ADA0A0E2}"/>
-              </a:ext>
-            </a:extLst>
-          </p:cNvPr>
-          <p:cNvSpPr txBox="1"/>
-          <p:nvPr/>
-        </p:nvSpPr>
-        <p:spPr>
-          <a:xfrm>
-            <a:off x="5153000" y="2778842"/>
-            <a:ext cx="489686" cy="307777"/>
-          </a:xfrm>
-          <a:prstGeom prst="rect">
-            <a:avLst/>
-          </a:prstGeom>
-          <a:noFill/>
-        </p:spPr>
-        <p:txBody>
-          <a:bodyPr wrap="none" rtlCol="0">
-            <a:spAutoFit/>
-          </a:bodyPr>
-          <a:lstStyle/>
-          <a:p>
-            <a:r>
-              <a:rPr lang="ru-RU" sz="1400" dirty="0">
-                <a:latin typeface="Arial" panose="020B0604020202020204" pitchFamily="34" charset="0"/>
-                <a:cs typeface="Arial" panose="020B0604020202020204" pitchFamily="34" charset="0"/>
-              </a:rPr>
-              <a:t>Нет</a:t>
-            </a:r>
-          </a:p>
-        </p:txBody>
-      </p:sp>
-      <p:sp>
-        <p:nvSpPr>
-          <p:cNvPr id="133" name="Прямоугольник 132">
-            <a:extLst>
-              <a:ext uri="{FF2B5EF4-FFF2-40B4-BE49-F238E27FC236}">
-                <a16:creationId xmlns:a16="http://schemas.microsoft.com/office/drawing/2014/main" id="{F9B9BC7D-3100-41D3-A7FE-E5201E31607F}"/>
-              </a:ext>
-            </a:extLst>
-          </p:cNvPr>
-          <p:cNvSpPr/>
-          <p:nvPr/>
-        </p:nvSpPr>
-        <p:spPr>
-          <a:xfrm>
-            <a:off x="3579485" y="4535438"/>
-            <a:ext cx="1973594" cy="350897"/>
-          </a:xfrm>
-          <a:prstGeom prst="rect">
-            <a:avLst/>
-          </a:prstGeom>
-          <a:solidFill>
-            <a:schemeClr val="bg1"/>
-          </a:solidFill>
-          <a:ln>
-            <a:solidFill>
-              <a:schemeClr val="tx1"/>
-            </a:solidFill>
-          </a:ln>
-        </p:spPr>
-        <p:style>
-          <a:lnRef idx="2">
-            <a:schemeClr val="accent1">
-              <a:shade val="50000"/>
-            </a:schemeClr>
-          </a:lnRef>
-          <a:fillRef idx="1">
-            <a:schemeClr val="accent1"/>
-          </a:fillRef>
-          <a:effectRef idx="0">
-            <a:schemeClr val="accent1"/>
-          </a:effectRef>
-          <a:fontRef idx="minor">
-            <a:schemeClr val="lt1"/>
-          </a:fontRef>
-        </p:style>
-        <p:txBody>
-          <a:bodyPr rtlCol="0" anchor="ctr"/>
-          <a:lstStyle/>
-          <a:p>
-            <a:pPr algn="ctr"/>
-            <a:r>
-              <a:rPr lang="en-US" sz="1400" dirty="0">
-                <a:solidFill>
-                  <a:schemeClr val="tx1"/>
-                </a:solidFill>
-                <a:latin typeface="Arial" panose="020B0604020202020204" pitchFamily="34" charset="0"/>
-                <a:cs typeface="Arial" panose="020B0604020202020204" pitchFamily="34" charset="0"/>
-              </a:rPr>
-              <a:t>Y(s) = </a:t>
-            </a:r>
-            <a:r>
-              <a:rPr lang="ru-RU" sz="1400" dirty="0">
-                <a:solidFill>
-                  <a:schemeClr val="tx1"/>
-                </a:solidFill>
-                <a:latin typeface="Arial" panose="020B0604020202020204" pitchFamily="34" charset="0"/>
-                <a:cs typeface="Arial" panose="020B0604020202020204" pitchFamily="34" charset="0"/>
-              </a:rPr>
-              <a:t>состояние </a:t>
-            </a:r>
-            <a:r>
-              <a:rPr lang="ru-RU" sz="1400" i="0" dirty="0">
-                <a:solidFill>
-                  <a:srgbClr val="202124"/>
-                </a:solidFill>
-                <a:effectLst/>
-                <a:latin typeface="Arial" panose="020B0604020202020204" pitchFamily="34" charset="0"/>
-                <a:cs typeface="Arial" panose="020B0604020202020204" pitchFamily="34" charset="0"/>
-              </a:rPr>
-              <a:t>∩</a:t>
-            </a:r>
-            <a:r>
-              <a:rPr lang="en-US" sz="1400" dirty="0">
-                <a:solidFill>
-                  <a:schemeClr val="tx1"/>
-                </a:solidFill>
-                <a:latin typeface="Arial" panose="020B0604020202020204" pitchFamily="34" charset="0"/>
-                <a:cs typeface="Arial" panose="020B0604020202020204" pitchFamily="34" charset="0"/>
-              </a:rPr>
-              <a:t> G</a:t>
-            </a:r>
-            <a:endParaRPr lang="ru-RU" sz="1400" dirty="0">
-              <a:solidFill>
-                <a:schemeClr val="tx1"/>
-              </a:solidFill>
-              <a:latin typeface="Arial" panose="020B0604020202020204" pitchFamily="34" charset="0"/>
-              <a:cs typeface="Arial" panose="020B0604020202020204" pitchFamily="34" charset="0"/>
-            </a:endParaRPr>
-          </a:p>
-        </p:txBody>
-      </p:sp>
-      <p:sp>
-        <p:nvSpPr>
-          <p:cNvPr id="134" name="Прямоугольник 133">
-            <a:extLst>
-              <a:ext uri="{FF2B5EF4-FFF2-40B4-BE49-F238E27FC236}">
-                <a16:creationId xmlns:a16="http://schemas.microsoft.com/office/drawing/2014/main" id="{D59A3E46-A623-4D8F-9E8F-0C1AEA6E4E1B}"/>
-              </a:ext>
-            </a:extLst>
-          </p:cNvPr>
-          <p:cNvSpPr/>
-          <p:nvPr/>
-        </p:nvSpPr>
-        <p:spPr>
-          <a:xfrm>
-            <a:off x="3790080" y="5112798"/>
-            <a:ext cx="1552404" cy="350897"/>
-          </a:xfrm>
-          <a:prstGeom prst="rect">
-            <a:avLst/>
-          </a:prstGeom>
-          <a:solidFill>
-            <a:schemeClr val="bg1"/>
-          </a:solidFill>
-          <a:ln>
-            <a:solidFill>
-              <a:schemeClr val="tx1"/>
-            </a:solidFill>
-          </a:ln>
-        </p:spPr>
-        <p:style>
-          <a:lnRef idx="2">
-            <a:schemeClr val="accent1">
-              <a:shade val="50000"/>
-            </a:schemeClr>
-          </a:lnRef>
-          <a:fillRef idx="1">
-            <a:schemeClr val="accent1"/>
-          </a:fillRef>
-          <a:effectRef idx="0">
-            <a:schemeClr val="accent1"/>
-          </a:effectRef>
-          <a:fontRef idx="minor">
-            <a:schemeClr val="lt1"/>
-          </a:fontRef>
-        </p:style>
-        <p:txBody>
-          <a:bodyPr rtlCol="0" anchor="ctr"/>
-          <a:lstStyle/>
-          <a:p>
-            <a:pPr algn="ctr"/>
-            <a:r>
-              <a:rPr lang="en-US" sz="1400" dirty="0">
-                <a:solidFill>
-                  <a:schemeClr val="tx1"/>
-                </a:solidFill>
-                <a:latin typeface="Arial" panose="020B0604020202020204" pitchFamily="34" charset="0"/>
-                <a:cs typeface="Arial" panose="020B0604020202020204" pitchFamily="34" charset="0"/>
-              </a:rPr>
-              <a:t>d = (Y(s) – Y)^2</a:t>
-            </a:r>
-            <a:endParaRPr lang="ru-RU" sz="1400" dirty="0">
-              <a:solidFill>
-                <a:schemeClr val="tx1"/>
-              </a:solidFill>
-              <a:latin typeface="Arial" panose="020B0604020202020204" pitchFamily="34" charset="0"/>
-              <a:cs typeface="Arial" panose="020B0604020202020204" pitchFamily="34" charset="0"/>
-            </a:endParaRPr>
-          </a:p>
-        </p:txBody>
-      </p:sp>
-      <p:cxnSp>
-        <p:nvCxnSpPr>
-          <p:cNvPr id="102" name="Соединитель: уступ 101">
-            <a:extLst>
-              <a:ext uri="{FF2B5EF4-FFF2-40B4-BE49-F238E27FC236}">
-                <a16:creationId xmlns:a16="http://schemas.microsoft.com/office/drawing/2014/main" id="{5EC158B7-1898-4C9A-984F-5708DCAA7AA2}"/>
-              </a:ext>
-            </a:extLst>
-          </p:cNvPr>
-          <p:cNvCxnSpPr>
-            <a:cxnSpLocks/>
-            <a:stCxn id="39" idx="3"/>
-            <a:endCxn id="133" idx="0"/>
-          </p:cNvCxnSpPr>
-          <p:nvPr/>
-        </p:nvCxnSpPr>
-        <p:spPr>
-          <a:xfrm flipH="1">
-            <a:off x="4566282" y="3119085"/>
-            <a:ext cx="679509" cy="1416353"/>
-          </a:xfrm>
-          <a:prstGeom prst="bentConnector4">
-            <a:avLst>
-              <a:gd name="adj1" fmla="val -110271"/>
-              <a:gd name="adj2" fmla="val 88845"/>
-            </a:avLst>
-          </a:prstGeom>
-          <a:ln w="12700">
-            <a:solidFill>
-              <a:schemeClr val="tx1"/>
-            </a:solidFill>
-            <a:tailEnd type="triangle"/>
-          </a:ln>
-        </p:spPr>
-        <p:style>
-          <a:lnRef idx="1">
-            <a:schemeClr val="accent1"/>
-          </a:lnRef>
-          <a:fillRef idx="0">
-            <a:schemeClr val="accent1"/>
-          </a:fillRef>
-          <a:effectRef idx="0">
-            <a:schemeClr val="accent1"/>
-          </a:effectRef>
-          <a:fontRef idx="minor">
-            <a:schemeClr val="tx1"/>
-          </a:fontRef>
-        </p:style>
-      </p:cxnSp>
-      <p:cxnSp>
-        <p:nvCxnSpPr>
-          <p:cNvPr id="142" name="Прямая соединительная линия 141">
-            <a:extLst>
-              <a:ext uri="{FF2B5EF4-FFF2-40B4-BE49-F238E27FC236}">
-                <a16:creationId xmlns:a16="http://schemas.microsoft.com/office/drawing/2014/main" id="{819DDFAF-DBE4-4337-9765-380AF76C0CEF}"/>
-              </a:ext>
-            </a:extLst>
-          </p:cNvPr>
-          <p:cNvCxnSpPr>
-            <a:cxnSpLocks/>
-            <a:stCxn id="133" idx="2"/>
-            <a:endCxn id="134" idx="0"/>
-          </p:cNvCxnSpPr>
-          <p:nvPr/>
-        </p:nvCxnSpPr>
-        <p:spPr>
-          <a:xfrm>
-            <a:off x="4566282" y="4886335"/>
-            <a:ext cx="0" cy="226463"/>
-          </a:xfrm>
-          <a:prstGeom prst="line">
-            <a:avLst/>
-          </a:prstGeom>
-          <a:ln w="12700">
-            <a:solidFill>
-              <a:schemeClr val="tx1"/>
-            </a:solidFill>
-            <a:prstDash val="solid"/>
-            <a:headEnd type="none" w="med" len="med"/>
-            <a:tailEnd type="triangle" w="med" len="med"/>
-          </a:ln>
-        </p:spPr>
-        <p:style>
-          <a:lnRef idx="1">
-            <a:schemeClr val="accent1"/>
-          </a:lnRef>
-          <a:fillRef idx="0">
-            <a:schemeClr val="accent1"/>
-          </a:fillRef>
-          <a:effectRef idx="0">
-            <a:schemeClr val="accent1"/>
-          </a:effectRef>
-          <a:fontRef idx="minor">
-            <a:schemeClr val="tx1"/>
-          </a:fontRef>
-        </p:style>
-      </p:cxnSp>
-      <p:cxnSp>
-        <p:nvCxnSpPr>
-          <p:cNvPr id="145" name="Прямая соединительная линия 144">
-            <a:extLst>
-              <a:ext uri="{FF2B5EF4-FFF2-40B4-BE49-F238E27FC236}">
-                <a16:creationId xmlns:a16="http://schemas.microsoft.com/office/drawing/2014/main" id="{75E3E214-F976-4FE3-ACF5-CB5114BCCF93}"/>
-              </a:ext>
-            </a:extLst>
-          </p:cNvPr>
-          <p:cNvCxnSpPr>
-            <a:cxnSpLocks/>
-            <a:stCxn id="134" idx="2"/>
-            <a:endCxn id="72" idx="0"/>
-          </p:cNvCxnSpPr>
-          <p:nvPr/>
-        </p:nvCxnSpPr>
-        <p:spPr>
-          <a:xfrm flipH="1">
-            <a:off x="4563209" y="5463695"/>
-            <a:ext cx="3073" cy="226463"/>
-          </a:xfrm>
-          <a:prstGeom prst="line">
-            <a:avLst/>
-          </a:prstGeom>
-          <a:ln w="12700">
-            <a:solidFill>
-              <a:schemeClr val="tx1"/>
-            </a:solidFill>
-            <a:prstDash val="solid"/>
-            <a:headEnd type="none" w="med" len="med"/>
-            <a:tailEnd type="triangle" w="med" len="med"/>
-          </a:ln>
-        </p:spPr>
-        <p:style>
-          <a:lnRef idx="1">
-            <a:schemeClr val="accent1"/>
-          </a:lnRef>
-          <a:fillRef idx="0">
-            <a:schemeClr val="accent1"/>
-          </a:fillRef>
-          <a:effectRef idx="0">
-            <a:schemeClr val="accent1"/>
-          </a:effectRef>
-          <a:fontRef idx="minor">
-            <a:schemeClr val="tx1"/>
-          </a:fontRef>
-        </p:style>
-      </p:cxnSp>
-      <p:sp>
-        <p:nvSpPr>
-          <p:cNvPr id="35" name="Прямоугольник: скругленные углы 34">
-            <a:extLst>
-              <a:ext uri="{FF2B5EF4-FFF2-40B4-BE49-F238E27FC236}">
-                <a16:creationId xmlns:a16="http://schemas.microsoft.com/office/drawing/2014/main" id="{2D9C01A2-1AAB-451B-B674-842D4B3AC8D4}"/>
-              </a:ext>
-            </a:extLst>
-          </p:cNvPr>
-          <p:cNvSpPr/>
-          <p:nvPr/>
-        </p:nvSpPr>
-        <p:spPr>
-          <a:xfrm>
-            <a:off x="4094693" y="1252248"/>
-            <a:ext cx="954613" cy="287734"/>
-          </a:xfrm>
-          <a:prstGeom prst="roundRect">
-            <a:avLst/>
-          </a:prstGeom>
-          <a:solidFill>
-            <a:schemeClr val="bg1"/>
-          </a:solidFill>
-          <a:ln>
-            <a:solidFill>
-              <a:schemeClr val="tx1"/>
-            </a:solidFill>
-          </a:ln>
-        </p:spPr>
-        <p:style>
-          <a:lnRef idx="2">
-            <a:schemeClr val="accent1">
-              <a:shade val="50000"/>
-            </a:schemeClr>
-          </a:lnRef>
-          <a:fillRef idx="1">
-            <a:schemeClr val="accent1"/>
-          </a:fillRef>
-          <a:effectRef idx="0">
-            <a:schemeClr val="accent1"/>
-          </a:effectRef>
-          <a:fontRef idx="minor">
-            <a:schemeClr val="lt1"/>
-          </a:fontRef>
-        </p:style>
-        <p:txBody>
-          <a:bodyPr rtlCol="0" anchor="ctr"/>
-          <a:lstStyle/>
-          <a:p>
-            <a:pPr algn="ctr"/>
-            <a:r>
-              <a:rPr lang="ru-RU" sz="1400" dirty="0">
-                <a:solidFill>
-                  <a:schemeClr val="tx1"/>
-                </a:solidFill>
-                <a:latin typeface="Arial" panose="020B0604020202020204" pitchFamily="34" charset="0"/>
-                <a:cs typeface="Arial" panose="020B0604020202020204" pitchFamily="34" charset="0"/>
-              </a:rPr>
-              <a:t>Начало</a:t>
-            </a:r>
-          </a:p>
-        </p:txBody>
-      </p:sp>
-      <p:cxnSp>
-        <p:nvCxnSpPr>
-          <p:cNvPr id="54" name="Прямая соединительная линия 53">
-            <a:extLst>
-              <a:ext uri="{FF2B5EF4-FFF2-40B4-BE49-F238E27FC236}">
-                <a16:creationId xmlns:a16="http://schemas.microsoft.com/office/drawing/2014/main" id="{30BBE81E-DEE1-4E49-8C14-6ED957454942}"/>
-              </a:ext>
-            </a:extLst>
-          </p:cNvPr>
-          <p:cNvCxnSpPr>
-            <a:cxnSpLocks/>
-            <a:stCxn id="35" idx="2"/>
-            <a:endCxn id="46" idx="0"/>
-          </p:cNvCxnSpPr>
-          <p:nvPr/>
-        </p:nvCxnSpPr>
-        <p:spPr>
-          <a:xfrm>
-            <a:off x="4572000" y="1539982"/>
-            <a:ext cx="0" cy="246376"/>
-          </a:xfrm>
-          <a:prstGeom prst="line">
-            <a:avLst/>
-          </a:prstGeom>
-          <a:ln w="12700">
-            <a:solidFill>
-              <a:schemeClr val="tx1"/>
-            </a:solidFill>
-            <a:prstDash val="solid"/>
-            <a:headEnd type="none" w="med" len="med"/>
-            <a:tailEnd type="triangle" w="med" len="med"/>
-          </a:ln>
-        </p:spPr>
-        <p:style>
-          <a:lnRef idx="1">
-            <a:schemeClr val="accent1"/>
-          </a:lnRef>
-          <a:fillRef idx="0">
-            <a:schemeClr val="accent1"/>
-          </a:fillRef>
-          <a:effectRef idx="0">
-            <a:schemeClr val="accent1"/>
-          </a:effectRef>
-          <a:fontRef idx="minor">
-            <a:schemeClr val="tx1"/>
-          </a:fontRef>
-        </p:style>
-      </p:cxnSp>
-      <p:sp>
-        <p:nvSpPr>
-          <p:cNvPr id="63" name="Прямоугольник: скругленные углы 62">
-            <a:extLst>
-              <a:ext uri="{FF2B5EF4-FFF2-40B4-BE49-F238E27FC236}">
-                <a16:creationId xmlns:a16="http://schemas.microsoft.com/office/drawing/2014/main" id="{A3DB87D7-6311-4692-B176-AA5FC6E4DAAF}"/>
-              </a:ext>
-            </a:extLst>
-          </p:cNvPr>
-          <p:cNvSpPr/>
-          <p:nvPr/>
-        </p:nvSpPr>
-        <p:spPr>
-          <a:xfrm>
-            <a:off x="4085902" y="6284692"/>
-            <a:ext cx="954613" cy="287734"/>
-          </a:xfrm>
-          <a:prstGeom prst="roundRect">
-            <a:avLst/>
-          </a:prstGeom>
-          <a:solidFill>
-            <a:schemeClr val="bg1"/>
-          </a:solidFill>
-          <a:ln>
-            <a:solidFill>
-              <a:schemeClr val="tx1"/>
-            </a:solidFill>
-          </a:ln>
-        </p:spPr>
-        <p:style>
-          <a:lnRef idx="2">
-            <a:schemeClr val="accent1">
-              <a:shade val="50000"/>
-            </a:schemeClr>
-          </a:lnRef>
-          <a:fillRef idx="1">
-            <a:schemeClr val="accent1"/>
-          </a:fillRef>
-          <a:effectRef idx="0">
-            <a:schemeClr val="accent1"/>
-          </a:effectRef>
-          <a:fontRef idx="minor">
-            <a:schemeClr val="lt1"/>
-          </a:fontRef>
-        </p:style>
-        <p:txBody>
-          <a:bodyPr rtlCol="0" anchor="ctr"/>
-          <a:lstStyle/>
-          <a:p>
-            <a:pPr algn="ctr"/>
-            <a:r>
-              <a:rPr lang="ru-RU" sz="1400" dirty="0">
-                <a:solidFill>
-                  <a:schemeClr val="tx1"/>
-                </a:solidFill>
-                <a:latin typeface="Arial" panose="020B0604020202020204" pitchFamily="34" charset="0"/>
-                <a:cs typeface="Arial" panose="020B0604020202020204" pitchFamily="34" charset="0"/>
-              </a:rPr>
-              <a:t>Конец</a:t>
-            </a:r>
-          </a:p>
-        </p:txBody>
-      </p:sp>
-      <p:cxnSp>
-        <p:nvCxnSpPr>
-          <p:cNvPr id="64" name="Прямая соединительная линия 63">
-            <a:extLst>
-              <a:ext uri="{FF2B5EF4-FFF2-40B4-BE49-F238E27FC236}">
-                <a16:creationId xmlns:a16="http://schemas.microsoft.com/office/drawing/2014/main" id="{C0775F9A-1A50-406E-8801-A88990737F1F}"/>
-              </a:ext>
-            </a:extLst>
-          </p:cNvPr>
-          <p:cNvCxnSpPr>
-            <a:cxnSpLocks/>
-            <a:stCxn id="72" idx="2"/>
-            <a:endCxn id="63" idx="0"/>
-          </p:cNvCxnSpPr>
-          <p:nvPr/>
-        </p:nvCxnSpPr>
-        <p:spPr>
-          <a:xfrm>
-            <a:off x="4563209" y="6041055"/>
-            <a:ext cx="0" cy="243637"/>
-          </a:xfrm>
-          <a:prstGeom prst="line">
-            <a:avLst/>
-          </a:prstGeom>
-          <a:ln w="12700">
-            <a:solidFill>
-              <a:schemeClr val="tx1"/>
-            </a:solidFill>
-            <a:prstDash val="solid"/>
-            <a:headEnd type="none" w="med" len="med"/>
-            <a:tailEnd type="triangle" w="med" len="med"/>
-          </a:ln>
-        </p:spPr>
-        <p:style>
-          <a:lnRef idx="1">
-            <a:schemeClr val="accent1"/>
-          </a:lnRef>
-          <a:fillRef idx="0">
-            <a:schemeClr val="accent1"/>
-          </a:fillRef>
-          <a:effectRef idx="0">
-            <a:schemeClr val="accent1"/>
-          </a:effectRef>
-          <a:fontRef idx="minor">
-            <a:schemeClr val="tx1"/>
-          </a:fontRef>
-        </p:style>
-      </p:cxnSp>
-    </p:spTree>
-    <p:extLst>
-      <p:ext uri="{BB962C8B-B14F-4D97-AF65-F5344CB8AC3E}">
-        <p14:creationId xmlns:p14="http://schemas.microsoft.com/office/powerpoint/2010/main" val="3185577144"/>
       </p:ext>
     </p:extLst>
   </p:cSld>
